--- a/platform/configuration/configuration/src/test/easy/summary.pptx
+++ b/platform/configuration/configuration/src/test/easy/summary.pptx
@@ -111,6 +111,11 @@
       </a:defRPr>
     </a:lvl9pPr>
   </p:defaultTextStyle>
+  <p:extLst>
+    <p:ext uri="{EFAFB233-063F-42B5-8137-9DF3F51BA10A}">
+      <p15:sldGuideLst xmlns:p15="http://schemas.microsoft.com/office/powerpoint/2012/main"/>
+    </p:ext>
+  </p:extLst>
 </p:presentation>
 </file>
 
@@ -8560,6 +8565,54 @@
       </p:grpSpPr>
       <p:sp>
         <p:nvSpPr>
+          <p:cNvPr id="29" name="TextBox 28">
+            <a:extLst>
+              <a:ext uri="{FF2B5EF4-FFF2-40B4-BE49-F238E27FC236}">
+                <a16:creationId xmlns:a16="http://schemas.microsoft.com/office/drawing/2014/main" id="{2D0D92FF-0B6E-446F-A0F3-0316F1369A12}"/>
+              </a:ext>
+            </a:extLst>
+          </p:cNvPr>
+          <p:cNvSpPr txBox="1"/>
+          <p:nvPr/>
+        </p:nvSpPr>
+        <p:spPr>
+          <a:xfrm>
+            <a:off x="5848381" y="4777402"/>
+            <a:ext cx="2509464" cy="1538723"/>
+          </a:xfrm>
+          <a:prstGeom prst="rect">
+            <a:avLst/>
+          </a:prstGeom>
+          <a:noFill/>
+          <a:ln>
+            <a:solidFill>
+              <a:schemeClr val="accent1"/>
+            </a:solidFill>
+          </a:ln>
+        </p:spPr>
+        <p:txBody>
+          <a:bodyPr wrap="none" rtlCol="0">
+            <a:noAutofit/>
+          </a:bodyPr>
+          <a:lstStyle/>
+          <a:p>
+            <a:r>
+              <a:rPr lang="en-GB" b="1" dirty="0" err="1"/>
+              <a:t>MyKIFamily</a:t>
+            </a:r>
+            <a:endParaRPr lang="en-GB" b="1" dirty="0"/>
+          </a:p>
+          <a:p>
+            <a:r>
+              <a:rPr lang="en-GB" dirty="0"/>
+              <a:t>Java, sync</a:t>
+            </a:r>
+            <a:endParaRPr lang="en-DE" dirty="0"/>
+          </a:p>
+        </p:txBody>
+      </p:sp>
+      <p:sp>
+        <p:nvSpPr>
           <p:cNvPr id="2" name="Title 1">
             <a:extLst>
               <a:ext uri="{FF2B5EF4-FFF2-40B4-BE49-F238E27FC236}">
@@ -8592,16 +8645,13 @@
               <a:rPr lang="en-GB" sz="3000" dirty="0"/>
               <a:t>(parameter, family, RTSA, </a:t>
             </a:r>
-            <a:br>
-              <a:rPr lang="en-GB" sz="3000" dirty="0"/>
-            </a:br>
             <a:r>
               <a:rPr lang="en-GB" sz="3000" dirty="0" err="1"/>
               <a:t>impl</a:t>
             </a:r>
             <a:r>
               <a:rPr lang="en-GB" sz="3000" dirty="0"/>
-              <a:t>. irrelevant, legacy name)</a:t>
+              <a:t>. irrelevant)</a:t>
             </a:r>
             <a:endParaRPr lang="en-DE" sz="3000" dirty="0"/>
           </a:p>
@@ -8722,7 +8772,7 @@
         <p:spPr>
           <a:xfrm>
             <a:off x="1686885" y="5542580"/>
-            <a:ext cx="1656661" cy="2580"/>
+            <a:ext cx="1793580" cy="2580"/>
           </a:xfrm>
           <a:prstGeom prst="bentConnector3">
             <a:avLst/>
@@ -9025,13 +9075,14 @@
           <p:cNvCxnSpPr>
             <a:cxnSpLocks/>
             <a:stCxn id="13" idx="3"/>
+            <a:endCxn id="17" idx="1"/>
           </p:cNvCxnSpPr>
           <p:nvPr/>
         </p:nvCxnSpPr>
         <p:spPr>
-          <a:xfrm flipV="1">
-            <a:off x="2154821" y="3797427"/>
-            <a:ext cx="1511965" cy="17475"/>
+          <a:xfrm>
+            <a:off x="2154821" y="3814902"/>
+            <a:ext cx="1325644" cy="1730258"/>
           </a:xfrm>
           <a:prstGeom prst="bentConnector3">
             <a:avLst>
@@ -9071,7 +9122,7 @@
         </p:nvSpPr>
         <p:spPr>
           <a:xfrm>
-            <a:off x="2154821" y="3751261"/>
+            <a:off x="2276956" y="3728365"/>
             <a:ext cx="1456361" cy="369332"/>
           </a:xfrm>
           <a:prstGeom prst="rect">
@@ -9087,7 +9138,7 @@
           <a:p>
             <a:r>
               <a:rPr lang="en-GB" dirty="0" err="1"/>
-              <a:t>myConnPlftIn</a:t>
+              <a:t>myConnPltfIn</a:t>
             </a:r>
             <a:endParaRPr lang="en-DE" dirty="0"/>
           </a:p>
@@ -9196,7 +9247,7 @@
         </p:nvSpPr>
         <p:spPr>
           <a:xfrm>
-            <a:off x="3343546" y="5221994"/>
+            <a:off x="3480465" y="5221994"/>
             <a:ext cx="1638141" cy="646331"/>
           </a:xfrm>
           <a:prstGeom prst="rect">
@@ -9248,13 +9299,16 @@
         </p:nvCxnSpPr>
         <p:spPr>
           <a:xfrm>
-            <a:off x="4162617" y="5868325"/>
+            <a:off x="4299536" y="5868325"/>
             <a:ext cx="2180" cy="393713"/>
           </a:xfrm>
           <a:prstGeom prst="straightConnector1">
             <a:avLst/>
           </a:prstGeom>
           <a:ln>
+            <a:solidFill>
+              <a:srgbClr val="C00000"/>
+            </a:solidFill>
             <a:prstDash val="dash"/>
             <a:tailEnd type="triangle"/>
           </a:ln>
@@ -9288,7 +9342,7 @@
         </p:nvSpPr>
         <p:spPr>
           <a:xfrm>
-            <a:off x="3154680" y="6262038"/>
+            <a:off x="3291599" y="6262038"/>
             <a:ext cx="2020233" cy="369332"/>
           </a:xfrm>
           <a:prstGeom prst="rect">
@@ -9327,17 +9381,18 @@
           <p:cNvCxnSpPr>
             <a:cxnSpLocks/>
             <a:stCxn id="5" idx="3"/>
+            <a:endCxn id="17" idx="1"/>
           </p:cNvCxnSpPr>
           <p:nvPr/>
         </p:nvCxnSpPr>
         <p:spPr>
-          <a:xfrm flipV="1">
-            <a:off x="1944891" y="1618374"/>
-            <a:ext cx="1738109" cy="1"/>
+          <a:xfrm>
+            <a:off x="1944891" y="1618375"/>
+            <a:ext cx="1535574" cy="3926785"/>
           </a:xfrm>
           <a:prstGeom prst="bentConnector3">
             <a:avLst>
-              <a:gd name="adj1" fmla="val 50000"/>
+              <a:gd name="adj1" fmla="val 75157"/>
             </a:avLst>
           </a:prstGeom>
           <a:ln>
@@ -9372,8 +9427,8 @@
           <p:nvPr/>
         </p:nvSpPr>
         <p:spPr>
-          <a:xfrm>
-            <a:off x="4750256" y="3580820"/>
+          <a:xfrm rot="17451966">
+            <a:off x="7974472" y="5203932"/>
             <a:ext cx="1458413" cy="369332"/>
           </a:xfrm>
           <a:prstGeom prst="rect">
@@ -9409,7 +9464,7 @@
         </p:nvSpPr>
         <p:spPr>
           <a:xfrm>
-            <a:off x="8038447" y="4987994"/>
+            <a:off x="6006531" y="5542579"/>
             <a:ext cx="1096582" cy="646331"/>
           </a:xfrm>
           <a:prstGeom prst="rect">
@@ -9445,10 +9500,10 @@
       </p:sp>
       <p:sp>
         <p:nvSpPr>
-          <p:cNvPr id="29" name="TextBox 28">
-            <a:extLst>
-              <a:ext uri="{FF2B5EF4-FFF2-40B4-BE49-F238E27FC236}">
-                <a16:creationId xmlns:a16="http://schemas.microsoft.com/office/drawing/2014/main" id="{2D0D92FF-0B6E-446F-A0F3-0316F1369A12}"/>
+          <p:cNvPr id="30" name="TextBox 29">
+            <a:extLst>
+              <a:ext uri="{FF2B5EF4-FFF2-40B4-BE49-F238E27FC236}">
+                <a16:creationId xmlns:a16="http://schemas.microsoft.com/office/drawing/2014/main" id="{70895F3A-5E1F-41FF-B8F9-D9319AC6A21A}"/>
               </a:ext>
             </a:extLst>
           </p:cNvPr>
@@ -9457,8 +9512,8 @@
         </p:nvSpPr>
         <p:spPr>
           <a:xfrm>
-            <a:off x="6660100" y="4938769"/>
-            <a:ext cx="2509464" cy="1323269"/>
+            <a:off x="7226728" y="5553580"/>
+            <a:ext cx="1096582" cy="646331"/>
           </a:xfrm>
           <a:prstGeom prst="rect">
             <a:avLst/>
@@ -9472,15 +9527,14 @@
         </p:spPr>
         <p:txBody>
           <a:bodyPr wrap="none" rtlCol="0">
-            <a:noAutofit/>
+            <a:spAutoFit/>
           </a:bodyPr>
           <a:lstStyle/>
           <a:p>
             <a:r>
-              <a:rPr lang="en-GB" b="1" dirty="0" err="1"/>
-              <a:t>MyKIFamily</a:t>
-            </a:r>
-            <a:endParaRPr lang="en-GB" b="1" dirty="0"/>
+              <a:rPr lang="en-GB" b="1" dirty="0"/>
+              <a:t>MyKI2</a:t>
+            </a:r>
           </a:p>
           <a:p>
             <a:r>
@@ -9493,10 +9547,10 @@
       </p:sp>
       <p:sp>
         <p:nvSpPr>
-          <p:cNvPr id="30" name="TextBox 29">
-            <a:extLst>
-              <a:ext uri="{FF2B5EF4-FFF2-40B4-BE49-F238E27FC236}">
-                <a16:creationId xmlns:a16="http://schemas.microsoft.com/office/drawing/2014/main" id="{70895F3A-5E1F-41FF-B8F9-D9319AC6A21A}"/>
+          <p:cNvPr id="31" name="TextBox 30">
+            <a:extLst>
+              <a:ext uri="{FF2B5EF4-FFF2-40B4-BE49-F238E27FC236}">
+                <a16:creationId xmlns:a16="http://schemas.microsoft.com/office/drawing/2014/main" id="{E11B5251-6AF0-422B-8C2E-04A936DFBF06}"/>
               </a:ext>
             </a:extLst>
           </p:cNvPr>
@@ -9505,8 +9559,8 @@
         </p:nvSpPr>
         <p:spPr>
           <a:xfrm>
-            <a:off x="8038447" y="5714947"/>
-            <a:ext cx="1096582" cy="646331"/>
+            <a:off x="8951750" y="5219414"/>
+            <a:ext cx="1207190" cy="646331"/>
           </a:xfrm>
           <a:prstGeom prst="rect">
             <a:avLst/>
@@ -9525,14 +9579,15 @@
           <a:lstStyle/>
           <a:p>
             <a:r>
-              <a:rPr lang="en-GB" b="1" dirty="0"/>
-              <a:t>MyKI2</a:t>
-            </a:r>
+              <a:rPr lang="en-GB" b="1" dirty="0" err="1"/>
+              <a:t>MyRtsa</a:t>
+            </a:r>
+            <a:endParaRPr lang="en-GB" b="1" dirty="0"/>
           </a:p>
           <a:p>
             <a:r>
               <a:rPr lang="en-GB" dirty="0"/>
-              <a:t>Java, sync</a:t>
+              <a:t>Java, async</a:t>
             </a:r>
             <a:endParaRPr lang="en-DE" dirty="0"/>
           </a:p>
@@ -9540,10 +9595,10 @@
       </p:sp>
       <p:sp>
         <p:nvSpPr>
-          <p:cNvPr id="31" name="TextBox 30">
-            <a:extLst>
-              <a:ext uri="{FF2B5EF4-FFF2-40B4-BE49-F238E27FC236}">
-                <a16:creationId xmlns:a16="http://schemas.microsoft.com/office/drawing/2014/main" id="{E11B5251-6AF0-422B-8C2E-04A936DFBF06}"/>
+          <p:cNvPr id="32" name="TextBox 31">
+            <a:extLst>
+              <a:ext uri="{FF2B5EF4-FFF2-40B4-BE49-F238E27FC236}">
+                <a16:creationId xmlns:a16="http://schemas.microsoft.com/office/drawing/2014/main" id="{0A613B33-8BCA-4DA9-9391-F9654661952D}"/>
               </a:ext>
             </a:extLst>
           </p:cNvPr>
@@ -9552,8 +9607,8 @@
         </p:nvSpPr>
         <p:spPr>
           <a:xfrm>
-            <a:off x="6301899" y="3612761"/>
-            <a:ext cx="1207190" cy="646331"/>
+            <a:off x="10846348" y="5225524"/>
+            <a:ext cx="1239442" cy="646331"/>
           </a:xfrm>
           <a:prstGeom prst="rect">
             <a:avLst/>
@@ -9573,7 +9628,7 @@
           <a:p>
             <a:r>
               <a:rPr lang="en-GB" b="1" dirty="0" err="1"/>
-              <a:t>MyRtsa</a:t>
+              <a:t>MyAasSink</a:t>
             </a:r>
             <a:endParaRPr lang="en-GB" b="1" dirty="0"/>
           </a:p>
@@ -9588,10 +9643,10 @@
       </p:sp>
       <p:sp>
         <p:nvSpPr>
-          <p:cNvPr id="32" name="TextBox 31">
-            <a:extLst>
-              <a:ext uri="{FF2B5EF4-FFF2-40B4-BE49-F238E27FC236}">
-                <a16:creationId xmlns:a16="http://schemas.microsoft.com/office/drawing/2014/main" id="{0A613B33-8BCA-4DA9-9391-F9654661952D}"/>
+          <p:cNvPr id="33" name="TextBox 32">
+            <a:extLst>
+              <a:ext uri="{FF2B5EF4-FFF2-40B4-BE49-F238E27FC236}">
+                <a16:creationId xmlns:a16="http://schemas.microsoft.com/office/drawing/2014/main" id="{4F7FB419-8B3E-405D-83F8-FAE529845588}"/>
               </a:ext>
             </a:extLst>
           </p:cNvPr>
@@ -9600,18 +9655,13 @@
         </p:nvSpPr>
         <p:spPr>
           <a:xfrm>
-            <a:off x="9190633" y="3474262"/>
-            <a:ext cx="1239442" cy="646331"/>
+            <a:off x="218104" y="2680890"/>
+            <a:ext cx="2128018" cy="369332"/>
           </a:xfrm>
           <a:prstGeom prst="rect">
             <a:avLst/>
           </a:prstGeom>
           <a:noFill/>
-          <a:ln>
-            <a:solidFill>
-              <a:schemeClr val="accent1"/>
-            </a:solidFill>
-          </a:ln>
         </p:spPr>
         <p:txBody>
           <a:bodyPr wrap="none" rtlCol="0">
@@ -9620,15 +9670,12 @@
           <a:lstStyle/>
           <a:p>
             <a:r>
-              <a:rPr lang="en-GB" b="1" dirty="0" err="1"/>
-              <a:t>MyAasSink</a:t>
-            </a:r>
-            <a:endParaRPr lang="en-GB" b="1" dirty="0"/>
-          </a:p>
-          <a:p>
-            <a:r>
               <a:rPr lang="en-GB" dirty="0"/>
-              <a:t>Java, async</a:t>
+              <a:t>I: </a:t>
+            </a:r>
+            <a:r>
+              <a:rPr lang="en-GB" dirty="0" err="1"/>
+              <a:t>myConnMachineIn</a:t>
             </a:r>
             <a:endParaRPr lang="en-DE" dirty="0"/>
           </a:p>
@@ -9636,10 +9683,10 @@
       </p:sp>
       <p:sp>
         <p:nvSpPr>
-          <p:cNvPr id="33" name="TextBox 32">
-            <a:extLst>
-              <a:ext uri="{FF2B5EF4-FFF2-40B4-BE49-F238E27FC236}">
-                <a16:creationId xmlns:a16="http://schemas.microsoft.com/office/drawing/2014/main" id="{4F7FB419-8B3E-405D-83F8-FAE529845588}"/>
+          <p:cNvPr id="34" name="TextBox 33">
+            <a:extLst>
+              <a:ext uri="{FF2B5EF4-FFF2-40B4-BE49-F238E27FC236}">
+                <a16:creationId xmlns:a16="http://schemas.microsoft.com/office/drawing/2014/main" id="{A14698D4-8F37-4579-B042-7C1211EB8445}"/>
               </a:ext>
             </a:extLst>
           </p:cNvPr>
@@ -9648,8 +9695,8 @@
         </p:nvSpPr>
         <p:spPr>
           <a:xfrm>
-            <a:off x="218104" y="2680890"/>
-            <a:ext cx="2128018" cy="369332"/>
+            <a:off x="203434" y="2900796"/>
+            <a:ext cx="2394117" cy="369332"/>
           </a:xfrm>
           <a:prstGeom prst="rect">
             <a:avLst/>
@@ -9664,11 +9711,11 @@
           <a:p>
             <a:r>
               <a:rPr lang="en-GB" dirty="0"/>
-              <a:t>I: </a:t>
+              <a:t>O: </a:t>
             </a:r>
             <a:r>
               <a:rPr lang="en-GB" dirty="0" err="1"/>
-              <a:t>myConnMachineIn</a:t>
+              <a:t>myConnMachineOut</a:t>
             </a:r>
             <a:endParaRPr lang="en-DE" dirty="0"/>
           </a:p>
@@ -9676,10 +9723,10 @@
       </p:sp>
       <p:sp>
         <p:nvSpPr>
-          <p:cNvPr id="34" name="TextBox 33">
-            <a:extLst>
-              <a:ext uri="{FF2B5EF4-FFF2-40B4-BE49-F238E27FC236}">
-                <a16:creationId xmlns:a16="http://schemas.microsoft.com/office/drawing/2014/main" id="{A14698D4-8F37-4579-B042-7C1211EB8445}"/>
+          <p:cNvPr id="36" name="TextBox 35">
+            <a:extLst>
+              <a:ext uri="{FF2B5EF4-FFF2-40B4-BE49-F238E27FC236}">
+                <a16:creationId xmlns:a16="http://schemas.microsoft.com/office/drawing/2014/main" id="{1770FA92-FAD7-4233-ACAD-384A8C4AA784}"/>
               </a:ext>
             </a:extLst>
           </p:cNvPr>
@@ -9688,8 +9735,8 @@
         </p:nvSpPr>
         <p:spPr>
           <a:xfrm>
-            <a:off x="218104" y="2974146"/>
-            <a:ext cx="2394117" cy="369332"/>
+            <a:off x="225011" y="3120240"/>
+            <a:ext cx="2514343" cy="369332"/>
           </a:xfrm>
           <a:prstGeom prst="rect">
             <a:avLst/>
@@ -9703,12 +9750,12 @@
           <a:lstStyle/>
           <a:p>
             <a:r>
+              <a:rPr lang="en-GB" dirty="0" err="1"/>
+              <a:t>myConnPltfOut</a:t>
+            </a:r>
+            <a:r>
               <a:rPr lang="en-GB" dirty="0"/>
-              <a:t>O: </a:t>
-            </a:r>
-            <a:r>
-              <a:rPr lang="en-GB" dirty="0" err="1"/>
-              <a:t>myConnMachineOut</a:t>
+              <a:t> (unused)</a:t>
             </a:r>
             <a:endParaRPr lang="en-DE" dirty="0"/>
           </a:p>
@@ -9716,10 +9763,10 @@
       </p:sp>
       <p:sp>
         <p:nvSpPr>
-          <p:cNvPr id="36" name="TextBox 35">
-            <a:extLst>
-              <a:ext uri="{FF2B5EF4-FFF2-40B4-BE49-F238E27FC236}">
-                <a16:creationId xmlns:a16="http://schemas.microsoft.com/office/drawing/2014/main" id="{1770FA92-FAD7-4233-ACAD-384A8C4AA784}"/>
+          <p:cNvPr id="37" name="TextBox 36">
+            <a:extLst>
+              <a:ext uri="{FF2B5EF4-FFF2-40B4-BE49-F238E27FC236}">
+                <a16:creationId xmlns:a16="http://schemas.microsoft.com/office/drawing/2014/main" id="{AEABF672-731B-4076-9AF7-8430189408E9}"/>
               </a:ext>
             </a:extLst>
           </p:cNvPr>
@@ -9728,8 +9775,8 @@
         </p:nvSpPr>
         <p:spPr>
           <a:xfrm>
-            <a:off x="239681" y="3198480"/>
-            <a:ext cx="2514343" cy="369332"/>
+            <a:off x="430951" y="973878"/>
+            <a:ext cx="904415" cy="369332"/>
           </a:xfrm>
           <a:prstGeom prst="rect">
             <a:avLst/>
@@ -9743,12 +9790,8 @@
           <a:lstStyle/>
           <a:p>
             <a:r>
-              <a:rPr lang="en-GB" dirty="0" err="1"/>
-              <a:t>myConnPltfOut</a:t>
-            </a:r>
-            <a:r>
               <a:rPr lang="en-GB" dirty="0"/>
-              <a:t> (unused)</a:t>
+              <a:t>I: String</a:t>
             </a:r>
             <a:endParaRPr lang="en-DE" dirty="0"/>
           </a:p>
@@ -9756,10 +9799,10 @@
       </p:sp>
       <p:sp>
         <p:nvSpPr>
-          <p:cNvPr id="37" name="TextBox 36">
-            <a:extLst>
-              <a:ext uri="{FF2B5EF4-FFF2-40B4-BE49-F238E27FC236}">
-                <a16:creationId xmlns:a16="http://schemas.microsoft.com/office/drawing/2014/main" id="{AEABF672-731B-4076-9AF7-8430189408E9}"/>
+          <p:cNvPr id="38" name="TextBox 37">
+            <a:extLst>
+              <a:ext uri="{FF2B5EF4-FFF2-40B4-BE49-F238E27FC236}">
+                <a16:creationId xmlns:a16="http://schemas.microsoft.com/office/drawing/2014/main" id="{B375E468-2C72-47AF-AC65-F3A11767119E}"/>
               </a:ext>
             </a:extLst>
           </p:cNvPr>
@@ -9768,8 +9811,8 @@
         </p:nvSpPr>
         <p:spPr>
           <a:xfrm>
-            <a:off x="488331" y="971768"/>
-            <a:ext cx="904415" cy="369332"/>
+            <a:off x="2069165" y="1306395"/>
+            <a:ext cx="1456361" cy="369332"/>
           </a:xfrm>
           <a:prstGeom prst="rect">
             <a:avLst/>
@@ -9783,44 +9826,8 @@
           <a:lstStyle/>
           <a:p>
             <a:r>
-              <a:rPr lang="en-GB" dirty="0"/>
-              <a:t>I: String</a:t>
-            </a:r>
-            <a:endParaRPr lang="en-DE" dirty="0"/>
-          </a:p>
-        </p:txBody>
-      </p:sp>
-      <p:sp>
-        <p:nvSpPr>
-          <p:cNvPr id="38" name="TextBox 37">
-            <a:extLst>
-              <a:ext uri="{FF2B5EF4-FFF2-40B4-BE49-F238E27FC236}">
-                <a16:creationId xmlns:a16="http://schemas.microsoft.com/office/drawing/2014/main" id="{B375E468-2C72-47AF-AC65-F3A11767119E}"/>
-              </a:ext>
-            </a:extLst>
-          </p:cNvPr>
-          <p:cNvSpPr txBox="1"/>
-          <p:nvPr/>
-        </p:nvSpPr>
-        <p:spPr>
-          <a:xfrm>
-            <a:off x="2262422" y="1677931"/>
-            <a:ext cx="1456361" cy="369332"/>
-          </a:xfrm>
-          <a:prstGeom prst="rect">
-            <a:avLst/>
-          </a:prstGeom>
-          <a:noFill/>
-        </p:spPr>
-        <p:txBody>
-          <a:bodyPr wrap="none" rtlCol="0">
-            <a:spAutoFit/>
-          </a:bodyPr>
-          <a:lstStyle/>
-          <a:p>
-            <a:r>
               <a:rPr lang="en-GB" dirty="0" err="1"/>
-              <a:t>myConnPlftIn</a:t>
+              <a:t>myConnPltfIn</a:t>
             </a:r>
             <a:endParaRPr lang="en-DE" dirty="0"/>
           </a:p>
@@ -9837,13 +9844,15 @@
           </p:cNvPr>
           <p:cNvCxnSpPr>
             <a:cxnSpLocks/>
+            <a:stCxn id="17" idx="3"/>
+            <a:endCxn id="29" idx="1"/>
           </p:cNvCxnSpPr>
           <p:nvPr/>
         </p:nvCxnSpPr>
         <p:spPr>
           <a:xfrm>
-            <a:off x="4981687" y="5547985"/>
-            <a:ext cx="1656661" cy="2580"/>
+            <a:off x="5118606" y="5545160"/>
+            <a:ext cx="729775" cy="1604"/>
           </a:xfrm>
           <a:prstGeom prst="bentConnector3">
             <a:avLst/>
@@ -9881,7 +9890,7 @@
         </p:nvSpPr>
         <p:spPr>
           <a:xfrm>
-            <a:off x="5382520" y="5179943"/>
+            <a:off x="5030908" y="5203931"/>
             <a:ext cx="635880" cy="369332"/>
           </a:xfrm>
           <a:prstGeom prst="rect">
@@ -9905,23 +9914,24 @@
       </p:sp>
       <p:cxnSp>
         <p:nvCxnSpPr>
-          <p:cNvPr id="48" name="Connector: Elbow 47">
-            <a:extLst>
-              <a:ext uri="{FF2B5EF4-FFF2-40B4-BE49-F238E27FC236}">
-                <a16:creationId xmlns:a16="http://schemas.microsoft.com/office/drawing/2014/main" id="{0DE47CD5-1E2E-4DCF-B759-9A8262A18753}"/>
+          <p:cNvPr id="52" name="Connector: Elbow 51">
+            <a:extLst>
+              <a:ext uri="{FF2B5EF4-FFF2-40B4-BE49-F238E27FC236}">
+                <a16:creationId xmlns:a16="http://schemas.microsoft.com/office/drawing/2014/main" id="{0510283D-3AD3-4704-89A2-C37FBF40F154}"/>
               </a:ext>
             </a:extLst>
           </p:cNvPr>
           <p:cNvCxnSpPr>
             <a:cxnSpLocks/>
-            <a:stCxn id="29" idx="3"/>
+            <a:stCxn id="31" idx="3"/>
+            <a:endCxn id="32" idx="1"/>
           </p:cNvCxnSpPr>
           <p:nvPr/>
         </p:nvCxnSpPr>
         <p:spPr>
-          <a:xfrm flipV="1">
-            <a:off x="9169564" y="5600403"/>
-            <a:ext cx="1010756" cy="1"/>
+          <a:xfrm>
+            <a:off x="10158940" y="5542580"/>
+            <a:ext cx="687408" cy="6110"/>
           </a:xfrm>
           <a:prstGeom prst="bentConnector3">
             <a:avLst/>
@@ -9947,10 +9957,10 @@
       </p:cxnSp>
       <p:sp>
         <p:nvSpPr>
-          <p:cNvPr id="51" name="TextBox 50">
-            <a:extLst>
-              <a:ext uri="{FF2B5EF4-FFF2-40B4-BE49-F238E27FC236}">
-                <a16:creationId xmlns:a16="http://schemas.microsoft.com/office/drawing/2014/main" id="{9E33015E-C71B-44E0-930B-3E873586E512}"/>
+          <p:cNvPr id="55" name="TextBox 54">
+            <a:extLst>
+              <a:ext uri="{FF2B5EF4-FFF2-40B4-BE49-F238E27FC236}">
+                <a16:creationId xmlns:a16="http://schemas.microsoft.com/office/drawing/2014/main" id="{4729B742-E0CC-4673-AAA3-2F787B074F8F}"/>
               </a:ext>
             </a:extLst>
           </p:cNvPr>
@@ -9958,9 +9968,9 @@
           <p:nvPr/>
         </p:nvSpPr>
         <p:spPr>
-          <a:xfrm>
-            <a:off x="9301962" y="5231071"/>
-            <a:ext cx="731290" cy="369332"/>
+          <a:xfrm rot="17074610">
+            <a:off x="9786098" y="5288291"/>
+            <a:ext cx="1630051" cy="369332"/>
           </a:xfrm>
           <a:prstGeom prst="rect">
             <a:avLst/>
@@ -9968,42 +9978,44 @@
           <a:noFill/>
         </p:spPr>
         <p:txBody>
-          <a:bodyPr wrap="none" rtlCol="0">
+          <a:bodyPr wrap="square" rtlCol="0">
             <a:spAutoFit/>
           </a:bodyPr>
           <a:lstStyle/>
           <a:p>
             <a:r>
-              <a:rPr lang="en-GB" i="1" dirty="0"/>
-              <a:t>String</a:t>
-            </a:r>
-            <a:endParaRPr lang="en-DE" i="1" dirty="0"/>
+              <a:rPr lang="en-GB" dirty="0" err="1"/>
+              <a:t>RtsaTestOutput</a:t>
+            </a:r>
+            <a:endParaRPr lang="en-DE" dirty="0"/>
           </a:p>
         </p:txBody>
       </p:sp>
       <p:cxnSp>
         <p:nvCxnSpPr>
-          <p:cNvPr id="52" name="Connector: Elbow 51">
-            <a:extLst>
-              <a:ext uri="{FF2B5EF4-FFF2-40B4-BE49-F238E27FC236}">
-                <a16:creationId xmlns:a16="http://schemas.microsoft.com/office/drawing/2014/main" id="{0510283D-3AD3-4704-89A2-C37FBF40F154}"/>
+          <p:cNvPr id="56" name="Connector: Elbow 55">
+            <a:extLst>
+              <a:ext uri="{FF2B5EF4-FFF2-40B4-BE49-F238E27FC236}">
+                <a16:creationId xmlns:a16="http://schemas.microsoft.com/office/drawing/2014/main" id="{2EC4FBBF-FB83-48EA-8FD6-11509B00A0CF}"/>
               </a:ext>
             </a:extLst>
           </p:cNvPr>
           <p:cNvCxnSpPr>
             <a:cxnSpLocks/>
-            <a:stCxn id="31" idx="3"/>
-            <a:endCxn id="32" idx="1"/>
+            <a:stCxn id="29" idx="3"/>
+            <a:endCxn id="31" idx="1"/>
           </p:cNvCxnSpPr>
           <p:nvPr/>
         </p:nvCxnSpPr>
         <p:spPr>
           <a:xfrm flipV="1">
-            <a:off x="7509089" y="3797428"/>
-            <a:ext cx="1681544" cy="138499"/>
+            <a:off x="8357845" y="5542580"/>
+            <a:ext cx="593905" cy="4184"/>
           </a:xfrm>
           <a:prstGeom prst="bentConnector3">
-            <a:avLst/>
+            <a:avLst>
+              <a:gd name="adj1" fmla="val 50000"/>
+            </a:avLst>
           </a:prstGeom>
           <a:ln>
             <a:tailEnd type="triangle"/>
@@ -10026,88 +10038,10 @@
       </p:cxnSp>
       <p:sp>
         <p:nvSpPr>
-          <p:cNvPr id="55" name="TextBox 54">
-            <a:extLst>
-              <a:ext uri="{FF2B5EF4-FFF2-40B4-BE49-F238E27FC236}">
-                <a16:creationId xmlns:a16="http://schemas.microsoft.com/office/drawing/2014/main" id="{4729B742-E0CC-4673-AAA3-2F787B074F8F}"/>
-              </a:ext>
-            </a:extLst>
-          </p:cNvPr>
-          <p:cNvSpPr txBox="1"/>
-          <p:nvPr/>
-        </p:nvSpPr>
-        <p:spPr>
-          <a:xfrm>
-            <a:off x="7763371" y="3431549"/>
-            <a:ext cx="1371658" cy="646331"/>
-          </a:xfrm>
-          <a:prstGeom prst="rect">
-            <a:avLst/>
-          </a:prstGeom>
-          <a:noFill/>
-        </p:spPr>
-        <p:txBody>
-          <a:bodyPr wrap="square" rtlCol="0">
-            <a:spAutoFit/>
-          </a:bodyPr>
-          <a:lstStyle/>
-          <a:p>
-            <a:r>
-              <a:rPr lang="en-GB" dirty="0" err="1"/>
-              <a:t>RtsaTestOutput</a:t>
-            </a:r>
-            <a:endParaRPr lang="en-DE" dirty="0"/>
-          </a:p>
-        </p:txBody>
-      </p:sp>
-      <p:cxnSp>
-        <p:nvCxnSpPr>
-          <p:cNvPr id="56" name="Connector: Elbow 55">
-            <a:extLst>
-              <a:ext uri="{FF2B5EF4-FFF2-40B4-BE49-F238E27FC236}">
-                <a16:creationId xmlns:a16="http://schemas.microsoft.com/office/drawing/2014/main" id="{2EC4FBBF-FB83-48EA-8FD6-11509B00A0CF}"/>
-              </a:ext>
-            </a:extLst>
-          </p:cNvPr>
-          <p:cNvCxnSpPr>
-            <a:cxnSpLocks/>
-            <a:endCxn id="31" idx="1"/>
-          </p:cNvCxnSpPr>
-          <p:nvPr/>
-        </p:nvCxnSpPr>
-        <p:spPr>
-          <a:xfrm>
-            <a:off x="4579245" y="3935927"/>
-            <a:ext cx="1722654" cy="12700"/>
-          </a:xfrm>
-          <a:prstGeom prst="bentConnector3">
-            <a:avLst/>
-          </a:prstGeom>
-          <a:ln>
-            <a:tailEnd type="triangle"/>
-          </a:ln>
-        </p:spPr>
-        <p:style>
-          <a:lnRef idx="1">
-            <a:schemeClr val="accent1"/>
-          </a:lnRef>
-          <a:fillRef idx="0">
-            <a:schemeClr val="accent1"/>
-          </a:fillRef>
-          <a:effectRef idx="0">
-            <a:schemeClr val="accent1"/>
-          </a:effectRef>
-          <a:fontRef idx="minor">
-            <a:schemeClr val="tx1"/>
-          </a:fontRef>
-        </p:style>
-      </p:cxnSp>
-      <p:sp>
-        <p:nvSpPr>
-          <p:cNvPr id="64" name="Speech Bubble: Rectangle 63">
-            <a:extLst>
-              <a:ext uri="{FF2B5EF4-FFF2-40B4-BE49-F238E27FC236}">
-                <a16:creationId xmlns:a16="http://schemas.microsoft.com/office/drawing/2014/main" id="{3A258F21-5C4B-4D00-9BA9-D1AA7BA92224}"/>
+          <p:cNvPr id="39" name="Speech Bubble: Rectangle 38">
+            <a:extLst>
+              <a:ext uri="{FF2B5EF4-FFF2-40B4-BE49-F238E27FC236}">
+                <a16:creationId xmlns:a16="http://schemas.microsoft.com/office/drawing/2014/main" id="{2D55431B-A971-4674-97BF-D19A5BCEEE6A}"/>
               </a:ext>
             </a:extLst>
           </p:cNvPr>
@@ -10116,11 +10050,14 @@
         </p:nvSpPr>
         <p:spPr>
           <a:xfrm>
-            <a:off x="6863080" y="1564640"/>
+            <a:off x="4246982" y="1022702"/>
             <a:ext cx="2658512" cy="612648"/>
           </a:xfrm>
           <a:prstGeom prst="wedgeRectCallout">
-            <a:avLst/>
+            <a:avLst>
+              <a:gd name="adj1" fmla="val -40706"/>
+              <a:gd name="adj2" fmla="val -93387"/>
+            </a:avLst>
           </a:prstGeom>
         </p:spPr>
         <p:style>
@@ -10146,12 +10083,366 @@
             <a:pPr algn="ctr"/>
             <a:r>
               <a:rPr lang="en-GB" dirty="0"/>
-              <a:t>Incomplete, constraints needed, complete flow</a:t>
+              <a:t>Legacy name</a:t>
             </a:r>
             <a:endParaRPr lang="en-DE" dirty="0"/>
           </a:p>
         </p:txBody>
       </p:sp>
+      <p:sp>
+        <p:nvSpPr>
+          <p:cNvPr id="53" name="TextBox 52">
+            <a:extLst>
+              <a:ext uri="{FF2B5EF4-FFF2-40B4-BE49-F238E27FC236}">
+                <a16:creationId xmlns:a16="http://schemas.microsoft.com/office/drawing/2014/main" id="{88DEE5F7-1CC5-4C2E-A40E-5138F6DED948}"/>
+              </a:ext>
+            </a:extLst>
+          </p:cNvPr>
+          <p:cNvSpPr txBox="1"/>
+          <p:nvPr/>
+        </p:nvSpPr>
+        <p:spPr>
+          <a:xfrm>
+            <a:off x="6013310" y="6419975"/>
+            <a:ext cx="1075936" cy="369332"/>
+          </a:xfrm>
+          <a:prstGeom prst="rect">
+            <a:avLst/>
+          </a:prstGeom>
+          <a:noFill/>
+          <a:ln>
+            <a:solidFill>
+              <a:schemeClr val="accent6"/>
+            </a:solidFill>
+          </a:ln>
+        </p:spPr>
+        <p:txBody>
+          <a:bodyPr wrap="none" rtlCol="0">
+            <a:spAutoFit/>
+          </a:bodyPr>
+          <a:lstStyle/>
+          <a:p>
+            <a:r>
+              <a:rPr lang="en-GB" dirty="0" err="1"/>
+              <a:t>MyKiImpl</a:t>
+            </a:r>
+            <a:endParaRPr lang="en-DE" dirty="0"/>
+          </a:p>
+        </p:txBody>
+      </p:sp>
+      <p:sp>
+        <p:nvSpPr>
+          <p:cNvPr id="54" name="TextBox 53">
+            <a:extLst>
+              <a:ext uri="{FF2B5EF4-FFF2-40B4-BE49-F238E27FC236}">
+                <a16:creationId xmlns:a16="http://schemas.microsoft.com/office/drawing/2014/main" id="{12C25C06-42A5-43A5-B438-C5FBB4AA1C29}"/>
+              </a:ext>
+            </a:extLst>
+          </p:cNvPr>
+          <p:cNvSpPr txBox="1"/>
+          <p:nvPr/>
+        </p:nvSpPr>
+        <p:spPr>
+          <a:xfrm>
+            <a:off x="7211099" y="6419975"/>
+            <a:ext cx="1140056" cy="369332"/>
+          </a:xfrm>
+          <a:prstGeom prst="rect">
+            <a:avLst/>
+          </a:prstGeom>
+          <a:noFill/>
+          <a:ln>
+            <a:solidFill>
+              <a:schemeClr val="accent6"/>
+            </a:solidFill>
+          </a:ln>
+        </p:spPr>
+        <p:txBody>
+          <a:bodyPr wrap="none" rtlCol="0">
+            <a:spAutoFit/>
+          </a:bodyPr>
+          <a:lstStyle/>
+          <a:p>
+            <a:r>
+              <a:rPr lang="en-GB" dirty="0"/>
+              <a:t>MyK2Impl</a:t>
+            </a:r>
+            <a:endParaRPr lang="en-DE" dirty="0"/>
+          </a:p>
+        </p:txBody>
+      </p:sp>
+      <p:sp>
+        <p:nvSpPr>
+          <p:cNvPr id="57" name="TextBox 56">
+            <a:extLst>
+              <a:ext uri="{FF2B5EF4-FFF2-40B4-BE49-F238E27FC236}">
+                <a16:creationId xmlns:a16="http://schemas.microsoft.com/office/drawing/2014/main" id="{EC3DB9BD-840C-455C-A4DA-E91495047014}"/>
+              </a:ext>
+            </a:extLst>
+          </p:cNvPr>
+          <p:cNvSpPr txBox="1"/>
+          <p:nvPr/>
+        </p:nvSpPr>
+        <p:spPr>
+          <a:xfrm>
+            <a:off x="8886728" y="6420854"/>
+            <a:ext cx="1312924" cy="369332"/>
+          </a:xfrm>
+          <a:prstGeom prst="rect">
+            <a:avLst/>
+          </a:prstGeom>
+          <a:solidFill>
+            <a:schemeClr val="bg1">
+              <a:lumMod val="75000"/>
+            </a:schemeClr>
+          </a:solidFill>
+          <a:ln>
+            <a:solidFill>
+              <a:schemeClr val="accent6"/>
+            </a:solidFill>
+          </a:ln>
+        </p:spPr>
+        <p:txBody>
+          <a:bodyPr wrap="none" rtlCol="0">
+            <a:spAutoFit/>
+          </a:bodyPr>
+          <a:lstStyle/>
+          <a:p>
+            <a:r>
+              <a:rPr lang="en-GB" dirty="0"/>
+              <a:t>RTSA + Glue</a:t>
+            </a:r>
+            <a:endParaRPr lang="en-DE" dirty="0"/>
+          </a:p>
+        </p:txBody>
+      </p:sp>
+      <p:cxnSp>
+        <p:nvCxnSpPr>
+          <p:cNvPr id="58" name="Straight Arrow Connector 57">
+            <a:extLst>
+              <a:ext uri="{FF2B5EF4-FFF2-40B4-BE49-F238E27FC236}">
+                <a16:creationId xmlns:a16="http://schemas.microsoft.com/office/drawing/2014/main" id="{CA4B7D44-C33A-4725-9DE3-A54670C0E39E}"/>
+              </a:ext>
+            </a:extLst>
+          </p:cNvPr>
+          <p:cNvCxnSpPr>
+            <a:cxnSpLocks/>
+            <a:stCxn id="31" idx="2"/>
+            <a:endCxn id="57" idx="0"/>
+          </p:cNvCxnSpPr>
+          <p:nvPr/>
+        </p:nvCxnSpPr>
+        <p:spPr>
+          <a:xfrm flipH="1">
+            <a:off x="9543190" y="5865745"/>
+            <a:ext cx="12155" cy="555109"/>
+          </a:xfrm>
+          <a:prstGeom prst="straightConnector1">
+            <a:avLst/>
+          </a:prstGeom>
+          <a:ln>
+            <a:prstDash val="dash"/>
+            <a:tailEnd type="triangle"/>
+          </a:ln>
+        </p:spPr>
+        <p:style>
+          <a:lnRef idx="1">
+            <a:schemeClr val="accent1"/>
+          </a:lnRef>
+          <a:fillRef idx="0">
+            <a:schemeClr val="accent1"/>
+          </a:fillRef>
+          <a:effectRef idx="0">
+            <a:schemeClr val="accent1"/>
+          </a:effectRef>
+          <a:fontRef idx="minor">
+            <a:schemeClr val="tx1"/>
+          </a:fontRef>
+        </p:style>
+      </p:cxnSp>
+      <p:sp>
+        <p:nvSpPr>
+          <p:cNvPr id="59" name="TextBox 58">
+            <a:extLst>
+              <a:ext uri="{FF2B5EF4-FFF2-40B4-BE49-F238E27FC236}">
+                <a16:creationId xmlns:a16="http://schemas.microsoft.com/office/drawing/2014/main" id="{F1AC8F9E-BDAE-408B-A8A9-4E3D5B4666AC}"/>
+              </a:ext>
+            </a:extLst>
+          </p:cNvPr>
+          <p:cNvSpPr txBox="1"/>
+          <p:nvPr/>
+        </p:nvSpPr>
+        <p:spPr>
+          <a:xfrm>
+            <a:off x="10846348" y="6407414"/>
+            <a:ext cx="1170705" cy="369332"/>
+          </a:xfrm>
+          <a:prstGeom prst="rect">
+            <a:avLst/>
+          </a:prstGeom>
+          <a:solidFill>
+            <a:schemeClr val="bg1">
+              <a:lumMod val="75000"/>
+            </a:schemeClr>
+          </a:solidFill>
+          <a:ln>
+            <a:solidFill>
+              <a:schemeClr val="accent6"/>
+            </a:solidFill>
+          </a:ln>
+        </p:spPr>
+        <p:txBody>
+          <a:bodyPr wrap="none" rtlCol="0">
+            <a:spAutoFit/>
+          </a:bodyPr>
+          <a:lstStyle/>
+          <a:p>
+            <a:r>
+              <a:rPr lang="en-GB" dirty="0"/>
+              <a:t>Trace2AAS</a:t>
+            </a:r>
+            <a:endParaRPr lang="en-DE" dirty="0"/>
+          </a:p>
+        </p:txBody>
+      </p:sp>
+      <p:cxnSp>
+        <p:nvCxnSpPr>
+          <p:cNvPr id="60" name="Straight Arrow Connector 59">
+            <a:extLst>
+              <a:ext uri="{FF2B5EF4-FFF2-40B4-BE49-F238E27FC236}">
+                <a16:creationId xmlns:a16="http://schemas.microsoft.com/office/drawing/2014/main" id="{6F6EF061-4B46-498C-8323-EAE8BBEAA311}"/>
+              </a:ext>
+            </a:extLst>
+          </p:cNvPr>
+          <p:cNvCxnSpPr>
+            <a:cxnSpLocks/>
+            <a:stCxn id="32" idx="2"/>
+            <a:endCxn id="59" idx="0"/>
+          </p:cNvCxnSpPr>
+          <p:nvPr/>
+        </p:nvCxnSpPr>
+        <p:spPr>
+          <a:xfrm flipH="1">
+            <a:off x="11431701" y="5871855"/>
+            <a:ext cx="34368" cy="535559"/>
+          </a:xfrm>
+          <a:prstGeom prst="straightConnector1">
+            <a:avLst/>
+          </a:prstGeom>
+          <a:ln>
+            <a:prstDash val="dash"/>
+            <a:tailEnd type="triangle"/>
+          </a:ln>
+        </p:spPr>
+        <p:style>
+          <a:lnRef idx="1">
+            <a:schemeClr val="accent1"/>
+          </a:lnRef>
+          <a:fillRef idx="0">
+            <a:schemeClr val="accent1"/>
+          </a:fillRef>
+          <a:effectRef idx="0">
+            <a:schemeClr val="accent1"/>
+          </a:effectRef>
+          <a:fontRef idx="minor">
+            <a:schemeClr val="tx1"/>
+          </a:fontRef>
+        </p:style>
+      </p:cxnSp>
+      <p:cxnSp>
+        <p:nvCxnSpPr>
+          <p:cNvPr id="61" name="Straight Arrow Connector 60">
+            <a:extLst>
+              <a:ext uri="{FF2B5EF4-FFF2-40B4-BE49-F238E27FC236}">
+                <a16:creationId xmlns:a16="http://schemas.microsoft.com/office/drawing/2014/main" id="{C381600F-E54A-4EA7-ACD1-C83A6B649870}"/>
+              </a:ext>
+            </a:extLst>
+          </p:cNvPr>
+          <p:cNvCxnSpPr>
+            <a:cxnSpLocks/>
+            <a:stCxn id="30" idx="2"/>
+            <a:endCxn id="54" idx="0"/>
+          </p:cNvCxnSpPr>
+          <p:nvPr/>
+        </p:nvCxnSpPr>
+        <p:spPr>
+          <a:xfrm>
+            <a:off x="7775019" y="6199911"/>
+            <a:ext cx="6108" cy="220064"/>
+          </a:xfrm>
+          <a:prstGeom prst="straightConnector1">
+            <a:avLst/>
+          </a:prstGeom>
+          <a:ln>
+            <a:solidFill>
+              <a:srgbClr val="C00000"/>
+            </a:solidFill>
+            <a:prstDash val="dash"/>
+            <a:tailEnd type="triangle"/>
+          </a:ln>
+        </p:spPr>
+        <p:style>
+          <a:lnRef idx="1">
+            <a:schemeClr val="accent1"/>
+          </a:lnRef>
+          <a:fillRef idx="0">
+            <a:schemeClr val="accent1"/>
+          </a:fillRef>
+          <a:effectRef idx="0">
+            <a:schemeClr val="accent1"/>
+          </a:effectRef>
+          <a:fontRef idx="minor">
+            <a:schemeClr val="tx1"/>
+          </a:fontRef>
+        </p:style>
+      </p:cxnSp>
+      <p:cxnSp>
+        <p:nvCxnSpPr>
+          <p:cNvPr id="62" name="Straight Arrow Connector 61">
+            <a:extLst>
+              <a:ext uri="{FF2B5EF4-FFF2-40B4-BE49-F238E27FC236}">
+                <a16:creationId xmlns:a16="http://schemas.microsoft.com/office/drawing/2014/main" id="{F4A20BD5-3AAF-45BC-9095-8D0D364A46EE}"/>
+              </a:ext>
+            </a:extLst>
+          </p:cNvPr>
+          <p:cNvCxnSpPr>
+            <a:cxnSpLocks/>
+            <a:stCxn id="24" idx="2"/>
+            <a:endCxn id="53" idx="0"/>
+          </p:cNvCxnSpPr>
+          <p:nvPr/>
+        </p:nvCxnSpPr>
+        <p:spPr>
+          <a:xfrm flipH="1">
+            <a:off x="6551278" y="6188910"/>
+            <a:ext cx="3544" cy="231065"/>
+          </a:xfrm>
+          <a:prstGeom prst="straightConnector1">
+            <a:avLst/>
+          </a:prstGeom>
+          <a:ln>
+            <a:solidFill>
+              <a:srgbClr val="C00000"/>
+            </a:solidFill>
+            <a:prstDash val="dash"/>
+            <a:tailEnd type="triangle"/>
+          </a:ln>
+        </p:spPr>
+        <p:style>
+          <a:lnRef idx="1">
+            <a:schemeClr val="accent1"/>
+          </a:lnRef>
+          <a:fillRef idx="0">
+            <a:schemeClr val="accent1"/>
+          </a:fillRef>
+          <a:effectRef idx="0">
+            <a:schemeClr val="accent1"/>
+          </a:effectRef>
+          <a:fontRef idx="minor">
+            <a:schemeClr val="tx1"/>
+          </a:fontRef>
+        </p:style>
+      </p:cxnSp>
     </p:spTree>
     <p:extLst>
       <p:ext uri="{BB962C8B-B14F-4D97-AF65-F5344CB8AC3E}">
@@ -10209,8 +10500,8 @@
           <a:lstStyle/>
           <a:p>
             <a:r>
-              <a:rPr lang="en-GB" dirty="0"/>
-              <a:t>SerializerConfig1 </a:t>
+              <a:rPr lang="en-GB"/>
+              <a:t>SerializerConfig1-old </a:t>
             </a:r>
             <a:r>
               <a:rPr lang="en-GB" sz="3000" dirty="0"/>
@@ -10709,7 +11000,7 @@
           <a:p>
             <a:r>
               <a:rPr lang="en-GB" dirty="0" err="1"/>
-              <a:t>myConnPlftIn</a:t>
+              <a:t>myConnPltfIn</a:t>
             </a:r>
             <a:endParaRPr lang="en-DE" dirty="0"/>
           </a:p>
@@ -11219,7 +11510,7 @@
           <a:p>
             <a:r>
               <a:rPr lang="en-GB" dirty="0" err="1"/>
-              <a:t>myConnPlftIn</a:t>
+              <a:t>myConnPltfIn</a:t>
             </a:r>
             <a:endParaRPr lang="en-DE" dirty="0"/>
           </a:p>

--- a/platform/configuration/configuration/src/test/easy/summary.pptx
+++ b/platform/configuration/configuration/src/test/easy/summary.pptx
@@ -9,16 +9,20 @@
     <p:sldId id="258" r:id="rId3"/>
     <p:sldId id="265" r:id="rId4"/>
     <p:sldId id="259" r:id="rId5"/>
-    <p:sldId id="266" r:id="rId6"/>
-    <p:sldId id="260" r:id="rId7"/>
-    <p:sldId id="267" r:id="rId8"/>
-    <p:sldId id="261" r:id="rId9"/>
-    <p:sldId id="268" r:id="rId10"/>
-    <p:sldId id="262" r:id="rId11"/>
-    <p:sldId id="269" r:id="rId12"/>
-    <p:sldId id="263" r:id="rId13"/>
-    <p:sldId id="270" r:id="rId14"/>
-    <p:sldId id="264" r:id="rId15"/>
+    <p:sldId id="271" r:id="rId6"/>
+    <p:sldId id="272" r:id="rId7"/>
+    <p:sldId id="266" r:id="rId8"/>
+    <p:sldId id="260" r:id="rId9"/>
+    <p:sldId id="273" r:id="rId10"/>
+    <p:sldId id="274" r:id="rId11"/>
+    <p:sldId id="267" r:id="rId12"/>
+    <p:sldId id="261" r:id="rId13"/>
+    <p:sldId id="268" r:id="rId14"/>
+    <p:sldId id="262" r:id="rId15"/>
+    <p:sldId id="269" r:id="rId16"/>
+    <p:sldId id="263" r:id="rId17"/>
+    <p:sldId id="270" r:id="rId18"/>
+    <p:sldId id="264" r:id="rId19"/>
   </p:sldIdLst>
   <p:sldSz cx="12192000" cy="6858000"/>
   <p:notesSz cx="6858000" cy="9144000"/>
@@ -274,7 +278,7 @@
           <a:p>
             <a:fld id="{D5B82AE6-E612-48AC-BCA1-8D558D7A7716}" type="datetimeFigureOut">
               <a:rPr lang="en-DE" smtClean="0"/>
-              <a:t>04/07/2022</a:t>
+              <a:t>05/12/2022</a:t>
             </a:fld>
             <a:endParaRPr lang="en-DE"/>
           </a:p>
@@ -474,7 +478,7 @@
           <a:p>
             <a:fld id="{D5B82AE6-E612-48AC-BCA1-8D558D7A7716}" type="datetimeFigureOut">
               <a:rPr lang="en-DE" smtClean="0"/>
-              <a:t>04/07/2022</a:t>
+              <a:t>05/12/2022</a:t>
             </a:fld>
             <a:endParaRPr lang="en-DE"/>
           </a:p>
@@ -684,7 +688,7 @@
           <a:p>
             <a:fld id="{D5B82AE6-E612-48AC-BCA1-8D558D7A7716}" type="datetimeFigureOut">
               <a:rPr lang="en-DE" smtClean="0"/>
-              <a:t>04/07/2022</a:t>
+              <a:t>05/12/2022</a:t>
             </a:fld>
             <a:endParaRPr lang="en-DE"/>
           </a:p>
@@ -884,7 +888,7 @@
           <a:p>
             <a:fld id="{D5B82AE6-E612-48AC-BCA1-8D558D7A7716}" type="datetimeFigureOut">
               <a:rPr lang="en-DE" smtClean="0"/>
-              <a:t>04/07/2022</a:t>
+              <a:t>05/12/2022</a:t>
             </a:fld>
             <a:endParaRPr lang="en-DE"/>
           </a:p>
@@ -1160,7 +1164,7 @@
           <a:p>
             <a:fld id="{D5B82AE6-E612-48AC-BCA1-8D558D7A7716}" type="datetimeFigureOut">
               <a:rPr lang="en-DE" smtClean="0"/>
-              <a:t>04/07/2022</a:t>
+              <a:t>05/12/2022</a:t>
             </a:fld>
             <a:endParaRPr lang="en-DE"/>
           </a:p>
@@ -1428,7 +1432,7 @@
           <a:p>
             <a:fld id="{D5B82AE6-E612-48AC-BCA1-8D558D7A7716}" type="datetimeFigureOut">
               <a:rPr lang="en-DE" smtClean="0"/>
-              <a:t>04/07/2022</a:t>
+              <a:t>05/12/2022</a:t>
             </a:fld>
             <a:endParaRPr lang="en-DE"/>
           </a:p>
@@ -1843,7 +1847,7 @@
           <a:p>
             <a:fld id="{D5B82AE6-E612-48AC-BCA1-8D558D7A7716}" type="datetimeFigureOut">
               <a:rPr lang="en-DE" smtClean="0"/>
-              <a:t>04/07/2022</a:t>
+              <a:t>05/12/2022</a:t>
             </a:fld>
             <a:endParaRPr lang="en-DE"/>
           </a:p>
@@ -1985,7 +1989,7 @@
           <a:p>
             <a:fld id="{D5B82AE6-E612-48AC-BCA1-8D558D7A7716}" type="datetimeFigureOut">
               <a:rPr lang="en-DE" smtClean="0"/>
-              <a:t>04/07/2022</a:t>
+              <a:t>05/12/2022</a:t>
             </a:fld>
             <a:endParaRPr lang="en-DE"/>
           </a:p>
@@ -2098,7 +2102,7 @@
           <a:p>
             <a:fld id="{D5B82AE6-E612-48AC-BCA1-8D558D7A7716}" type="datetimeFigureOut">
               <a:rPr lang="en-DE" smtClean="0"/>
-              <a:t>04/07/2022</a:t>
+              <a:t>05/12/2022</a:t>
             </a:fld>
             <a:endParaRPr lang="en-DE"/>
           </a:p>
@@ -2411,7 +2415,7 @@
           <a:p>
             <a:fld id="{D5B82AE6-E612-48AC-BCA1-8D558D7A7716}" type="datetimeFigureOut">
               <a:rPr lang="en-DE" smtClean="0"/>
-              <a:t>04/07/2022</a:t>
+              <a:t>05/12/2022</a:t>
             </a:fld>
             <a:endParaRPr lang="en-DE"/>
           </a:p>
@@ -2700,7 +2704,7 @@
           <a:p>
             <a:fld id="{D5B82AE6-E612-48AC-BCA1-8D558D7A7716}" type="datetimeFigureOut">
               <a:rPr lang="en-DE" smtClean="0"/>
-              <a:t>04/07/2022</a:t>
+              <a:t>05/12/2022</a:t>
             </a:fld>
             <a:endParaRPr lang="en-DE"/>
           </a:p>
@@ -2943,7 +2947,7 @@
           <a:p>
             <a:fld id="{D5B82AE6-E612-48AC-BCA1-8D558D7A7716}" type="datetimeFigureOut">
               <a:rPr lang="en-DE" smtClean="0"/>
-              <a:t>04/07/2022</a:t>
+              <a:t>05/12/2022</a:t>
             </a:fld>
             <a:endParaRPr lang="en-DE"/>
           </a:p>
@@ -3554,7 +3558,7 @@
           <a:p>
             <a:r>
               <a:rPr lang="en-GB" dirty="0" err="1"/>
-              <a:t>KodexMesh</a:t>
+              <a:t>ContainerCreation</a:t>
             </a:r>
             <a:endParaRPr lang="en-DE" sz="3000" dirty="0"/>
           </a:p>
@@ -3574,8 +3578,8 @@
         </p:nvSpPr>
         <p:spPr>
           <a:xfrm>
-            <a:off x="1063895" y="2858410"/>
-            <a:ext cx="2065630" cy="646331"/>
+            <a:off x="2777429" y="2053729"/>
+            <a:ext cx="1478225" cy="646331"/>
           </a:xfrm>
           <a:prstGeom prst="rect">
             <a:avLst/>
@@ -3595,14 +3599,14 @@
           <a:p>
             <a:r>
               <a:rPr lang="en-GB" b="1" dirty="0" err="1"/>
-              <a:t>SimpleKodexSource</a:t>
+              <a:t>SimpleSource</a:t>
             </a:r>
             <a:endParaRPr lang="en-GB" b="1" dirty="0"/>
           </a:p>
           <a:p>
             <a:r>
               <a:rPr lang="en-GB" dirty="0"/>
-              <a:t>Java, sync</a:t>
+              <a:t>Java, async</a:t>
             </a:r>
             <a:endParaRPr lang="en-DE" dirty="0"/>
           </a:p>
@@ -3622,8 +3626,8 @@
         </p:nvSpPr>
         <p:spPr>
           <a:xfrm>
-            <a:off x="7255171" y="2877707"/>
-            <a:ext cx="2142702" cy="646331"/>
+            <a:off x="8745560" y="2058526"/>
+            <a:ext cx="1762919" cy="646331"/>
           </a:xfrm>
           <a:prstGeom prst="rect">
             <a:avLst/>
@@ -3642,15 +3646,14 @@
           <a:lstStyle/>
           <a:p>
             <a:r>
-              <a:rPr lang="en-GB" b="1" dirty="0" err="1"/>
-              <a:t>KodexPythonService</a:t>
-            </a:r>
-            <a:endParaRPr lang="en-GB" b="1" dirty="0"/>
+              <a:rPr lang="en-GB" b="1" dirty="0"/>
+              <a:t>SimpleReceiver3</a:t>
+            </a:r>
           </a:p>
           <a:p>
             <a:r>
               <a:rPr lang="en-GB" dirty="0"/>
-              <a:t>Python, sync</a:t>
+              <a:t>Java, async</a:t>
             </a:r>
             <a:endParaRPr lang="en-DE" dirty="0"/>
           </a:p>
@@ -3673,9 +3676,9 @@
           <p:nvPr/>
         </p:nvCxnSpPr>
         <p:spPr>
-          <a:xfrm>
-            <a:off x="3129525" y="3181576"/>
-            <a:ext cx="1032815" cy="7350"/>
+          <a:xfrm flipV="1">
+            <a:off x="4255654" y="2372005"/>
+            <a:ext cx="1341767" cy="4890"/>
           </a:xfrm>
           <a:prstGeom prst="bentConnector3">
             <a:avLst/>
@@ -3713,8 +3716,8 @@
         </p:nvSpPr>
         <p:spPr>
           <a:xfrm>
-            <a:off x="3272722" y="2831541"/>
-            <a:ext cx="873124" cy="369332"/>
+            <a:off x="4574852" y="1991265"/>
+            <a:ext cx="635880" cy="369332"/>
           </a:xfrm>
           <a:prstGeom prst="rect">
             <a:avLst/>
@@ -3729,7 +3732,7 @@
           <a:p>
             <a:r>
               <a:rPr lang="en-GB" dirty="0"/>
-              <a:t>KRec13</a:t>
+              <a:t>Rec1</a:t>
             </a:r>
             <a:endParaRPr lang="en-DE" dirty="0"/>
           </a:p>
@@ -3749,7 +3752,7 @@
         </p:nvSpPr>
         <p:spPr>
           <a:xfrm>
-            <a:off x="280667" y="5668068"/>
+            <a:off x="1674269" y="3916004"/>
             <a:ext cx="3632085" cy="646331"/>
           </a:xfrm>
           <a:prstGeom prst="rect">
@@ -3781,7 +3784,7 @@
             </a:br>
             <a:r>
               <a:rPr lang="en-GB" dirty="0" err="1"/>
-              <a:t>serviceImpl.SimpleSourceKodexImpl</a:t>
+              <a:t>serviceImpl.SimpleSourceImpl</a:t>
             </a:r>
             <a:endParaRPr lang="en-DE" dirty="0"/>
           </a:p>
@@ -3801,8 +3804,8 @@
         </p:nvSpPr>
         <p:spPr>
           <a:xfrm>
-            <a:off x="6709957" y="4998035"/>
-            <a:ext cx="3233129" cy="369332"/>
+            <a:off x="7801197" y="3852242"/>
+            <a:ext cx="3632085" cy="646331"/>
           </a:xfrm>
           <a:prstGeom prst="rect">
             <a:avLst/>
@@ -3821,8 +3824,19 @@
           <a:lstStyle/>
           <a:p>
             <a:r>
+              <a:rPr lang="en-GB" dirty="0" err="1"/>
+              <a:t>de.iip_ecosphere.platform.test.apps</a:t>
+            </a:r>
+            <a:r>
               <a:rPr lang="en-GB" dirty="0"/>
-              <a:t>services/KodexPythonService.py</a:t>
+              <a:t>.</a:t>
+            </a:r>
+            <a:br>
+              <a:rPr lang="en-GB" dirty="0"/>
+            </a:br>
+            <a:r>
+              <a:rPr lang="en-GB" dirty="0" err="1"/>
+              <a:t>serviceImpl.SimpleReceiverImpl</a:t>
             </a:r>
             <a:endParaRPr lang="en-DE" dirty="0"/>
           </a:p>
@@ -3842,7 +3856,7 @@
         </p:nvSpPr>
         <p:spPr>
           <a:xfrm>
-            <a:off x="30352" y="4047687"/>
+            <a:off x="30352" y="3221301"/>
             <a:ext cx="2678618" cy="954107"/>
           </a:xfrm>
           <a:prstGeom prst="rect">
@@ -3912,9 +3926,9 @@
           <p:nvPr/>
         </p:nvCxnSpPr>
         <p:spPr>
-          <a:xfrm>
-            <a:off x="2096710" y="3504741"/>
-            <a:ext cx="0" cy="2163327"/>
+          <a:xfrm flipH="1">
+            <a:off x="3490312" y="2700060"/>
+            <a:ext cx="26230" cy="1215944"/>
           </a:xfrm>
           <a:prstGeom prst="straightConnector1">
             <a:avLst/>
@@ -3956,9 +3970,9 @@
           <p:nvPr/>
         </p:nvCxnSpPr>
         <p:spPr>
-          <a:xfrm>
-            <a:off x="8326522" y="3524038"/>
-            <a:ext cx="0" cy="1473997"/>
+          <a:xfrm flipH="1">
+            <a:off x="9617240" y="2704857"/>
+            <a:ext cx="9780" cy="1147385"/>
           </a:xfrm>
           <a:prstGeom prst="straightConnector1">
             <a:avLst/>
@@ -3997,8 +4011,8 @@
         </p:nvSpPr>
         <p:spPr>
           <a:xfrm>
-            <a:off x="4162340" y="2865760"/>
-            <a:ext cx="1638847" cy="646331"/>
+            <a:off x="5597421" y="2048839"/>
+            <a:ext cx="1997791" cy="646331"/>
           </a:xfrm>
           <a:prstGeom prst="rect">
             <a:avLst/>
@@ -4018,14 +4032,14 @@
           <a:p>
             <a:r>
               <a:rPr lang="en-GB" b="1" dirty="0" err="1"/>
-              <a:t>Pseudonymizer</a:t>
+              <a:t>SimpleTransformer</a:t>
             </a:r>
             <a:endParaRPr lang="en-GB" b="1" dirty="0"/>
           </a:p>
           <a:p>
             <a:r>
               <a:rPr lang="en-GB" dirty="0"/>
-              <a:t>KODEX, async</a:t>
+              <a:t>Python, async</a:t>
             </a:r>
             <a:endParaRPr lang="en-DE" dirty="0"/>
           </a:p>
@@ -4049,8 +4063,8 @@
         </p:nvCxnSpPr>
         <p:spPr>
           <a:xfrm>
-            <a:off x="5801187" y="3188926"/>
-            <a:ext cx="1453984" cy="11947"/>
+            <a:off x="7595212" y="2372005"/>
+            <a:ext cx="1150348" cy="9687"/>
           </a:xfrm>
           <a:prstGeom prst="bentConnector3">
             <a:avLst>
@@ -4090,8 +4104,8 @@
         </p:nvSpPr>
         <p:spPr>
           <a:xfrm>
-            <a:off x="5840360" y="2806894"/>
-            <a:ext cx="1371658" cy="369332"/>
+            <a:off x="7844042" y="1991265"/>
+            <a:ext cx="635880" cy="369332"/>
           </a:xfrm>
           <a:prstGeom prst="rect">
             <a:avLst/>
@@ -4106,7 +4120,7 @@
           <a:p>
             <a:r>
               <a:rPr lang="en-GB" dirty="0"/>
-              <a:t>KRec13Anon</a:t>
+              <a:t>Rec1</a:t>
             </a:r>
             <a:endParaRPr lang="en-DE" dirty="0"/>
           </a:p>
@@ -4126,17 +4140,13 @@
         </p:nvSpPr>
         <p:spPr>
           <a:xfrm>
-            <a:off x="4122138" y="3854774"/>
-            <a:ext cx="2486771" cy="369332"/>
+            <a:off x="5049034" y="4755749"/>
+            <a:ext cx="3055452" cy="369332"/>
           </a:xfrm>
           <a:prstGeom prst="rect">
             <a:avLst/>
           </a:prstGeom>
-          <a:solidFill>
-            <a:schemeClr val="bg1">
-              <a:lumMod val="75000"/>
-            </a:schemeClr>
-          </a:solidFill>
+          <a:noFill/>
           <a:ln>
             <a:solidFill>
               <a:schemeClr val="accent6"/>
@@ -4151,7 +4161,7 @@
           <a:p>
             <a:r>
               <a:rPr lang="en-GB" dirty="0"/>
-              <a:t>KODEX + generated Glue</a:t>
+              <a:t>Services/SimpleTransformer.py</a:t>
             </a:r>
             <a:endParaRPr lang="en-DE" dirty="0"/>
           </a:p>
@@ -4174,9 +4184,9 @@
           <p:nvPr/>
         </p:nvCxnSpPr>
         <p:spPr>
-          <a:xfrm>
-            <a:off x="4981764" y="3512091"/>
-            <a:ext cx="383760" cy="342683"/>
+          <a:xfrm flipH="1">
+            <a:off x="6576760" y="2695170"/>
+            <a:ext cx="19557" cy="2060579"/>
           </a:xfrm>
           <a:prstGeom prst="straightConnector1">
             <a:avLst/>
@@ -4206,7 +4216,7 @@
           <p:cNvPr id="17" name="TextBox 16">
             <a:extLst>
               <a:ext uri="{FF2B5EF4-FFF2-40B4-BE49-F238E27FC236}">
-                <a16:creationId xmlns:a16="http://schemas.microsoft.com/office/drawing/2014/main" id="{F5A1FE45-C9FF-467D-90A1-586AA06B7941}"/>
+                <a16:creationId xmlns:a16="http://schemas.microsoft.com/office/drawing/2014/main" id="{13AC9C2C-0926-4A2E-B4D6-41865C80B7D3}"/>
               </a:ext>
             </a:extLst>
           </p:cNvPr>
@@ -4215,8 +4225,8 @@
         </p:nvSpPr>
         <p:spPr>
           <a:xfrm>
-            <a:off x="10648223" y="2887160"/>
-            <a:ext cx="1585690" cy="646331"/>
+            <a:off x="4183529" y="5318495"/>
+            <a:ext cx="4789068" cy="646331"/>
           </a:xfrm>
           <a:prstGeom prst="rect">
             <a:avLst/>
@@ -4224,7 +4234,7 @@
           <a:noFill/>
           <a:ln>
             <a:solidFill>
-              <a:schemeClr val="accent1"/>
+              <a:schemeClr val="accent6"/>
             </a:solidFill>
           </a:ln>
         </p:spPr>
@@ -4234,16 +4244,33 @@
           </a:bodyPr>
           <a:lstStyle/>
           <a:p>
-            <a:r>
-              <a:rPr lang="en-GB" b="1" dirty="0" err="1"/>
-              <a:t>KodexReceiver</a:t>
-            </a:r>
-            <a:endParaRPr lang="en-GB" b="1" dirty="0"/>
-          </a:p>
-          <a:p>
+            <a:pPr algn="ctr"/>
             <a:r>
               <a:rPr lang="en-GB" dirty="0"/>
-              <a:t>Python, sync</a:t>
+              <a:t>Python Dependencies like TF-lite, Pandas, Pillow, </a:t>
+            </a:r>
+            <a:br>
+              <a:rPr lang="en-GB" dirty="0"/>
+            </a:br>
+            <a:r>
+              <a:rPr lang="en-GB" dirty="0" err="1"/>
+              <a:t>Keras</a:t>
+            </a:r>
+            <a:r>
+              <a:rPr lang="en-GB" dirty="0"/>
+              <a:t>, </a:t>
+            </a:r>
+            <a:r>
+              <a:rPr lang="en-GB" dirty="0" err="1"/>
+              <a:t>psutil</a:t>
+            </a:r>
+            <a:r>
+              <a:rPr lang="en-GB" dirty="0"/>
+              <a:t>, glob, </a:t>
+            </a:r>
+            <a:r>
+              <a:rPr lang="en-GB" dirty="0" err="1"/>
+              <a:t>opencv</a:t>
             </a:r>
             <a:endParaRPr lang="en-DE" dirty="0"/>
           </a:p>
@@ -4254,27 +4281,27 @@
           <p:cNvPr id="18" name="Straight Arrow Connector 17">
             <a:extLst>
               <a:ext uri="{FF2B5EF4-FFF2-40B4-BE49-F238E27FC236}">
-                <a16:creationId xmlns:a16="http://schemas.microsoft.com/office/drawing/2014/main" id="{F6905AEF-0AF6-4DC0-ACE8-23B3876A5B26}"/>
+                <a16:creationId xmlns:a16="http://schemas.microsoft.com/office/drawing/2014/main" id="{DA3D9D5B-9D08-46A8-B1FC-FD69EEBFEED8}"/>
               </a:ext>
             </a:extLst>
           </p:cNvPr>
           <p:cNvCxnSpPr>
             <a:cxnSpLocks/>
-            <a:stCxn id="17" idx="2"/>
-            <a:endCxn id="28" idx="0"/>
+            <a:stCxn id="26" idx="2"/>
+            <a:endCxn id="17" idx="0"/>
           </p:cNvCxnSpPr>
           <p:nvPr/>
         </p:nvCxnSpPr>
         <p:spPr>
-          <a:xfrm flipH="1">
-            <a:off x="10281014" y="3533491"/>
-            <a:ext cx="1160054" cy="1972375"/>
+          <a:xfrm>
+            <a:off x="6576760" y="5125081"/>
+            <a:ext cx="1303" cy="193414"/>
           </a:xfrm>
           <a:prstGeom prst="straightConnector1">
             <a:avLst/>
           </a:prstGeom>
           <a:ln>
-            <a:prstDash val="dash"/>
+            <a:prstDash val="sysDash"/>
             <a:tailEnd type="triangle"/>
           </a:ln>
         </p:spPr>
@@ -4293,143 +4320,10 @@
           </a:fontRef>
         </p:style>
       </p:cxnSp>
-      <p:sp>
-        <p:nvSpPr>
-          <p:cNvPr id="28" name="TextBox 27">
-            <a:extLst>
-              <a:ext uri="{FF2B5EF4-FFF2-40B4-BE49-F238E27FC236}">
-                <a16:creationId xmlns:a16="http://schemas.microsoft.com/office/drawing/2014/main" id="{BF19BB67-3D2D-4407-B6B2-6AF3217FD460}"/>
-              </a:ext>
-            </a:extLst>
-          </p:cNvPr>
-          <p:cNvSpPr txBox="1"/>
-          <p:nvPr/>
-        </p:nvSpPr>
-        <p:spPr>
-          <a:xfrm>
-            <a:off x="8464971" y="5505866"/>
-            <a:ext cx="3632085" cy="646331"/>
-          </a:xfrm>
-          <a:prstGeom prst="rect">
-            <a:avLst/>
-          </a:prstGeom>
-          <a:noFill/>
-          <a:ln>
-            <a:solidFill>
-              <a:schemeClr val="accent6"/>
-            </a:solidFill>
-          </a:ln>
-        </p:spPr>
-        <p:txBody>
-          <a:bodyPr wrap="none" rtlCol="0">
-            <a:spAutoFit/>
-          </a:bodyPr>
-          <a:lstStyle/>
-          <a:p>
-            <a:r>
-              <a:rPr lang="en-GB" dirty="0" err="1"/>
-              <a:t>de.iip_ecosphere.platform.test.apps</a:t>
-            </a:r>
-            <a:r>
-              <a:rPr lang="en-GB" dirty="0"/>
-              <a:t>.</a:t>
-            </a:r>
-            <a:br>
-              <a:rPr lang="en-GB" dirty="0"/>
-            </a:br>
-            <a:r>
-              <a:rPr lang="en-GB" dirty="0" err="1"/>
-              <a:t>serviceImpl.KodexReceiverImpl</a:t>
-            </a:r>
-            <a:endParaRPr lang="en-DE" dirty="0"/>
-          </a:p>
-        </p:txBody>
-      </p:sp>
-      <p:cxnSp>
-        <p:nvCxnSpPr>
-          <p:cNvPr id="35" name="Connector: Elbow 34">
-            <a:extLst>
-              <a:ext uri="{FF2B5EF4-FFF2-40B4-BE49-F238E27FC236}">
-                <a16:creationId xmlns:a16="http://schemas.microsoft.com/office/drawing/2014/main" id="{B6B410FB-90EE-4511-8C72-6F07B6B5D971}"/>
-              </a:ext>
-            </a:extLst>
-          </p:cNvPr>
-          <p:cNvCxnSpPr>
-            <a:cxnSpLocks/>
-            <a:stCxn id="5" idx="3"/>
-            <a:endCxn id="17" idx="1"/>
-          </p:cNvCxnSpPr>
-          <p:nvPr/>
-        </p:nvCxnSpPr>
-        <p:spPr>
-          <a:xfrm>
-            <a:off x="9397873" y="3200873"/>
-            <a:ext cx="1250350" cy="9453"/>
-          </a:xfrm>
-          <a:prstGeom prst="bentConnector3">
-            <a:avLst>
-              <a:gd name="adj1" fmla="val 50000"/>
-            </a:avLst>
-          </a:prstGeom>
-          <a:ln>
-            <a:tailEnd type="triangle"/>
-          </a:ln>
-        </p:spPr>
-        <p:style>
-          <a:lnRef idx="1">
-            <a:schemeClr val="accent1"/>
-          </a:lnRef>
-          <a:fillRef idx="0">
-            <a:schemeClr val="accent1"/>
-          </a:fillRef>
-          <a:effectRef idx="0">
-            <a:schemeClr val="accent1"/>
-          </a:effectRef>
-          <a:fontRef idx="minor">
-            <a:schemeClr val="tx1"/>
-          </a:fontRef>
-        </p:style>
-      </p:cxnSp>
-      <p:sp>
-        <p:nvSpPr>
-          <p:cNvPr id="50" name="TextBox 49">
-            <a:extLst>
-              <a:ext uri="{FF2B5EF4-FFF2-40B4-BE49-F238E27FC236}">
-                <a16:creationId xmlns:a16="http://schemas.microsoft.com/office/drawing/2014/main" id="{F910F1DF-B980-40BD-959A-E9BC961E67BA}"/>
-              </a:ext>
-            </a:extLst>
-          </p:cNvPr>
-          <p:cNvSpPr txBox="1"/>
-          <p:nvPr/>
-        </p:nvSpPr>
-        <p:spPr>
-          <a:xfrm>
-            <a:off x="9358306" y="2877707"/>
-            <a:ext cx="1371658" cy="369332"/>
-          </a:xfrm>
-          <a:prstGeom prst="rect">
-            <a:avLst/>
-          </a:prstGeom>
-          <a:noFill/>
-        </p:spPr>
-        <p:txBody>
-          <a:bodyPr wrap="none" rtlCol="0">
-            <a:spAutoFit/>
-          </a:bodyPr>
-          <a:lstStyle/>
-          <a:p>
-            <a:r>
-              <a:rPr lang="en-GB" dirty="0"/>
-              <a:t>KRec13Anon</a:t>
-            </a:r>
-            <a:endParaRPr lang="en-DE" dirty="0"/>
-          </a:p>
-        </p:txBody>
-      </p:sp>
     </p:spTree>
     <p:extLst>
       <p:ext uri="{BB962C8B-B14F-4D97-AF65-F5344CB8AC3E}">
-        <p14:creationId xmlns:p14="http://schemas.microsoft.com/office/powerpoint/2010/main" val="4217508873"/>
+        <p14:creationId xmlns:p14="http://schemas.microsoft.com/office/powerpoint/2010/main" val="2073476342"/>
       </p:ext>
     </p:extLst>
   </p:cSld>
@@ -4478,8 +4372,8 @@
           <a:lstStyle/>
           <a:p>
             <a:r>
-              <a:rPr lang="de-DE" dirty="0"/>
-              <a:t>SerializerConfig1</a:t>
+              <a:rPr lang="de-DE" dirty="0" err="1"/>
+              <a:t>RoutingTest</a:t>
             </a:r>
             <a:endParaRPr lang="en-DE" dirty="0"/>
           </a:p>
@@ -4508,15 +4402,120 @@
           <a:p>
             <a:r>
               <a:rPr lang="de-DE" dirty="0"/>
-              <a:t>Name: </a:t>
+              <a:t>Purpose: </a:t>
+            </a:r>
+          </a:p>
+          <a:p>
+            <a:pPr lvl="1"/>
+            <a:r>
+              <a:rPr lang="de-DE" dirty="0"/>
+              <a:t>Forward and </a:t>
             </a:r>
             <a:r>
               <a:rPr lang="de-DE" dirty="0" err="1"/>
-              <a:t>From</a:t>
+              <a:t>backward</a:t>
             </a:r>
             <a:r>
               <a:rPr lang="de-DE" dirty="0"/>
-              <a:t> original </a:t>
+              <a:t> </a:t>
+            </a:r>
+            <a:r>
+              <a:rPr lang="de-DE" dirty="0" err="1"/>
+              <a:t>flows</a:t>
+            </a:r>
+            <a:endParaRPr lang="de-DE" dirty="0"/>
+          </a:p>
+          <a:p>
+            <a:pPr lvl="1"/>
+            <a:r>
+              <a:rPr lang="de-DE" dirty="0" err="1"/>
+              <a:t>Synchronou</a:t>
+            </a:r>
+            <a:r>
+              <a:rPr lang="de-DE" dirty="0"/>
+              <a:t> source</a:t>
+            </a:r>
+          </a:p>
+          <a:p>
+            <a:pPr lvl="1"/>
+            <a:r>
+              <a:rPr lang="de-DE" dirty="0" err="1"/>
+              <a:t>Handwritten</a:t>
+            </a:r>
+            <a:r>
+              <a:rPr lang="de-DE" dirty="0"/>
+              <a:t> </a:t>
+            </a:r>
+            <a:r>
+              <a:rPr lang="de-DE" dirty="0" err="1"/>
+              <a:t>connector</a:t>
+            </a:r>
+            <a:r>
+              <a:rPr lang="de-DE" dirty="0"/>
+              <a:t> </a:t>
+            </a:r>
+            <a:r>
+              <a:rPr lang="de-DE" dirty="0" err="1"/>
+              <a:t>reacting</a:t>
+            </a:r>
+            <a:r>
+              <a:rPr lang="de-DE" dirty="0"/>
+              <a:t> on </a:t>
+            </a:r>
+            <a:r>
+              <a:rPr lang="de-DE" dirty="0" err="1"/>
+              <a:t>backward</a:t>
+            </a:r>
+            <a:r>
+              <a:rPr lang="de-DE" dirty="0"/>
+              <a:t> </a:t>
+            </a:r>
+            <a:r>
+              <a:rPr lang="de-DE" dirty="0" err="1"/>
+              <a:t>flow</a:t>
+            </a:r>
+            <a:endParaRPr lang="de-DE" dirty="0"/>
+          </a:p>
+          <a:p>
+            <a:pPr lvl="1"/>
+            <a:r>
+              <a:rPr lang="de-DE" dirty="0"/>
+              <a:t>Parallel </a:t>
+            </a:r>
+            <a:r>
+              <a:rPr lang="de-DE" dirty="0" err="1"/>
+              <a:t>asynchronous</a:t>
+            </a:r>
+            <a:r>
+              <a:rPr lang="de-DE"/>
+              <a:t> paths</a:t>
+            </a:r>
+            <a:endParaRPr lang="de-DE" dirty="0"/>
+          </a:p>
+          <a:p>
+            <a:r>
+              <a:rPr lang="de-DE" dirty="0" err="1"/>
+              <a:t>Used</a:t>
+            </a:r>
+            <a:r>
+              <a:rPr lang="de-DE" dirty="0"/>
+              <a:t> </a:t>
+            </a:r>
+            <a:r>
+              <a:rPr lang="de-DE" dirty="0" err="1"/>
+              <a:t>as</a:t>
+            </a:r>
+            <a:r>
+              <a:rPr lang="de-DE" dirty="0"/>
+              <a:t> </a:t>
+            </a:r>
+            <a:r>
+              <a:rPr lang="de-DE" dirty="0" err="1"/>
+              <a:t>regression</a:t>
+            </a:r>
+            <a:r>
+              <a:rPr lang="de-DE" dirty="0"/>
+              <a:t> </a:t>
             </a:r>
             <a:r>
               <a:rPr lang="de-DE" dirty="0" err="1"/>
@@ -4524,184 +4523,13 @@
             </a:r>
             <a:r>
               <a:rPr lang="de-DE" dirty="0"/>
-              <a:t> </a:t>
-            </a:r>
-            <a:r>
-              <a:rPr lang="de-DE" dirty="0" err="1"/>
-              <a:t>that</a:t>
-            </a:r>
-            <a:r>
-              <a:rPr lang="de-DE" dirty="0"/>
-              <a:t> </a:t>
-            </a:r>
-            <a:r>
-              <a:rPr lang="de-DE" dirty="0" err="1"/>
-              <a:t>tested</a:t>
-            </a:r>
-            <a:r>
-              <a:rPr lang="de-DE" dirty="0"/>
-              <a:t> </a:t>
-            </a:r>
-            <a:r>
-              <a:rPr lang="de-DE" dirty="0" err="1"/>
-              <a:t>generation</a:t>
-            </a:r>
-            <a:r>
-              <a:rPr lang="de-DE" dirty="0"/>
-              <a:t> </a:t>
-            </a:r>
-            <a:r>
-              <a:rPr lang="de-DE" dirty="0" err="1"/>
-              <a:t>of</a:t>
-            </a:r>
-            <a:r>
-              <a:rPr lang="de-DE" dirty="0"/>
-              <a:t> a </a:t>
-            </a:r>
-            <a:r>
-              <a:rPr lang="de-DE" dirty="0" err="1"/>
-              <a:t>serializer</a:t>
-            </a:r>
-            <a:endParaRPr lang="de-DE" dirty="0"/>
-          </a:p>
-          <a:p>
-            <a:r>
-              <a:rPr lang="de-DE" dirty="0"/>
-              <a:t>Purpose: </a:t>
-            </a:r>
-          </a:p>
-          <a:p>
-            <a:pPr lvl="1"/>
-            <a:r>
-              <a:rPr lang="de-DE" dirty="0" err="1"/>
-              <a:t>Two</a:t>
-            </a:r>
-            <a:r>
-              <a:rPr lang="de-DE" dirty="0"/>
-              <a:t> </a:t>
-            </a:r>
-            <a:r>
-              <a:rPr lang="de-DE" dirty="0" err="1"/>
-              <a:t>connectors</a:t>
-            </a:r>
-            <a:r>
-              <a:rPr lang="de-DE" dirty="0"/>
-              <a:t> </a:t>
-            </a:r>
-            <a:r>
-              <a:rPr lang="de-DE" dirty="0" err="1"/>
-              <a:t>with</a:t>
-            </a:r>
-            <a:r>
-              <a:rPr lang="de-DE" dirty="0"/>
-              <a:t> </a:t>
-            </a:r>
-            <a:r>
-              <a:rPr lang="de-DE" dirty="0" err="1"/>
-              <a:t>data</a:t>
-            </a:r>
-            <a:r>
-              <a:rPr lang="de-DE" dirty="0"/>
-              <a:t> </a:t>
-            </a:r>
-            <a:r>
-              <a:rPr lang="de-DE" dirty="0" err="1"/>
-              <a:t>transformation</a:t>
-            </a:r>
-            <a:endParaRPr lang="de-DE" dirty="0"/>
-          </a:p>
-          <a:p>
-            <a:pPr lvl="1"/>
-            <a:r>
-              <a:rPr lang="de-DE" dirty="0"/>
-              <a:t>RTSA </a:t>
-            </a:r>
-            <a:r>
-              <a:rPr lang="de-DE" dirty="0" err="1"/>
-              <a:t>integration</a:t>
-            </a:r>
-            <a:endParaRPr lang="de-DE" dirty="0"/>
-          </a:p>
-          <a:p>
-            <a:pPr lvl="1"/>
-            <a:r>
-              <a:rPr lang="de-DE" dirty="0"/>
-              <a:t>Service </a:t>
-            </a:r>
-            <a:r>
-              <a:rPr lang="de-DE" dirty="0" err="1"/>
-              <a:t>family</a:t>
-            </a:r>
-            <a:endParaRPr lang="de-DE" dirty="0"/>
-          </a:p>
-          <a:p>
-            <a:pPr lvl="1"/>
-            <a:r>
-              <a:rPr lang="de-DE" dirty="0"/>
-              <a:t>Service </a:t>
-            </a:r>
-            <a:r>
-              <a:rPr lang="de-DE" dirty="0" err="1"/>
-              <a:t>parameters</a:t>
-            </a:r>
-            <a:endParaRPr lang="de-DE" dirty="0"/>
-          </a:p>
-          <a:p>
-            <a:r>
-              <a:rPr lang="de-DE" dirty="0" err="1"/>
-              <a:t>Purely</a:t>
-            </a:r>
-            <a:r>
-              <a:rPr lang="de-DE" dirty="0"/>
-              <a:t> </a:t>
-            </a:r>
-            <a:r>
-              <a:rPr lang="de-DE" dirty="0" err="1"/>
-              <a:t>structural</a:t>
-            </a:r>
-            <a:r>
-              <a:rPr lang="de-DE" dirty="0"/>
-              <a:t> </a:t>
-            </a:r>
-            <a:r>
-              <a:rPr lang="de-DE" dirty="0" err="1"/>
-              <a:t>test</a:t>
-            </a:r>
-            <a:r>
-              <a:rPr lang="de-DE" dirty="0"/>
-              <a:t> (not </a:t>
-            </a:r>
-            <a:r>
-              <a:rPr lang="de-DE" dirty="0" err="1"/>
-              <a:t>executable</a:t>
-            </a:r>
-            <a:r>
-              <a:rPr lang="de-DE" dirty="0"/>
-              <a:t>, </a:t>
-            </a:r>
-            <a:r>
-              <a:rPr lang="de-DE" dirty="0" err="1"/>
-              <a:t>no</a:t>
-            </a:r>
-            <a:r>
-              <a:rPr lang="de-DE" dirty="0"/>
-              <a:t> </a:t>
-            </a:r>
-            <a:r>
-              <a:rPr lang="de-DE" dirty="0" err="1"/>
-              <a:t>implementations</a:t>
-            </a:r>
-            <a:r>
-              <a:rPr lang="de-DE" dirty="0"/>
-              <a:t> </a:t>
-            </a:r>
-            <a:r>
-              <a:rPr lang="de-DE" dirty="0" err="1"/>
-              <a:t>attached</a:t>
-            </a:r>
-            <a:r>
-              <a:rPr lang="de-DE" dirty="0"/>
-              <a:t>)</a:t>
+              <a:t> in </a:t>
+            </a:r>
+            <a:r>
+              <a:rPr lang="de-DE" dirty="0" err="1">
+                <a:latin typeface="Consolas" panose="020B0609020204030204" pitchFamily="49" charset="0"/>
+              </a:rPr>
+              <a:t>examples</a:t>
             </a:r>
             <a:endParaRPr lang="en-DE" dirty="0">
               <a:latin typeface="Consolas" panose="020B0609020204030204" pitchFamily="49" charset="0"/>
@@ -4715,7 +4543,7 @@
     </p:spTree>
     <p:extLst>
       <p:ext uri="{BB962C8B-B14F-4D97-AF65-F5344CB8AC3E}">
-        <p14:creationId xmlns:p14="http://schemas.microsoft.com/office/powerpoint/2010/main" val="1356445160"/>
+        <p14:creationId xmlns:p14="http://schemas.microsoft.com/office/powerpoint/2010/main" val="49812619"/>
       </p:ext>
     </p:extLst>
   </p:cSld>
@@ -4744,10 +4572,39 @@
       </p:grpSpPr>
       <p:sp>
         <p:nvSpPr>
-          <p:cNvPr id="29" name="TextBox 28">
-            <a:extLst>
-              <a:ext uri="{FF2B5EF4-FFF2-40B4-BE49-F238E27FC236}">
-                <a16:creationId xmlns:a16="http://schemas.microsoft.com/office/drawing/2014/main" id="{2D0D92FF-0B6E-446F-A0F3-0316F1369A12}"/>
+          <p:cNvPr id="2" name="Title 1">
+            <a:extLst>
+              <a:ext uri="{FF2B5EF4-FFF2-40B4-BE49-F238E27FC236}">
+                <a16:creationId xmlns:a16="http://schemas.microsoft.com/office/drawing/2014/main" id="{4C5588D9-BABB-46AC-A6A1-FD4CB364C8C5}"/>
+              </a:ext>
+            </a:extLst>
+          </p:cNvPr>
+          <p:cNvSpPr>
+            <a:spLocks noGrp="1"/>
+          </p:cNvSpPr>
+          <p:nvPr>
+            <p:ph type="title"/>
+          </p:nvPr>
+        </p:nvSpPr>
+        <p:spPr/>
+        <p:txBody>
+          <a:bodyPr/>
+          <a:lstStyle/>
+          <a:p>
+            <a:r>
+              <a:rPr lang="en-GB" dirty="0" err="1"/>
+              <a:t>RoutingTest</a:t>
+            </a:r>
+            <a:endParaRPr lang="en-DE" sz="3000" dirty="0"/>
+          </a:p>
+        </p:txBody>
+      </p:sp>
+      <p:sp>
+        <p:nvSpPr>
+          <p:cNvPr id="4" name="TextBox 3">
+            <a:extLst>
+              <a:ext uri="{FF2B5EF4-FFF2-40B4-BE49-F238E27FC236}">
+                <a16:creationId xmlns:a16="http://schemas.microsoft.com/office/drawing/2014/main" id="{2ECACFD9-EC99-4F60-B0DC-D5B17EC37BDE}"/>
               </a:ext>
             </a:extLst>
           </p:cNvPr>
@@ -4756,8 +4613,8 @@
         </p:nvSpPr>
         <p:spPr>
           <a:xfrm>
-            <a:off x="5848381" y="4777402"/>
-            <a:ext cx="2509464" cy="1538723"/>
+            <a:off x="228775" y="2872220"/>
+            <a:ext cx="1882951" cy="646331"/>
           </a:xfrm>
           <a:prstGeom prst="rect">
             <a:avLst/>
@@ -4771,13 +4628,13 @@
         </p:spPr>
         <p:txBody>
           <a:bodyPr wrap="none" rtlCol="0">
-            <a:noAutofit/>
+            <a:spAutoFit/>
           </a:bodyPr>
           <a:lstStyle/>
           <a:p>
             <a:r>
               <a:rPr lang="en-GB" b="1" dirty="0" err="1"/>
-              <a:t>MyKIFamily</a:t>
+              <a:t>MyRoutingSource</a:t>
             </a:r>
             <a:endParaRPr lang="en-GB" b="1" dirty="0"/>
           </a:p>
@@ -4792,44 +4649,10 @@
       </p:sp>
       <p:sp>
         <p:nvSpPr>
-          <p:cNvPr id="2" name="Title 1">
-            <a:extLst>
-              <a:ext uri="{FF2B5EF4-FFF2-40B4-BE49-F238E27FC236}">
-                <a16:creationId xmlns:a16="http://schemas.microsoft.com/office/drawing/2014/main" id="{4C5588D9-BABB-46AC-A6A1-FD4CB364C8C5}"/>
-              </a:ext>
-            </a:extLst>
-          </p:cNvPr>
-          <p:cNvSpPr>
-            <a:spLocks noGrp="1"/>
-          </p:cNvSpPr>
-          <p:nvPr>
-            <p:ph type="title"/>
-          </p:nvPr>
-        </p:nvSpPr>
-        <p:spPr>
-          <a:xfrm>
-            <a:off x="838200" y="-92075"/>
-            <a:ext cx="10515600" cy="1325563"/>
-          </a:xfrm>
-        </p:spPr>
-        <p:txBody>
-          <a:bodyPr/>
-          <a:lstStyle/>
-          <a:p>
-            <a:r>
-              <a:rPr lang="en-GB" dirty="0"/>
-              <a:t>SerializerConfig1</a:t>
-            </a:r>
-            <a:endParaRPr lang="en-DE" sz="3000" dirty="0"/>
-          </a:p>
-        </p:txBody>
-      </p:sp>
-      <p:sp>
-        <p:nvSpPr>
-          <p:cNvPr id="4" name="TextBox 3">
-            <a:extLst>
-              <a:ext uri="{FF2B5EF4-FFF2-40B4-BE49-F238E27FC236}">
-                <a16:creationId xmlns:a16="http://schemas.microsoft.com/office/drawing/2014/main" id="{2ECACFD9-EC99-4F60-B0DC-D5B17EC37BDE}"/>
+          <p:cNvPr id="5" name="TextBox 4">
+            <a:extLst>
+              <a:ext uri="{FF2B5EF4-FFF2-40B4-BE49-F238E27FC236}">
+                <a16:creationId xmlns:a16="http://schemas.microsoft.com/office/drawing/2014/main" id="{A3FEA2A0-45DE-43EC-86A8-6BEE432D2272}"/>
               </a:ext>
             </a:extLst>
           </p:cNvPr>
@@ -4838,8 +4661,8 @@
         </p:nvSpPr>
         <p:spPr>
           <a:xfrm>
-            <a:off x="479695" y="5219414"/>
-            <a:ext cx="1207190" cy="646331"/>
+            <a:off x="10664625" y="2884912"/>
+            <a:ext cx="1325171" cy="646331"/>
           </a:xfrm>
           <a:prstGeom prst="rect">
             <a:avLst/>
@@ -4859,7 +4682,7 @@
           <a:p>
             <a:r>
               <a:rPr lang="en-GB" b="1" dirty="0" err="1"/>
-              <a:t>mySource</a:t>
+              <a:t>RoutingSink</a:t>
             </a:r>
             <a:endParaRPr lang="en-GB" b="1" dirty="0"/>
           </a:p>
@@ -4867,54 +4690,6 @@
             <a:r>
               <a:rPr lang="en-GB" dirty="0"/>
               <a:t>Java, async</a:t>
-            </a:r>
-            <a:endParaRPr lang="en-DE" dirty="0"/>
-          </a:p>
-        </p:txBody>
-      </p:sp>
-      <p:sp>
-        <p:nvSpPr>
-          <p:cNvPr id="5" name="TextBox 4">
-            <a:extLst>
-              <a:ext uri="{FF2B5EF4-FFF2-40B4-BE49-F238E27FC236}">
-                <a16:creationId xmlns:a16="http://schemas.microsoft.com/office/drawing/2014/main" id="{A3FEA2A0-45DE-43EC-86A8-6BEE432D2272}"/>
-              </a:ext>
-            </a:extLst>
-          </p:cNvPr>
-          <p:cNvSpPr txBox="1"/>
-          <p:nvPr/>
-        </p:nvSpPr>
-        <p:spPr>
-          <a:xfrm>
-            <a:off x="474104" y="1295209"/>
-            <a:ext cx="1470787" cy="646331"/>
-          </a:xfrm>
-          <a:prstGeom prst="rect">
-            <a:avLst/>
-          </a:prstGeom>
-          <a:noFill/>
-          <a:ln>
-            <a:solidFill>
-              <a:schemeClr val="accent1"/>
-            </a:solidFill>
-          </a:ln>
-        </p:spPr>
-        <p:txBody>
-          <a:bodyPr wrap="none" rtlCol="0">
-            <a:spAutoFit/>
-          </a:bodyPr>
-          <a:lstStyle/>
-          <a:p>
-            <a:r>
-              <a:rPr lang="en-GB" b="1" dirty="0" err="1"/>
-              <a:t>MyMqttConn</a:t>
-            </a:r>
-            <a:endParaRPr lang="en-GB" b="1" dirty="0"/>
-          </a:p>
-          <a:p>
-            <a:r>
-              <a:rPr lang="en-GB" dirty="0"/>
-              <a:t>Python, async</a:t>
             </a:r>
             <a:endParaRPr lang="en-DE" dirty="0"/>
           </a:p>
@@ -4932,17 +4707,19 @@
           <p:cNvCxnSpPr>
             <a:cxnSpLocks/>
             <a:stCxn id="4" idx="3"/>
-            <a:endCxn id="17" idx="1"/>
+            <a:endCxn id="13" idx="1"/>
           </p:cNvCxnSpPr>
           <p:nvPr/>
         </p:nvCxnSpPr>
         <p:spPr>
           <a:xfrm>
-            <a:off x="1686885" y="5542580"/>
-            <a:ext cx="1793580" cy="2580"/>
+            <a:off x="2111726" y="3195386"/>
+            <a:ext cx="1852837" cy="3005"/>
           </a:xfrm>
           <a:prstGeom prst="bentConnector3">
-            <a:avLst/>
+            <a:avLst>
+              <a:gd name="adj1" fmla="val 50000"/>
+            </a:avLst>
           </a:prstGeom>
           <a:ln>
             <a:tailEnd type="triangle"/>
@@ -4977,8 +4754,8 @@
         </p:nvSpPr>
         <p:spPr>
           <a:xfrm>
-            <a:off x="1911311" y="5176923"/>
-            <a:ext cx="731290" cy="369332"/>
+            <a:off x="2122220" y="2862918"/>
+            <a:ext cx="1716432" cy="369332"/>
           </a:xfrm>
           <a:prstGeom prst="rect">
             <a:avLst/>
@@ -4992,10 +4769,10 @@
           <a:lstStyle/>
           <a:p>
             <a:r>
-              <a:rPr lang="en-GB" i="1" dirty="0"/>
-              <a:t>String</a:t>
-            </a:r>
-            <a:endParaRPr lang="en-DE" i="1" dirty="0"/>
+              <a:rPr lang="en-GB" dirty="0" err="1"/>
+              <a:t>RoutingTestData</a:t>
+            </a:r>
+            <a:endParaRPr lang="en-DE" dirty="0"/>
           </a:p>
         </p:txBody>
       </p:sp>
@@ -5013,8 +4790,8 @@
         </p:nvSpPr>
         <p:spPr>
           <a:xfrm>
-            <a:off x="286014" y="6087129"/>
-            <a:ext cx="1542217" cy="369332"/>
+            <a:off x="30352" y="6331292"/>
+            <a:ext cx="2793906" cy="323165"/>
           </a:xfrm>
           <a:prstGeom prst="rect">
             <a:avLst/>
@@ -5033,10 +4810,10 @@
           <a:lstStyle/>
           <a:p>
             <a:r>
-              <a:rPr lang="en-GB" dirty="0" err="1"/>
-              <a:t>MySourceImpl</a:t>
-            </a:r>
-            <a:endParaRPr lang="en-DE" dirty="0"/>
+              <a:rPr lang="en-GB" sz="1500" dirty="0" err="1"/>
+              <a:t>d.i.p.t.a.s.routingTest.SourceImpl</a:t>
+            </a:r>
+            <a:endParaRPr lang="en-DE" sz="1500" dirty="0"/>
           </a:p>
         </p:txBody>
       </p:sp>
@@ -5054,17 +4831,13 @@
         </p:nvSpPr>
         <p:spPr>
           <a:xfrm>
-            <a:off x="441111" y="2128257"/>
-            <a:ext cx="1512209" cy="369332"/>
+            <a:off x="9525029" y="5259837"/>
+            <a:ext cx="2583528" cy="323165"/>
           </a:xfrm>
           <a:prstGeom prst="rect">
             <a:avLst/>
           </a:prstGeom>
-          <a:solidFill>
-            <a:schemeClr val="bg1">
-              <a:lumMod val="75000"/>
-            </a:schemeClr>
-          </a:solidFill>
+          <a:noFill/>
           <a:ln>
             <a:solidFill>
               <a:schemeClr val="accent6"/>
@@ -5075,20 +4848,81 @@
           <a:bodyPr wrap="none" rtlCol="0">
             <a:spAutoFit/>
           </a:bodyPr>
-          <a:lstStyle>
-            <a:defPPr>
-              <a:defRPr lang="en-DE"/>
-            </a:defPPr>
-            <a:lvl1pPr>
-              <a:defRPr/>
-            </a:lvl1pPr>
-          </a:lstStyle>
-          <a:p>
-            <a:r>
-              <a:rPr lang="en-GB" dirty="0"/>
-              <a:t>MQTTv3 Conn</a:t>
-            </a:r>
-            <a:endParaRPr lang="en-DE" dirty="0"/>
+          <a:lstStyle/>
+          <a:p>
+            <a:r>
+              <a:rPr lang="en-GB" sz="1500" dirty="0" err="1"/>
+              <a:t>d.i.p.t.a.s.routingTest.SinkImpl</a:t>
+            </a:r>
+            <a:endParaRPr lang="en-DE" sz="1500" dirty="0"/>
+          </a:p>
+        </p:txBody>
+      </p:sp>
+      <p:sp>
+        <p:nvSpPr>
+          <p:cNvPr id="12" name="Rectangle 11">
+            <a:extLst>
+              <a:ext uri="{FF2B5EF4-FFF2-40B4-BE49-F238E27FC236}">
+                <a16:creationId xmlns:a16="http://schemas.microsoft.com/office/drawing/2014/main" id="{F6CD5D5A-8286-44EF-A2E2-C1EDF76B3CD3}"/>
+              </a:ext>
+            </a:extLst>
+          </p:cNvPr>
+          <p:cNvSpPr/>
+          <p:nvPr/>
+        </p:nvSpPr>
+        <p:spPr>
+          <a:xfrm>
+            <a:off x="31848" y="5061714"/>
+            <a:ext cx="2678618" cy="954107"/>
+          </a:xfrm>
+          <a:prstGeom prst="rect">
+            <a:avLst/>
+          </a:prstGeom>
+        </p:spPr>
+        <p:txBody>
+          <a:bodyPr wrap="none">
+            <a:spAutoFit/>
+          </a:bodyPr>
+          <a:lstStyle/>
+          <a:p>
+            <a:r>
+              <a:rPr lang="en-GB" sz="1400" dirty="0"/>
+              <a:t>In </a:t>
+            </a:r>
+            <a:r>
+              <a:rPr lang="en-GB" sz="1400" dirty="0" err="1"/>
+              <a:t>test.configuration.configuration</a:t>
+            </a:r>
+            <a:endParaRPr lang="en-GB" sz="1400" dirty="0"/>
+          </a:p>
+          <a:p>
+            <a:r>
+              <a:rPr lang="en-DE" sz="1400" dirty="0" err="1"/>
+              <a:t>de.iip-ecosphere.platform</a:t>
+            </a:r>
+            <a:r>
+              <a:rPr lang="en-DE" sz="1400" dirty="0"/>
+              <a:t>:</a:t>
+            </a:r>
+            <a:endParaRPr lang="en-GB" sz="1400" dirty="0"/>
+          </a:p>
+          <a:p>
+            <a:r>
+              <a:rPr lang="en-DE" sz="1400" dirty="0" err="1"/>
+              <a:t>apps.ServiceImpl</a:t>
+            </a:r>
+            <a:r>
+              <a:rPr lang="en-DE" sz="1400" dirty="0"/>
+              <a:t>:</a:t>
+            </a:r>
+            <a:endParaRPr lang="en-GB" sz="1400" dirty="0"/>
+          </a:p>
+          <a:p>
+            <a:r>
+              <a:rPr lang="en-GB" sz="1400" i="1" dirty="0" err="1"/>
+              <a:t>iipVer</a:t>
+            </a:r>
+            <a:endParaRPr lang="en-DE" sz="1400" i="1" dirty="0"/>
           </a:p>
         </p:txBody>
       </p:sp>
@@ -5102,23 +4936,21 @@
             </a:extLst>
           </p:cNvPr>
           <p:cNvCxnSpPr>
-            <a:stCxn id="4" idx="2"/>
+            <a:cxnSpLocks/>
+            <a:stCxn id="59" idx="2"/>
             <a:endCxn id="10" idx="0"/>
           </p:cNvCxnSpPr>
           <p:nvPr/>
         </p:nvCxnSpPr>
         <p:spPr>
-          <a:xfrm flipH="1">
-            <a:off x="1057123" y="5865745"/>
-            <a:ext cx="26167" cy="221384"/>
+          <a:xfrm>
+            <a:off x="520175" y="3526353"/>
+            <a:ext cx="907130" cy="2804939"/>
           </a:xfrm>
           <a:prstGeom prst="straightConnector1">
             <a:avLst/>
           </a:prstGeom>
           <a:ln>
-            <a:solidFill>
-              <a:srgbClr val="C00000"/>
-            </a:solidFill>
             <a:prstDash val="dash"/>
             <a:tailEnd type="triangle"/>
           </a:ln>
@@ -5149,15 +4981,15 @@
           </p:cNvPr>
           <p:cNvCxnSpPr>
             <a:cxnSpLocks/>
-            <a:stCxn id="5" idx="2"/>
+            <a:stCxn id="70" idx="2"/>
             <a:endCxn id="11" idx="0"/>
           </p:cNvCxnSpPr>
           <p:nvPr/>
         </p:nvCxnSpPr>
         <p:spPr>
           <a:xfrm flipH="1">
-            <a:off x="1197216" y="1941540"/>
-            <a:ext cx="12282" cy="186717"/>
+            <a:off x="10816793" y="3526353"/>
+            <a:ext cx="862543" cy="1733484"/>
           </a:xfrm>
           <a:prstGeom prst="straightConnector1">
             <a:avLst/>
@@ -5196,8 +5028,8 @@
         </p:nvSpPr>
         <p:spPr>
           <a:xfrm>
-            <a:off x="430951" y="3491736"/>
-            <a:ext cx="1723870" cy="646331"/>
+            <a:off x="3964563" y="2875225"/>
+            <a:ext cx="1851341" cy="646331"/>
           </a:xfrm>
           <a:prstGeom prst="rect">
             <a:avLst/>
@@ -5217,14 +5049,14 @@
           <a:p>
             <a:r>
               <a:rPr lang="en-GB" b="1" dirty="0" err="1"/>
-              <a:t>myOpcConn</a:t>
+              <a:t>RoutingProcessor</a:t>
             </a:r>
             <a:endParaRPr lang="en-GB" b="1" dirty="0"/>
           </a:p>
           <a:p>
             <a:r>
               <a:rPr lang="en-GB" dirty="0"/>
-              <a:t>OPC conn, async</a:t>
+              <a:t>Java, async</a:t>
             </a:r>
             <a:endParaRPr lang="en-DE" dirty="0"/>
           </a:p>
@@ -5242,14 +5074,14 @@
           <p:cNvCxnSpPr>
             <a:cxnSpLocks/>
             <a:stCxn id="13" idx="3"/>
-            <a:endCxn id="17" idx="1"/>
+            <a:endCxn id="34" idx="1"/>
           </p:cNvCxnSpPr>
           <p:nvPr/>
         </p:nvCxnSpPr>
         <p:spPr>
-          <a:xfrm>
-            <a:off x="2154821" y="3814902"/>
-            <a:ext cx="1325644" cy="1730258"/>
+          <a:xfrm flipV="1">
+            <a:off x="5815904" y="3100999"/>
+            <a:ext cx="1670289" cy="97392"/>
           </a:xfrm>
           <a:prstGeom prst="bentConnector3">
             <a:avLst>
@@ -5289,8 +5121,8 @@
         </p:nvSpPr>
         <p:spPr>
           <a:xfrm>
-            <a:off x="2276956" y="3728365"/>
-            <a:ext cx="1456361" cy="369332"/>
+            <a:off x="5825775" y="2749944"/>
+            <a:ext cx="1716432" cy="369332"/>
           </a:xfrm>
           <a:prstGeom prst="rect">
             <a:avLst/>
@@ -5305,7 +5137,7 @@
           <a:p>
             <a:r>
               <a:rPr lang="en-GB" dirty="0" err="1"/>
-              <a:t>myConnPltfIn</a:t>
+              <a:t>RoutingTestData</a:t>
             </a:r>
             <a:endParaRPr lang="en-DE" dirty="0"/>
           </a:p>
@@ -5325,17 +5157,13 @@
         </p:nvSpPr>
         <p:spPr>
           <a:xfrm>
-            <a:off x="568296" y="4320415"/>
-            <a:ext cx="1449179" cy="369332"/>
+            <a:off x="3878571" y="5148880"/>
+            <a:ext cx="2979598" cy="323165"/>
           </a:xfrm>
           <a:prstGeom prst="rect">
             <a:avLst/>
           </a:prstGeom>
-          <a:solidFill>
-            <a:schemeClr val="bg1">
-              <a:lumMod val="75000"/>
-            </a:schemeClr>
-          </a:solidFill>
+          <a:noFill/>
           <a:ln>
             <a:solidFill>
               <a:schemeClr val="accent6"/>
@@ -5349,10 +5177,10 @@
           <a:lstStyle/>
           <a:p>
             <a:r>
-              <a:rPr lang="en-GB" dirty="0"/>
-              <a:t>OPC UA Conn</a:t>
-            </a:r>
-            <a:endParaRPr lang="en-DE" dirty="0"/>
+              <a:rPr lang="en-GB" sz="1500" dirty="0" err="1"/>
+              <a:t>d.i.p.t.a.s.routingTest.ProcessorImpl</a:t>
+            </a:r>
+            <a:endParaRPr lang="en-DE" sz="1500" dirty="0"/>
           </a:p>
         </p:txBody>
       </p:sp>
@@ -5367,15 +5195,15 @@
           </p:cNvPr>
           <p:cNvCxnSpPr>
             <a:cxnSpLocks/>
-            <a:stCxn id="13" idx="2"/>
+            <a:stCxn id="68" idx="2"/>
             <a:endCxn id="26" idx="0"/>
           </p:cNvCxnSpPr>
           <p:nvPr/>
         </p:nvCxnSpPr>
         <p:spPr>
           <a:xfrm>
-            <a:off x="1292886" y="4138067"/>
-            <a:ext cx="0" cy="182348"/>
+            <a:off x="5327487" y="3508457"/>
+            <a:ext cx="40883" cy="1640423"/>
           </a:xfrm>
           <a:prstGeom prst="straightConnector1">
             <a:avLst/>
@@ -5405,7 +5233,7 @@
           <p:cNvPr id="17" name="TextBox 16">
             <a:extLst>
               <a:ext uri="{FF2B5EF4-FFF2-40B4-BE49-F238E27FC236}">
-                <a16:creationId xmlns:a16="http://schemas.microsoft.com/office/drawing/2014/main" id="{F5A1FE45-C9FF-467D-90A1-586AA06B7941}"/>
+                <a16:creationId xmlns:a16="http://schemas.microsoft.com/office/drawing/2014/main" id="{E38C20A5-3E30-4FBF-987C-ED8E9588E2B6}"/>
               </a:ext>
             </a:extLst>
           </p:cNvPr>
@@ -5414,8 +5242,8 @@
         </p:nvSpPr>
         <p:spPr>
           <a:xfrm>
-            <a:off x="3480465" y="5221994"/>
-            <a:ext cx="1638141" cy="646331"/>
+            <a:off x="235578" y="1947305"/>
+            <a:ext cx="2223814" cy="646331"/>
           </a:xfrm>
           <a:prstGeom prst="rect">
             <a:avLst/>
@@ -5435,48 +5263,136 @@
           <a:p>
             <a:r>
               <a:rPr lang="en-GB" b="1" dirty="0" err="1"/>
-              <a:t>MyAnonymizer</a:t>
+              <a:t>MyRoutingConnector</a:t>
             </a:r>
             <a:endParaRPr lang="en-GB" b="1" dirty="0"/>
           </a:p>
           <a:p>
             <a:r>
               <a:rPr lang="en-GB" dirty="0"/>
-              <a:t>Java, async</a:t>
+              <a:t>Connector, async</a:t>
             </a:r>
             <a:endParaRPr lang="en-DE" dirty="0"/>
+          </a:p>
+        </p:txBody>
+      </p:sp>
+      <p:sp>
+        <p:nvSpPr>
+          <p:cNvPr id="18" name="TextBox 17">
+            <a:extLst>
+              <a:ext uri="{FF2B5EF4-FFF2-40B4-BE49-F238E27FC236}">
+                <a16:creationId xmlns:a16="http://schemas.microsoft.com/office/drawing/2014/main" id="{E6D490E0-32D0-438E-B83E-53A2705B26D3}"/>
+              </a:ext>
+            </a:extLst>
+          </p:cNvPr>
+          <p:cNvSpPr txBox="1"/>
+          <p:nvPr/>
+        </p:nvSpPr>
+        <p:spPr>
+          <a:xfrm>
+            <a:off x="2142885" y="5530930"/>
+            <a:ext cx="3071803" cy="323165"/>
+          </a:xfrm>
+          <a:prstGeom prst="rect">
+            <a:avLst/>
+          </a:prstGeom>
+          <a:noFill/>
+          <a:ln>
+            <a:solidFill>
+              <a:schemeClr val="accent6"/>
+            </a:solidFill>
+          </a:ln>
+        </p:spPr>
+        <p:txBody>
+          <a:bodyPr wrap="none" rtlCol="0">
+            <a:spAutoFit/>
+          </a:bodyPr>
+          <a:lstStyle/>
+          <a:p>
+            <a:r>
+              <a:rPr lang="en-GB" sz="1500" dirty="0" err="1"/>
+              <a:t>d.i.p.t.a.s.routingTest.ConnectorImpl</a:t>
+            </a:r>
+            <a:endParaRPr lang="en-DE" sz="1500" dirty="0"/>
+          </a:p>
+        </p:txBody>
+      </p:sp>
+      <p:sp>
+        <p:nvSpPr>
+          <p:cNvPr id="19" name="TextBox 18">
+            <a:extLst>
+              <a:ext uri="{FF2B5EF4-FFF2-40B4-BE49-F238E27FC236}">
+                <a16:creationId xmlns:a16="http://schemas.microsoft.com/office/drawing/2014/main" id="{BEB31915-636A-4D31-B769-38FD3CF251D2}"/>
+              </a:ext>
+            </a:extLst>
+          </p:cNvPr>
+          <p:cNvSpPr txBox="1"/>
+          <p:nvPr/>
+        </p:nvSpPr>
+        <p:spPr>
+          <a:xfrm>
+            <a:off x="1823147" y="5926596"/>
+            <a:ext cx="4584909" cy="323165"/>
+          </a:xfrm>
+          <a:prstGeom prst="rect">
+            <a:avLst/>
+          </a:prstGeom>
+          <a:noFill/>
+          <a:ln>
+            <a:solidFill>
+              <a:schemeClr val="accent6"/>
+            </a:solidFill>
+          </a:ln>
+        </p:spPr>
+        <p:txBody>
+          <a:bodyPr wrap="none" rtlCol="0">
+            <a:spAutoFit/>
+          </a:bodyPr>
+          <a:lstStyle/>
+          <a:p>
+            <a:r>
+              <a:rPr lang="en-GB" sz="1500" dirty="0" err="1"/>
+              <a:t>d.i.p.t.a.s</a:t>
+            </a:r>
+            <a:r>
+              <a:rPr lang="en-GB" sz="1500" dirty="0"/>
+              <a:t>. </a:t>
+            </a:r>
+            <a:r>
+              <a:rPr lang="en-GB" sz="1500" dirty="0" err="1"/>
+              <a:t>routingTest.ConnectorCommandEventHandler</a:t>
+            </a:r>
+            <a:endParaRPr lang="en-DE" sz="1500" dirty="0"/>
           </a:p>
         </p:txBody>
       </p:sp>
       <p:cxnSp>
         <p:nvCxnSpPr>
-          <p:cNvPr id="18" name="Straight Arrow Connector 17">
-            <a:extLst>
-              <a:ext uri="{FF2B5EF4-FFF2-40B4-BE49-F238E27FC236}">
-                <a16:creationId xmlns:a16="http://schemas.microsoft.com/office/drawing/2014/main" id="{F6905AEF-0AF6-4DC0-ACE8-23B3876A5B26}"/>
+          <p:cNvPr id="28" name="Connector: Elbow 27">
+            <a:extLst>
+              <a:ext uri="{FF2B5EF4-FFF2-40B4-BE49-F238E27FC236}">
+                <a16:creationId xmlns:a16="http://schemas.microsoft.com/office/drawing/2014/main" id="{B3B4F0E7-E4DA-498D-809B-58524B605800}"/>
               </a:ext>
             </a:extLst>
           </p:cNvPr>
           <p:cNvCxnSpPr>
             <a:cxnSpLocks/>
-            <a:stCxn id="17" idx="2"/>
-            <a:endCxn id="28" idx="0"/>
+            <a:stCxn id="17" idx="3"/>
+            <a:endCxn id="13" idx="1"/>
           </p:cNvCxnSpPr>
           <p:nvPr/>
         </p:nvCxnSpPr>
         <p:spPr>
           <a:xfrm>
-            <a:off x="4299536" y="5868325"/>
-            <a:ext cx="2180" cy="393713"/>
-          </a:xfrm>
-          <a:prstGeom prst="straightConnector1">
-            <a:avLst/>
+            <a:off x="2459392" y="2270471"/>
+            <a:ext cx="1505171" cy="927920"/>
+          </a:xfrm>
+          <a:prstGeom prst="bentConnector3">
+            <a:avLst>
+              <a:gd name="adj1" fmla="val 89054"/>
+            </a:avLst>
           </a:prstGeom>
           <a:ln>
-            <a:solidFill>
-              <a:srgbClr val="C00000"/>
-            </a:solidFill>
-            <a:prstDash val="dash"/>
             <a:tailEnd type="triangle"/>
           </a:ln>
         </p:spPr>
@@ -5497,10 +5413,10 @@
       </p:cxnSp>
       <p:sp>
         <p:nvSpPr>
-          <p:cNvPr id="28" name="TextBox 27">
-            <a:extLst>
-              <a:ext uri="{FF2B5EF4-FFF2-40B4-BE49-F238E27FC236}">
-                <a16:creationId xmlns:a16="http://schemas.microsoft.com/office/drawing/2014/main" id="{BF19BB67-3D2D-4407-B6B2-6AF3217FD460}"/>
+          <p:cNvPr id="29" name="TextBox 28">
+            <a:extLst>
+              <a:ext uri="{FF2B5EF4-FFF2-40B4-BE49-F238E27FC236}">
+                <a16:creationId xmlns:a16="http://schemas.microsoft.com/office/drawing/2014/main" id="{03769A8D-D91D-4F4F-A361-6CA296BA1AFF}"/>
               </a:ext>
             </a:extLst>
           </p:cNvPr>
@@ -5509,18 +5425,13 @@
         </p:nvSpPr>
         <p:spPr>
           <a:xfrm>
-            <a:off x="3291599" y="6262038"/>
-            <a:ext cx="2020233" cy="369332"/>
+            <a:off x="2534038" y="1931004"/>
+            <a:ext cx="1749261" cy="369332"/>
           </a:xfrm>
           <a:prstGeom prst="rect">
             <a:avLst/>
           </a:prstGeom>
           <a:noFill/>
-          <a:ln>
-            <a:solidFill>
-              <a:schemeClr val="accent6"/>
-            </a:solidFill>
-          </a:ln>
         </p:spPr>
         <p:txBody>
           <a:bodyPr wrap="none" rtlCol="0">
@@ -5530,7 +5441,7 @@
           <a:p>
             <a:r>
               <a:rPr lang="en-GB" dirty="0" err="1"/>
-              <a:t>MyAnonymizerImpl</a:t>
+              <a:t>RoutingConnOut</a:t>
             </a:r>
             <a:endParaRPr lang="en-DE" dirty="0"/>
           </a:p>
@@ -5538,31 +5449,34 @@
       </p:sp>
       <p:cxnSp>
         <p:nvCxnSpPr>
-          <p:cNvPr id="35" name="Connector: Elbow 34">
-            <a:extLst>
-              <a:ext uri="{FF2B5EF4-FFF2-40B4-BE49-F238E27FC236}">
-                <a16:creationId xmlns:a16="http://schemas.microsoft.com/office/drawing/2014/main" id="{B6B410FB-90EE-4511-8C72-6F07B6B5D971}"/>
+          <p:cNvPr id="32" name="Connector: Elbow 31">
+            <a:extLst>
+              <a:ext uri="{FF2B5EF4-FFF2-40B4-BE49-F238E27FC236}">
+                <a16:creationId xmlns:a16="http://schemas.microsoft.com/office/drawing/2014/main" id="{78086D3D-CA62-4BA2-8F3C-AE8441DE10BF}"/>
               </a:ext>
             </a:extLst>
           </p:cNvPr>
           <p:cNvCxnSpPr>
             <a:cxnSpLocks/>
-            <a:stCxn id="5" idx="3"/>
-            <a:endCxn id="17" idx="1"/>
+            <a:stCxn id="5" idx="0"/>
+            <a:endCxn id="13" idx="0"/>
           </p:cNvCxnSpPr>
           <p:nvPr/>
         </p:nvCxnSpPr>
         <p:spPr>
-          <a:xfrm>
-            <a:off x="1944891" y="1618375"/>
-            <a:ext cx="1535574" cy="3926785"/>
+          <a:xfrm rot="16200000" flipV="1">
+            <a:off x="8103880" y="-338420"/>
+            <a:ext cx="9687" cy="6436977"/>
           </a:xfrm>
           <a:prstGeom prst="bentConnector3">
             <a:avLst>
-              <a:gd name="adj1" fmla="val 75157"/>
+              <a:gd name="adj1" fmla="val 2459864"/>
             </a:avLst>
           </a:prstGeom>
           <a:ln>
+            <a:solidFill>
+              <a:srgbClr val="C00000"/>
+            </a:solidFill>
             <a:tailEnd type="triangle"/>
           </a:ln>
         </p:spPr>
@@ -5583,10 +5497,10 @@
       </p:cxnSp>
       <p:sp>
         <p:nvSpPr>
-          <p:cNvPr id="50" name="TextBox 49">
-            <a:extLst>
-              <a:ext uri="{FF2B5EF4-FFF2-40B4-BE49-F238E27FC236}">
-                <a16:creationId xmlns:a16="http://schemas.microsoft.com/office/drawing/2014/main" id="{F910F1DF-B980-40BD-959A-E9BC961E67BA}"/>
+          <p:cNvPr id="35" name="TextBox 34">
+            <a:extLst>
+              <a:ext uri="{FF2B5EF4-FFF2-40B4-BE49-F238E27FC236}">
+                <a16:creationId xmlns:a16="http://schemas.microsoft.com/office/drawing/2014/main" id="{47886465-5AD2-4A85-906E-D7B742BCBB2B}"/>
               </a:ext>
             </a:extLst>
           </p:cNvPr>
@@ -5594,9 +5508,9 @@
           <p:nvPr/>
         </p:nvSpPr>
         <p:spPr>
-          <a:xfrm rot="17451966">
-            <a:off x="7974472" y="5203932"/>
-            <a:ext cx="1458413" cy="369332"/>
+          <a:xfrm>
+            <a:off x="7530113" y="2323718"/>
+            <a:ext cx="1877502" cy="369332"/>
           </a:xfrm>
           <a:prstGeom prst="rect">
             <a:avLst/>
@@ -5611,840 +5525,42 @@
           <a:p>
             <a:r>
               <a:rPr lang="en-GB" dirty="0" err="1"/>
-              <a:t>RtsaTestInput</a:t>
+              <a:t>RoutingCommand</a:t>
             </a:r>
             <a:endParaRPr lang="en-DE" dirty="0"/>
           </a:p>
         </p:txBody>
       </p:sp>
-      <p:sp>
-        <p:nvSpPr>
-          <p:cNvPr id="24" name="TextBox 23">
-            <a:extLst>
-              <a:ext uri="{FF2B5EF4-FFF2-40B4-BE49-F238E27FC236}">
-                <a16:creationId xmlns:a16="http://schemas.microsoft.com/office/drawing/2014/main" id="{37C025E9-D41A-4A03-AC86-2DEDAB979B1E}"/>
-              </a:ext>
-            </a:extLst>
-          </p:cNvPr>
-          <p:cNvSpPr txBox="1"/>
-          <p:nvPr/>
-        </p:nvSpPr>
-        <p:spPr>
-          <a:xfrm>
-            <a:off x="6006531" y="5542579"/>
-            <a:ext cx="1096582" cy="646331"/>
-          </a:xfrm>
-          <a:prstGeom prst="rect">
-            <a:avLst/>
-          </a:prstGeom>
-          <a:noFill/>
+      <p:cxnSp>
+        <p:nvCxnSpPr>
+          <p:cNvPr id="36" name="Connector: Elbow 35">
+            <a:extLst>
+              <a:ext uri="{FF2B5EF4-FFF2-40B4-BE49-F238E27FC236}">
+                <a16:creationId xmlns:a16="http://schemas.microsoft.com/office/drawing/2014/main" id="{499B69AE-95B8-4F82-B3CC-0973F2EF6583}"/>
+              </a:ext>
+            </a:extLst>
+          </p:cNvPr>
+          <p:cNvCxnSpPr>
+            <a:cxnSpLocks/>
+            <a:stCxn id="5" idx="2"/>
+            <a:endCxn id="4" idx="2"/>
+          </p:cNvCxnSpPr>
+          <p:nvPr/>
+        </p:nvCxnSpPr>
+        <p:spPr>
+          <a:xfrm rot="5400000" flipH="1">
+            <a:off x="6242385" y="-1553583"/>
+            <a:ext cx="12692" cy="10156960"/>
+          </a:xfrm>
+          <a:prstGeom prst="bentConnector3">
+            <a:avLst>
+              <a:gd name="adj1" fmla="val -11227892"/>
+            </a:avLst>
+          </a:prstGeom>
           <a:ln>
             <a:solidFill>
-              <a:schemeClr val="accent1"/>
+              <a:srgbClr val="C00000"/>
             </a:solidFill>
-          </a:ln>
-        </p:spPr>
-        <p:txBody>
-          <a:bodyPr wrap="none" rtlCol="0">
-            <a:spAutoFit/>
-          </a:bodyPr>
-          <a:lstStyle/>
-          <a:p>
-            <a:r>
-              <a:rPr lang="en-GB" b="1" dirty="0" err="1"/>
-              <a:t>MyKI</a:t>
-            </a:r>
-            <a:endParaRPr lang="en-GB" b="1" dirty="0"/>
-          </a:p>
-          <a:p>
-            <a:r>
-              <a:rPr lang="en-GB" dirty="0"/>
-              <a:t>Java, sync</a:t>
-            </a:r>
-            <a:endParaRPr lang="en-DE" dirty="0"/>
-          </a:p>
-        </p:txBody>
-      </p:sp>
-      <p:sp>
-        <p:nvSpPr>
-          <p:cNvPr id="30" name="TextBox 29">
-            <a:extLst>
-              <a:ext uri="{FF2B5EF4-FFF2-40B4-BE49-F238E27FC236}">
-                <a16:creationId xmlns:a16="http://schemas.microsoft.com/office/drawing/2014/main" id="{70895F3A-5E1F-41FF-B8F9-D9319AC6A21A}"/>
-              </a:ext>
-            </a:extLst>
-          </p:cNvPr>
-          <p:cNvSpPr txBox="1"/>
-          <p:nvPr/>
-        </p:nvSpPr>
-        <p:spPr>
-          <a:xfrm>
-            <a:off x="7226728" y="5553580"/>
-            <a:ext cx="1096582" cy="646331"/>
-          </a:xfrm>
-          <a:prstGeom prst="rect">
-            <a:avLst/>
-          </a:prstGeom>
-          <a:noFill/>
-          <a:ln>
-            <a:solidFill>
-              <a:schemeClr val="accent1"/>
-            </a:solidFill>
-          </a:ln>
-        </p:spPr>
-        <p:txBody>
-          <a:bodyPr wrap="none" rtlCol="0">
-            <a:spAutoFit/>
-          </a:bodyPr>
-          <a:lstStyle/>
-          <a:p>
-            <a:r>
-              <a:rPr lang="en-GB" b="1" dirty="0"/>
-              <a:t>MyKI2</a:t>
-            </a:r>
-          </a:p>
-          <a:p>
-            <a:r>
-              <a:rPr lang="en-GB" dirty="0"/>
-              <a:t>Java, sync</a:t>
-            </a:r>
-            <a:endParaRPr lang="en-DE" dirty="0"/>
-          </a:p>
-        </p:txBody>
-      </p:sp>
-      <p:sp>
-        <p:nvSpPr>
-          <p:cNvPr id="31" name="TextBox 30">
-            <a:extLst>
-              <a:ext uri="{FF2B5EF4-FFF2-40B4-BE49-F238E27FC236}">
-                <a16:creationId xmlns:a16="http://schemas.microsoft.com/office/drawing/2014/main" id="{E11B5251-6AF0-422B-8C2E-04A936DFBF06}"/>
-              </a:ext>
-            </a:extLst>
-          </p:cNvPr>
-          <p:cNvSpPr txBox="1"/>
-          <p:nvPr/>
-        </p:nvSpPr>
-        <p:spPr>
-          <a:xfrm>
-            <a:off x="8951750" y="5219414"/>
-            <a:ext cx="1207190" cy="646331"/>
-          </a:xfrm>
-          <a:prstGeom prst="rect">
-            <a:avLst/>
-          </a:prstGeom>
-          <a:noFill/>
-          <a:ln>
-            <a:solidFill>
-              <a:schemeClr val="accent1"/>
-            </a:solidFill>
-          </a:ln>
-        </p:spPr>
-        <p:txBody>
-          <a:bodyPr wrap="none" rtlCol="0">
-            <a:spAutoFit/>
-          </a:bodyPr>
-          <a:lstStyle/>
-          <a:p>
-            <a:r>
-              <a:rPr lang="en-GB" b="1" dirty="0" err="1"/>
-              <a:t>MyRtsa</a:t>
-            </a:r>
-            <a:endParaRPr lang="en-GB" b="1" dirty="0"/>
-          </a:p>
-          <a:p>
-            <a:r>
-              <a:rPr lang="en-GB" dirty="0"/>
-              <a:t>Java, async</a:t>
-            </a:r>
-            <a:endParaRPr lang="en-DE" dirty="0"/>
-          </a:p>
-        </p:txBody>
-      </p:sp>
-      <p:sp>
-        <p:nvSpPr>
-          <p:cNvPr id="32" name="TextBox 31">
-            <a:extLst>
-              <a:ext uri="{FF2B5EF4-FFF2-40B4-BE49-F238E27FC236}">
-                <a16:creationId xmlns:a16="http://schemas.microsoft.com/office/drawing/2014/main" id="{0A613B33-8BCA-4DA9-9391-F9654661952D}"/>
-              </a:ext>
-            </a:extLst>
-          </p:cNvPr>
-          <p:cNvSpPr txBox="1"/>
-          <p:nvPr/>
-        </p:nvSpPr>
-        <p:spPr>
-          <a:xfrm>
-            <a:off x="10846348" y="5225524"/>
-            <a:ext cx="1239442" cy="646331"/>
-          </a:xfrm>
-          <a:prstGeom prst="rect">
-            <a:avLst/>
-          </a:prstGeom>
-          <a:noFill/>
-          <a:ln>
-            <a:solidFill>
-              <a:schemeClr val="accent1"/>
-            </a:solidFill>
-          </a:ln>
-        </p:spPr>
-        <p:txBody>
-          <a:bodyPr wrap="none" rtlCol="0">
-            <a:spAutoFit/>
-          </a:bodyPr>
-          <a:lstStyle/>
-          <a:p>
-            <a:r>
-              <a:rPr lang="en-GB" b="1" dirty="0" err="1"/>
-              <a:t>MyAasSink</a:t>
-            </a:r>
-            <a:endParaRPr lang="en-GB" b="1" dirty="0"/>
-          </a:p>
-          <a:p>
-            <a:r>
-              <a:rPr lang="en-GB" dirty="0"/>
-              <a:t>Java, async</a:t>
-            </a:r>
-            <a:endParaRPr lang="en-DE" dirty="0"/>
-          </a:p>
-        </p:txBody>
-      </p:sp>
-      <p:sp>
-        <p:nvSpPr>
-          <p:cNvPr id="33" name="TextBox 32">
-            <a:extLst>
-              <a:ext uri="{FF2B5EF4-FFF2-40B4-BE49-F238E27FC236}">
-                <a16:creationId xmlns:a16="http://schemas.microsoft.com/office/drawing/2014/main" id="{4F7FB419-8B3E-405D-83F8-FAE529845588}"/>
-              </a:ext>
-            </a:extLst>
-          </p:cNvPr>
-          <p:cNvSpPr txBox="1"/>
-          <p:nvPr/>
-        </p:nvSpPr>
-        <p:spPr>
-          <a:xfrm>
-            <a:off x="218104" y="2680890"/>
-            <a:ext cx="2128018" cy="369332"/>
-          </a:xfrm>
-          <a:prstGeom prst="rect">
-            <a:avLst/>
-          </a:prstGeom>
-          <a:noFill/>
-        </p:spPr>
-        <p:txBody>
-          <a:bodyPr wrap="none" rtlCol="0">
-            <a:spAutoFit/>
-          </a:bodyPr>
-          <a:lstStyle/>
-          <a:p>
-            <a:r>
-              <a:rPr lang="en-GB" dirty="0"/>
-              <a:t>I: </a:t>
-            </a:r>
-            <a:r>
-              <a:rPr lang="en-GB" dirty="0" err="1"/>
-              <a:t>myConnMachineIn</a:t>
-            </a:r>
-            <a:endParaRPr lang="en-DE" dirty="0"/>
-          </a:p>
-        </p:txBody>
-      </p:sp>
-      <p:sp>
-        <p:nvSpPr>
-          <p:cNvPr id="34" name="TextBox 33">
-            <a:extLst>
-              <a:ext uri="{FF2B5EF4-FFF2-40B4-BE49-F238E27FC236}">
-                <a16:creationId xmlns:a16="http://schemas.microsoft.com/office/drawing/2014/main" id="{A14698D4-8F37-4579-B042-7C1211EB8445}"/>
-              </a:ext>
-            </a:extLst>
-          </p:cNvPr>
-          <p:cNvSpPr txBox="1"/>
-          <p:nvPr/>
-        </p:nvSpPr>
-        <p:spPr>
-          <a:xfrm>
-            <a:off x="203434" y="2900796"/>
-            <a:ext cx="2394117" cy="369332"/>
-          </a:xfrm>
-          <a:prstGeom prst="rect">
-            <a:avLst/>
-          </a:prstGeom>
-          <a:noFill/>
-        </p:spPr>
-        <p:txBody>
-          <a:bodyPr wrap="none" rtlCol="0">
-            <a:spAutoFit/>
-          </a:bodyPr>
-          <a:lstStyle/>
-          <a:p>
-            <a:r>
-              <a:rPr lang="en-GB" dirty="0"/>
-              <a:t>O: </a:t>
-            </a:r>
-            <a:r>
-              <a:rPr lang="en-GB" dirty="0" err="1"/>
-              <a:t>myConnMachineOut</a:t>
-            </a:r>
-            <a:endParaRPr lang="en-DE" dirty="0"/>
-          </a:p>
-        </p:txBody>
-      </p:sp>
-      <p:sp>
-        <p:nvSpPr>
-          <p:cNvPr id="36" name="TextBox 35">
-            <a:extLst>
-              <a:ext uri="{FF2B5EF4-FFF2-40B4-BE49-F238E27FC236}">
-                <a16:creationId xmlns:a16="http://schemas.microsoft.com/office/drawing/2014/main" id="{1770FA92-FAD7-4233-ACAD-384A8C4AA784}"/>
-              </a:ext>
-            </a:extLst>
-          </p:cNvPr>
-          <p:cNvSpPr txBox="1"/>
-          <p:nvPr/>
-        </p:nvSpPr>
-        <p:spPr>
-          <a:xfrm>
-            <a:off x="225011" y="3120240"/>
-            <a:ext cx="2514343" cy="369332"/>
-          </a:xfrm>
-          <a:prstGeom prst="rect">
-            <a:avLst/>
-          </a:prstGeom>
-          <a:noFill/>
-        </p:spPr>
-        <p:txBody>
-          <a:bodyPr wrap="none" rtlCol="0">
-            <a:spAutoFit/>
-          </a:bodyPr>
-          <a:lstStyle/>
-          <a:p>
-            <a:r>
-              <a:rPr lang="en-GB" dirty="0" err="1"/>
-              <a:t>myConnPltfOut</a:t>
-            </a:r>
-            <a:r>
-              <a:rPr lang="en-GB" dirty="0"/>
-              <a:t> (unused)</a:t>
-            </a:r>
-            <a:endParaRPr lang="en-DE" dirty="0"/>
-          </a:p>
-        </p:txBody>
-      </p:sp>
-      <p:sp>
-        <p:nvSpPr>
-          <p:cNvPr id="37" name="TextBox 36">
-            <a:extLst>
-              <a:ext uri="{FF2B5EF4-FFF2-40B4-BE49-F238E27FC236}">
-                <a16:creationId xmlns:a16="http://schemas.microsoft.com/office/drawing/2014/main" id="{AEABF672-731B-4076-9AF7-8430189408E9}"/>
-              </a:ext>
-            </a:extLst>
-          </p:cNvPr>
-          <p:cNvSpPr txBox="1"/>
-          <p:nvPr/>
-        </p:nvSpPr>
-        <p:spPr>
-          <a:xfrm>
-            <a:off x="430951" y="973878"/>
-            <a:ext cx="904415" cy="369332"/>
-          </a:xfrm>
-          <a:prstGeom prst="rect">
-            <a:avLst/>
-          </a:prstGeom>
-          <a:noFill/>
-        </p:spPr>
-        <p:txBody>
-          <a:bodyPr wrap="none" rtlCol="0">
-            <a:spAutoFit/>
-          </a:bodyPr>
-          <a:lstStyle/>
-          <a:p>
-            <a:r>
-              <a:rPr lang="en-GB" dirty="0"/>
-              <a:t>I: String</a:t>
-            </a:r>
-            <a:endParaRPr lang="en-DE" dirty="0"/>
-          </a:p>
-        </p:txBody>
-      </p:sp>
-      <p:sp>
-        <p:nvSpPr>
-          <p:cNvPr id="38" name="TextBox 37">
-            <a:extLst>
-              <a:ext uri="{FF2B5EF4-FFF2-40B4-BE49-F238E27FC236}">
-                <a16:creationId xmlns:a16="http://schemas.microsoft.com/office/drawing/2014/main" id="{B375E468-2C72-47AF-AC65-F3A11767119E}"/>
-              </a:ext>
-            </a:extLst>
-          </p:cNvPr>
-          <p:cNvSpPr txBox="1"/>
-          <p:nvPr/>
-        </p:nvSpPr>
-        <p:spPr>
-          <a:xfrm>
-            <a:off x="2069165" y="1306395"/>
-            <a:ext cx="1456361" cy="369332"/>
-          </a:xfrm>
-          <a:prstGeom prst="rect">
-            <a:avLst/>
-          </a:prstGeom>
-          <a:noFill/>
-        </p:spPr>
-        <p:txBody>
-          <a:bodyPr wrap="none" rtlCol="0">
-            <a:spAutoFit/>
-          </a:bodyPr>
-          <a:lstStyle/>
-          <a:p>
-            <a:r>
-              <a:rPr lang="en-GB" dirty="0" err="1"/>
-              <a:t>myConnPltfIn</a:t>
-            </a:r>
-            <a:endParaRPr lang="en-DE" dirty="0"/>
-          </a:p>
-        </p:txBody>
-      </p:sp>
-      <p:cxnSp>
-        <p:nvCxnSpPr>
-          <p:cNvPr id="46" name="Connector: Elbow 45">
-            <a:extLst>
-              <a:ext uri="{FF2B5EF4-FFF2-40B4-BE49-F238E27FC236}">
-                <a16:creationId xmlns:a16="http://schemas.microsoft.com/office/drawing/2014/main" id="{9EAE76F5-62B5-4273-97DB-32464BAB6600}"/>
-              </a:ext>
-            </a:extLst>
-          </p:cNvPr>
-          <p:cNvCxnSpPr>
-            <a:cxnSpLocks/>
-            <a:stCxn id="17" idx="3"/>
-            <a:endCxn id="29" idx="1"/>
-          </p:cNvCxnSpPr>
-          <p:nvPr/>
-        </p:nvCxnSpPr>
-        <p:spPr>
-          <a:xfrm>
-            <a:off x="5118606" y="5545160"/>
-            <a:ext cx="729775" cy="1604"/>
-          </a:xfrm>
-          <a:prstGeom prst="bentConnector3">
-            <a:avLst/>
-          </a:prstGeom>
-          <a:ln>
-            <a:tailEnd type="triangle"/>
-          </a:ln>
-        </p:spPr>
-        <p:style>
-          <a:lnRef idx="1">
-            <a:schemeClr val="accent1"/>
-          </a:lnRef>
-          <a:fillRef idx="0">
-            <a:schemeClr val="accent1"/>
-          </a:fillRef>
-          <a:effectRef idx="0">
-            <a:schemeClr val="accent1"/>
-          </a:effectRef>
-          <a:fontRef idx="minor">
-            <a:schemeClr val="tx1"/>
-          </a:fontRef>
-        </p:style>
-      </p:cxnSp>
-      <p:sp>
-        <p:nvSpPr>
-          <p:cNvPr id="47" name="TextBox 46">
-            <a:extLst>
-              <a:ext uri="{FF2B5EF4-FFF2-40B4-BE49-F238E27FC236}">
-                <a16:creationId xmlns:a16="http://schemas.microsoft.com/office/drawing/2014/main" id="{F1AC1562-3D1F-4716-B27F-758A2B729308}"/>
-              </a:ext>
-            </a:extLst>
-          </p:cNvPr>
-          <p:cNvSpPr txBox="1"/>
-          <p:nvPr/>
-        </p:nvSpPr>
-        <p:spPr>
-          <a:xfrm>
-            <a:off x="5030908" y="5203931"/>
-            <a:ext cx="635880" cy="369332"/>
-          </a:xfrm>
-          <a:prstGeom prst="rect">
-            <a:avLst/>
-          </a:prstGeom>
-          <a:noFill/>
-        </p:spPr>
-        <p:txBody>
-          <a:bodyPr wrap="none" rtlCol="0">
-            <a:spAutoFit/>
-          </a:bodyPr>
-          <a:lstStyle/>
-          <a:p>
-            <a:r>
-              <a:rPr lang="en-GB" dirty="0"/>
-              <a:t>Rec1</a:t>
-            </a:r>
-            <a:endParaRPr lang="en-DE" dirty="0"/>
-          </a:p>
-        </p:txBody>
-      </p:sp>
-      <p:cxnSp>
-        <p:nvCxnSpPr>
-          <p:cNvPr id="52" name="Connector: Elbow 51">
-            <a:extLst>
-              <a:ext uri="{FF2B5EF4-FFF2-40B4-BE49-F238E27FC236}">
-                <a16:creationId xmlns:a16="http://schemas.microsoft.com/office/drawing/2014/main" id="{0510283D-3AD3-4704-89A2-C37FBF40F154}"/>
-              </a:ext>
-            </a:extLst>
-          </p:cNvPr>
-          <p:cNvCxnSpPr>
-            <a:cxnSpLocks/>
-            <a:stCxn id="31" idx="3"/>
-            <a:endCxn id="32" idx="1"/>
-          </p:cNvCxnSpPr>
-          <p:nvPr/>
-        </p:nvCxnSpPr>
-        <p:spPr>
-          <a:xfrm>
-            <a:off x="10158940" y="5542580"/>
-            <a:ext cx="687408" cy="6110"/>
-          </a:xfrm>
-          <a:prstGeom prst="bentConnector3">
-            <a:avLst/>
-          </a:prstGeom>
-          <a:ln>
-            <a:tailEnd type="triangle"/>
-          </a:ln>
-        </p:spPr>
-        <p:style>
-          <a:lnRef idx="1">
-            <a:schemeClr val="accent1"/>
-          </a:lnRef>
-          <a:fillRef idx="0">
-            <a:schemeClr val="accent1"/>
-          </a:fillRef>
-          <a:effectRef idx="0">
-            <a:schemeClr val="accent1"/>
-          </a:effectRef>
-          <a:fontRef idx="minor">
-            <a:schemeClr val="tx1"/>
-          </a:fontRef>
-        </p:style>
-      </p:cxnSp>
-      <p:sp>
-        <p:nvSpPr>
-          <p:cNvPr id="55" name="TextBox 54">
-            <a:extLst>
-              <a:ext uri="{FF2B5EF4-FFF2-40B4-BE49-F238E27FC236}">
-                <a16:creationId xmlns:a16="http://schemas.microsoft.com/office/drawing/2014/main" id="{4729B742-E0CC-4673-AAA3-2F787B074F8F}"/>
-              </a:ext>
-            </a:extLst>
-          </p:cNvPr>
-          <p:cNvSpPr txBox="1"/>
-          <p:nvPr/>
-        </p:nvSpPr>
-        <p:spPr>
-          <a:xfrm rot="17074610">
-            <a:off x="9786098" y="5288291"/>
-            <a:ext cx="1630051" cy="369332"/>
-          </a:xfrm>
-          <a:prstGeom prst="rect">
-            <a:avLst/>
-          </a:prstGeom>
-          <a:noFill/>
-        </p:spPr>
-        <p:txBody>
-          <a:bodyPr wrap="square" rtlCol="0">
-            <a:spAutoFit/>
-          </a:bodyPr>
-          <a:lstStyle/>
-          <a:p>
-            <a:r>
-              <a:rPr lang="en-GB" dirty="0" err="1"/>
-              <a:t>RtsaTestOutput</a:t>
-            </a:r>
-            <a:endParaRPr lang="en-DE" dirty="0"/>
-          </a:p>
-        </p:txBody>
-      </p:sp>
-      <p:cxnSp>
-        <p:nvCxnSpPr>
-          <p:cNvPr id="56" name="Connector: Elbow 55">
-            <a:extLst>
-              <a:ext uri="{FF2B5EF4-FFF2-40B4-BE49-F238E27FC236}">
-                <a16:creationId xmlns:a16="http://schemas.microsoft.com/office/drawing/2014/main" id="{2EC4FBBF-FB83-48EA-8FD6-11509B00A0CF}"/>
-              </a:ext>
-            </a:extLst>
-          </p:cNvPr>
-          <p:cNvCxnSpPr>
-            <a:cxnSpLocks/>
-            <a:stCxn id="29" idx="3"/>
-            <a:endCxn id="31" idx="1"/>
-          </p:cNvCxnSpPr>
-          <p:nvPr/>
-        </p:nvCxnSpPr>
-        <p:spPr>
-          <a:xfrm flipV="1">
-            <a:off x="8357845" y="5542580"/>
-            <a:ext cx="593905" cy="4184"/>
-          </a:xfrm>
-          <a:prstGeom prst="bentConnector3">
-            <a:avLst>
-              <a:gd name="adj1" fmla="val 50000"/>
-            </a:avLst>
-          </a:prstGeom>
-          <a:ln>
-            <a:tailEnd type="triangle"/>
-          </a:ln>
-        </p:spPr>
-        <p:style>
-          <a:lnRef idx="1">
-            <a:schemeClr val="accent1"/>
-          </a:lnRef>
-          <a:fillRef idx="0">
-            <a:schemeClr val="accent1"/>
-          </a:fillRef>
-          <a:effectRef idx="0">
-            <a:schemeClr val="accent1"/>
-          </a:effectRef>
-          <a:fontRef idx="minor">
-            <a:schemeClr val="tx1"/>
-          </a:fontRef>
-        </p:style>
-      </p:cxnSp>
-      <p:sp>
-        <p:nvSpPr>
-          <p:cNvPr id="53" name="TextBox 52">
-            <a:extLst>
-              <a:ext uri="{FF2B5EF4-FFF2-40B4-BE49-F238E27FC236}">
-                <a16:creationId xmlns:a16="http://schemas.microsoft.com/office/drawing/2014/main" id="{88DEE5F7-1CC5-4C2E-A40E-5138F6DED948}"/>
-              </a:ext>
-            </a:extLst>
-          </p:cNvPr>
-          <p:cNvSpPr txBox="1"/>
-          <p:nvPr/>
-        </p:nvSpPr>
-        <p:spPr>
-          <a:xfrm>
-            <a:off x="6013310" y="6419975"/>
-            <a:ext cx="1075936" cy="369332"/>
-          </a:xfrm>
-          <a:prstGeom prst="rect">
-            <a:avLst/>
-          </a:prstGeom>
-          <a:noFill/>
-          <a:ln>
-            <a:solidFill>
-              <a:schemeClr val="accent6"/>
-            </a:solidFill>
-          </a:ln>
-        </p:spPr>
-        <p:txBody>
-          <a:bodyPr wrap="none" rtlCol="0">
-            <a:spAutoFit/>
-          </a:bodyPr>
-          <a:lstStyle/>
-          <a:p>
-            <a:r>
-              <a:rPr lang="en-GB" dirty="0" err="1"/>
-              <a:t>MyKiImpl</a:t>
-            </a:r>
-            <a:endParaRPr lang="en-DE" dirty="0"/>
-          </a:p>
-        </p:txBody>
-      </p:sp>
-      <p:sp>
-        <p:nvSpPr>
-          <p:cNvPr id="54" name="TextBox 53">
-            <a:extLst>
-              <a:ext uri="{FF2B5EF4-FFF2-40B4-BE49-F238E27FC236}">
-                <a16:creationId xmlns:a16="http://schemas.microsoft.com/office/drawing/2014/main" id="{12C25C06-42A5-43A5-B438-C5FBB4AA1C29}"/>
-              </a:ext>
-            </a:extLst>
-          </p:cNvPr>
-          <p:cNvSpPr txBox="1"/>
-          <p:nvPr/>
-        </p:nvSpPr>
-        <p:spPr>
-          <a:xfrm>
-            <a:off x="7211099" y="6419975"/>
-            <a:ext cx="1140056" cy="369332"/>
-          </a:xfrm>
-          <a:prstGeom prst="rect">
-            <a:avLst/>
-          </a:prstGeom>
-          <a:noFill/>
-          <a:ln>
-            <a:solidFill>
-              <a:schemeClr val="accent6"/>
-            </a:solidFill>
-          </a:ln>
-        </p:spPr>
-        <p:txBody>
-          <a:bodyPr wrap="none" rtlCol="0">
-            <a:spAutoFit/>
-          </a:bodyPr>
-          <a:lstStyle/>
-          <a:p>
-            <a:r>
-              <a:rPr lang="en-GB" dirty="0"/>
-              <a:t>MyK2Impl</a:t>
-            </a:r>
-            <a:endParaRPr lang="en-DE" dirty="0"/>
-          </a:p>
-        </p:txBody>
-      </p:sp>
-      <p:sp>
-        <p:nvSpPr>
-          <p:cNvPr id="57" name="TextBox 56">
-            <a:extLst>
-              <a:ext uri="{FF2B5EF4-FFF2-40B4-BE49-F238E27FC236}">
-                <a16:creationId xmlns:a16="http://schemas.microsoft.com/office/drawing/2014/main" id="{EC3DB9BD-840C-455C-A4DA-E91495047014}"/>
-              </a:ext>
-            </a:extLst>
-          </p:cNvPr>
-          <p:cNvSpPr txBox="1"/>
-          <p:nvPr/>
-        </p:nvSpPr>
-        <p:spPr>
-          <a:xfrm>
-            <a:off x="8886728" y="6420854"/>
-            <a:ext cx="1312924" cy="369332"/>
-          </a:xfrm>
-          <a:prstGeom prst="rect">
-            <a:avLst/>
-          </a:prstGeom>
-          <a:solidFill>
-            <a:schemeClr val="bg1">
-              <a:lumMod val="75000"/>
-            </a:schemeClr>
-          </a:solidFill>
-          <a:ln>
-            <a:solidFill>
-              <a:schemeClr val="accent6"/>
-            </a:solidFill>
-          </a:ln>
-        </p:spPr>
-        <p:txBody>
-          <a:bodyPr wrap="none" rtlCol="0">
-            <a:spAutoFit/>
-          </a:bodyPr>
-          <a:lstStyle/>
-          <a:p>
-            <a:r>
-              <a:rPr lang="en-GB" dirty="0"/>
-              <a:t>RTSA + Glue</a:t>
-            </a:r>
-            <a:endParaRPr lang="en-DE" dirty="0"/>
-          </a:p>
-        </p:txBody>
-      </p:sp>
-      <p:cxnSp>
-        <p:nvCxnSpPr>
-          <p:cNvPr id="58" name="Straight Arrow Connector 57">
-            <a:extLst>
-              <a:ext uri="{FF2B5EF4-FFF2-40B4-BE49-F238E27FC236}">
-                <a16:creationId xmlns:a16="http://schemas.microsoft.com/office/drawing/2014/main" id="{CA4B7D44-C33A-4725-9DE3-A54670C0E39E}"/>
-              </a:ext>
-            </a:extLst>
-          </p:cNvPr>
-          <p:cNvCxnSpPr>
-            <a:cxnSpLocks/>
-            <a:stCxn id="31" idx="2"/>
-            <a:endCxn id="57" idx="0"/>
-          </p:cNvCxnSpPr>
-          <p:nvPr/>
-        </p:nvCxnSpPr>
-        <p:spPr>
-          <a:xfrm flipH="1">
-            <a:off x="9543190" y="5865745"/>
-            <a:ext cx="12155" cy="555109"/>
-          </a:xfrm>
-          <a:prstGeom prst="straightConnector1">
-            <a:avLst/>
-          </a:prstGeom>
-          <a:ln>
-            <a:prstDash val="dash"/>
-            <a:tailEnd type="triangle"/>
-          </a:ln>
-        </p:spPr>
-        <p:style>
-          <a:lnRef idx="1">
-            <a:schemeClr val="accent1"/>
-          </a:lnRef>
-          <a:fillRef idx="0">
-            <a:schemeClr val="accent1"/>
-          </a:fillRef>
-          <a:effectRef idx="0">
-            <a:schemeClr val="accent1"/>
-          </a:effectRef>
-          <a:fontRef idx="minor">
-            <a:schemeClr val="tx1"/>
-          </a:fontRef>
-        </p:style>
-      </p:cxnSp>
-      <p:sp>
-        <p:nvSpPr>
-          <p:cNvPr id="59" name="TextBox 58">
-            <a:extLst>
-              <a:ext uri="{FF2B5EF4-FFF2-40B4-BE49-F238E27FC236}">
-                <a16:creationId xmlns:a16="http://schemas.microsoft.com/office/drawing/2014/main" id="{F1AC8F9E-BDAE-408B-A8A9-4E3D5B4666AC}"/>
-              </a:ext>
-            </a:extLst>
-          </p:cNvPr>
-          <p:cNvSpPr txBox="1"/>
-          <p:nvPr/>
-        </p:nvSpPr>
-        <p:spPr>
-          <a:xfrm>
-            <a:off x="10846348" y="6407414"/>
-            <a:ext cx="1170705" cy="369332"/>
-          </a:xfrm>
-          <a:prstGeom prst="rect">
-            <a:avLst/>
-          </a:prstGeom>
-          <a:solidFill>
-            <a:schemeClr val="bg1">
-              <a:lumMod val="75000"/>
-            </a:schemeClr>
-          </a:solidFill>
-          <a:ln>
-            <a:solidFill>
-              <a:schemeClr val="accent6"/>
-            </a:solidFill>
-          </a:ln>
-        </p:spPr>
-        <p:txBody>
-          <a:bodyPr wrap="none" rtlCol="0">
-            <a:spAutoFit/>
-          </a:bodyPr>
-          <a:lstStyle/>
-          <a:p>
-            <a:r>
-              <a:rPr lang="en-GB" dirty="0"/>
-              <a:t>Trace2AAS</a:t>
-            </a:r>
-            <a:endParaRPr lang="en-DE" dirty="0"/>
-          </a:p>
-        </p:txBody>
-      </p:sp>
-      <p:cxnSp>
-        <p:nvCxnSpPr>
-          <p:cNvPr id="60" name="Straight Arrow Connector 59">
-            <a:extLst>
-              <a:ext uri="{FF2B5EF4-FFF2-40B4-BE49-F238E27FC236}">
-                <a16:creationId xmlns:a16="http://schemas.microsoft.com/office/drawing/2014/main" id="{6F6EF061-4B46-498C-8323-EAE8BBEAA311}"/>
-              </a:ext>
-            </a:extLst>
-          </p:cNvPr>
-          <p:cNvCxnSpPr>
-            <a:cxnSpLocks/>
-            <a:stCxn id="32" idx="2"/>
-            <a:endCxn id="59" idx="0"/>
-          </p:cNvCxnSpPr>
-          <p:nvPr/>
-        </p:nvCxnSpPr>
-        <p:spPr>
-          <a:xfrm flipH="1">
-            <a:off x="11431701" y="5871855"/>
-            <a:ext cx="34368" cy="535559"/>
-          </a:xfrm>
-          <a:prstGeom prst="straightConnector1">
-            <a:avLst/>
-          </a:prstGeom>
-          <a:ln>
-            <a:prstDash val="dash"/>
             <a:tailEnd type="triangle"/>
           </a:ln>
         </p:spPr>
@@ -6465,32 +5581,165 @@
       </p:cxnSp>
       <p:cxnSp>
         <p:nvCxnSpPr>
-          <p:cNvPr id="61" name="Straight Arrow Connector 60">
-            <a:extLst>
-              <a:ext uri="{FF2B5EF4-FFF2-40B4-BE49-F238E27FC236}">
-                <a16:creationId xmlns:a16="http://schemas.microsoft.com/office/drawing/2014/main" id="{C381600F-E54A-4EA7-ACD1-C83A6B649870}"/>
+          <p:cNvPr id="40" name="Connector: Elbow 39">
+            <a:extLst>
+              <a:ext uri="{FF2B5EF4-FFF2-40B4-BE49-F238E27FC236}">
+                <a16:creationId xmlns:a16="http://schemas.microsoft.com/office/drawing/2014/main" id="{591473FB-0624-4D2F-A23C-6253BD77379D}"/>
               </a:ext>
             </a:extLst>
           </p:cNvPr>
           <p:cNvCxnSpPr>
             <a:cxnSpLocks/>
-            <a:stCxn id="30" idx="2"/>
-            <a:endCxn id="54" idx="0"/>
+            <a:stCxn id="5" idx="0"/>
+            <a:endCxn id="17" idx="0"/>
           </p:cNvCxnSpPr>
           <p:nvPr/>
         </p:nvCxnSpPr>
         <p:spPr>
-          <a:xfrm>
-            <a:off x="7775019" y="6199911"/>
-            <a:ext cx="6108" cy="220064"/>
-          </a:xfrm>
-          <a:prstGeom prst="straightConnector1">
-            <a:avLst/>
+          <a:xfrm rot="16200000" flipV="1">
+            <a:off x="5868545" y="-2573754"/>
+            <a:ext cx="937607" cy="9979726"/>
+          </a:xfrm>
+          <a:prstGeom prst="bentConnector3">
+            <a:avLst>
+              <a:gd name="adj1" fmla="val 124381"/>
+            </a:avLst>
           </a:prstGeom>
           <a:ln>
             <a:solidFill>
               <a:srgbClr val="C00000"/>
             </a:solidFill>
+            <a:tailEnd type="triangle"/>
+          </a:ln>
+        </p:spPr>
+        <p:style>
+          <a:lnRef idx="1">
+            <a:schemeClr val="accent1"/>
+          </a:lnRef>
+          <a:fillRef idx="0">
+            <a:schemeClr val="accent1"/>
+          </a:fillRef>
+          <a:effectRef idx="0">
+            <a:schemeClr val="accent1"/>
+          </a:effectRef>
+          <a:fontRef idx="minor">
+            <a:schemeClr val="tx1"/>
+          </a:fontRef>
+        </p:style>
+      </p:cxnSp>
+      <p:sp>
+        <p:nvSpPr>
+          <p:cNvPr id="43" name="TextBox 42">
+            <a:extLst>
+              <a:ext uri="{FF2B5EF4-FFF2-40B4-BE49-F238E27FC236}">
+                <a16:creationId xmlns:a16="http://schemas.microsoft.com/office/drawing/2014/main" id="{D83F538A-987F-4031-A36E-4C8C7E220DE7}"/>
+              </a:ext>
+            </a:extLst>
+          </p:cNvPr>
+          <p:cNvSpPr txBox="1"/>
+          <p:nvPr/>
+        </p:nvSpPr>
+        <p:spPr>
+          <a:xfrm>
+            <a:off x="6244066" y="1370802"/>
+            <a:ext cx="3659913" cy="369332"/>
+          </a:xfrm>
+          <a:prstGeom prst="rect">
+            <a:avLst/>
+          </a:prstGeom>
+          <a:noFill/>
+        </p:spPr>
+        <p:txBody>
+          <a:bodyPr wrap="none" rtlCol="0">
+            <a:spAutoFit/>
+          </a:bodyPr>
+          <a:lstStyle/>
+          <a:p>
+            <a:r>
+              <a:rPr lang="en-GB" dirty="0" err="1"/>
+              <a:t>RoutingCommand</a:t>
+            </a:r>
+            <a:r>
+              <a:rPr lang="en-GB" dirty="0"/>
+              <a:t> (via </a:t>
+            </a:r>
+            <a:r>
+              <a:rPr lang="en-GB" dirty="0" err="1"/>
+              <a:t>EventHandler</a:t>
+            </a:r>
+            <a:r>
+              <a:rPr lang="en-GB" dirty="0"/>
+              <a:t>)</a:t>
+            </a:r>
+            <a:endParaRPr lang="en-DE" dirty="0"/>
+          </a:p>
+        </p:txBody>
+      </p:sp>
+      <p:sp>
+        <p:nvSpPr>
+          <p:cNvPr id="44" name="TextBox 43">
+            <a:extLst>
+              <a:ext uri="{FF2B5EF4-FFF2-40B4-BE49-F238E27FC236}">
+                <a16:creationId xmlns:a16="http://schemas.microsoft.com/office/drawing/2014/main" id="{F98DEE58-342A-4B7B-ACE8-0F97818E3B12}"/>
+              </a:ext>
+            </a:extLst>
+          </p:cNvPr>
+          <p:cNvSpPr txBox="1"/>
+          <p:nvPr/>
+        </p:nvSpPr>
+        <p:spPr>
+          <a:xfrm>
+            <a:off x="2551531" y="1691622"/>
+            <a:ext cx="2464201" cy="369332"/>
+          </a:xfrm>
+          <a:prstGeom prst="rect">
+            <a:avLst/>
+          </a:prstGeom>
+          <a:noFill/>
+        </p:spPr>
+        <p:txBody>
+          <a:bodyPr wrap="none" rtlCol="0">
+            <a:spAutoFit/>
+          </a:bodyPr>
+          <a:lstStyle/>
+          <a:p>
+            <a:r>
+              <a:rPr lang="en-GB" dirty="0" err="1"/>
+              <a:t>RoutingConnIn</a:t>
+            </a:r>
+            <a:r>
+              <a:rPr lang="en-GB" dirty="0"/>
+              <a:t> (unused)</a:t>
+            </a:r>
+            <a:endParaRPr lang="en-DE" dirty="0"/>
+          </a:p>
+        </p:txBody>
+      </p:sp>
+      <p:cxnSp>
+        <p:nvCxnSpPr>
+          <p:cNvPr id="49" name="Straight Arrow Connector 48">
+            <a:extLst>
+              <a:ext uri="{FF2B5EF4-FFF2-40B4-BE49-F238E27FC236}">
+                <a16:creationId xmlns:a16="http://schemas.microsoft.com/office/drawing/2014/main" id="{CF763BC5-32D3-4A64-8045-714A36F2B619}"/>
+              </a:ext>
+            </a:extLst>
+          </p:cNvPr>
+          <p:cNvCxnSpPr>
+            <a:cxnSpLocks/>
+            <a:stCxn id="62" idx="2"/>
+            <a:endCxn id="18" idx="0"/>
+          </p:cNvCxnSpPr>
+          <p:nvPr/>
+        </p:nvCxnSpPr>
+        <p:spPr>
+          <a:xfrm>
+            <a:off x="2284199" y="2580746"/>
+            <a:ext cx="1394588" cy="2950184"/>
+          </a:xfrm>
+          <a:prstGeom prst="straightConnector1">
+            <a:avLst/>
+          </a:prstGeom>
+          <a:ln>
             <a:prstDash val="dash"/>
             <a:tailEnd type="triangle"/>
           </a:ln>
@@ -6512,33 +5761,681 @@
       </p:cxnSp>
       <p:cxnSp>
         <p:nvCxnSpPr>
-          <p:cNvPr id="62" name="Straight Arrow Connector 61">
-            <a:extLst>
-              <a:ext uri="{FF2B5EF4-FFF2-40B4-BE49-F238E27FC236}">
-                <a16:creationId xmlns:a16="http://schemas.microsoft.com/office/drawing/2014/main" id="{F4A20BD5-3AAF-45BC-9095-8D0D364A46EE}"/>
+          <p:cNvPr id="52" name="Straight Arrow Connector 51">
+            <a:extLst>
+              <a:ext uri="{FF2B5EF4-FFF2-40B4-BE49-F238E27FC236}">
+                <a16:creationId xmlns:a16="http://schemas.microsoft.com/office/drawing/2014/main" id="{BDB4A749-1382-452C-9CE1-F67F5D146934}"/>
               </a:ext>
             </a:extLst>
           </p:cNvPr>
           <p:cNvCxnSpPr>
             <a:cxnSpLocks/>
-            <a:stCxn id="24" idx="2"/>
-            <a:endCxn id="53" idx="0"/>
+            <a:stCxn id="62" idx="2"/>
+            <a:endCxn id="19" idx="1"/>
           </p:cNvCxnSpPr>
           <p:nvPr/>
         </p:nvCxnSpPr>
         <p:spPr>
           <a:xfrm flipH="1">
-            <a:off x="6551278" y="6188910"/>
-            <a:ext cx="3544" cy="231065"/>
+            <a:off x="1823147" y="2580746"/>
+            <a:ext cx="461052" cy="3507433"/>
           </a:xfrm>
           <a:prstGeom prst="straightConnector1">
             <a:avLst/>
           </a:prstGeom>
+          <a:ln>
+            <a:prstDash val="dash"/>
+            <a:tailEnd type="triangle"/>
+          </a:ln>
+        </p:spPr>
+        <p:style>
+          <a:lnRef idx="1">
+            <a:schemeClr val="accent1"/>
+          </a:lnRef>
+          <a:fillRef idx="0">
+            <a:schemeClr val="accent1"/>
+          </a:fillRef>
+          <a:effectRef idx="0">
+            <a:schemeClr val="accent1"/>
+          </a:effectRef>
+          <a:fontRef idx="minor">
+            <a:schemeClr val="tx1"/>
+          </a:fontRef>
+        </p:style>
+      </p:cxnSp>
+      <p:sp>
+        <p:nvSpPr>
+          <p:cNvPr id="59" name="Rectangle 58">
+            <a:extLst>
+              <a:ext uri="{FF2B5EF4-FFF2-40B4-BE49-F238E27FC236}">
+                <a16:creationId xmlns:a16="http://schemas.microsoft.com/office/drawing/2014/main" id="{0C669589-FDAE-48F3-BABF-C4330D0ADF12}"/>
+              </a:ext>
+            </a:extLst>
+          </p:cNvPr>
+          <p:cNvSpPr/>
+          <p:nvPr/>
+        </p:nvSpPr>
+        <p:spPr>
+          <a:xfrm>
+            <a:off x="378861" y="3310421"/>
+            <a:ext cx="282627" cy="215932"/>
+          </a:xfrm>
+          <a:prstGeom prst="rect">
+            <a:avLst/>
+          </a:prstGeom>
+          <a:noFill/>
+          <a:ln>
+            <a:noFill/>
+          </a:ln>
+        </p:spPr>
+        <p:style>
+          <a:lnRef idx="2">
+            <a:schemeClr val="accent1">
+              <a:shade val="50000"/>
+            </a:schemeClr>
+          </a:lnRef>
+          <a:fillRef idx="1">
+            <a:schemeClr val="accent1"/>
+          </a:fillRef>
+          <a:effectRef idx="0">
+            <a:schemeClr val="accent1"/>
+          </a:effectRef>
+          <a:fontRef idx="minor">
+            <a:schemeClr val="lt1"/>
+          </a:fontRef>
+        </p:style>
+        <p:txBody>
+          <a:bodyPr rtlCol="0" anchor="ctr"/>
+          <a:lstStyle/>
+          <a:p>
+            <a:pPr algn="ctr"/>
+            <a:endParaRPr lang="en-DE"/>
+          </a:p>
+        </p:txBody>
+      </p:sp>
+      <p:sp>
+        <p:nvSpPr>
+          <p:cNvPr id="62" name="Rectangle 61">
+            <a:extLst>
+              <a:ext uri="{FF2B5EF4-FFF2-40B4-BE49-F238E27FC236}">
+                <a16:creationId xmlns:a16="http://schemas.microsoft.com/office/drawing/2014/main" id="{A6B12D44-527E-4CD0-8F78-D44FE967B976}"/>
+              </a:ext>
+            </a:extLst>
+          </p:cNvPr>
+          <p:cNvSpPr/>
+          <p:nvPr/>
+        </p:nvSpPr>
+        <p:spPr>
+          <a:xfrm>
+            <a:off x="2142885" y="2364814"/>
+            <a:ext cx="282627" cy="215932"/>
+          </a:xfrm>
+          <a:prstGeom prst="rect">
+            <a:avLst/>
+          </a:prstGeom>
+          <a:noFill/>
+          <a:ln>
+            <a:noFill/>
+          </a:ln>
+        </p:spPr>
+        <p:style>
+          <a:lnRef idx="2">
+            <a:schemeClr val="accent1">
+              <a:shade val="50000"/>
+            </a:schemeClr>
+          </a:lnRef>
+          <a:fillRef idx="1">
+            <a:schemeClr val="accent1"/>
+          </a:fillRef>
+          <a:effectRef idx="0">
+            <a:schemeClr val="accent1"/>
+          </a:effectRef>
+          <a:fontRef idx="minor">
+            <a:schemeClr val="lt1"/>
+          </a:fontRef>
+        </p:style>
+        <p:txBody>
+          <a:bodyPr rtlCol="0" anchor="ctr"/>
+          <a:lstStyle/>
+          <a:p>
+            <a:pPr algn="ctr"/>
+            <a:endParaRPr lang="en-DE"/>
+          </a:p>
+        </p:txBody>
+      </p:sp>
+      <p:sp>
+        <p:nvSpPr>
+          <p:cNvPr id="68" name="Rectangle 67">
+            <a:extLst>
+              <a:ext uri="{FF2B5EF4-FFF2-40B4-BE49-F238E27FC236}">
+                <a16:creationId xmlns:a16="http://schemas.microsoft.com/office/drawing/2014/main" id="{0F962CDF-D9D6-47F6-BC59-C5F9A7E3C824}"/>
+              </a:ext>
+            </a:extLst>
+          </p:cNvPr>
+          <p:cNvSpPr/>
+          <p:nvPr/>
+        </p:nvSpPr>
+        <p:spPr>
+          <a:xfrm>
+            <a:off x="5186173" y="3292525"/>
+            <a:ext cx="282627" cy="215932"/>
+          </a:xfrm>
+          <a:prstGeom prst="rect">
+            <a:avLst/>
+          </a:prstGeom>
+          <a:noFill/>
+          <a:ln>
+            <a:noFill/>
+          </a:ln>
+        </p:spPr>
+        <p:style>
+          <a:lnRef idx="2">
+            <a:schemeClr val="accent1">
+              <a:shade val="50000"/>
+            </a:schemeClr>
+          </a:lnRef>
+          <a:fillRef idx="1">
+            <a:schemeClr val="accent1"/>
+          </a:fillRef>
+          <a:effectRef idx="0">
+            <a:schemeClr val="accent1"/>
+          </a:effectRef>
+          <a:fontRef idx="minor">
+            <a:schemeClr val="lt1"/>
+          </a:fontRef>
+        </p:style>
+        <p:txBody>
+          <a:bodyPr rtlCol="0" anchor="ctr"/>
+          <a:lstStyle/>
+          <a:p>
+            <a:pPr algn="ctr"/>
+            <a:endParaRPr lang="en-DE"/>
+          </a:p>
+        </p:txBody>
+      </p:sp>
+      <p:sp>
+        <p:nvSpPr>
+          <p:cNvPr id="70" name="Rectangle 69">
+            <a:extLst>
+              <a:ext uri="{FF2B5EF4-FFF2-40B4-BE49-F238E27FC236}">
+                <a16:creationId xmlns:a16="http://schemas.microsoft.com/office/drawing/2014/main" id="{4A0A47A8-680D-4E7A-AB09-A8CA6A5FFC19}"/>
+              </a:ext>
+            </a:extLst>
+          </p:cNvPr>
+          <p:cNvSpPr/>
+          <p:nvPr/>
+        </p:nvSpPr>
+        <p:spPr>
+          <a:xfrm>
+            <a:off x="11538022" y="3310421"/>
+            <a:ext cx="282627" cy="215932"/>
+          </a:xfrm>
+          <a:prstGeom prst="rect">
+            <a:avLst/>
+          </a:prstGeom>
+          <a:noFill/>
+          <a:ln>
+            <a:noFill/>
+          </a:ln>
+        </p:spPr>
+        <p:style>
+          <a:lnRef idx="2">
+            <a:schemeClr val="accent1">
+              <a:shade val="50000"/>
+            </a:schemeClr>
+          </a:lnRef>
+          <a:fillRef idx="1">
+            <a:schemeClr val="accent1"/>
+          </a:fillRef>
+          <a:effectRef idx="0">
+            <a:schemeClr val="accent1"/>
+          </a:effectRef>
+          <a:fontRef idx="minor">
+            <a:schemeClr val="lt1"/>
+          </a:fontRef>
+        </p:style>
+        <p:txBody>
+          <a:bodyPr rtlCol="0" anchor="ctr"/>
+          <a:lstStyle/>
+          <a:p>
+            <a:pPr algn="ctr"/>
+            <a:endParaRPr lang="en-DE"/>
+          </a:p>
+        </p:txBody>
+      </p:sp>
+      <p:sp>
+        <p:nvSpPr>
+          <p:cNvPr id="34" name="TextBox 33">
+            <a:extLst>
+              <a:ext uri="{FF2B5EF4-FFF2-40B4-BE49-F238E27FC236}">
+                <a16:creationId xmlns:a16="http://schemas.microsoft.com/office/drawing/2014/main" id="{35F29DC6-EF34-4587-956B-1DB72AC0E8EB}"/>
+              </a:ext>
+            </a:extLst>
+          </p:cNvPr>
+          <p:cNvSpPr txBox="1"/>
+          <p:nvPr/>
+        </p:nvSpPr>
+        <p:spPr>
+          <a:xfrm>
+            <a:off x="7486193" y="2777833"/>
+            <a:ext cx="2091791" cy="646331"/>
+          </a:xfrm>
+          <a:prstGeom prst="rect">
+            <a:avLst/>
+          </a:prstGeom>
+          <a:noFill/>
           <a:ln>
             <a:solidFill>
-              <a:srgbClr val="C00000"/>
+              <a:schemeClr val="accent1"/>
             </a:solidFill>
+          </a:ln>
+        </p:spPr>
+        <p:txBody>
+          <a:bodyPr wrap="none" rtlCol="0">
+            <a:spAutoFit/>
+          </a:bodyPr>
+          <a:lstStyle/>
+          <a:p>
+            <a:r>
+              <a:rPr lang="en-GB" b="1" dirty="0"/>
+              <a:t>RoutingProcessorP1</a:t>
+            </a:r>
+          </a:p>
+          <a:p>
+            <a:r>
+              <a:rPr lang="en-GB" dirty="0"/>
+              <a:t>Java, async</a:t>
+            </a:r>
+            <a:endParaRPr lang="en-DE" dirty="0"/>
+          </a:p>
+        </p:txBody>
+      </p:sp>
+      <p:sp>
+        <p:nvSpPr>
+          <p:cNvPr id="37" name="TextBox 36">
+            <a:extLst>
+              <a:ext uri="{FF2B5EF4-FFF2-40B4-BE49-F238E27FC236}">
+                <a16:creationId xmlns:a16="http://schemas.microsoft.com/office/drawing/2014/main" id="{37CE963F-6B3A-45D2-8C10-50FD8A7DA7E8}"/>
+              </a:ext>
+            </a:extLst>
+          </p:cNvPr>
+          <p:cNvSpPr txBox="1"/>
+          <p:nvPr/>
+        </p:nvSpPr>
+        <p:spPr>
+          <a:xfrm>
+            <a:off x="7491567" y="3461657"/>
+            <a:ext cx="2091791" cy="646331"/>
+          </a:xfrm>
+          <a:prstGeom prst="rect">
+            <a:avLst/>
+          </a:prstGeom>
+          <a:noFill/>
+          <a:ln>
+            <a:solidFill>
+              <a:schemeClr val="accent1"/>
+            </a:solidFill>
+          </a:ln>
+        </p:spPr>
+        <p:txBody>
+          <a:bodyPr wrap="none" rtlCol="0">
+            <a:spAutoFit/>
+          </a:bodyPr>
+          <a:lstStyle/>
+          <a:p>
+            <a:r>
+              <a:rPr lang="en-GB" b="1" dirty="0"/>
+              <a:t>RoutingProcessorP2</a:t>
+            </a:r>
+          </a:p>
+          <a:p>
+            <a:r>
+              <a:rPr lang="en-GB" dirty="0"/>
+              <a:t>Java, async</a:t>
+            </a:r>
+            <a:endParaRPr lang="en-DE" dirty="0"/>
+          </a:p>
+        </p:txBody>
+      </p:sp>
+      <p:cxnSp>
+        <p:nvCxnSpPr>
+          <p:cNvPr id="39" name="Connector: Elbow 38">
+            <a:extLst>
+              <a:ext uri="{FF2B5EF4-FFF2-40B4-BE49-F238E27FC236}">
+                <a16:creationId xmlns:a16="http://schemas.microsoft.com/office/drawing/2014/main" id="{EFB9753E-E206-4E99-9511-91B4CDFED162}"/>
+              </a:ext>
+            </a:extLst>
+          </p:cNvPr>
+          <p:cNvCxnSpPr>
+            <a:cxnSpLocks/>
+            <a:stCxn id="13" idx="3"/>
+            <a:endCxn id="37" idx="1"/>
+          </p:cNvCxnSpPr>
+          <p:nvPr/>
+        </p:nvCxnSpPr>
+        <p:spPr>
+          <a:xfrm>
+            <a:off x="5815904" y="3198391"/>
+            <a:ext cx="1675663" cy="586432"/>
+          </a:xfrm>
+          <a:prstGeom prst="bentConnector3">
+            <a:avLst>
+              <a:gd name="adj1" fmla="val 50000"/>
+            </a:avLst>
+          </a:prstGeom>
+          <a:ln>
+            <a:tailEnd type="triangle"/>
+          </a:ln>
+        </p:spPr>
+        <p:style>
+          <a:lnRef idx="1">
+            <a:schemeClr val="accent1"/>
+          </a:lnRef>
+          <a:fillRef idx="0">
+            <a:schemeClr val="accent1"/>
+          </a:fillRef>
+          <a:effectRef idx="0">
+            <a:schemeClr val="accent1"/>
+          </a:effectRef>
+          <a:fontRef idx="minor">
+            <a:schemeClr val="tx1"/>
+          </a:fontRef>
+        </p:style>
+      </p:cxnSp>
+      <p:cxnSp>
+        <p:nvCxnSpPr>
+          <p:cNvPr id="45" name="Connector: Elbow 44">
+            <a:extLst>
+              <a:ext uri="{FF2B5EF4-FFF2-40B4-BE49-F238E27FC236}">
+                <a16:creationId xmlns:a16="http://schemas.microsoft.com/office/drawing/2014/main" id="{80ABF312-74FE-42D0-8569-28C2891D49EB}"/>
+              </a:ext>
+            </a:extLst>
+          </p:cNvPr>
+          <p:cNvCxnSpPr>
+            <a:cxnSpLocks/>
+            <a:stCxn id="34" idx="3"/>
+            <a:endCxn id="5" idx="1"/>
+          </p:cNvCxnSpPr>
+          <p:nvPr/>
+        </p:nvCxnSpPr>
+        <p:spPr>
+          <a:xfrm>
+            <a:off x="9577984" y="3100999"/>
+            <a:ext cx="1086641" cy="107079"/>
+          </a:xfrm>
+          <a:prstGeom prst="bentConnector3">
+            <a:avLst>
+              <a:gd name="adj1" fmla="val 50000"/>
+            </a:avLst>
+          </a:prstGeom>
+          <a:ln>
+            <a:tailEnd type="triangle"/>
+          </a:ln>
+        </p:spPr>
+        <p:style>
+          <a:lnRef idx="1">
+            <a:schemeClr val="accent1"/>
+          </a:lnRef>
+          <a:fillRef idx="0">
+            <a:schemeClr val="accent1"/>
+          </a:fillRef>
+          <a:effectRef idx="0">
+            <a:schemeClr val="accent1"/>
+          </a:effectRef>
+          <a:fontRef idx="minor">
+            <a:schemeClr val="tx1"/>
+          </a:fontRef>
+        </p:style>
+      </p:cxnSp>
+      <p:cxnSp>
+        <p:nvCxnSpPr>
+          <p:cNvPr id="47" name="Connector: Elbow 46">
+            <a:extLst>
+              <a:ext uri="{FF2B5EF4-FFF2-40B4-BE49-F238E27FC236}">
+                <a16:creationId xmlns:a16="http://schemas.microsoft.com/office/drawing/2014/main" id="{7664DA93-A20B-4848-B333-73533417224B}"/>
+              </a:ext>
+            </a:extLst>
+          </p:cNvPr>
+          <p:cNvCxnSpPr>
+            <a:cxnSpLocks/>
+            <a:stCxn id="37" idx="3"/>
+            <a:endCxn id="5" idx="1"/>
+          </p:cNvCxnSpPr>
+          <p:nvPr/>
+        </p:nvCxnSpPr>
+        <p:spPr>
+          <a:xfrm flipV="1">
+            <a:off x="9583358" y="3208078"/>
+            <a:ext cx="1081267" cy="576745"/>
+          </a:xfrm>
+          <a:prstGeom prst="bentConnector3">
+            <a:avLst>
+              <a:gd name="adj1" fmla="val 50000"/>
+            </a:avLst>
+          </a:prstGeom>
+          <a:ln>
+            <a:tailEnd type="triangle"/>
+          </a:ln>
+        </p:spPr>
+        <p:style>
+          <a:lnRef idx="1">
+            <a:schemeClr val="accent1"/>
+          </a:lnRef>
+          <a:fillRef idx="0">
+            <a:schemeClr val="accent1"/>
+          </a:fillRef>
+          <a:effectRef idx="0">
+            <a:schemeClr val="accent1"/>
+          </a:effectRef>
+          <a:fontRef idx="minor">
+            <a:schemeClr val="tx1"/>
+          </a:fontRef>
+        </p:style>
+      </p:cxnSp>
+      <p:cxnSp>
+        <p:nvCxnSpPr>
+          <p:cNvPr id="69" name="Straight Arrow Connector 68">
+            <a:extLst>
+              <a:ext uri="{FF2B5EF4-FFF2-40B4-BE49-F238E27FC236}">
+                <a16:creationId xmlns:a16="http://schemas.microsoft.com/office/drawing/2014/main" id="{96E91C27-F0B4-4F84-A3FF-4FCFADDAF55A}"/>
+              </a:ext>
+            </a:extLst>
+          </p:cNvPr>
+          <p:cNvCxnSpPr>
+            <a:cxnSpLocks/>
+            <a:stCxn id="41" idx="2"/>
+            <a:endCxn id="71" idx="0"/>
+          </p:cNvCxnSpPr>
+          <p:nvPr/>
+        </p:nvCxnSpPr>
+        <p:spPr>
+          <a:xfrm>
+            <a:off x="8539069" y="4811213"/>
+            <a:ext cx="25854" cy="1115384"/>
+          </a:xfrm>
+          <a:prstGeom prst="straightConnector1">
+            <a:avLst/>
+          </a:prstGeom>
+          <a:ln>
             <a:prstDash val="dash"/>
+            <a:tailEnd type="triangle"/>
+          </a:ln>
+        </p:spPr>
+        <p:style>
+          <a:lnRef idx="1">
+            <a:schemeClr val="accent1"/>
+          </a:lnRef>
+          <a:fillRef idx="0">
+            <a:schemeClr val="accent1"/>
+          </a:fillRef>
+          <a:effectRef idx="0">
+            <a:schemeClr val="accent1"/>
+          </a:effectRef>
+          <a:fontRef idx="minor">
+            <a:schemeClr val="tx1"/>
+          </a:fontRef>
+        </p:style>
+      </p:cxnSp>
+      <p:sp>
+        <p:nvSpPr>
+          <p:cNvPr id="71" name="TextBox 70">
+            <a:extLst>
+              <a:ext uri="{FF2B5EF4-FFF2-40B4-BE49-F238E27FC236}">
+                <a16:creationId xmlns:a16="http://schemas.microsoft.com/office/drawing/2014/main" id="{71E2EC7F-557A-46A0-A7D0-765DDE8D2E98}"/>
+              </a:ext>
+            </a:extLst>
+          </p:cNvPr>
+          <p:cNvSpPr txBox="1"/>
+          <p:nvPr/>
+        </p:nvSpPr>
+        <p:spPr>
+          <a:xfrm>
+            <a:off x="6683991" y="5926597"/>
+            <a:ext cx="3761864" cy="323165"/>
+          </a:xfrm>
+          <a:prstGeom prst="rect">
+            <a:avLst/>
+          </a:prstGeom>
+          <a:noFill/>
+          <a:ln>
+            <a:solidFill>
+              <a:schemeClr val="accent6"/>
+            </a:solidFill>
+          </a:ln>
+        </p:spPr>
+        <p:txBody>
+          <a:bodyPr wrap="none" rtlCol="0">
+            <a:spAutoFit/>
+          </a:bodyPr>
+          <a:lstStyle/>
+          <a:p>
+            <a:r>
+              <a:rPr lang="en-GB" sz="1500" dirty="0"/>
+              <a:t>d.i.p.t.a.s.routingTest.ProcessorImplP1/P2/P3</a:t>
+            </a:r>
+            <a:endParaRPr lang="en-DE" sz="1500" dirty="0"/>
+          </a:p>
+        </p:txBody>
+      </p:sp>
+      <p:sp>
+        <p:nvSpPr>
+          <p:cNvPr id="41" name="TextBox 40">
+            <a:extLst>
+              <a:ext uri="{FF2B5EF4-FFF2-40B4-BE49-F238E27FC236}">
+                <a16:creationId xmlns:a16="http://schemas.microsoft.com/office/drawing/2014/main" id="{E3E4FA0C-E53F-4F83-A98E-FAE9FA5EBD21}"/>
+              </a:ext>
+            </a:extLst>
+          </p:cNvPr>
+          <p:cNvSpPr txBox="1"/>
+          <p:nvPr/>
+        </p:nvSpPr>
+        <p:spPr>
+          <a:xfrm>
+            <a:off x="7493173" y="4164882"/>
+            <a:ext cx="2091791" cy="646331"/>
+          </a:xfrm>
+          <a:prstGeom prst="rect">
+            <a:avLst/>
+          </a:prstGeom>
+          <a:noFill/>
+          <a:ln>
+            <a:solidFill>
+              <a:schemeClr val="accent1"/>
+            </a:solidFill>
+          </a:ln>
+        </p:spPr>
+        <p:txBody>
+          <a:bodyPr wrap="none" rtlCol="0">
+            <a:spAutoFit/>
+          </a:bodyPr>
+          <a:lstStyle/>
+          <a:p>
+            <a:r>
+              <a:rPr lang="en-GB" b="1" dirty="0"/>
+              <a:t>RoutingProcessorP2</a:t>
+            </a:r>
+          </a:p>
+          <a:p>
+            <a:r>
+              <a:rPr lang="en-GB" dirty="0"/>
+              <a:t>Java, sync</a:t>
+            </a:r>
+            <a:endParaRPr lang="en-DE" dirty="0"/>
+          </a:p>
+        </p:txBody>
+      </p:sp>
+      <p:cxnSp>
+        <p:nvCxnSpPr>
+          <p:cNvPr id="42" name="Connector: Elbow 41">
+            <a:extLst>
+              <a:ext uri="{FF2B5EF4-FFF2-40B4-BE49-F238E27FC236}">
+                <a16:creationId xmlns:a16="http://schemas.microsoft.com/office/drawing/2014/main" id="{93E15612-5635-4936-90C9-D07F9B2B7912}"/>
+              </a:ext>
+            </a:extLst>
+          </p:cNvPr>
+          <p:cNvCxnSpPr>
+            <a:cxnSpLocks/>
+            <a:stCxn id="13" idx="3"/>
+            <a:endCxn id="41" idx="1"/>
+          </p:cNvCxnSpPr>
+          <p:nvPr/>
+        </p:nvCxnSpPr>
+        <p:spPr>
+          <a:xfrm>
+            <a:off x="5815904" y="3198391"/>
+            <a:ext cx="1677269" cy="1289657"/>
+          </a:xfrm>
+          <a:prstGeom prst="bentConnector3">
+            <a:avLst>
+              <a:gd name="adj1" fmla="val 50000"/>
+            </a:avLst>
+          </a:prstGeom>
+          <a:ln>
+            <a:tailEnd type="triangle"/>
+          </a:ln>
+        </p:spPr>
+        <p:style>
+          <a:lnRef idx="1">
+            <a:schemeClr val="accent1"/>
+          </a:lnRef>
+          <a:fillRef idx="0">
+            <a:schemeClr val="accent1"/>
+          </a:fillRef>
+          <a:effectRef idx="0">
+            <a:schemeClr val="accent1"/>
+          </a:effectRef>
+          <a:fontRef idx="minor">
+            <a:schemeClr val="tx1"/>
+          </a:fontRef>
+        </p:style>
+      </p:cxnSp>
+      <p:cxnSp>
+        <p:nvCxnSpPr>
+          <p:cNvPr id="46" name="Connector: Elbow 45">
+            <a:extLst>
+              <a:ext uri="{FF2B5EF4-FFF2-40B4-BE49-F238E27FC236}">
+                <a16:creationId xmlns:a16="http://schemas.microsoft.com/office/drawing/2014/main" id="{52C70FD5-AAD5-4D66-9F7E-FD5700036799}"/>
+              </a:ext>
+            </a:extLst>
+          </p:cNvPr>
+          <p:cNvCxnSpPr>
+            <a:cxnSpLocks/>
+            <a:stCxn id="41" idx="3"/>
+            <a:endCxn id="5" idx="1"/>
+          </p:cNvCxnSpPr>
+          <p:nvPr/>
+        </p:nvCxnSpPr>
+        <p:spPr>
+          <a:xfrm flipV="1">
+            <a:off x="9584964" y="3208078"/>
+            <a:ext cx="1079661" cy="1279970"/>
+          </a:xfrm>
+          <a:prstGeom prst="bentConnector3">
+            <a:avLst>
+              <a:gd name="adj1" fmla="val 50000"/>
+            </a:avLst>
+          </a:prstGeom>
+          <a:ln>
             <a:tailEnd type="triangle"/>
           </a:ln>
         </p:spPr>
@@ -6560,7 +6457,7 @@
     </p:spTree>
     <p:extLst>
       <p:ext uri="{BB962C8B-B14F-4D97-AF65-F5344CB8AC3E}">
-        <p14:creationId xmlns:p14="http://schemas.microsoft.com/office/powerpoint/2010/main" val="3412928600"/>
+        <p14:creationId xmlns:p14="http://schemas.microsoft.com/office/powerpoint/2010/main" val="8412347"/>
       </p:ext>
     </p:extLst>
   </p:cSld>
@@ -6609,6 +6506,3205 @@
           <a:lstStyle/>
           <a:p>
             <a:r>
+              <a:rPr lang="de-DE" dirty="0" err="1"/>
+              <a:t>KodexMesh</a:t>
+            </a:r>
+            <a:endParaRPr lang="en-DE" dirty="0"/>
+          </a:p>
+        </p:txBody>
+      </p:sp>
+      <p:sp>
+        <p:nvSpPr>
+          <p:cNvPr id="3" name="Content Placeholder 2">
+            <a:extLst>
+              <a:ext uri="{FF2B5EF4-FFF2-40B4-BE49-F238E27FC236}">
+                <a16:creationId xmlns:a16="http://schemas.microsoft.com/office/drawing/2014/main" id="{29C9A3F9-3FD5-4107-AF83-528C7D5FB832}"/>
+              </a:ext>
+            </a:extLst>
+          </p:cNvPr>
+          <p:cNvSpPr>
+            <a:spLocks noGrp="1"/>
+          </p:cNvSpPr>
+          <p:nvPr>
+            <p:ph idx="1"/>
+          </p:nvPr>
+        </p:nvSpPr>
+        <p:spPr/>
+        <p:txBody>
+          <a:bodyPr/>
+          <a:lstStyle/>
+          <a:p>
+            <a:r>
+              <a:rPr lang="de-DE" dirty="0"/>
+              <a:t>Purpose: </a:t>
+            </a:r>
+          </a:p>
+          <a:p>
+            <a:pPr lvl="1"/>
+            <a:r>
+              <a:rPr lang="de-DE" dirty="0"/>
+              <a:t>Test KODEX </a:t>
+            </a:r>
+            <a:r>
+              <a:rPr lang="de-DE" dirty="0" err="1"/>
+              <a:t>integration</a:t>
+            </a:r>
+            <a:endParaRPr lang="de-DE" dirty="0"/>
+          </a:p>
+          <a:p>
+            <a:pPr lvl="1"/>
+            <a:r>
+              <a:rPr lang="de-DE" dirty="0" err="1"/>
+              <a:t>Later</a:t>
+            </a:r>
+            <a:r>
+              <a:rPr lang="de-DE" dirty="0"/>
+              <a:t>: Also Python, </a:t>
+            </a:r>
+            <a:r>
+              <a:rPr lang="de-DE" dirty="0" err="1"/>
+              <a:t>synchronous</a:t>
+            </a:r>
+            <a:endParaRPr lang="de-DE" dirty="0"/>
+          </a:p>
+          <a:p>
+            <a:r>
+              <a:rPr lang="de-DE" dirty="0" err="1"/>
+              <a:t>Purely</a:t>
+            </a:r>
+            <a:r>
+              <a:rPr lang="de-DE" dirty="0"/>
+              <a:t> </a:t>
+            </a:r>
+            <a:r>
+              <a:rPr lang="de-DE" dirty="0" err="1"/>
+              <a:t>structural</a:t>
+            </a:r>
+            <a:r>
+              <a:rPr lang="de-DE" dirty="0"/>
+              <a:t> </a:t>
+            </a:r>
+            <a:r>
+              <a:rPr lang="de-DE" dirty="0" err="1"/>
+              <a:t>test</a:t>
+            </a:r>
+            <a:endParaRPr lang="en-DE" dirty="0">
+              <a:latin typeface="Consolas" panose="020B0609020204030204" pitchFamily="49" charset="0"/>
+            </a:endParaRPr>
+          </a:p>
+          <a:p>
+            <a:endParaRPr lang="en-DE" dirty="0"/>
+          </a:p>
+        </p:txBody>
+      </p:sp>
+    </p:spTree>
+    <p:extLst>
+      <p:ext uri="{BB962C8B-B14F-4D97-AF65-F5344CB8AC3E}">
+        <p14:creationId xmlns:p14="http://schemas.microsoft.com/office/powerpoint/2010/main" val="1450845888"/>
+      </p:ext>
+    </p:extLst>
+  </p:cSld>
+  <p:clrMapOvr>
+    <a:masterClrMapping/>
+  </p:clrMapOvr>
+</p:sld>
+</file>
+
+<file path=ppt/slides/slide14.xml><?xml version="1.0" encoding="utf-8"?>
+<p:sld xmlns:a="http://schemas.openxmlformats.org/drawingml/2006/main" xmlns:r="http://schemas.openxmlformats.org/officeDocument/2006/relationships" xmlns:p="http://schemas.openxmlformats.org/presentationml/2006/main">
+  <p:cSld>
+    <p:spTree>
+      <p:nvGrpSpPr>
+        <p:cNvPr id="1" name=""/>
+        <p:cNvGrpSpPr/>
+        <p:nvPr/>
+      </p:nvGrpSpPr>
+      <p:grpSpPr>
+        <a:xfrm>
+          <a:off x="0" y="0"/>
+          <a:ext cx="0" cy="0"/>
+          <a:chOff x="0" y="0"/>
+          <a:chExt cx="0" cy="0"/>
+        </a:xfrm>
+      </p:grpSpPr>
+      <p:sp>
+        <p:nvSpPr>
+          <p:cNvPr id="2" name="Title 1">
+            <a:extLst>
+              <a:ext uri="{FF2B5EF4-FFF2-40B4-BE49-F238E27FC236}">
+                <a16:creationId xmlns:a16="http://schemas.microsoft.com/office/drawing/2014/main" id="{4C5588D9-BABB-46AC-A6A1-FD4CB364C8C5}"/>
+              </a:ext>
+            </a:extLst>
+          </p:cNvPr>
+          <p:cNvSpPr>
+            <a:spLocks noGrp="1"/>
+          </p:cNvSpPr>
+          <p:nvPr>
+            <p:ph type="title"/>
+          </p:nvPr>
+        </p:nvSpPr>
+        <p:spPr/>
+        <p:txBody>
+          <a:bodyPr/>
+          <a:lstStyle/>
+          <a:p>
+            <a:r>
+              <a:rPr lang="en-GB" dirty="0" err="1"/>
+              <a:t>KodexMesh</a:t>
+            </a:r>
+            <a:endParaRPr lang="en-DE" sz="3000" dirty="0"/>
+          </a:p>
+        </p:txBody>
+      </p:sp>
+      <p:sp>
+        <p:nvSpPr>
+          <p:cNvPr id="4" name="TextBox 3">
+            <a:extLst>
+              <a:ext uri="{FF2B5EF4-FFF2-40B4-BE49-F238E27FC236}">
+                <a16:creationId xmlns:a16="http://schemas.microsoft.com/office/drawing/2014/main" id="{2ECACFD9-EC99-4F60-B0DC-D5B17EC37BDE}"/>
+              </a:ext>
+            </a:extLst>
+          </p:cNvPr>
+          <p:cNvSpPr txBox="1"/>
+          <p:nvPr/>
+        </p:nvSpPr>
+        <p:spPr>
+          <a:xfrm>
+            <a:off x="1063895" y="2858410"/>
+            <a:ext cx="2065630" cy="646331"/>
+          </a:xfrm>
+          <a:prstGeom prst="rect">
+            <a:avLst/>
+          </a:prstGeom>
+          <a:noFill/>
+          <a:ln>
+            <a:solidFill>
+              <a:schemeClr val="accent1"/>
+            </a:solidFill>
+          </a:ln>
+        </p:spPr>
+        <p:txBody>
+          <a:bodyPr wrap="none" rtlCol="0">
+            <a:spAutoFit/>
+          </a:bodyPr>
+          <a:lstStyle/>
+          <a:p>
+            <a:r>
+              <a:rPr lang="en-GB" b="1" dirty="0" err="1"/>
+              <a:t>SimpleKodexSource</a:t>
+            </a:r>
+            <a:endParaRPr lang="en-GB" b="1" dirty="0"/>
+          </a:p>
+          <a:p>
+            <a:r>
+              <a:rPr lang="en-GB" dirty="0"/>
+              <a:t>Java, sync</a:t>
+            </a:r>
+            <a:endParaRPr lang="en-DE" dirty="0"/>
+          </a:p>
+        </p:txBody>
+      </p:sp>
+      <p:sp>
+        <p:nvSpPr>
+          <p:cNvPr id="5" name="TextBox 4">
+            <a:extLst>
+              <a:ext uri="{FF2B5EF4-FFF2-40B4-BE49-F238E27FC236}">
+                <a16:creationId xmlns:a16="http://schemas.microsoft.com/office/drawing/2014/main" id="{A3FEA2A0-45DE-43EC-86A8-6BEE432D2272}"/>
+              </a:ext>
+            </a:extLst>
+          </p:cNvPr>
+          <p:cNvSpPr txBox="1"/>
+          <p:nvPr/>
+        </p:nvSpPr>
+        <p:spPr>
+          <a:xfrm>
+            <a:off x="7255171" y="2877707"/>
+            <a:ext cx="2142702" cy="646331"/>
+          </a:xfrm>
+          <a:prstGeom prst="rect">
+            <a:avLst/>
+          </a:prstGeom>
+          <a:noFill/>
+          <a:ln>
+            <a:solidFill>
+              <a:schemeClr val="accent1"/>
+            </a:solidFill>
+          </a:ln>
+        </p:spPr>
+        <p:txBody>
+          <a:bodyPr wrap="none" rtlCol="0">
+            <a:spAutoFit/>
+          </a:bodyPr>
+          <a:lstStyle/>
+          <a:p>
+            <a:r>
+              <a:rPr lang="en-GB" b="1" dirty="0" err="1"/>
+              <a:t>KodexPythonService</a:t>
+            </a:r>
+            <a:endParaRPr lang="en-GB" b="1" dirty="0"/>
+          </a:p>
+          <a:p>
+            <a:r>
+              <a:rPr lang="en-GB" dirty="0"/>
+              <a:t>Python, sync</a:t>
+            </a:r>
+            <a:endParaRPr lang="en-DE" dirty="0"/>
+          </a:p>
+        </p:txBody>
+      </p:sp>
+      <p:cxnSp>
+        <p:nvCxnSpPr>
+          <p:cNvPr id="7" name="Connector: Elbow 6">
+            <a:extLst>
+              <a:ext uri="{FF2B5EF4-FFF2-40B4-BE49-F238E27FC236}">
+                <a16:creationId xmlns:a16="http://schemas.microsoft.com/office/drawing/2014/main" id="{D201DB76-F45D-44DA-B271-7179515771CF}"/>
+              </a:ext>
+            </a:extLst>
+          </p:cNvPr>
+          <p:cNvCxnSpPr>
+            <a:cxnSpLocks/>
+            <a:stCxn id="4" idx="3"/>
+            <a:endCxn id="13" idx="1"/>
+          </p:cNvCxnSpPr>
+          <p:nvPr/>
+        </p:nvCxnSpPr>
+        <p:spPr>
+          <a:xfrm>
+            <a:off x="3129525" y="3181576"/>
+            <a:ext cx="1032815" cy="7350"/>
+          </a:xfrm>
+          <a:prstGeom prst="bentConnector3">
+            <a:avLst/>
+          </a:prstGeom>
+          <a:ln>
+            <a:tailEnd type="triangle"/>
+          </a:ln>
+        </p:spPr>
+        <p:style>
+          <a:lnRef idx="1">
+            <a:schemeClr val="accent1"/>
+          </a:lnRef>
+          <a:fillRef idx="0">
+            <a:schemeClr val="accent1"/>
+          </a:fillRef>
+          <a:effectRef idx="0">
+            <a:schemeClr val="accent1"/>
+          </a:effectRef>
+          <a:fontRef idx="minor">
+            <a:schemeClr val="tx1"/>
+          </a:fontRef>
+        </p:style>
+      </p:cxnSp>
+      <p:sp>
+        <p:nvSpPr>
+          <p:cNvPr id="9" name="TextBox 8">
+            <a:extLst>
+              <a:ext uri="{FF2B5EF4-FFF2-40B4-BE49-F238E27FC236}">
+                <a16:creationId xmlns:a16="http://schemas.microsoft.com/office/drawing/2014/main" id="{0BD05DB4-F2E1-4CC1-AF3B-BD290D5608A4}"/>
+              </a:ext>
+            </a:extLst>
+          </p:cNvPr>
+          <p:cNvSpPr txBox="1"/>
+          <p:nvPr/>
+        </p:nvSpPr>
+        <p:spPr>
+          <a:xfrm>
+            <a:off x="3272722" y="2831541"/>
+            <a:ext cx="873124" cy="369332"/>
+          </a:xfrm>
+          <a:prstGeom prst="rect">
+            <a:avLst/>
+          </a:prstGeom>
+          <a:noFill/>
+        </p:spPr>
+        <p:txBody>
+          <a:bodyPr wrap="none" rtlCol="0">
+            <a:spAutoFit/>
+          </a:bodyPr>
+          <a:lstStyle/>
+          <a:p>
+            <a:r>
+              <a:rPr lang="en-GB" dirty="0"/>
+              <a:t>KRec13</a:t>
+            </a:r>
+            <a:endParaRPr lang="en-DE" dirty="0"/>
+          </a:p>
+        </p:txBody>
+      </p:sp>
+      <p:sp>
+        <p:nvSpPr>
+          <p:cNvPr id="10" name="TextBox 9">
+            <a:extLst>
+              <a:ext uri="{FF2B5EF4-FFF2-40B4-BE49-F238E27FC236}">
+                <a16:creationId xmlns:a16="http://schemas.microsoft.com/office/drawing/2014/main" id="{019F200F-761E-49B6-A09E-685FB55F6B84}"/>
+              </a:ext>
+            </a:extLst>
+          </p:cNvPr>
+          <p:cNvSpPr txBox="1"/>
+          <p:nvPr/>
+        </p:nvSpPr>
+        <p:spPr>
+          <a:xfrm>
+            <a:off x="280667" y="5668068"/>
+            <a:ext cx="3632085" cy="646331"/>
+          </a:xfrm>
+          <a:prstGeom prst="rect">
+            <a:avLst/>
+          </a:prstGeom>
+          <a:noFill/>
+          <a:ln>
+            <a:solidFill>
+              <a:schemeClr val="accent6"/>
+            </a:solidFill>
+          </a:ln>
+        </p:spPr>
+        <p:txBody>
+          <a:bodyPr wrap="none" rtlCol="0">
+            <a:spAutoFit/>
+          </a:bodyPr>
+          <a:lstStyle/>
+          <a:p>
+            <a:r>
+              <a:rPr lang="en-GB" dirty="0" err="1"/>
+              <a:t>de.iip_ecosphere.platform.test.apps</a:t>
+            </a:r>
+            <a:r>
+              <a:rPr lang="en-GB" dirty="0"/>
+              <a:t>.</a:t>
+            </a:r>
+            <a:br>
+              <a:rPr lang="en-GB" dirty="0"/>
+            </a:br>
+            <a:r>
+              <a:rPr lang="en-GB" dirty="0" err="1"/>
+              <a:t>serviceImpl.SimpleSourceKodexImpl</a:t>
+            </a:r>
+            <a:endParaRPr lang="en-DE" dirty="0"/>
+          </a:p>
+        </p:txBody>
+      </p:sp>
+      <p:sp>
+        <p:nvSpPr>
+          <p:cNvPr id="11" name="TextBox 10">
+            <a:extLst>
+              <a:ext uri="{FF2B5EF4-FFF2-40B4-BE49-F238E27FC236}">
+                <a16:creationId xmlns:a16="http://schemas.microsoft.com/office/drawing/2014/main" id="{4293BD2D-F2FF-42AF-AB4A-4D3B30BE65A4}"/>
+              </a:ext>
+            </a:extLst>
+          </p:cNvPr>
+          <p:cNvSpPr txBox="1"/>
+          <p:nvPr/>
+        </p:nvSpPr>
+        <p:spPr>
+          <a:xfrm>
+            <a:off x="6709957" y="4998035"/>
+            <a:ext cx="3233129" cy="369332"/>
+          </a:xfrm>
+          <a:prstGeom prst="rect">
+            <a:avLst/>
+          </a:prstGeom>
+          <a:noFill/>
+          <a:ln>
+            <a:solidFill>
+              <a:schemeClr val="accent6"/>
+            </a:solidFill>
+          </a:ln>
+        </p:spPr>
+        <p:txBody>
+          <a:bodyPr wrap="none" rtlCol="0">
+            <a:spAutoFit/>
+          </a:bodyPr>
+          <a:lstStyle/>
+          <a:p>
+            <a:r>
+              <a:rPr lang="en-GB" dirty="0"/>
+              <a:t>services/KodexPythonService.py</a:t>
+            </a:r>
+            <a:endParaRPr lang="en-DE" dirty="0"/>
+          </a:p>
+        </p:txBody>
+      </p:sp>
+      <p:sp>
+        <p:nvSpPr>
+          <p:cNvPr id="12" name="Rectangle 11">
+            <a:extLst>
+              <a:ext uri="{FF2B5EF4-FFF2-40B4-BE49-F238E27FC236}">
+                <a16:creationId xmlns:a16="http://schemas.microsoft.com/office/drawing/2014/main" id="{F6CD5D5A-8286-44EF-A2E2-C1EDF76B3CD3}"/>
+              </a:ext>
+            </a:extLst>
+          </p:cNvPr>
+          <p:cNvSpPr/>
+          <p:nvPr/>
+        </p:nvSpPr>
+        <p:spPr>
+          <a:xfrm>
+            <a:off x="30352" y="4047687"/>
+            <a:ext cx="2678618" cy="954107"/>
+          </a:xfrm>
+          <a:prstGeom prst="rect">
+            <a:avLst/>
+          </a:prstGeom>
+        </p:spPr>
+        <p:txBody>
+          <a:bodyPr wrap="none">
+            <a:spAutoFit/>
+          </a:bodyPr>
+          <a:lstStyle/>
+          <a:p>
+            <a:r>
+              <a:rPr lang="en-GB" sz="1400" dirty="0"/>
+              <a:t>In </a:t>
+            </a:r>
+            <a:r>
+              <a:rPr lang="en-GB" sz="1400" dirty="0" err="1"/>
+              <a:t>test.configuration.configuration</a:t>
+            </a:r>
+            <a:endParaRPr lang="en-GB" sz="1400" dirty="0"/>
+          </a:p>
+          <a:p>
+            <a:r>
+              <a:rPr lang="en-DE" sz="1400" dirty="0" err="1"/>
+              <a:t>de.iip-ecosphere.platform</a:t>
+            </a:r>
+            <a:r>
+              <a:rPr lang="en-DE" sz="1400" dirty="0"/>
+              <a:t>:</a:t>
+            </a:r>
+            <a:endParaRPr lang="en-GB" sz="1400" dirty="0"/>
+          </a:p>
+          <a:p>
+            <a:r>
+              <a:rPr lang="en-DE" sz="1400" dirty="0" err="1"/>
+              <a:t>apps.ServiceImpl</a:t>
+            </a:r>
+            <a:r>
+              <a:rPr lang="en-DE" sz="1400" dirty="0"/>
+              <a:t>:</a:t>
+            </a:r>
+            <a:endParaRPr lang="en-GB" sz="1400" dirty="0"/>
+          </a:p>
+          <a:p>
+            <a:r>
+              <a:rPr lang="en-GB" sz="1400" i="1" dirty="0" err="1"/>
+              <a:t>iipVer</a:t>
+            </a:r>
+            <a:endParaRPr lang="en-DE" sz="1400" i="1" dirty="0"/>
+          </a:p>
+        </p:txBody>
+      </p:sp>
+      <p:cxnSp>
+        <p:nvCxnSpPr>
+          <p:cNvPr id="14" name="Straight Arrow Connector 13">
+            <a:extLst>
+              <a:ext uri="{FF2B5EF4-FFF2-40B4-BE49-F238E27FC236}">
+                <a16:creationId xmlns:a16="http://schemas.microsoft.com/office/drawing/2014/main" id="{3F064501-66B7-4EF1-90AE-7CF36413B75C}"/>
+              </a:ext>
+            </a:extLst>
+          </p:cNvPr>
+          <p:cNvCxnSpPr>
+            <a:stCxn id="4" idx="2"/>
+            <a:endCxn id="10" idx="0"/>
+          </p:cNvCxnSpPr>
+          <p:nvPr/>
+        </p:nvCxnSpPr>
+        <p:spPr>
+          <a:xfrm>
+            <a:off x="2096710" y="3504741"/>
+            <a:ext cx="0" cy="2163327"/>
+          </a:xfrm>
+          <a:prstGeom prst="straightConnector1">
+            <a:avLst/>
+          </a:prstGeom>
+          <a:ln>
+            <a:prstDash val="dash"/>
+            <a:tailEnd type="triangle"/>
+          </a:ln>
+        </p:spPr>
+        <p:style>
+          <a:lnRef idx="1">
+            <a:schemeClr val="accent1"/>
+          </a:lnRef>
+          <a:fillRef idx="0">
+            <a:schemeClr val="accent1"/>
+          </a:fillRef>
+          <a:effectRef idx="0">
+            <a:schemeClr val="accent1"/>
+          </a:effectRef>
+          <a:fontRef idx="minor">
+            <a:schemeClr val="tx1"/>
+          </a:fontRef>
+        </p:style>
+      </p:cxnSp>
+      <p:cxnSp>
+        <p:nvCxnSpPr>
+          <p:cNvPr id="15" name="Straight Arrow Connector 14">
+            <a:extLst>
+              <a:ext uri="{FF2B5EF4-FFF2-40B4-BE49-F238E27FC236}">
+                <a16:creationId xmlns:a16="http://schemas.microsoft.com/office/drawing/2014/main" id="{C6091E6F-0396-4B38-BFC6-0EAA68D9DCC3}"/>
+              </a:ext>
+            </a:extLst>
+          </p:cNvPr>
+          <p:cNvCxnSpPr>
+            <a:cxnSpLocks/>
+            <a:stCxn id="5" idx="2"/>
+            <a:endCxn id="11" idx="0"/>
+          </p:cNvCxnSpPr>
+          <p:nvPr/>
+        </p:nvCxnSpPr>
+        <p:spPr>
+          <a:xfrm>
+            <a:off x="8326522" y="3524038"/>
+            <a:ext cx="0" cy="1473997"/>
+          </a:xfrm>
+          <a:prstGeom prst="straightConnector1">
+            <a:avLst/>
+          </a:prstGeom>
+          <a:ln>
+            <a:prstDash val="dash"/>
+            <a:tailEnd type="triangle"/>
+          </a:ln>
+        </p:spPr>
+        <p:style>
+          <a:lnRef idx="1">
+            <a:schemeClr val="accent1"/>
+          </a:lnRef>
+          <a:fillRef idx="0">
+            <a:schemeClr val="accent1"/>
+          </a:fillRef>
+          <a:effectRef idx="0">
+            <a:schemeClr val="accent1"/>
+          </a:effectRef>
+          <a:fontRef idx="minor">
+            <a:schemeClr val="tx1"/>
+          </a:fontRef>
+        </p:style>
+      </p:cxnSp>
+      <p:sp>
+        <p:nvSpPr>
+          <p:cNvPr id="13" name="TextBox 12">
+            <a:extLst>
+              <a:ext uri="{FF2B5EF4-FFF2-40B4-BE49-F238E27FC236}">
+                <a16:creationId xmlns:a16="http://schemas.microsoft.com/office/drawing/2014/main" id="{A49ECE43-5FC7-4B85-84C8-35343D03BEB0}"/>
+              </a:ext>
+            </a:extLst>
+          </p:cNvPr>
+          <p:cNvSpPr txBox="1"/>
+          <p:nvPr/>
+        </p:nvSpPr>
+        <p:spPr>
+          <a:xfrm>
+            <a:off x="4162340" y="2865760"/>
+            <a:ext cx="1638847" cy="646331"/>
+          </a:xfrm>
+          <a:prstGeom prst="rect">
+            <a:avLst/>
+          </a:prstGeom>
+          <a:noFill/>
+          <a:ln>
+            <a:solidFill>
+              <a:schemeClr val="accent1"/>
+            </a:solidFill>
+          </a:ln>
+        </p:spPr>
+        <p:txBody>
+          <a:bodyPr wrap="none" rtlCol="0">
+            <a:spAutoFit/>
+          </a:bodyPr>
+          <a:lstStyle/>
+          <a:p>
+            <a:r>
+              <a:rPr lang="en-GB" b="1" dirty="0" err="1"/>
+              <a:t>Pseudonymizer</a:t>
+            </a:r>
+            <a:endParaRPr lang="en-GB" b="1" dirty="0"/>
+          </a:p>
+          <a:p>
+            <a:r>
+              <a:rPr lang="en-GB" dirty="0"/>
+              <a:t>KODEX, async</a:t>
+            </a:r>
+            <a:endParaRPr lang="en-DE" dirty="0"/>
+          </a:p>
+        </p:txBody>
+      </p:sp>
+      <p:cxnSp>
+        <p:nvCxnSpPr>
+          <p:cNvPr id="16" name="Connector: Elbow 15">
+            <a:extLst>
+              <a:ext uri="{FF2B5EF4-FFF2-40B4-BE49-F238E27FC236}">
+                <a16:creationId xmlns:a16="http://schemas.microsoft.com/office/drawing/2014/main" id="{DA8C02F5-BE7B-4625-89D9-048FC674B9AF}"/>
+              </a:ext>
+            </a:extLst>
+          </p:cNvPr>
+          <p:cNvCxnSpPr>
+            <a:cxnSpLocks/>
+            <a:stCxn id="13" idx="3"/>
+            <a:endCxn id="5" idx="1"/>
+          </p:cNvCxnSpPr>
+          <p:nvPr/>
+        </p:nvCxnSpPr>
+        <p:spPr>
+          <a:xfrm>
+            <a:off x="5801187" y="3188926"/>
+            <a:ext cx="1453984" cy="11947"/>
+          </a:xfrm>
+          <a:prstGeom prst="bentConnector3">
+            <a:avLst>
+              <a:gd name="adj1" fmla="val 50000"/>
+            </a:avLst>
+          </a:prstGeom>
+          <a:ln>
+            <a:tailEnd type="triangle"/>
+          </a:ln>
+        </p:spPr>
+        <p:style>
+          <a:lnRef idx="1">
+            <a:schemeClr val="accent1"/>
+          </a:lnRef>
+          <a:fillRef idx="0">
+            <a:schemeClr val="accent1"/>
+          </a:fillRef>
+          <a:effectRef idx="0">
+            <a:schemeClr val="accent1"/>
+          </a:effectRef>
+          <a:fontRef idx="minor">
+            <a:schemeClr val="tx1"/>
+          </a:fontRef>
+        </p:style>
+      </p:cxnSp>
+      <p:sp>
+        <p:nvSpPr>
+          <p:cNvPr id="25" name="TextBox 24">
+            <a:extLst>
+              <a:ext uri="{FF2B5EF4-FFF2-40B4-BE49-F238E27FC236}">
+                <a16:creationId xmlns:a16="http://schemas.microsoft.com/office/drawing/2014/main" id="{A420BDCB-D520-47F0-A9CC-9802364753C2}"/>
+              </a:ext>
+            </a:extLst>
+          </p:cNvPr>
+          <p:cNvSpPr txBox="1"/>
+          <p:nvPr/>
+        </p:nvSpPr>
+        <p:spPr>
+          <a:xfrm>
+            <a:off x="5840360" y="2806894"/>
+            <a:ext cx="1371658" cy="369332"/>
+          </a:xfrm>
+          <a:prstGeom prst="rect">
+            <a:avLst/>
+          </a:prstGeom>
+          <a:noFill/>
+        </p:spPr>
+        <p:txBody>
+          <a:bodyPr wrap="none" rtlCol="0">
+            <a:spAutoFit/>
+          </a:bodyPr>
+          <a:lstStyle/>
+          <a:p>
+            <a:r>
+              <a:rPr lang="en-GB" dirty="0"/>
+              <a:t>KRec13Anon</a:t>
+            </a:r>
+            <a:endParaRPr lang="en-DE" dirty="0"/>
+          </a:p>
+        </p:txBody>
+      </p:sp>
+      <p:sp>
+        <p:nvSpPr>
+          <p:cNvPr id="26" name="TextBox 25">
+            <a:extLst>
+              <a:ext uri="{FF2B5EF4-FFF2-40B4-BE49-F238E27FC236}">
+                <a16:creationId xmlns:a16="http://schemas.microsoft.com/office/drawing/2014/main" id="{F1F32AC7-7D79-473E-A81B-2605199922E6}"/>
+              </a:ext>
+            </a:extLst>
+          </p:cNvPr>
+          <p:cNvSpPr txBox="1"/>
+          <p:nvPr/>
+        </p:nvSpPr>
+        <p:spPr>
+          <a:xfrm>
+            <a:off x="4122138" y="3854774"/>
+            <a:ext cx="2486771" cy="369332"/>
+          </a:xfrm>
+          <a:prstGeom prst="rect">
+            <a:avLst/>
+          </a:prstGeom>
+          <a:solidFill>
+            <a:schemeClr val="bg1">
+              <a:lumMod val="75000"/>
+            </a:schemeClr>
+          </a:solidFill>
+          <a:ln>
+            <a:solidFill>
+              <a:schemeClr val="accent6"/>
+            </a:solidFill>
+          </a:ln>
+        </p:spPr>
+        <p:txBody>
+          <a:bodyPr wrap="none" rtlCol="0">
+            <a:spAutoFit/>
+          </a:bodyPr>
+          <a:lstStyle/>
+          <a:p>
+            <a:r>
+              <a:rPr lang="en-GB" dirty="0"/>
+              <a:t>KODEX + generated Glue</a:t>
+            </a:r>
+            <a:endParaRPr lang="en-DE" dirty="0"/>
+          </a:p>
+        </p:txBody>
+      </p:sp>
+      <p:cxnSp>
+        <p:nvCxnSpPr>
+          <p:cNvPr id="27" name="Straight Arrow Connector 26">
+            <a:extLst>
+              <a:ext uri="{FF2B5EF4-FFF2-40B4-BE49-F238E27FC236}">
+                <a16:creationId xmlns:a16="http://schemas.microsoft.com/office/drawing/2014/main" id="{2756A6DA-8418-4D3D-8770-8379DCA9A4BB}"/>
+              </a:ext>
+            </a:extLst>
+          </p:cNvPr>
+          <p:cNvCxnSpPr>
+            <a:cxnSpLocks/>
+            <a:stCxn id="13" idx="2"/>
+            <a:endCxn id="26" idx="0"/>
+          </p:cNvCxnSpPr>
+          <p:nvPr/>
+        </p:nvCxnSpPr>
+        <p:spPr>
+          <a:xfrm>
+            <a:off x="4981764" y="3512091"/>
+            <a:ext cx="383760" cy="342683"/>
+          </a:xfrm>
+          <a:prstGeom prst="straightConnector1">
+            <a:avLst/>
+          </a:prstGeom>
+          <a:ln>
+            <a:prstDash val="dash"/>
+            <a:tailEnd type="triangle"/>
+          </a:ln>
+        </p:spPr>
+        <p:style>
+          <a:lnRef idx="1">
+            <a:schemeClr val="accent1"/>
+          </a:lnRef>
+          <a:fillRef idx="0">
+            <a:schemeClr val="accent1"/>
+          </a:fillRef>
+          <a:effectRef idx="0">
+            <a:schemeClr val="accent1"/>
+          </a:effectRef>
+          <a:fontRef idx="minor">
+            <a:schemeClr val="tx1"/>
+          </a:fontRef>
+        </p:style>
+      </p:cxnSp>
+      <p:sp>
+        <p:nvSpPr>
+          <p:cNvPr id="17" name="TextBox 16">
+            <a:extLst>
+              <a:ext uri="{FF2B5EF4-FFF2-40B4-BE49-F238E27FC236}">
+                <a16:creationId xmlns:a16="http://schemas.microsoft.com/office/drawing/2014/main" id="{F5A1FE45-C9FF-467D-90A1-586AA06B7941}"/>
+              </a:ext>
+            </a:extLst>
+          </p:cNvPr>
+          <p:cNvSpPr txBox="1"/>
+          <p:nvPr/>
+        </p:nvSpPr>
+        <p:spPr>
+          <a:xfrm>
+            <a:off x="10648223" y="2887160"/>
+            <a:ext cx="1585690" cy="646331"/>
+          </a:xfrm>
+          <a:prstGeom prst="rect">
+            <a:avLst/>
+          </a:prstGeom>
+          <a:noFill/>
+          <a:ln>
+            <a:solidFill>
+              <a:schemeClr val="accent1"/>
+            </a:solidFill>
+          </a:ln>
+        </p:spPr>
+        <p:txBody>
+          <a:bodyPr wrap="none" rtlCol="0">
+            <a:spAutoFit/>
+          </a:bodyPr>
+          <a:lstStyle/>
+          <a:p>
+            <a:r>
+              <a:rPr lang="en-GB" b="1" dirty="0" err="1"/>
+              <a:t>KodexReceiver</a:t>
+            </a:r>
+            <a:endParaRPr lang="en-GB" b="1" dirty="0"/>
+          </a:p>
+          <a:p>
+            <a:r>
+              <a:rPr lang="en-GB" dirty="0"/>
+              <a:t>Python, sync</a:t>
+            </a:r>
+            <a:endParaRPr lang="en-DE" dirty="0"/>
+          </a:p>
+        </p:txBody>
+      </p:sp>
+      <p:cxnSp>
+        <p:nvCxnSpPr>
+          <p:cNvPr id="18" name="Straight Arrow Connector 17">
+            <a:extLst>
+              <a:ext uri="{FF2B5EF4-FFF2-40B4-BE49-F238E27FC236}">
+                <a16:creationId xmlns:a16="http://schemas.microsoft.com/office/drawing/2014/main" id="{F6905AEF-0AF6-4DC0-ACE8-23B3876A5B26}"/>
+              </a:ext>
+            </a:extLst>
+          </p:cNvPr>
+          <p:cNvCxnSpPr>
+            <a:cxnSpLocks/>
+            <a:stCxn id="17" idx="2"/>
+            <a:endCxn id="28" idx="0"/>
+          </p:cNvCxnSpPr>
+          <p:nvPr/>
+        </p:nvCxnSpPr>
+        <p:spPr>
+          <a:xfrm flipH="1">
+            <a:off x="10281014" y="3533491"/>
+            <a:ext cx="1160054" cy="1972375"/>
+          </a:xfrm>
+          <a:prstGeom prst="straightConnector1">
+            <a:avLst/>
+          </a:prstGeom>
+          <a:ln>
+            <a:prstDash val="dash"/>
+            <a:tailEnd type="triangle"/>
+          </a:ln>
+        </p:spPr>
+        <p:style>
+          <a:lnRef idx="1">
+            <a:schemeClr val="accent1"/>
+          </a:lnRef>
+          <a:fillRef idx="0">
+            <a:schemeClr val="accent1"/>
+          </a:fillRef>
+          <a:effectRef idx="0">
+            <a:schemeClr val="accent1"/>
+          </a:effectRef>
+          <a:fontRef idx="minor">
+            <a:schemeClr val="tx1"/>
+          </a:fontRef>
+        </p:style>
+      </p:cxnSp>
+      <p:sp>
+        <p:nvSpPr>
+          <p:cNvPr id="28" name="TextBox 27">
+            <a:extLst>
+              <a:ext uri="{FF2B5EF4-FFF2-40B4-BE49-F238E27FC236}">
+                <a16:creationId xmlns:a16="http://schemas.microsoft.com/office/drawing/2014/main" id="{BF19BB67-3D2D-4407-B6B2-6AF3217FD460}"/>
+              </a:ext>
+            </a:extLst>
+          </p:cNvPr>
+          <p:cNvSpPr txBox="1"/>
+          <p:nvPr/>
+        </p:nvSpPr>
+        <p:spPr>
+          <a:xfrm>
+            <a:off x="8464971" y="5505866"/>
+            <a:ext cx="3632085" cy="646331"/>
+          </a:xfrm>
+          <a:prstGeom prst="rect">
+            <a:avLst/>
+          </a:prstGeom>
+          <a:noFill/>
+          <a:ln>
+            <a:solidFill>
+              <a:schemeClr val="accent6"/>
+            </a:solidFill>
+          </a:ln>
+        </p:spPr>
+        <p:txBody>
+          <a:bodyPr wrap="none" rtlCol="0">
+            <a:spAutoFit/>
+          </a:bodyPr>
+          <a:lstStyle/>
+          <a:p>
+            <a:r>
+              <a:rPr lang="en-GB" dirty="0" err="1"/>
+              <a:t>de.iip_ecosphere.platform.test.apps</a:t>
+            </a:r>
+            <a:r>
+              <a:rPr lang="en-GB" dirty="0"/>
+              <a:t>.</a:t>
+            </a:r>
+            <a:br>
+              <a:rPr lang="en-GB" dirty="0"/>
+            </a:br>
+            <a:r>
+              <a:rPr lang="en-GB" dirty="0" err="1"/>
+              <a:t>serviceImpl.KodexReceiverImpl</a:t>
+            </a:r>
+            <a:endParaRPr lang="en-DE" dirty="0"/>
+          </a:p>
+        </p:txBody>
+      </p:sp>
+      <p:cxnSp>
+        <p:nvCxnSpPr>
+          <p:cNvPr id="35" name="Connector: Elbow 34">
+            <a:extLst>
+              <a:ext uri="{FF2B5EF4-FFF2-40B4-BE49-F238E27FC236}">
+                <a16:creationId xmlns:a16="http://schemas.microsoft.com/office/drawing/2014/main" id="{B6B410FB-90EE-4511-8C72-6F07B6B5D971}"/>
+              </a:ext>
+            </a:extLst>
+          </p:cNvPr>
+          <p:cNvCxnSpPr>
+            <a:cxnSpLocks/>
+            <a:stCxn id="5" idx="3"/>
+            <a:endCxn id="17" idx="1"/>
+          </p:cNvCxnSpPr>
+          <p:nvPr/>
+        </p:nvCxnSpPr>
+        <p:spPr>
+          <a:xfrm>
+            <a:off x="9397873" y="3200873"/>
+            <a:ext cx="1250350" cy="9453"/>
+          </a:xfrm>
+          <a:prstGeom prst="bentConnector3">
+            <a:avLst>
+              <a:gd name="adj1" fmla="val 50000"/>
+            </a:avLst>
+          </a:prstGeom>
+          <a:ln>
+            <a:tailEnd type="triangle"/>
+          </a:ln>
+        </p:spPr>
+        <p:style>
+          <a:lnRef idx="1">
+            <a:schemeClr val="accent1"/>
+          </a:lnRef>
+          <a:fillRef idx="0">
+            <a:schemeClr val="accent1"/>
+          </a:fillRef>
+          <a:effectRef idx="0">
+            <a:schemeClr val="accent1"/>
+          </a:effectRef>
+          <a:fontRef idx="minor">
+            <a:schemeClr val="tx1"/>
+          </a:fontRef>
+        </p:style>
+      </p:cxnSp>
+      <p:sp>
+        <p:nvSpPr>
+          <p:cNvPr id="50" name="TextBox 49">
+            <a:extLst>
+              <a:ext uri="{FF2B5EF4-FFF2-40B4-BE49-F238E27FC236}">
+                <a16:creationId xmlns:a16="http://schemas.microsoft.com/office/drawing/2014/main" id="{F910F1DF-B980-40BD-959A-E9BC961E67BA}"/>
+              </a:ext>
+            </a:extLst>
+          </p:cNvPr>
+          <p:cNvSpPr txBox="1"/>
+          <p:nvPr/>
+        </p:nvSpPr>
+        <p:spPr>
+          <a:xfrm>
+            <a:off x="9358306" y="2877707"/>
+            <a:ext cx="1371658" cy="369332"/>
+          </a:xfrm>
+          <a:prstGeom prst="rect">
+            <a:avLst/>
+          </a:prstGeom>
+          <a:noFill/>
+        </p:spPr>
+        <p:txBody>
+          <a:bodyPr wrap="none" rtlCol="0">
+            <a:spAutoFit/>
+          </a:bodyPr>
+          <a:lstStyle/>
+          <a:p>
+            <a:r>
+              <a:rPr lang="en-GB" dirty="0"/>
+              <a:t>KRec13Anon</a:t>
+            </a:r>
+            <a:endParaRPr lang="en-DE" dirty="0"/>
+          </a:p>
+        </p:txBody>
+      </p:sp>
+    </p:spTree>
+    <p:extLst>
+      <p:ext uri="{BB962C8B-B14F-4D97-AF65-F5344CB8AC3E}">
+        <p14:creationId xmlns:p14="http://schemas.microsoft.com/office/powerpoint/2010/main" val="4217508873"/>
+      </p:ext>
+    </p:extLst>
+  </p:cSld>
+  <p:clrMapOvr>
+    <a:masterClrMapping/>
+  </p:clrMapOvr>
+</p:sld>
+</file>
+
+<file path=ppt/slides/slide15.xml><?xml version="1.0" encoding="utf-8"?>
+<p:sld xmlns:a="http://schemas.openxmlformats.org/drawingml/2006/main" xmlns:r="http://schemas.openxmlformats.org/officeDocument/2006/relationships" xmlns:p="http://schemas.openxmlformats.org/presentationml/2006/main">
+  <p:cSld>
+    <p:spTree>
+      <p:nvGrpSpPr>
+        <p:cNvPr id="1" name=""/>
+        <p:cNvGrpSpPr/>
+        <p:nvPr/>
+      </p:nvGrpSpPr>
+      <p:grpSpPr>
+        <a:xfrm>
+          <a:off x="0" y="0"/>
+          <a:ext cx="0" cy="0"/>
+          <a:chOff x="0" y="0"/>
+          <a:chExt cx="0" cy="0"/>
+        </a:xfrm>
+      </p:grpSpPr>
+      <p:sp>
+        <p:nvSpPr>
+          <p:cNvPr id="2" name="Title 1">
+            <a:extLst>
+              <a:ext uri="{FF2B5EF4-FFF2-40B4-BE49-F238E27FC236}">
+                <a16:creationId xmlns:a16="http://schemas.microsoft.com/office/drawing/2014/main" id="{FB4709F1-15D4-4965-B03E-224CE62743F6}"/>
+              </a:ext>
+            </a:extLst>
+          </p:cNvPr>
+          <p:cNvSpPr>
+            <a:spLocks noGrp="1"/>
+          </p:cNvSpPr>
+          <p:nvPr>
+            <p:ph type="title"/>
+          </p:nvPr>
+        </p:nvSpPr>
+        <p:spPr/>
+        <p:txBody>
+          <a:bodyPr/>
+          <a:lstStyle/>
+          <a:p>
+            <a:r>
+              <a:rPr lang="de-DE" dirty="0"/>
+              <a:t>SerializerConfig1</a:t>
+            </a:r>
+            <a:endParaRPr lang="en-DE" dirty="0"/>
+          </a:p>
+        </p:txBody>
+      </p:sp>
+      <p:sp>
+        <p:nvSpPr>
+          <p:cNvPr id="3" name="Content Placeholder 2">
+            <a:extLst>
+              <a:ext uri="{FF2B5EF4-FFF2-40B4-BE49-F238E27FC236}">
+                <a16:creationId xmlns:a16="http://schemas.microsoft.com/office/drawing/2014/main" id="{29C9A3F9-3FD5-4107-AF83-528C7D5FB832}"/>
+              </a:ext>
+            </a:extLst>
+          </p:cNvPr>
+          <p:cNvSpPr>
+            <a:spLocks noGrp="1"/>
+          </p:cNvSpPr>
+          <p:nvPr>
+            <p:ph idx="1"/>
+          </p:nvPr>
+        </p:nvSpPr>
+        <p:spPr/>
+        <p:txBody>
+          <a:bodyPr/>
+          <a:lstStyle/>
+          <a:p>
+            <a:r>
+              <a:rPr lang="de-DE" dirty="0"/>
+              <a:t>Name: </a:t>
+            </a:r>
+            <a:r>
+              <a:rPr lang="de-DE" dirty="0" err="1"/>
+              <a:t>From</a:t>
+            </a:r>
+            <a:r>
+              <a:rPr lang="de-DE" dirty="0"/>
+              <a:t> original </a:t>
+            </a:r>
+            <a:r>
+              <a:rPr lang="de-DE" dirty="0" err="1"/>
+              <a:t>test</a:t>
+            </a:r>
+            <a:r>
+              <a:rPr lang="de-DE" dirty="0"/>
+              <a:t> </a:t>
+            </a:r>
+            <a:r>
+              <a:rPr lang="de-DE" dirty="0" err="1"/>
+              <a:t>that</a:t>
+            </a:r>
+            <a:r>
+              <a:rPr lang="de-DE" dirty="0"/>
+              <a:t> </a:t>
+            </a:r>
+            <a:r>
+              <a:rPr lang="de-DE" dirty="0" err="1"/>
+              <a:t>tested</a:t>
+            </a:r>
+            <a:r>
+              <a:rPr lang="de-DE" dirty="0"/>
+              <a:t> </a:t>
+            </a:r>
+            <a:r>
+              <a:rPr lang="de-DE" dirty="0" err="1"/>
+              <a:t>generation</a:t>
+            </a:r>
+            <a:r>
+              <a:rPr lang="de-DE" dirty="0"/>
+              <a:t> </a:t>
+            </a:r>
+            <a:r>
+              <a:rPr lang="de-DE" dirty="0" err="1"/>
+              <a:t>of</a:t>
+            </a:r>
+            <a:r>
+              <a:rPr lang="de-DE" dirty="0"/>
+              <a:t> a </a:t>
+            </a:r>
+            <a:r>
+              <a:rPr lang="de-DE" dirty="0" err="1"/>
+              <a:t>serializer</a:t>
+            </a:r>
+            <a:endParaRPr lang="de-DE" dirty="0"/>
+          </a:p>
+          <a:p>
+            <a:r>
+              <a:rPr lang="de-DE" dirty="0"/>
+              <a:t>Purpose: </a:t>
+            </a:r>
+          </a:p>
+          <a:p>
+            <a:pPr lvl="1"/>
+            <a:r>
+              <a:rPr lang="de-DE" dirty="0" err="1"/>
+              <a:t>Two</a:t>
+            </a:r>
+            <a:r>
+              <a:rPr lang="de-DE" dirty="0"/>
+              <a:t> </a:t>
+            </a:r>
+            <a:r>
+              <a:rPr lang="de-DE" dirty="0" err="1"/>
+              <a:t>connectors</a:t>
+            </a:r>
+            <a:r>
+              <a:rPr lang="de-DE" dirty="0"/>
+              <a:t> </a:t>
+            </a:r>
+            <a:r>
+              <a:rPr lang="de-DE" dirty="0" err="1"/>
+              <a:t>with</a:t>
+            </a:r>
+            <a:r>
+              <a:rPr lang="de-DE" dirty="0"/>
+              <a:t> </a:t>
+            </a:r>
+            <a:r>
+              <a:rPr lang="de-DE" dirty="0" err="1"/>
+              <a:t>data</a:t>
+            </a:r>
+            <a:r>
+              <a:rPr lang="de-DE" dirty="0"/>
+              <a:t> </a:t>
+            </a:r>
+            <a:r>
+              <a:rPr lang="de-DE" dirty="0" err="1"/>
+              <a:t>transformation</a:t>
+            </a:r>
+            <a:endParaRPr lang="de-DE" dirty="0"/>
+          </a:p>
+          <a:p>
+            <a:pPr lvl="1"/>
+            <a:r>
+              <a:rPr lang="de-DE" dirty="0"/>
+              <a:t>RTSA </a:t>
+            </a:r>
+            <a:r>
+              <a:rPr lang="de-DE" dirty="0" err="1"/>
+              <a:t>integration</a:t>
+            </a:r>
+            <a:endParaRPr lang="de-DE" dirty="0"/>
+          </a:p>
+          <a:p>
+            <a:pPr lvl="1"/>
+            <a:r>
+              <a:rPr lang="de-DE" dirty="0"/>
+              <a:t>Service </a:t>
+            </a:r>
+            <a:r>
+              <a:rPr lang="de-DE" dirty="0" err="1"/>
+              <a:t>family</a:t>
+            </a:r>
+            <a:endParaRPr lang="de-DE" dirty="0"/>
+          </a:p>
+          <a:p>
+            <a:pPr lvl="1"/>
+            <a:r>
+              <a:rPr lang="de-DE" dirty="0"/>
+              <a:t>Service </a:t>
+            </a:r>
+            <a:r>
+              <a:rPr lang="de-DE" dirty="0" err="1"/>
+              <a:t>parameters</a:t>
+            </a:r>
+            <a:endParaRPr lang="de-DE" dirty="0"/>
+          </a:p>
+          <a:p>
+            <a:r>
+              <a:rPr lang="de-DE" dirty="0" err="1"/>
+              <a:t>Purely</a:t>
+            </a:r>
+            <a:r>
+              <a:rPr lang="de-DE" dirty="0"/>
+              <a:t> </a:t>
+            </a:r>
+            <a:r>
+              <a:rPr lang="de-DE" dirty="0" err="1"/>
+              <a:t>structural</a:t>
+            </a:r>
+            <a:r>
+              <a:rPr lang="de-DE" dirty="0"/>
+              <a:t> </a:t>
+            </a:r>
+            <a:r>
+              <a:rPr lang="de-DE" dirty="0" err="1"/>
+              <a:t>test</a:t>
+            </a:r>
+            <a:r>
+              <a:rPr lang="de-DE" dirty="0"/>
+              <a:t> (not </a:t>
+            </a:r>
+            <a:r>
+              <a:rPr lang="de-DE" dirty="0" err="1"/>
+              <a:t>executable</a:t>
+            </a:r>
+            <a:r>
+              <a:rPr lang="de-DE" dirty="0"/>
+              <a:t>, </a:t>
+            </a:r>
+            <a:r>
+              <a:rPr lang="de-DE" dirty="0" err="1"/>
+              <a:t>no</a:t>
+            </a:r>
+            <a:r>
+              <a:rPr lang="de-DE" dirty="0"/>
+              <a:t> </a:t>
+            </a:r>
+            <a:r>
+              <a:rPr lang="de-DE" dirty="0" err="1"/>
+              <a:t>implementations</a:t>
+            </a:r>
+            <a:r>
+              <a:rPr lang="de-DE" dirty="0"/>
+              <a:t> </a:t>
+            </a:r>
+            <a:r>
+              <a:rPr lang="de-DE" dirty="0" err="1"/>
+              <a:t>attached</a:t>
+            </a:r>
+            <a:r>
+              <a:rPr lang="de-DE" dirty="0"/>
+              <a:t>)</a:t>
+            </a:r>
+            <a:endParaRPr lang="en-DE" dirty="0">
+              <a:latin typeface="Consolas" panose="020B0609020204030204" pitchFamily="49" charset="0"/>
+            </a:endParaRPr>
+          </a:p>
+          <a:p>
+            <a:endParaRPr lang="en-DE" dirty="0"/>
+          </a:p>
+        </p:txBody>
+      </p:sp>
+    </p:spTree>
+    <p:extLst>
+      <p:ext uri="{BB962C8B-B14F-4D97-AF65-F5344CB8AC3E}">
+        <p14:creationId xmlns:p14="http://schemas.microsoft.com/office/powerpoint/2010/main" val="1356445160"/>
+      </p:ext>
+    </p:extLst>
+  </p:cSld>
+  <p:clrMapOvr>
+    <a:masterClrMapping/>
+  </p:clrMapOvr>
+</p:sld>
+</file>
+
+<file path=ppt/slides/slide16.xml><?xml version="1.0" encoding="utf-8"?>
+<p:sld xmlns:a="http://schemas.openxmlformats.org/drawingml/2006/main" xmlns:r="http://schemas.openxmlformats.org/officeDocument/2006/relationships" xmlns:p="http://schemas.openxmlformats.org/presentationml/2006/main">
+  <p:cSld>
+    <p:spTree>
+      <p:nvGrpSpPr>
+        <p:cNvPr id="1" name=""/>
+        <p:cNvGrpSpPr/>
+        <p:nvPr/>
+      </p:nvGrpSpPr>
+      <p:grpSpPr>
+        <a:xfrm>
+          <a:off x="0" y="0"/>
+          <a:ext cx="0" cy="0"/>
+          <a:chOff x="0" y="0"/>
+          <a:chExt cx="0" cy="0"/>
+        </a:xfrm>
+      </p:grpSpPr>
+      <p:sp>
+        <p:nvSpPr>
+          <p:cNvPr id="29" name="TextBox 28">
+            <a:extLst>
+              <a:ext uri="{FF2B5EF4-FFF2-40B4-BE49-F238E27FC236}">
+                <a16:creationId xmlns:a16="http://schemas.microsoft.com/office/drawing/2014/main" id="{2D0D92FF-0B6E-446F-A0F3-0316F1369A12}"/>
+              </a:ext>
+            </a:extLst>
+          </p:cNvPr>
+          <p:cNvSpPr txBox="1"/>
+          <p:nvPr/>
+        </p:nvSpPr>
+        <p:spPr>
+          <a:xfrm>
+            <a:off x="5848381" y="4777402"/>
+            <a:ext cx="2509464" cy="1538723"/>
+          </a:xfrm>
+          <a:prstGeom prst="rect">
+            <a:avLst/>
+          </a:prstGeom>
+          <a:noFill/>
+          <a:ln>
+            <a:solidFill>
+              <a:schemeClr val="accent1"/>
+            </a:solidFill>
+          </a:ln>
+        </p:spPr>
+        <p:txBody>
+          <a:bodyPr wrap="none" rtlCol="0">
+            <a:noAutofit/>
+          </a:bodyPr>
+          <a:lstStyle/>
+          <a:p>
+            <a:r>
+              <a:rPr lang="en-GB" b="1" dirty="0" err="1"/>
+              <a:t>MyKIFamily</a:t>
+            </a:r>
+            <a:endParaRPr lang="en-GB" b="1" dirty="0"/>
+          </a:p>
+          <a:p>
+            <a:r>
+              <a:rPr lang="en-GB" dirty="0"/>
+              <a:t>Java, sync</a:t>
+            </a:r>
+            <a:endParaRPr lang="en-DE" dirty="0"/>
+          </a:p>
+        </p:txBody>
+      </p:sp>
+      <p:sp>
+        <p:nvSpPr>
+          <p:cNvPr id="2" name="Title 1">
+            <a:extLst>
+              <a:ext uri="{FF2B5EF4-FFF2-40B4-BE49-F238E27FC236}">
+                <a16:creationId xmlns:a16="http://schemas.microsoft.com/office/drawing/2014/main" id="{4C5588D9-BABB-46AC-A6A1-FD4CB364C8C5}"/>
+              </a:ext>
+            </a:extLst>
+          </p:cNvPr>
+          <p:cNvSpPr>
+            <a:spLocks noGrp="1"/>
+          </p:cNvSpPr>
+          <p:nvPr>
+            <p:ph type="title"/>
+          </p:nvPr>
+        </p:nvSpPr>
+        <p:spPr>
+          <a:xfrm>
+            <a:off x="838200" y="-92075"/>
+            <a:ext cx="10515600" cy="1325563"/>
+          </a:xfrm>
+        </p:spPr>
+        <p:txBody>
+          <a:bodyPr/>
+          <a:lstStyle/>
+          <a:p>
+            <a:r>
+              <a:rPr lang="en-GB" dirty="0"/>
+              <a:t>SerializerConfig1</a:t>
+            </a:r>
+            <a:endParaRPr lang="en-DE" sz="3000" dirty="0"/>
+          </a:p>
+        </p:txBody>
+      </p:sp>
+      <p:sp>
+        <p:nvSpPr>
+          <p:cNvPr id="4" name="TextBox 3">
+            <a:extLst>
+              <a:ext uri="{FF2B5EF4-FFF2-40B4-BE49-F238E27FC236}">
+                <a16:creationId xmlns:a16="http://schemas.microsoft.com/office/drawing/2014/main" id="{2ECACFD9-EC99-4F60-B0DC-D5B17EC37BDE}"/>
+              </a:ext>
+            </a:extLst>
+          </p:cNvPr>
+          <p:cNvSpPr txBox="1"/>
+          <p:nvPr/>
+        </p:nvSpPr>
+        <p:spPr>
+          <a:xfrm>
+            <a:off x="479695" y="5219414"/>
+            <a:ext cx="1207190" cy="646331"/>
+          </a:xfrm>
+          <a:prstGeom prst="rect">
+            <a:avLst/>
+          </a:prstGeom>
+          <a:noFill/>
+          <a:ln>
+            <a:solidFill>
+              <a:schemeClr val="accent1"/>
+            </a:solidFill>
+          </a:ln>
+        </p:spPr>
+        <p:txBody>
+          <a:bodyPr wrap="none" rtlCol="0">
+            <a:spAutoFit/>
+          </a:bodyPr>
+          <a:lstStyle/>
+          <a:p>
+            <a:r>
+              <a:rPr lang="en-GB" b="1" dirty="0" err="1"/>
+              <a:t>mySource</a:t>
+            </a:r>
+            <a:endParaRPr lang="en-GB" b="1" dirty="0"/>
+          </a:p>
+          <a:p>
+            <a:r>
+              <a:rPr lang="en-GB" dirty="0"/>
+              <a:t>Java, async</a:t>
+            </a:r>
+            <a:endParaRPr lang="en-DE" dirty="0"/>
+          </a:p>
+        </p:txBody>
+      </p:sp>
+      <p:sp>
+        <p:nvSpPr>
+          <p:cNvPr id="5" name="TextBox 4">
+            <a:extLst>
+              <a:ext uri="{FF2B5EF4-FFF2-40B4-BE49-F238E27FC236}">
+                <a16:creationId xmlns:a16="http://schemas.microsoft.com/office/drawing/2014/main" id="{A3FEA2A0-45DE-43EC-86A8-6BEE432D2272}"/>
+              </a:ext>
+            </a:extLst>
+          </p:cNvPr>
+          <p:cNvSpPr txBox="1"/>
+          <p:nvPr/>
+        </p:nvSpPr>
+        <p:spPr>
+          <a:xfrm>
+            <a:off x="474104" y="1295209"/>
+            <a:ext cx="1470787" cy="646331"/>
+          </a:xfrm>
+          <a:prstGeom prst="rect">
+            <a:avLst/>
+          </a:prstGeom>
+          <a:noFill/>
+          <a:ln>
+            <a:solidFill>
+              <a:schemeClr val="accent1"/>
+            </a:solidFill>
+          </a:ln>
+        </p:spPr>
+        <p:txBody>
+          <a:bodyPr wrap="none" rtlCol="0">
+            <a:spAutoFit/>
+          </a:bodyPr>
+          <a:lstStyle/>
+          <a:p>
+            <a:r>
+              <a:rPr lang="en-GB" b="1" dirty="0" err="1"/>
+              <a:t>MyMqttConn</a:t>
+            </a:r>
+            <a:endParaRPr lang="en-GB" b="1" dirty="0"/>
+          </a:p>
+          <a:p>
+            <a:r>
+              <a:rPr lang="en-GB" dirty="0"/>
+              <a:t>Python, async</a:t>
+            </a:r>
+            <a:endParaRPr lang="en-DE" dirty="0"/>
+          </a:p>
+        </p:txBody>
+      </p:sp>
+      <p:cxnSp>
+        <p:nvCxnSpPr>
+          <p:cNvPr id="7" name="Connector: Elbow 6">
+            <a:extLst>
+              <a:ext uri="{FF2B5EF4-FFF2-40B4-BE49-F238E27FC236}">
+                <a16:creationId xmlns:a16="http://schemas.microsoft.com/office/drawing/2014/main" id="{D201DB76-F45D-44DA-B271-7179515771CF}"/>
+              </a:ext>
+            </a:extLst>
+          </p:cNvPr>
+          <p:cNvCxnSpPr>
+            <a:cxnSpLocks/>
+            <a:stCxn id="4" idx="3"/>
+            <a:endCxn id="17" idx="1"/>
+          </p:cNvCxnSpPr>
+          <p:nvPr/>
+        </p:nvCxnSpPr>
+        <p:spPr>
+          <a:xfrm>
+            <a:off x="1686885" y="5542580"/>
+            <a:ext cx="1793580" cy="2580"/>
+          </a:xfrm>
+          <a:prstGeom prst="bentConnector3">
+            <a:avLst/>
+          </a:prstGeom>
+          <a:ln>
+            <a:tailEnd type="triangle"/>
+          </a:ln>
+        </p:spPr>
+        <p:style>
+          <a:lnRef idx="1">
+            <a:schemeClr val="accent1"/>
+          </a:lnRef>
+          <a:fillRef idx="0">
+            <a:schemeClr val="accent1"/>
+          </a:fillRef>
+          <a:effectRef idx="0">
+            <a:schemeClr val="accent1"/>
+          </a:effectRef>
+          <a:fontRef idx="minor">
+            <a:schemeClr val="tx1"/>
+          </a:fontRef>
+        </p:style>
+      </p:cxnSp>
+      <p:sp>
+        <p:nvSpPr>
+          <p:cNvPr id="9" name="TextBox 8">
+            <a:extLst>
+              <a:ext uri="{FF2B5EF4-FFF2-40B4-BE49-F238E27FC236}">
+                <a16:creationId xmlns:a16="http://schemas.microsoft.com/office/drawing/2014/main" id="{0BD05DB4-F2E1-4CC1-AF3B-BD290D5608A4}"/>
+              </a:ext>
+            </a:extLst>
+          </p:cNvPr>
+          <p:cNvSpPr txBox="1"/>
+          <p:nvPr/>
+        </p:nvSpPr>
+        <p:spPr>
+          <a:xfrm>
+            <a:off x="1911311" y="5176923"/>
+            <a:ext cx="731290" cy="369332"/>
+          </a:xfrm>
+          <a:prstGeom prst="rect">
+            <a:avLst/>
+          </a:prstGeom>
+          <a:noFill/>
+        </p:spPr>
+        <p:txBody>
+          <a:bodyPr wrap="none" rtlCol="0">
+            <a:spAutoFit/>
+          </a:bodyPr>
+          <a:lstStyle/>
+          <a:p>
+            <a:r>
+              <a:rPr lang="en-GB" i="1" dirty="0"/>
+              <a:t>String</a:t>
+            </a:r>
+            <a:endParaRPr lang="en-DE" i="1" dirty="0"/>
+          </a:p>
+        </p:txBody>
+      </p:sp>
+      <p:sp>
+        <p:nvSpPr>
+          <p:cNvPr id="10" name="TextBox 9">
+            <a:extLst>
+              <a:ext uri="{FF2B5EF4-FFF2-40B4-BE49-F238E27FC236}">
+                <a16:creationId xmlns:a16="http://schemas.microsoft.com/office/drawing/2014/main" id="{019F200F-761E-49B6-A09E-685FB55F6B84}"/>
+              </a:ext>
+            </a:extLst>
+          </p:cNvPr>
+          <p:cNvSpPr txBox="1"/>
+          <p:nvPr/>
+        </p:nvSpPr>
+        <p:spPr>
+          <a:xfrm>
+            <a:off x="286014" y="6087129"/>
+            <a:ext cx="1542217" cy="369332"/>
+          </a:xfrm>
+          <a:prstGeom prst="rect">
+            <a:avLst/>
+          </a:prstGeom>
+          <a:noFill/>
+          <a:ln>
+            <a:solidFill>
+              <a:schemeClr val="accent6"/>
+            </a:solidFill>
+          </a:ln>
+        </p:spPr>
+        <p:txBody>
+          <a:bodyPr wrap="none" rtlCol="0">
+            <a:spAutoFit/>
+          </a:bodyPr>
+          <a:lstStyle/>
+          <a:p>
+            <a:r>
+              <a:rPr lang="en-GB" dirty="0" err="1"/>
+              <a:t>MySourceImpl</a:t>
+            </a:r>
+            <a:endParaRPr lang="en-DE" dirty="0"/>
+          </a:p>
+        </p:txBody>
+      </p:sp>
+      <p:sp>
+        <p:nvSpPr>
+          <p:cNvPr id="11" name="TextBox 10">
+            <a:extLst>
+              <a:ext uri="{FF2B5EF4-FFF2-40B4-BE49-F238E27FC236}">
+                <a16:creationId xmlns:a16="http://schemas.microsoft.com/office/drawing/2014/main" id="{4293BD2D-F2FF-42AF-AB4A-4D3B30BE65A4}"/>
+              </a:ext>
+            </a:extLst>
+          </p:cNvPr>
+          <p:cNvSpPr txBox="1"/>
+          <p:nvPr/>
+        </p:nvSpPr>
+        <p:spPr>
+          <a:xfrm>
+            <a:off x="441111" y="2128257"/>
+            <a:ext cx="1512209" cy="369332"/>
+          </a:xfrm>
+          <a:prstGeom prst="rect">
+            <a:avLst/>
+          </a:prstGeom>
+          <a:solidFill>
+            <a:schemeClr val="bg1">
+              <a:lumMod val="75000"/>
+            </a:schemeClr>
+          </a:solidFill>
+          <a:ln>
+            <a:solidFill>
+              <a:schemeClr val="accent6"/>
+            </a:solidFill>
+          </a:ln>
+        </p:spPr>
+        <p:txBody>
+          <a:bodyPr wrap="none" rtlCol="0">
+            <a:spAutoFit/>
+          </a:bodyPr>
+          <a:lstStyle>
+            <a:defPPr>
+              <a:defRPr lang="en-DE"/>
+            </a:defPPr>
+            <a:lvl1pPr>
+              <a:defRPr/>
+            </a:lvl1pPr>
+          </a:lstStyle>
+          <a:p>
+            <a:r>
+              <a:rPr lang="en-GB" dirty="0"/>
+              <a:t>MQTTv3 Conn</a:t>
+            </a:r>
+            <a:endParaRPr lang="en-DE" dirty="0"/>
+          </a:p>
+        </p:txBody>
+      </p:sp>
+      <p:cxnSp>
+        <p:nvCxnSpPr>
+          <p:cNvPr id="14" name="Straight Arrow Connector 13">
+            <a:extLst>
+              <a:ext uri="{FF2B5EF4-FFF2-40B4-BE49-F238E27FC236}">
+                <a16:creationId xmlns:a16="http://schemas.microsoft.com/office/drawing/2014/main" id="{3F064501-66B7-4EF1-90AE-7CF36413B75C}"/>
+              </a:ext>
+            </a:extLst>
+          </p:cNvPr>
+          <p:cNvCxnSpPr>
+            <a:stCxn id="4" idx="2"/>
+            <a:endCxn id="10" idx="0"/>
+          </p:cNvCxnSpPr>
+          <p:nvPr/>
+        </p:nvCxnSpPr>
+        <p:spPr>
+          <a:xfrm flipH="1">
+            <a:off x="1057123" y="5865745"/>
+            <a:ext cx="26167" cy="221384"/>
+          </a:xfrm>
+          <a:prstGeom prst="straightConnector1">
+            <a:avLst/>
+          </a:prstGeom>
+          <a:ln>
+            <a:solidFill>
+              <a:srgbClr val="C00000"/>
+            </a:solidFill>
+            <a:prstDash val="dash"/>
+            <a:tailEnd type="triangle"/>
+          </a:ln>
+        </p:spPr>
+        <p:style>
+          <a:lnRef idx="1">
+            <a:schemeClr val="accent1"/>
+          </a:lnRef>
+          <a:fillRef idx="0">
+            <a:schemeClr val="accent1"/>
+          </a:fillRef>
+          <a:effectRef idx="0">
+            <a:schemeClr val="accent1"/>
+          </a:effectRef>
+          <a:fontRef idx="minor">
+            <a:schemeClr val="tx1"/>
+          </a:fontRef>
+        </p:style>
+      </p:cxnSp>
+      <p:cxnSp>
+        <p:nvCxnSpPr>
+          <p:cNvPr id="15" name="Straight Arrow Connector 14">
+            <a:extLst>
+              <a:ext uri="{FF2B5EF4-FFF2-40B4-BE49-F238E27FC236}">
+                <a16:creationId xmlns:a16="http://schemas.microsoft.com/office/drawing/2014/main" id="{C6091E6F-0396-4B38-BFC6-0EAA68D9DCC3}"/>
+              </a:ext>
+            </a:extLst>
+          </p:cNvPr>
+          <p:cNvCxnSpPr>
+            <a:cxnSpLocks/>
+            <a:stCxn id="5" idx="2"/>
+            <a:endCxn id="11" idx="0"/>
+          </p:cNvCxnSpPr>
+          <p:nvPr/>
+        </p:nvCxnSpPr>
+        <p:spPr>
+          <a:xfrm flipH="1">
+            <a:off x="1197216" y="1941540"/>
+            <a:ext cx="12282" cy="186717"/>
+          </a:xfrm>
+          <a:prstGeom prst="straightConnector1">
+            <a:avLst/>
+          </a:prstGeom>
+          <a:ln>
+            <a:prstDash val="dash"/>
+            <a:tailEnd type="triangle"/>
+          </a:ln>
+        </p:spPr>
+        <p:style>
+          <a:lnRef idx="1">
+            <a:schemeClr val="accent1"/>
+          </a:lnRef>
+          <a:fillRef idx="0">
+            <a:schemeClr val="accent1"/>
+          </a:fillRef>
+          <a:effectRef idx="0">
+            <a:schemeClr val="accent1"/>
+          </a:effectRef>
+          <a:fontRef idx="minor">
+            <a:schemeClr val="tx1"/>
+          </a:fontRef>
+        </p:style>
+      </p:cxnSp>
+      <p:sp>
+        <p:nvSpPr>
+          <p:cNvPr id="13" name="TextBox 12">
+            <a:extLst>
+              <a:ext uri="{FF2B5EF4-FFF2-40B4-BE49-F238E27FC236}">
+                <a16:creationId xmlns:a16="http://schemas.microsoft.com/office/drawing/2014/main" id="{A49ECE43-5FC7-4B85-84C8-35343D03BEB0}"/>
+              </a:ext>
+            </a:extLst>
+          </p:cNvPr>
+          <p:cNvSpPr txBox="1"/>
+          <p:nvPr/>
+        </p:nvSpPr>
+        <p:spPr>
+          <a:xfrm>
+            <a:off x="430951" y="3491736"/>
+            <a:ext cx="1723870" cy="646331"/>
+          </a:xfrm>
+          <a:prstGeom prst="rect">
+            <a:avLst/>
+          </a:prstGeom>
+          <a:noFill/>
+          <a:ln>
+            <a:solidFill>
+              <a:schemeClr val="accent1"/>
+            </a:solidFill>
+          </a:ln>
+        </p:spPr>
+        <p:txBody>
+          <a:bodyPr wrap="none" rtlCol="0">
+            <a:spAutoFit/>
+          </a:bodyPr>
+          <a:lstStyle/>
+          <a:p>
+            <a:r>
+              <a:rPr lang="en-GB" b="1" dirty="0" err="1"/>
+              <a:t>myOpcConn</a:t>
+            </a:r>
+            <a:endParaRPr lang="en-GB" b="1" dirty="0"/>
+          </a:p>
+          <a:p>
+            <a:r>
+              <a:rPr lang="en-GB" dirty="0"/>
+              <a:t>OPC conn, async</a:t>
+            </a:r>
+            <a:endParaRPr lang="en-DE" dirty="0"/>
+          </a:p>
+        </p:txBody>
+      </p:sp>
+      <p:cxnSp>
+        <p:nvCxnSpPr>
+          <p:cNvPr id="16" name="Connector: Elbow 15">
+            <a:extLst>
+              <a:ext uri="{FF2B5EF4-FFF2-40B4-BE49-F238E27FC236}">
+                <a16:creationId xmlns:a16="http://schemas.microsoft.com/office/drawing/2014/main" id="{DA8C02F5-BE7B-4625-89D9-048FC674B9AF}"/>
+              </a:ext>
+            </a:extLst>
+          </p:cNvPr>
+          <p:cNvCxnSpPr>
+            <a:cxnSpLocks/>
+            <a:stCxn id="13" idx="3"/>
+            <a:endCxn id="17" idx="1"/>
+          </p:cNvCxnSpPr>
+          <p:nvPr/>
+        </p:nvCxnSpPr>
+        <p:spPr>
+          <a:xfrm>
+            <a:off x="2154821" y="3814902"/>
+            <a:ext cx="1325644" cy="1730258"/>
+          </a:xfrm>
+          <a:prstGeom prst="bentConnector3">
+            <a:avLst>
+              <a:gd name="adj1" fmla="val 50000"/>
+            </a:avLst>
+          </a:prstGeom>
+          <a:ln>
+            <a:tailEnd type="triangle"/>
+          </a:ln>
+        </p:spPr>
+        <p:style>
+          <a:lnRef idx="1">
+            <a:schemeClr val="accent1"/>
+          </a:lnRef>
+          <a:fillRef idx="0">
+            <a:schemeClr val="accent1"/>
+          </a:fillRef>
+          <a:effectRef idx="0">
+            <a:schemeClr val="accent1"/>
+          </a:effectRef>
+          <a:fontRef idx="minor">
+            <a:schemeClr val="tx1"/>
+          </a:fontRef>
+        </p:style>
+      </p:cxnSp>
+      <p:sp>
+        <p:nvSpPr>
+          <p:cNvPr id="25" name="TextBox 24">
+            <a:extLst>
+              <a:ext uri="{FF2B5EF4-FFF2-40B4-BE49-F238E27FC236}">
+                <a16:creationId xmlns:a16="http://schemas.microsoft.com/office/drawing/2014/main" id="{A420BDCB-D520-47F0-A9CC-9802364753C2}"/>
+              </a:ext>
+            </a:extLst>
+          </p:cNvPr>
+          <p:cNvSpPr txBox="1"/>
+          <p:nvPr/>
+        </p:nvSpPr>
+        <p:spPr>
+          <a:xfrm>
+            <a:off x="2276956" y="3728365"/>
+            <a:ext cx="1456361" cy="369332"/>
+          </a:xfrm>
+          <a:prstGeom prst="rect">
+            <a:avLst/>
+          </a:prstGeom>
+          <a:noFill/>
+        </p:spPr>
+        <p:txBody>
+          <a:bodyPr wrap="none" rtlCol="0">
+            <a:spAutoFit/>
+          </a:bodyPr>
+          <a:lstStyle/>
+          <a:p>
+            <a:r>
+              <a:rPr lang="en-GB" dirty="0" err="1"/>
+              <a:t>myConnPltfIn</a:t>
+            </a:r>
+            <a:endParaRPr lang="en-DE" dirty="0"/>
+          </a:p>
+        </p:txBody>
+      </p:sp>
+      <p:sp>
+        <p:nvSpPr>
+          <p:cNvPr id="26" name="TextBox 25">
+            <a:extLst>
+              <a:ext uri="{FF2B5EF4-FFF2-40B4-BE49-F238E27FC236}">
+                <a16:creationId xmlns:a16="http://schemas.microsoft.com/office/drawing/2014/main" id="{F1F32AC7-7D79-473E-A81B-2605199922E6}"/>
+              </a:ext>
+            </a:extLst>
+          </p:cNvPr>
+          <p:cNvSpPr txBox="1"/>
+          <p:nvPr/>
+        </p:nvSpPr>
+        <p:spPr>
+          <a:xfrm>
+            <a:off x="568296" y="4320415"/>
+            <a:ext cx="1449179" cy="369332"/>
+          </a:xfrm>
+          <a:prstGeom prst="rect">
+            <a:avLst/>
+          </a:prstGeom>
+          <a:solidFill>
+            <a:schemeClr val="bg1">
+              <a:lumMod val="75000"/>
+            </a:schemeClr>
+          </a:solidFill>
+          <a:ln>
+            <a:solidFill>
+              <a:schemeClr val="accent6"/>
+            </a:solidFill>
+          </a:ln>
+        </p:spPr>
+        <p:txBody>
+          <a:bodyPr wrap="none" rtlCol="0">
+            <a:spAutoFit/>
+          </a:bodyPr>
+          <a:lstStyle/>
+          <a:p>
+            <a:r>
+              <a:rPr lang="en-GB" dirty="0"/>
+              <a:t>OPC UA Conn</a:t>
+            </a:r>
+            <a:endParaRPr lang="en-DE" dirty="0"/>
+          </a:p>
+        </p:txBody>
+      </p:sp>
+      <p:cxnSp>
+        <p:nvCxnSpPr>
+          <p:cNvPr id="27" name="Straight Arrow Connector 26">
+            <a:extLst>
+              <a:ext uri="{FF2B5EF4-FFF2-40B4-BE49-F238E27FC236}">
+                <a16:creationId xmlns:a16="http://schemas.microsoft.com/office/drawing/2014/main" id="{2756A6DA-8418-4D3D-8770-8379DCA9A4BB}"/>
+              </a:ext>
+            </a:extLst>
+          </p:cNvPr>
+          <p:cNvCxnSpPr>
+            <a:cxnSpLocks/>
+            <a:stCxn id="13" idx="2"/>
+            <a:endCxn id="26" idx="0"/>
+          </p:cNvCxnSpPr>
+          <p:nvPr/>
+        </p:nvCxnSpPr>
+        <p:spPr>
+          <a:xfrm>
+            <a:off x="1292886" y="4138067"/>
+            <a:ext cx="0" cy="182348"/>
+          </a:xfrm>
+          <a:prstGeom prst="straightConnector1">
+            <a:avLst/>
+          </a:prstGeom>
+          <a:ln>
+            <a:prstDash val="dash"/>
+            <a:tailEnd type="triangle"/>
+          </a:ln>
+        </p:spPr>
+        <p:style>
+          <a:lnRef idx="1">
+            <a:schemeClr val="accent1"/>
+          </a:lnRef>
+          <a:fillRef idx="0">
+            <a:schemeClr val="accent1"/>
+          </a:fillRef>
+          <a:effectRef idx="0">
+            <a:schemeClr val="accent1"/>
+          </a:effectRef>
+          <a:fontRef idx="minor">
+            <a:schemeClr val="tx1"/>
+          </a:fontRef>
+        </p:style>
+      </p:cxnSp>
+      <p:sp>
+        <p:nvSpPr>
+          <p:cNvPr id="17" name="TextBox 16">
+            <a:extLst>
+              <a:ext uri="{FF2B5EF4-FFF2-40B4-BE49-F238E27FC236}">
+                <a16:creationId xmlns:a16="http://schemas.microsoft.com/office/drawing/2014/main" id="{F5A1FE45-C9FF-467D-90A1-586AA06B7941}"/>
+              </a:ext>
+            </a:extLst>
+          </p:cNvPr>
+          <p:cNvSpPr txBox="1"/>
+          <p:nvPr/>
+        </p:nvSpPr>
+        <p:spPr>
+          <a:xfrm>
+            <a:off x="3480465" y="5221994"/>
+            <a:ext cx="1638141" cy="646331"/>
+          </a:xfrm>
+          <a:prstGeom prst="rect">
+            <a:avLst/>
+          </a:prstGeom>
+          <a:noFill/>
+          <a:ln>
+            <a:solidFill>
+              <a:schemeClr val="accent1"/>
+            </a:solidFill>
+          </a:ln>
+        </p:spPr>
+        <p:txBody>
+          <a:bodyPr wrap="none" rtlCol="0">
+            <a:spAutoFit/>
+          </a:bodyPr>
+          <a:lstStyle/>
+          <a:p>
+            <a:r>
+              <a:rPr lang="en-GB" b="1" dirty="0" err="1"/>
+              <a:t>MyAnonymizer</a:t>
+            </a:r>
+            <a:endParaRPr lang="en-GB" b="1" dirty="0"/>
+          </a:p>
+          <a:p>
+            <a:r>
+              <a:rPr lang="en-GB" dirty="0"/>
+              <a:t>Java, async</a:t>
+            </a:r>
+            <a:endParaRPr lang="en-DE" dirty="0"/>
+          </a:p>
+        </p:txBody>
+      </p:sp>
+      <p:cxnSp>
+        <p:nvCxnSpPr>
+          <p:cNvPr id="18" name="Straight Arrow Connector 17">
+            <a:extLst>
+              <a:ext uri="{FF2B5EF4-FFF2-40B4-BE49-F238E27FC236}">
+                <a16:creationId xmlns:a16="http://schemas.microsoft.com/office/drawing/2014/main" id="{F6905AEF-0AF6-4DC0-ACE8-23B3876A5B26}"/>
+              </a:ext>
+            </a:extLst>
+          </p:cNvPr>
+          <p:cNvCxnSpPr>
+            <a:cxnSpLocks/>
+            <a:stCxn id="17" idx="2"/>
+            <a:endCxn id="28" idx="0"/>
+          </p:cNvCxnSpPr>
+          <p:nvPr/>
+        </p:nvCxnSpPr>
+        <p:spPr>
+          <a:xfrm>
+            <a:off x="4299536" y="5868325"/>
+            <a:ext cx="2180" cy="393713"/>
+          </a:xfrm>
+          <a:prstGeom prst="straightConnector1">
+            <a:avLst/>
+          </a:prstGeom>
+          <a:ln>
+            <a:solidFill>
+              <a:srgbClr val="C00000"/>
+            </a:solidFill>
+            <a:prstDash val="dash"/>
+            <a:tailEnd type="triangle"/>
+          </a:ln>
+        </p:spPr>
+        <p:style>
+          <a:lnRef idx="1">
+            <a:schemeClr val="accent1"/>
+          </a:lnRef>
+          <a:fillRef idx="0">
+            <a:schemeClr val="accent1"/>
+          </a:fillRef>
+          <a:effectRef idx="0">
+            <a:schemeClr val="accent1"/>
+          </a:effectRef>
+          <a:fontRef idx="minor">
+            <a:schemeClr val="tx1"/>
+          </a:fontRef>
+        </p:style>
+      </p:cxnSp>
+      <p:sp>
+        <p:nvSpPr>
+          <p:cNvPr id="28" name="TextBox 27">
+            <a:extLst>
+              <a:ext uri="{FF2B5EF4-FFF2-40B4-BE49-F238E27FC236}">
+                <a16:creationId xmlns:a16="http://schemas.microsoft.com/office/drawing/2014/main" id="{BF19BB67-3D2D-4407-B6B2-6AF3217FD460}"/>
+              </a:ext>
+            </a:extLst>
+          </p:cNvPr>
+          <p:cNvSpPr txBox="1"/>
+          <p:nvPr/>
+        </p:nvSpPr>
+        <p:spPr>
+          <a:xfrm>
+            <a:off x="3291599" y="6262038"/>
+            <a:ext cx="2020233" cy="369332"/>
+          </a:xfrm>
+          <a:prstGeom prst="rect">
+            <a:avLst/>
+          </a:prstGeom>
+          <a:noFill/>
+          <a:ln>
+            <a:solidFill>
+              <a:schemeClr val="accent6"/>
+            </a:solidFill>
+          </a:ln>
+        </p:spPr>
+        <p:txBody>
+          <a:bodyPr wrap="none" rtlCol="0">
+            <a:spAutoFit/>
+          </a:bodyPr>
+          <a:lstStyle/>
+          <a:p>
+            <a:r>
+              <a:rPr lang="en-GB" dirty="0" err="1"/>
+              <a:t>MyAnonymizerImpl</a:t>
+            </a:r>
+            <a:endParaRPr lang="en-DE" dirty="0"/>
+          </a:p>
+        </p:txBody>
+      </p:sp>
+      <p:cxnSp>
+        <p:nvCxnSpPr>
+          <p:cNvPr id="35" name="Connector: Elbow 34">
+            <a:extLst>
+              <a:ext uri="{FF2B5EF4-FFF2-40B4-BE49-F238E27FC236}">
+                <a16:creationId xmlns:a16="http://schemas.microsoft.com/office/drawing/2014/main" id="{B6B410FB-90EE-4511-8C72-6F07B6B5D971}"/>
+              </a:ext>
+            </a:extLst>
+          </p:cNvPr>
+          <p:cNvCxnSpPr>
+            <a:cxnSpLocks/>
+            <a:stCxn id="5" idx="3"/>
+            <a:endCxn id="17" idx="1"/>
+          </p:cNvCxnSpPr>
+          <p:nvPr/>
+        </p:nvCxnSpPr>
+        <p:spPr>
+          <a:xfrm>
+            <a:off x="1944891" y="1618375"/>
+            <a:ext cx="1535574" cy="3926785"/>
+          </a:xfrm>
+          <a:prstGeom prst="bentConnector3">
+            <a:avLst>
+              <a:gd name="adj1" fmla="val 75157"/>
+            </a:avLst>
+          </a:prstGeom>
+          <a:ln>
+            <a:tailEnd type="triangle"/>
+          </a:ln>
+        </p:spPr>
+        <p:style>
+          <a:lnRef idx="1">
+            <a:schemeClr val="accent1"/>
+          </a:lnRef>
+          <a:fillRef idx="0">
+            <a:schemeClr val="accent1"/>
+          </a:fillRef>
+          <a:effectRef idx="0">
+            <a:schemeClr val="accent1"/>
+          </a:effectRef>
+          <a:fontRef idx="minor">
+            <a:schemeClr val="tx1"/>
+          </a:fontRef>
+        </p:style>
+      </p:cxnSp>
+      <p:sp>
+        <p:nvSpPr>
+          <p:cNvPr id="50" name="TextBox 49">
+            <a:extLst>
+              <a:ext uri="{FF2B5EF4-FFF2-40B4-BE49-F238E27FC236}">
+                <a16:creationId xmlns:a16="http://schemas.microsoft.com/office/drawing/2014/main" id="{F910F1DF-B980-40BD-959A-E9BC961E67BA}"/>
+              </a:ext>
+            </a:extLst>
+          </p:cNvPr>
+          <p:cNvSpPr txBox="1"/>
+          <p:nvPr/>
+        </p:nvSpPr>
+        <p:spPr>
+          <a:xfrm rot="17451966">
+            <a:off x="7974472" y="5203932"/>
+            <a:ext cx="1458413" cy="369332"/>
+          </a:xfrm>
+          <a:prstGeom prst="rect">
+            <a:avLst/>
+          </a:prstGeom>
+          <a:noFill/>
+        </p:spPr>
+        <p:txBody>
+          <a:bodyPr wrap="none" rtlCol="0">
+            <a:spAutoFit/>
+          </a:bodyPr>
+          <a:lstStyle/>
+          <a:p>
+            <a:r>
+              <a:rPr lang="en-GB" dirty="0" err="1"/>
+              <a:t>RtsaTestInput</a:t>
+            </a:r>
+            <a:endParaRPr lang="en-DE" dirty="0"/>
+          </a:p>
+        </p:txBody>
+      </p:sp>
+      <p:sp>
+        <p:nvSpPr>
+          <p:cNvPr id="24" name="TextBox 23">
+            <a:extLst>
+              <a:ext uri="{FF2B5EF4-FFF2-40B4-BE49-F238E27FC236}">
+                <a16:creationId xmlns:a16="http://schemas.microsoft.com/office/drawing/2014/main" id="{37C025E9-D41A-4A03-AC86-2DEDAB979B1E}"/>
+              </a:ext>
+            </a:extLst>
+          </p:cNvPr>
+          <p:cNvSpPr txBox="1"/>
+          <p:nvPr/>
+        </p:nvSpPr>
+        <p:spPr>
+          <a:xfrm>
+            <a:off x="6006531" y="5542579"/>
+            <a:ext cx="1096582" cy="646331"/>
+          </a:xfrm>
+          <a:prstGeom prst="rect">
+            <a:avLst/>
+          </a:prstGeom>
+          <a:noFill/>
+          <a:ln>
+            <a:solidFill>
+              <a:schemeClr val="accent1"/>
+            </a:solidFill>
+          </a:ln>
+        </p:spPr>
+        <p:txBody>
+          <a:bodyPr wrap="none" rtlCol="0">
+            <a:spAutoFit/>
+          </a:bodyPr>
+          <a:lstStyle/>
+          <a:p>
+            <a:r>
+              <a:rPr lang="en-GB" b="1" dirty="0" err="1"/>
+              <a:t>MyKI</a:t>
+            </a:r>
+            <a:endParaRPr lang="en-GB" b="1" dirty="0"/>
+          </a:p>
+          <a:p>
+            <a:r>
+              <a:rPr lang="en-GB" dirty="0"/>
+              <a:t>Java, sync</a:t>
+            </a:r>
+            <a:endParaRPr lang="en-DE" dirty="0"/>
+          </a:p>
+        </p:txBody>
+      </p:sp>
+      <p:sp>
+        <p:nvSpPr>
+          <p:cNvPr id="30" name="TextBox 29">
+            <a:extLst>
+              <a:ext uri="{FF2B5EF4-FFF2-40B4-BE49-F238E27FC236}">
+                <a16:creationId xmlns:a16="http://schemas.microsoft.com/office/drawing/2014/main" id="{70895F3A-5E1F-41FF-B8F9-D9319AC6A21A}"/>
+              </a:ext>
+            </a:extLst>
+          </p:cNvPr>
+          <p:cNvSpPr txBox="1"/>
+          <p:nvPr/>
+        </p:nvSpPr>
+        <p:spPr>
+          <a:xfrm>
+            <a:off x="7226728" y="5553580"/>
+            <a:ext cx="1096582" cy="646331"/>
+          </a:xfrm>
+          <a:prstGeom prst="rect">
+            <a:avLst/>
+          </a:prstGeom>
+          <a:noFill/>
+          <a:ln>
+            <a:solidFill>
+              <a:schemeClr val="accent1"/>
+            </a:solidFill>
+          </a:ln>
+        </p:spPr>
+        <p:txBody>
+          <a:bodyPr wrap="none" rtlCol="0">
+            <a:spAutoFit/>
+          </a:bodyPr>
+          <a:lstStyle/>
+          <a:p>
+            <a:r>
+              <a:rPr lang="en-GB" b="1" dirty="0"/>
+              <a:t>MyKI2</a:t>
+            </a:r>
+          </a:p>
+          <a:p>
+            <a:r>
+              <a:rPr lang="en-GB" dirty="0"/>
+              <a:t>Java, sync</a:t>
+            </a:r>
+            <a:endParaRPr lang="en-DE" dirty="0"/>
+          </a:p>
+        </p:txBody>
+      </p:sp>
+      <p:sp>
+        <p:nvSpPr>
+          <p:cNvPr id="31" name="TextBox 30">
+            <a:extLst>
+              <a:ext uri="{FF2B5EF4-FFF2-40B4-BE49-F238E27FC236}">
+                <a16:creationId xmlns:a16="http://schemas.microsoft.com/office/drawing/2014/main" id="{E11B5251-6AF0-422B-8C2E-04A936DFBF06}"/>
+              </a:ext>
+            </a:extLst>
+          </p:cNvPr>
+          <p:cNvSpPr txBox="1"/>
+          <p:nvPr/>
+        </p:nvSpPr>
+        <p:spPr>
+          <a:xfrm>
+            <a:off x="8951750" y="5219414"/>
+            <a:ext cx="1207190" cy="646331"/>
+          </a:xfrm>
+          <a:prstGeom prst="rect">
+            <a:avLst/>
+          </a:prstGeom>
+          <a:noFill/>
+          <a:ln>
+            <a:solidFill>
+              <a:schemeClr val="accent1"/>
+            </a:solidFill>
+          </a:ln>
+        </p:spPr>
+        <p:txBody>
+          <a:bodyPr wrap="none" rtlCol="0">
+            <a:spAutoFit/>
+          </a:bodyPr>
+          <a:lstStyle/>
+          <a:p>
+            <a:r>
+              <a:rPr lang="en-GB" b="1" dirty="0" err="1"/>
+              <a:t>MyRtsa</a:t>
+            </a:r>
+            <a:endParaRPr lang="en-GB" b="1" dirty="0"/>
+          </a:p>
+          <a:p>
+            <a:r>
+              <a:rPr lang="en-GB" dirty="0"/>
+              <a:t>Java, async</a:t>
+            </a:r>
+            <a:endParaRPr lang="en-DE" dirty="0"/>
+          </a:p>
+        </p:txBody>
+      </p:sp>
+      <p:sp>
+        <p:nvSpPr>
+          <p:cNvPr id="32" name="TextBox 31">
+            <a:extLst>
+              <a:ext uri="{FF2B5EF4-FFF2-40B4-BE49-F238E27FC236}">
+                <a16:creationId xmlns:a16="http://schemas.microsoft.com/office/drawing/2014/main" id="{0A613B33-8BCA-4DA9-9391-F9654661952D}"/>
+              </a:ext>
+            </a:extLst>
+          </p:cNvPr>
+          <p:cNvSpPr txBox="1"/>
+          <p:nvPr/>
+        </p:nvSpPr>
+        <p:spPr>
+          <a:xfrm>
+            <a:off x="10846348" y="5225524"/>
+            <a:ext cx="1239442" cy="646331"/>
+          </a:xfrm>
+          <a:prstGeom prst="rect">
+            <a:avLst/>
+          </a:prstGeom>
+          <a:noFill/>
+          <a:ln>
+            <a:solidFill>
+              <a:schemeClr val="accent1"/>
+            </a:solidFill>
+          </a:ln>
+        </p:spPr>
+        <p:txBody>
+          <a:bodyPr wrap="none" rtlCol="0">
+            <a:spAutoFit/>
+          </a:bodyPr>
+          <a:lstStyle/>
+          <a:p>
+            <a:r>
+              <a:rPr lang="en-GB" b="1" dirty="0" err="1"/>
+              <a:t>MyAasSink</a:t>
+            </a:r>
+            <a:endParaRPr lang="en-GB" b="1" dirty="0"/>
+          </a:p>
+          <a:p>
+            <a:r>
+              <a:rPr lang="en-GB" dirty="0"/>
+              <a:t>Java, async</a:t>
+            </a:r>
+            <a:endParaRPr lang="en-DE" dirty="0"/>
+          </a:p>
+        </p:txBody>
+      </p:sp>
+      <p:sp>
+        <p:nvSpPr>
+          <p:cNvPr id="33" name="TextBox 32">
+            <a:extLst>
+              <a:ext uri="{FF2B5EF4-FFF2-40B4-BE49-F238E27FC236}">
+                <a16:creationId xmlns:a16="http://schemas.microsoft.com/office/drawing/2014/main" id="{4F7FB419-8B3E-405D-83F8-FAE529845588}"/>
+              </a:ext>
+            </a:extLst>
+          </p:cNvPr>
+          <p:cNvSpPr txBox="1"/>
+          <p:nvPr/>
+        </p:nvSpPr>
+        <p:spPr>
+          <a:xfrm>
+            <a:off x="218104" y="2680890"/>
+            <a:ext cx="2128018" cy="369332"/>
+          </a:xfrm>
+          <a:prstGeom prst="rect">
+            <a:avLst/>
+          </a:prstGeom>
+          <a:noFill/>
+        </p:spPr>
+        <p:txBody>
+          <a:bodyPr wrap="none" rtlCol="0">
+            <a:spAutoFit/>
+          </a:bodyPr>
+          <a:lstStyle/>
+          <a:p>
+            <a:r>
+              <a:rPr lang="en-GB" dirty="0"/>
+              <a:t>I: </a:t>
+            </a:r>
+            <a:r>
+              <a:rPr lang="en-GB" dirty="0" err="1"/>
+              <a:t>myConnMachineIn</a:t>
+            </a:r>
+            <a:endParaRPr lang="en-DE" dirty="0"/>
+          </a:p>
+        </p:txBody>
+      </p:sp>
+      <p:sp>
+        <p:nvSpPr>
+          <p:cNvPr id="34" name="TextBox 33">
+            <a:extLst>
+              <a:ext uri="{FF2B5EF4-FFF2-40B4-BE49-F238E27FC236}">
+                <a16:creationId xmlns:a16="http://schemas.microsoft.com/office/drawing/2014/main" id="{A14698D4-8F37-4579-B042-7C1211EB8445}"/>
+              </a:ext>
+            </a:extLst>
+          </p:cNvPr>
+          <p:cNvSpPr txBox="1"/>
+          <p:nvPr/>
+        </p:nvSpPr>
+        <p:spPr>
+          <a:xfrm>
+            <a:off x="203434" y="2900796"/>
+            <a:ext cx="2394117" cy="369332"/>
+          </a:xfrm>
+          <a:prstGeom prst="rect">
+            <a:avLst/>
+          </a:prstGeom>
+          <a:noFill/>
+        </p:spPr>
+        <p:txBody>
+          <a:bodyPr wrap="none" rtlCol="0">
+            <a:spAutoFit/>
+          </a:bodyPr>
+          <a:lstStyle/>
+          <a:p>
+            <a:r>
+              <a:rPr lang="en-GB" dirty="0"/>
+              <a:t>O: </a:t>
+            </a:r>
+            <a:r>
+              <a:rPr lang="en-GB" dirty="0" err="1"/>
+              <a:t>myConnMachineOut</a:t>
+            </a:r>
+            <a:endParaRPr lang="en-DE" dirty="0"/>
+          </a:p>
+        </p:txBody>
+      </p:sp>
+      <p:sp>
+        <p:nvSpPr>
+          <p:cNvPr id="36" name="TextBox 35">
+            <a:extLst>
+              <a:ext uri="{FF2B5EF4-FFF2-40B4-BE49-F238E27FC236}">
+                <a16:creationId xmlns:a16="http://schemas.microsoft.com/office/drawing/2014/main" id="{1770FA92-FAD7-4233-ACAD-384A8C4AA784}"/>
+              </a:ext>
+            </a:extLst>
+          </p:cNvPr>
+          <p:cNvSpPr txBox="1"/>
+          <p:nvPr/>
+        </p:nvSpPr>
+        <p:spPr>
+          <a:xfrm>
+            <a:off x="225011" y="3120240"/>
+            <a:ext cx="2514343" cy="369332"/>
+          </a:xfrm>
+          <a:prstGeom prst="rect">
+            <a:avLst/>
+          </a:prstGeom>
+          <a:noFill/>
+        </p:spPr>
+        <p:txBody>
+          <a:bodyPr wrap="none" rtlCol="0">
+            <a:spAutoFit/>
+          </a:bodyPr>
+          <a:lstStyle/>
+          <a:p>
+            <a:r>
+              <a:rPr lang="en-GB" dirty="0" err="1"/>
+              <a:t>myConnPltfOut</a:t>
+            </a:r>
+            <a:r>
+              <a:rPr lang="en-GB" dirty="0"/>
+              <a:t> (unused)</a:t>
+            </a:r>
+            <a:endParaRPr lang="en-DE" dirty="0"/>
+          </a:p>
+        </p:txBody>
+      </p:sp>
+      <p:sp>
+        <p:nvSpPr>
+          <p:cNvPr id="37" name="TextBox 36">
+            <a:extLst>
+              <a:ext uri="{FF2B5EF4-FFF2-40B4-BE49-F238E27FC236}">
+                <a16:creationId xmlns:a16="http://schemas.microsoft.com/office/drawing/2014/main" id="{AEABF672-731B-4076-9AF7-8430189408E9}"/>
+              </a:ext>
+            </a:extLst>
+          </p:cNvPr>
+          <p:cNvSpPr txBox="1"/>
+          <p:nvPr/>
+        </p:nvSpPr>
+        <p:spPr>
+          <a:xfrm>
+            <a:off x="430951" y="973878"/>
+            <a:ext cx="904415" cy="369332"/>
+          </a:xfrm>
+          <a:prstGeom prst="rect">
+            <a:avLst/>
+          </a:prstGeom>
+          <a:noFill/>
+        </p:spPr>
+        <p:txBody>
+          <a:bodyPr wrap="none" rtlCol="0">
+            <a:spAutoFit/>
+          </a:bodyPr>
+          <a:lstStyle/>
+          <a:p>
+            <a:r>
+              <a:rPr lang="en-GB" dirty="0"/>
+              <a:t>I: String</a:t>
+            </a:r>
+            <a:endParaRPr lang="en-DE" dirty="0"/>
+          </a:p>
+        </p:txBody>
+      </p:sp>
+      <p:sp>
+        <p:nvSpPr>
+          <p:cNvPr id="38" name="TextBox 37">
+            <a:extLst>
+              <a:ext uri="{FF2B5EF4-FFF2-40B4-BE49-F238E27FC236}">
+                <a16:creationId xmlns:a16="http://schemas.microsoft.com/office/drawing/2014/main" id="{B375E468-2C72-47AF-AC65-F3A11767119E}"/>
+              </a:ext>
+            </a:extLst>
+          </p:cNvPr>
+          <p:cNvSpPr txBox="1"/>
+          <p:nvPr/>
+        </p:nvSpPr>
+        <p:spPr>
+          <a:xfrm>
+            <a:off x="2069165" y="1306395"/>
+            <a:ext cx="1456361" cy="369332"/>
+          </a:xfrm>
+          <a:prstGeom prst="rect">
+            <a:avLst/>
+          </a:prstGeom>
+          <a:noFill/>
+        </p:spPr>
+        <p:txBody>
+          <a:bodyPr wrap="none" rtlCol="0">
+            <a:spAutoFit/>
+          </a:bodyPr>
+          <a:lstStyle/>
+          <a:p>
+            <a:r>
+              <a:rPr lang="en-GB" dirty="0" err="1"/>
+              <a:t>myConnPltfIn</a:t>
+            </a:r>
+            <a:endParaRPr lang="en-DE" dirty="0"/>
+          </a:p>
+        </p:txBody>
+      </p:sp>
+      <p:cxnSp>
+        <p:nvCxnSpPr>
+          <p:cNvPr id="46" name="Connector: Elbow 45">
+            <a:extLst>
+              <a:ext uri="{FF2B5EF4-FFF2-40B4-BE49-F238E27FC236}">
+                <a16:creationId xmlns:a16="http://schemas.microsoft.com/office/drawing/2014/main" id="{9EAE76F5-62B5-4273-97DB-32464BAB6600}"/>
+              </a:ext>
+            </a:extLst>
+          </p:cNvPr>
+          <p:cNvCxnSpPr>
+            <a:cxnSpLocks/>
+            <a:stCxn id="17" idx="3"/>
+            <a:endCxn id="29" idx="1"/>
+          </p:cNvCxnSpPr>
+          <p:nvPr/>
+        </p:nvCxnSpPr>
+        <p:spPr>
+          <a:xfrm>
+            <a:off x="5118606" y="5545160"/>
+            <a:ext cx="729775" cy="1604"/>
+          </a:xfrm>
+          <a:prstGeom prst="bentConnector3">
+            <a:avLst/>
+          </a:prstGeom>
+          <a:ln>
+            <a:tailEnd type="triangle"/>
+          </a:ln>
+        </p:spPr>
+        <p:style>
+          <a:lnRef idx="1">
+            <a:schemeClr val="accent1"/>
+          </a:lnRef>
+          <a:fillRef idx="0">
+            <a:schemeClr val="accent1"/>
+          </a:fillRef>
+          <a:effectRef idx="0">
+            <a:schemeClr val="accent1"/>
+          </a:effectRef>
+          <a:fontRef idx="minor">
+            <a:schemeClr val="tx1"/>
+          </a:fontRef>
+        </p:style>
+      </p:cxnSp>
+      <p:sp>
+        <p:nvSpPr>
+          <p:cNvPr id="47" name="TextBox 46">
+            <a:extLst>
+              <a:ext uri="{FF2B5EF4-FFF2-40B4-BE49-F238E27FC236}">
+                <a16:creationId xmlns:a16="http://schemas.microsoft.com/office/drawing/2014/main" id="{F1AC1562-3D1F-4716-B27F-758A2B729308}"/>
+              </a:ext>
+            </a:extLst>
+          </p:cNvPr>
+          <p:cNvSpPr txBox="1"/>
+          <p:nvPr/>
+        </p:nvSpPr>
+        <p:spPr>
+          <a:xfrm>
+            <a:off x="5030908" y="5203931"/>
+            <a:ext cx="635880" cy="369332"/>
+          </a:xfrm>
+          <a:prstGeom prst="rect">
+            <a:avLst/>
+          </a:prstGeom>
+          <a:noFill/>
+        </p:spPr>
+        <p:txBody>
+          <a:bodyPr wrap="none" rtlCol="0">
+            <a:spAutoFit/>
+          </a:bodyPr>
+          <a:lstStyle/>
+          <a:p>
+            <a:r>
+              <a:rPr lang="en-GB" dirty="0"/>
+              <a:t>Rec1</a:t>
+            </a:r>
+            <a:endParaRPr lang="en-DE" dirty="0"/>
+          </a:p>
+        </p:txBody>
+      </p:sp>
+      <p:cxnSp>
+        <p:nvCxnSpPr>
+          <p:cNvPr id="52" name="Connector: Elbow 51">
+            <a:extLst>
+              <a:ext uri="{FF2B5EF4-FFF2-40B4-BE49-F238E27FC236}">
+                <a16:creationId xmlns:a16="http://schemas.microsoft.com/office/drawing/2014/main" id="{0510283D-3AD3-4704-89A2-C37FBF40F154}"/>
+              </a:ext>
+            </a:extLst>
+          </p:cNvPr>
+          <p:cNvCxnSpPr>
+            <a:cxnSpLocks/>
+            <a:stCxn id="31" idx="3"/>
+            <a:endCxn id="32" idx="1"/>
+          </p:cNvCxnSpPr>
+          <p:nvPr/>
+        </p:nvCxnSpPr>
+        <p:spPr>
+          <a:xfrm>
+            <a:off x="10158940" y="5542580"/>
+            <a:ext cx="687408" cy="6110"/>
+          </a:xfrm>
+          <a:prstGeom prst="bentConnector3">
+            <a:avLst/>
+          </a:prstGeom>
+          <a:ln>
+            <a:tailEnd type="triangle"/>
+          </a:ln>
+        </p:spPr>
+        <p:style>
+          <a:lnRef idx="1">
+            <a:schemeClr val="accent1"/>
+          </a:lnRef>
+          <a:fillRef idx="0">
+            <a:schemeClr val="accent1"/>
+          </a:fillRef>
+          <a:effectRef idx="0">
+            <a:schemeClr val="accent1"/>
+          </a:effectRef>
+          <a:fontRef idx="minor">
+            <a:schemeClr val="tx1"/>
+          </a:fontRef>
+        </p:style>
+      </p:cxnSp>
+      <p:sp>
+        <p:nvSpPr>
+          <p:cNvPr id="55" name="TextBox 54">
+            <a:extLst>
+              <a:ext uri="{FF2B5EF4-FFF2-40B4-BE49-F238E27FC236}">
+                <a16:creationId xmlns:a16="http://schemas.microsoft.com/office/drawing/2014/main" id="{4729B742-E0CC-4673-AAA3-2F787B074F8F}"/>
+              </a:ext>
+            </a:extLst>
+          </p:cNvPr>
+          <p:cNvSpPr txBox="1"/>
+          <p:nvPr/>
+        </p:nvSpPr>
+        <p:spPr>
+          <a:xfrm rot="17074610">
+            <a:off x="9786098" y="5288291"/>
+            <a:ext cx="1630051" cy="369332"/>
+          </a:xfrm>
+          <a:prstGeom prst="rect">
+            <a:avLst/>
+          </a:prstGeom>
+          <a:noFill/>
+        </p:spPr>
+        <p:txBody>
+          <a:bodyPr wrap="square" rtlCol="0">
+            <a:spAutoFit/>
+          </a:bodyPr>
+          <a:lstStyle/>
+          <a:p>
+            <a:r>
+              <a:rPr lang="en-GB" dirty="0" err="1"/>
+              <a:t>RtsaTestOutput</a:t>
+            </a:r>
+            <a:endParaRPr lang="en-DE" dirty="0"/>
+          </a:p>
+        </p:txBody>
+      </p:sp>
+      <p:cxnSp>
+        <p:nvCxnSpPr>
+          <p:cNvPr id="56" name="Connector: Elbow 55">
+            <a:extLst>
+              <a:ext uri="{FF2B5EF4-FFF2-40B4-BE49-F238E27FC236}">
+                <a16:creationId xmlns:a16="http://schemas.microsoft.com/office/drawing/2014/main" id="{2EC4FBBF-FB83-48EA-8FD6-11509B00A0CF}"/>
+              </a:ext>
+            </a:extLst>
+          </p:cNvPr>
+          <p:cNvCxnSpPr>
+            <a:cxnSpLocks/>
+            <a:stCxn id="29" idx="3"/>
+            <a:endCxn id="31" idx="1"/>
+          </p:cNvCxnSpPr>
+          <p:nvPr/>
+        </p:nvCxnSpPr>
+        <p:spPr>
+          <a:xfrm flipV="1">
+            <a:off x="8357845" y="5542580"/>
+            <a:ext cx="593905" cy="4184"/>
+          </a:xfrm>
+          <a:prstGeom prst="bentConnector3">
+            <a:avLst>
+              <a:gd name="adj1" fmla="val 50000"/>
+            </a:avLst>
+          </a:prstGeom>
+          <a:ln>
+            <a:tailEnd type="triangle"/>
+          </a:ln>
+        </p:spPr>
+        <p:style>
+          <a:lnRef idx="1">
+            <a:schemeClr val="accent1"/>
+          </a:lnRef>
+          <a:fillRef idx="0">
+            <a:schemeClr val="accent1"/>
+          </a:fillRef>
+          <a:effectRef idx="0">
+            <a:schemeClr val="accent1"/>
+          </a:effectRef>
+          <a:fontRef idx="minor">
+            <a:schemeClr val="tx1"/>
+          </a:fontRef>
+        </p:style>
+      </p:cxnSp>
+      <p:sp>
+        <p:nvSpPr>
+          <p:cNvPr id="53" name="TextBox 52">
+            <a:extLst>
+              <a:ext uri="{FF2B5EF4-FFF2-40B4-BE49-F238E27FC236}">
+                <a16:creationId xmlns:a16="http://schemas.microsoft.com/office/drawing/2014/main" id="{88DEE5F7-1CC5-4C2E-A40E-5138F6DED948}"/>
+              </a:ext>
+            </a:extLst>
+          </p:cNvPr>
+          <p:cNvSpPr txBox="1"/>
+          <p:nvPr/>
+        </p:nvSpPr>
+        <p:spPr>
+          <a:xfrm>
+            <a:off x="6013310" y="6419975"/>
+            <a:ext cx="1075936" cy="369332"/>
+          </a:xfrm>
+          <a:prstGeom prst="rect">
+            <a:avLst/>
+          </a:prstGeom>
+          <a:noFill/>
+          <a:ln>
+            <a:solidFill>
+              <a:schemeClr val="accent6"/>
+            </a:solidFill>
+          </a:ln>
+        </p:spPr>
+        <p:txBody>
+          <a:bodyPr wrap="none" rtlCol="0">
+            <a:spAutoFit/>
+          </a:bodyPr>
+          <a:lstStyle/>
+          <a:p>
+            <a:r>
+              <a:rPr lang="en-GB" dirty="0" err="1"/>
+              <a:t>MyKiImpl</a:t>
+            </a:r>
+            <a:endParaRPr lang="en-DE" dirty="0"/>
+          </a:p>
+        </p:txBody>
+      </p:sp>
+      <p:sp>
+        <p:nvSpPr>
+          <p:cNvPr id="54" name="TextBox 53">
+            <a:extLst>
+              <a:ext uri="{FF2B5EF4-FFF2-40B4-BE49-F238E27FC236}">
+                <a16:creationId xmlns:a16="http://schemas.microsoft.com/office/drawing/2014/main" id="{12C25C06-42A5-43A5-B438-C5FBB4AA1C29}"/>
+              </a:ext>
+            </a:extLst>
+          </p:cNvPr>
+          <p:cNvSpPr txBox="1"/>
+          <p:nvPr/>
+        </p:nvSpPr>
+        <p:spPr>
+          <a:xfrm>
+            <a:off x="7211099" y="6419975"/>
+            <a:ext cx="1140056" cy="369332"/>
+          </a:xfrm>
+          <a:prstGeom prst="rect">
+            <a:avLst/>
+          </a:prstGeom>
+          <a:noFill/>
+          <a:ln>
+            <a:solidFill>
+              <a:schemeClr val="accent6"/>
+            </a:solidFill>
+          </a:ln>
+        </p:spPr>
+        <p:txBody>
+          <a:bodyPr wrap="none" rtlCol="0">
+            <a:spAutoFit/>
+          </a:bodyPr>
+          <a:lstStyle/>
+          <a:p>
+            <a:r>
+              <a:rPr lang="en-GB" dirty="0"/>
+              <a:t>MyK2Impl</a:t>
+            </a:r>
+            <a:endParaRPr lang="en-DE" dirty="0"/>
+          </a:p>
+        </p:txBody>
+      </p:sp>
+      <p:sp>
+        <p:nvSpPr>
+          <p:cNvPr id="57" name="TextBox 56">
+            <a:extLst>
+              <a:ext uri="{FF2B5EF4-FFF2-40B4-BE49-F238E27FC236}">
+                <a16:creationId xmlns:a16="http://schemas.microsoft.com/office/drawing/2014/main" id="{EC3DB9BD-840C-455C-A4DA-E91495047014}"/>
+              </a:ext>
+            </a:extLst>
+          </p:cNvPr>
+          <p:cNvSpPr txBox="1"/>
+          <p:nvPr/>
+        </p:nvSpPr>
+        <p:spPr>
+          <a:xfrm>
+            <a:off x="8886728" y="6420854"/>
+            <a:ext cx="1312924" cy="369332"/>
+          </a:xfrm>
+          <a:prstGeom prst="rect">
+            <a:avLst/>
+          </a:prstGeom>
+          <a:solidFill>
+            <a:schemeClr val="bg1">
+              <a:lumMod val="75000"/>
+            </a:schemeClr>
+          </a:solidFill>
+          <a:ln>
+            <a:solidFill>
+              <a:schemeClr val="accent6"/>
+            </a:solidFill>
+          </a:ln>
+        </p:spPr>
+        <p:txBody>
+          <a:bodyPr wrap="none" rtlCol="0">
+            <a:spAutoFit/>
+          </a:bodyPr>
+          <a:lstStyle/>
+          <a:p>
+            <a:r>
+              <a:rPr lang="en-GB" dirty="0"/>
+              <a:t>RTSA + Glue</a:t>
+            </a:r>
+            <a:endParaRPr lang="en-DE" dirty="0"/>
+          </a:p>
+        </p:txBody>
+      </p:sp>
+      <p:cxnSp>
+        <p:nvCxnSpPr>
+          <p:cNvPr id="58" name="Straight Arrow Connector 57">
+            <a:extLst>
+              <a:ext uri="{FF2B5EF4-FFF2-40B4-BE49-F238E27FC236}">
+                <a16:creationId xmlns:a16="http://schemas.microsoft.com/office/drawing/2014/main" id="{CA4B7D44-C33A-4725-9DE3-A54670C0E39E}"/>
+              </a:ext>
+            </a:extLst>
+          </p:cNvPr>
+          <p:cNvCxnSpPr>
+            <a:cxnSpLocks/>
+            <a:stCxn id="31" idx="2"/>
+            <a:endCxn id="57" idx="0"/>
+          </p:cNvCxnSpPr>
+          <p:nvPr/>
+        </p:nvCxnSpPr>
+        <p:spPr>
+          <a:xfrm flipH="1">
+            <a:off x="9543190" y="5865745"/>
+            <a:ext cx="12155" cy="555109"/>
+          </a:xfrm>
+          <a:prstGeom prst="straightConnector1">
+            <a:avLst/>
+          </a:prstGeom>
+          <a:ln>
+            <a:prstDash val="dash"/>
+            <a:tailEnd type="triangle"/>
+          </a:ln>
+        </p:spPr>
+        <p:style>
+          <a:lnRef idx="1">
+            <a:schemeClr val="accent1"/>
+          </a:lnRef>
+          <a:fillRef idx="0">
+            <a:schemeClr val="accent1"/>
+          </a:fillRef>
+          <a:effectRef idx="0">
+            <a:schemeClr val="accent1"/>
+          </a:effectRef>
+          <a:fontRef idx="minor">
+            <a:schemeClr val="tx1"/>
+          </a:fontRef>
+        </p:style>
+      </p:cxnSp>
+      <p:sp>
+        <p:nvSpPr>
+          <p:cNvPr id="59" name="TextBox 58">
+            <a:extLst>
+              <a:ext uri="{FF2B5EF4-FFF2-40B4-BE49-F238E27FC236}">
+                <a16:creationId xmlns:a16="http://schemas.microsoft.com/office/drawing/2014/main" id="{F1AC8F9E-BDAE-408B-A8A9-4E3D5B4666AC}"/>
+              </a:ext>
+            </a:extLst>
+          </p:cNvPr>
+          <p:cNvSpPr txBox="1"/>
+          <p:nvPr/>
+        </p:nvSpPr>
+        <p:spPr>
+          <a:xfrm>
+            <a:off x="10846348" y="6407414"/>
+            <a:ext cx="1170705" cy="369332"/>
+          </a:xfrm>
+          <a:prstGeom prst="rect">
+            <a:avLst/>
+          </a:prstGeom>
+          <a:solidFill>
+            <a:schemeClr val="bg1">
+              <a:lumMod val="75000"/>
+            </a:schemeClr>
+          </a:solidFill>
+          <a:ln>
+            <a:solidFill>
+              <a:schemeClr val="accent6"/>
+            </a:solidFill>
+          </a:ln>
+        </p:spPr>
+        <p:txBody>
+          <a:bodyPr wrap="none" rtlCol="0">
+            <a:spAutoFit/>
+          </a:bodyPr>
+          <a:lstStyle/>
+          <a:p>
+            <a:r>
+              <a:rPr lang="en-GB" dirty="0"/>
+              <a:t>Trace2AAS</a:t>
+            </a:r>
+            <a:endParaRPr lang="en-DE" dirty="0"/>
+          </a:p>
+        </p:txBody>
+      </p:sp>
+      <p:cxnSp>
+        <p:nvCxnSpPr>
+          <p:cNvPr id="60" name="Straight Arrow Connector 59">
+            <a:extLst>
+              <a:ext uri="{FF2B5EF4-FFF2-40B4-BE49-F238E27FC236}">
+                <a16:creationId xmlns:a16="http://schemas.microsoft.com/office/drawing/2014/main" id="{6F6EF061-4B46-498C-8323-EAE8BBEAA311}"/>
+              </a:ext>
+            </a:extLst>
+          </p:cNvPr>
+          <p:cNvCxnSpPr>
+            <a:cxnSpLocks/>
+            <a:stCxn id="32" idx="2"/>
+            <a:endCxn id="59" idx="0"/>
+          </p:cNvCxnSpPr>
+          <p:nvPr/>
+        </p:nvCxnSpPr>
+        <p:spPr>
+          <a:xfrm flipH="1">
+            <a:off x="11431701" y="5871855"/>
+            <a:ext cx="34368" cy="535559"/>
+          </a:xfrm>
+          <a:prstGeom prst="straightConnector1">
+            <a:avLst/>
+          </a:prstGeom>
+          <a:ln>
+            <a:prstDash val="dash"/>
+            <a:tailEnd type="triangle"/>
+          </a:ln>
+        </p:spPr>
+        <p:style>
+          <a:lnRef idx="1">
+            <a:schemeClr val="accent1"/>
+          </a:lnRef>
+          <a:fillRef idx="0">
+            <a:schemeClr val="accent1"/>
+          </a:fillRef>
+          <a:effectRef idx="0">
+            <a:schemeClr val="accent1"/>
+          </a:effectRef>
+          <a:fontRef idx="minor">
+            <a:schemeClr val="tx1"/>
+          </a:fontRef>
+        </p:style>
+      </p:cxnSp>
+      <p:cxnSp>
+        <p:nvCxnSpPr>
+          <p:cNvPr id="61" name="Straight Arrow Connector 60">
+            <a:extLst>
+              <a:ext uri="{FF2B5EF4-FFF2-40B4-BE49-F238E27FC236}">
+                <a16:creationId xmlns:a16="http://schemas.microsoft.com/office/drawing/2014/main" id="{C381600F-E54A-4EA7-ACD1-C83A6B649870}"/>
+              </a:ext>
+            </a:extLst>
+          </p:cNvPr>
+          <p:cNvCxnSpPr>
+            <a:cxnSpLocks/>
+            <a:stCxn id="30" idx="2"/>
+            <a:endCxn id="54" idx="0"/>
+          </p:cNvCxnSpPr>
+          <p:nvPr/>
+        </p:nvCxnSpPr>
+        <p:spPr>
+          <a:xfrm>
+            <a:off x="7775019" y="6199911"/>
+            <a:ext cx="6108" cy="220064"/>
+          </a:xfrm>
+          <a:prstGeom prst="straightConnector1">
+            <a:avLst/>
+          </a:prstGeom>
+          <a:ln>
+            <a:solidFill>
+              <a:srgbClr val="C00000"/>
+            </a:solidFill>
+            <a:prstDash val="dash"/>
+            <a:tailEnd type="triangle"/>
+          </a:ln>
+        </p:spPr>
+        <p:style>
+          <a:lnRef idx="1">
+            <a:schemeClr val="accent1"/>
+          </a:lnRef>
+          <a:fillRef idx="0">
+            <a:schemeClr val="accent1"/>
+          </a:fillRef>
+          <a:effectRef idx="0">
+            <a:schemeClr val="accent1"/>
+          </a:effectRef>
+          <a:fontRef idx="minor">
+            <a:schemeClr val="tx1"/>
+          </a:fontRef>
+        </p:style>
+      </p:cxnSp>
+      <p:cxnSp>
+        <p:nvCxnSpPr>
+          <p:cNvPr id="62" name="Straight Arrow Connector 61">
+            <a:extLst>
+              <a:ext uri="{FF2B5EF4-FFF2-40B4-BE49-F238E27FC236}">
+                <a16:creationId xmlns:a16="http://schemas.microsoft.com/office/drawing/2014/main" id="{F4A20BD5-3AAF-45BC-9095-8D0D364A46EE}"/>
+              </a:ext>
+            </a:extLst>
+          </p:cNvPr>
+          <p:cNvCxnSpPr>
+            <a:cxnSpLocks/>
+            <a:stCxn id="24" idx="2"/>
+            <a:endCxn id="53" idx="0"/>
+          </p:cNvCxnSpPr>
+          <p:nvPr/>
+        </p:nvCxnSpPr>
+        <p:spPr>
+          <a:xfrm flipH="1">
+            <a:off x="6551278" y="6188910"/>
+            <a:ext cx="3544" cy="231065"/>
+          </a:xfrm>
+          <a:prstGeom prst="straightConnector1">
+            <a:avLst/>
+          </a:prstGeom>
+          <a:ln>
+            <a:solidFill>
+              <a:srgbClr val="C00000"/>
+            </a:solidFill>
+            <a:prstDash val="dash"/>
+            <a:tailEnd type="triangle"/>
+          </a:ln>
+        </p:spPr>
+        <p:style>
+          <a:lnRef idx="1">
+            <a:schemeClr val="accent1"/>
+          </a:lnRef>
+          <a:fillRef idx="0">
+            <a:schemeClr val="accent1"/>
+          </a:fillRef>
+          <a:effectRef idx="0">
+            <a:schemeClr val="accent1"/>
+          </a:effectRef>
+          <a:fontRef idx="minor">
+            <a:schemeClr val="tx1"/>
+          </a:fontRef>
+        </p:style>
+      </p:cxnSp>
+    </p:spTree>
+    <p:extLst>
+      <p:ext uri="{BB962C8B-B14F-4D97-AF65-F5344CB8AC3E}">
+        <p14:creationId xmlns:p14="http://schemas.microsoft.com/office/powerpoint/2010/main" val="3412928600"/>
+      </p:ext>
+    </p:extLst>
+  </p:cSld>
+  <p:clrMapOvr>
+    <a:masterClrMapping/>
+  </p:clrMapOvr>
+</p:sld>
+</file>
+
+<file path=ppt/slides/slide17.xml><?xml version="1.0" encoding="utf-8"?>
+<p:sld xmlns:a="http://schemas.openxmlformats.org/drawingml/2006/main" xmlns:r="http://schemas.openxmlformats.org/officeDocument/2006/relationships" xmlns:p="http://schemas.openxmlformats.org/presentationml/2006/main">
+  <p:cSld>
+    <p:spTree>
+      <p:nvGrpSpPr>
+        <p:cNvPr id="1" name=""/>
+        <p:cNvGrpSpPr/>
+        <p:nvPr/>
+      </p:nvGrpSpPr>
+      <p:grpSpPr>
+        <a:xfrm>
+          <a:off x="0" y="0"/>
+          <a:ext cx="0" cy="0"/>
+          <a:chOff x="0" y="0"/>
+          <a:chExt cx="0" cy="0"/>
+        </a:xfrm>
+      </p:grpSpPr>
+      <p:sp>
+        <p:nvSpPr>
+          <p:cNvPr id="2" name="Title 1">
+            <a:extLst>
+              <a:ext uri="{FF2B5EF4-FFF2-40B4-BE49-F238E27FC236}">
+                <a16:creationId xmlns:a16="http://schemas.microsoft.com/office/drawing/2014/main" id="{FB4709F1-15D4-4965-B03E-224CE62743F6}"/>
+              </a:ext>
+            </a:extLst>
+          </p:cNvPr>
+          <p:cNvSpPr>
+            <a:spLocks noGrp="1"/>
+          </p:cNvSpPr>
+          <p:nvPr>
+            <p:ph type="title"/>
+          </p:nvPr>
+        </p:nvSpPr>
+        <p:spPr/>
+        <p:txBody>
+          <a:bodyPr/>
+          <a:lstStyle/>
+          <a:p>
+            <a:r>
               <a:rPr lang="de-DE" dirty="0"/>
               <a:t>SerializerConfig1-old</a:t>
             </a:r>
@@ -6882,7 +9978,7 @@
 </p:sld>
 </file>
 
-<file path=ppt/slides/slide14.xml><?xml version="1.0" encoding="utf-8"?>
+<file path=ppt/slides/slide18.xml><?xml version="1.0" encoding="utf-8"?>
 <p:sld xmlns:a="http://schemas.openxmlformats.org/drawingml/2006/main" xmlns:r="http://schemas.openxmlformats.org/officeDocument/2006/relationships" xmlns:p="http://schemas.openxmlformats.org/presentationml/2006/main">
   <p:cSld>
     <p:spTree>
@@ -8775,7 +11871,7 @@
             <a:avLst/>
           </a:prstGeom>
           <a:solidFill>
-            <a:schemeClr val="accent2">
+            <a:schemeClr val="accent1">
               <a:lumMod val="20000"/>
               <a:lumOff val="80000"/>
             </a:schemeClr>
@@ -10508,8 +13604,8 @@
           <a:lstStyle/>
           <a:p>
             <a:r>
-              <a:rPr lang="de-DE" dirty="0"/>
-              <a:t>SimpleMesh3</a:t>
+              <a:rPr lang="de-DE" dirty="0" err="1"/>
+              <a:t>SimpleMeshContainer</a:t>
             </a:r>
             <a:endParaRPr lang="en-DE" dirty="0"/>
           </a:p>
@@ -10538,18 +13634,27 @@
           <a:p>
             <a:r>
               <a:rPr lang="de-DE" dirty="0"/>
-              <a:t>Purpose: </a:t>
-            </a:r>
-          </a:p>
-          <a:p>
-            <a:pPr lvl="1"/>
+              <a:t>Like </a:t>
+            </a:r>
+            <a:r>
+              <a:rPr lang="de-DE" dirty="0" err="1"/>
+              <a:t>SimpleMesh</a:t>
+            </a:r>
             <a:r>
               <a:rPr lang="de-DE" dirty="0"/>
-              <a:t>Simple </a:t>
+              <a:t>, but </a:t>
             </a:r>
             <a:r>
               <a:rPr lang="de-DE" dirty="0" err="1"/>
-              <a:t>data</a:t>
+              <a:t>with</a:t>
+            </a:r>
+            <a:r>
+              <a:rPr lang="de-DE" dirty="0"/>
+              <a:t> Container </a:t>
+            </a:r>
+            <a:r>
+              <a:rPr lang="de-DE" dirty="0" err="1"/>
+              <a:t>creation</a:t>
             </a:r>
             <a:r>
               <a:rPr lang="de-DE" dirty="0"/>
@@ -10557,121 +13662,16 @@
             </a:r>
             <a:r>
               <a:rPr lang="de-DE" dirty="0" err="1"/>
-              <a:t>flow</a:t>
-            </a:r>
-            <a:r>
-              <a:rPr lang="de-DE" dirty="0"/>
-              <a:t> </a:t>
-            </a:r>
-            <a:r>
-              <a:rPr lang="de-DE" dirty="0" err="1"/>
-              <a:t>among</a:t>
-            </a:r>
-            <a:r>
-              <a:rPr lang="de-DE" dirty="0"/>
-              <a:t> </a:t>
-            </a:r>
-            <a:r>
-              <a:rPr lang="de-DE" dirty="0" err="1"/>
-              <a:t>three</a:t>
-            </a:r>
-            <a:r>
-              <a:rPr lang="de-DE" dirty="0"/>
-              <a:t> </a:t>
-            </a:r>
-            <a:r>
-              <a:rPr lang="de-DE" dirty="0" err="1"/>
-              <a:t>services</a:t>
-            </a:r>
-            <a:r>
-              <a:rPr lang="de-DE" dirty="0"/>
-              <a:t> (source, </a:t>
-            </a:r>
-            <a:r>
-              <a:rPr lang="de-DE" dirty="0" err="1"/>
-              <a:t>transformer</a:t>
-            </a:r>
-            <a:r>
-              <a:rPr lang="de-DE" dirty="0"/>
-              <a:t>, sink)</a:t>
-            </a:r>
-          </a:p>
-          <a:p>
-            <a:pPr lvl="1"/>
-            <a:r>
-              <a:rPr lang="de-DE" dirty="0" err="1"/>
-              <a:t>Mostly</a:t>
-            </a:r>
-            <a:r>
-              <a:rPr lang="de-DE" dirty="0"/>
-              <a:t> </a:t>
-            </a:r>
-            <a:r>
-              <a:rPr lang="de-DE" dirty="0" err="1"/>
-              <a:t>synchronous</a:t>
-            </a:r>
-            <a:r>
-              <a:rPr lang="de-DE" dirty="0"/>
-              <a:t> </a:t>
-            </a:r>
-            <a:r>
-              <a:rPr lang="de-DE" dirty="0" err="1"/>
-              <a:t>communication</a:t>
+              <a:t>enabled</a:t>
             </a:r>
             <a:endParaRPr lang="de-DE" dirty="0"/>
-          </a:p>
-          <a:p>
-            <a:r>
-              <a:rPr lang="de-DE" dirty="0" err="1"/>
-              <a:t>Used</a:t>
-            </a:r>
-            <a:r>
-              <a:rPr lang="de-DE" dirty="0"/>
-              <a:t> </a:t>
-            </a:r>
-            <a:r>
-              <a:rPr lang="de-DE" dirty="0" err="1"/>
-              <a:t>as</a:t>
-            </a:r>
-            <a:r>
-              <a:rPr lang="de-DE" dirty="0"/>
-              <a:t> </a:t>
-            </a:r>
-            <a:r>
-              <a:rPr lang="de-DE" dirty="0" err="1"/>
-              <a:t>regression</a:t>
-            </a:r>
-            <a:r>
-              <a:rPr lang="de-DE" dirty="0"/>
-              <a:t> </a:t>
-            </a:r>
-            <a:r>
-              <a:rPr lang="de-DE" dirty="0" err="1"/>
-              <a:t>test</a:t>
-            </a:r>
-            <a:r>
-              <a:rPr lang="de-DE" dirty="0"/>
-              <a:t> in </a:t>
-            </a:r>
-            <a:r>
-              <a:rPr lang="de-DE" dirty="0" err="1">
-                <a:latin typeface="Consolas" panose="020B0609020204030204" pitchFamily="49" charset="0"/>
-              </a:rPr>
-              <a:t>examples</a:t>
-            </a:r>
-            <a:endParaRPr lang="en-DE" dirty="0">
-              <a:latin typeface="Consolas" panose="020B0609020204030204" pitchFamily="49" charset="0"/>
-            </a:endParaRPr>
-          </a:p>
-          <a:p>
-            <a:endParaRPr lang="en-DE" dirty="0"/>
           </a:p>
         </p:txBody>
       </p:sp>
     </p:spTree>
     <p:extLst>
       <p:ext uri="{BB962C8B-B14F-4D97-AF65-F5344CB8AC3E}">
-        <p14:creationId xmlns:p14="http://schemas.microsoft.com/office/powerpoint/2010/main" val="3320729650"/>
+        <p14:creationId xmlns:p14="http://schemas.microsoft.com/office/powerpoint/2010/main" val="1257093883"/>
       </p:ext>
     </p:extLst>
   </p:cSld>
@@ -10720,12 +13720,8 @@
           <a:lstStyle/>
           <a:p>
             <a:r>
-              <a:rPr lang="en-GB" dirty="0"/>
-              <a:t>SimpleMesh3 </a:t>
-            </a:r>
-            <a:r>
-              <a:rPr lang="en-GB" sz="3000" dirty="0"/>
-              <a:t>(simple flow with transformer, partially sync)</a:t>
+              <a:rPr lang="en-GB" dirty="0" err="1"/>
+              <a:t>SimpleMeshContainer</a:t>
             </a:r>
             <a:endParaRPr lang="en-DE" sz="3000" dirty="0"/>
           </a:p>
@@ -10745,8 +13741,8 @@
         </p:nvSpPr>
         <p:spPr>
           <a:xfrm>
-            <a:off x="2777429" y="2880115"/>
-            <a:ext cx="1595245" cy="646331"/>
+            <a:off x="3774959" y="2880115"/>
+            <a:ext cx="1478225" cy="646331"/>
           </a:xfrm>
           <a:prstGeom prst="rect">
             <a:avLst/>
@@ -10765,14 +13761,15 @@
           <a:lstStyle/>
           <a:p>
             <a:r>
-              <a:rPr lang="en-GB" b="1" dirty="0"/>
-              <a:t>SimpleSource3</a:t>
-            </a:r>
+              <a:rPr lang="en-GB" b="1" dirty="0" err="1"/>
+              <a:t>SimpleSource</a:t>
+            </a:r>
+            <a:endParaRPr lang="en-GB" b="1" dirty="0"/>
           </a:p>
           <a:p>
             <a:r>
               <a:rPr lang="en-GB" dirty="0"/>
-              <a:t>Java, sync</a:t>
+              <a:t>Java, async</a:t>
             </a:r>
             <a:endParaRPr lang="en-DE" dirty="0"/>
           </a:p>
@@ -10792,8 +13789,8 @@
         </p:nvSpPr>
         <p:spPr>
           <a:xfrm>
-            <a:off x="8745560" y="2884912"/>
-            <a:ext cx="1762919" cy="646331"/>
+            <a:off x="7616415" y="2883896"/>
+            <a:ext cx="1645900" cy="646331"/>
           </a:xfrm>
           <a:prstGeom prst="rect">
             <a:avLst/>
@@ -10812,9 +13809,10 @@
           <a:lstStyle/>
           <a:p>
             <a:r>
-              <a:rPr lang="en-GB" b="1" dirty="0"/>
-              <a:t>SimpleReceiver3</a:t>
-            </a:r>
+              <a:rPr lang="en-GB" b="1" dirty="0" err="1"/>
+              <a:t>SimpleReceiver</a:t>
+            </a:r>
+            <a:endParaRPr lang="en-GB" b="1" dirty="0"/>
           </a:p>
           <a:p>
             <a:r>
@@ -10835,16 +13833,15 @@
             </a:extLst>
           </p:cNvPr>
           <p:cNvCxnSpPr>
-            <a:cxnSpLocks/>
             <a:stCxn id="4" idx="3"/>
-            <a:endCxn id="13" idx="1"/>
+            <a:endCxn id="5" idx="1"/>
           </p:cNvCxnSpPr>
           <p:nvPr/>
         </p:nvCxnSpPr>
         <p:spPr>
-          <a:xfrm flipV="1">
-            <a:off x="4372674" y="3198391"/>
-            <a:ext cx="1224747" cy="4890"/>
+          <a:xfrm>
+            <a:off x="5253184" y="3203281"/>
+            <a:ext cx="2363231" cy="3781"/>
           </a:xfrm>
           <a:prstGeom prst="bentConnector3">
             <a:avLst/>
@@ -10882,8 +13879,8 @@
         </p:nvSpPr>
         <p:spPr>
           <a:xfrm>
-            <a:off x="4574852" y="2817651"/>
-            <a:ext cx="752898" cy="369332"/>
+            <a:off x="6116859" y="2837728"/>
+            <a:ext cx="635880" cy="369332"/>
           </a:xfrm>
           <a:prstGeom prst="rect">
             <a:avLst/>
@@ -10898,7 +13895,7 @@
           <a:p>
             <a:r>
               <a:rPr lang="en-GB" dirty="0"/>
-              <a:t>Rec13</a:t>
+              <a:t>Rec1</a:t>
             </a:r>
             <a:endParaRPr lang="en-DE" dirty="0"/>
           </a:p>
@@ -10918,7 +13915,7 @@
         </p:nvSpPr>
         <p:spPr>
           <a:xfrm>
-            <a:off x="1737839" y="4742390"/>
+            <a:off x="2708970" y="4715873"/>
             <a:ext cx="3632085" cy="646331"/>
           </a:xfrm>
           <a:prstGeom prst="rect">
@@ -10949,8 +13946,8 @@
               <a:rPr lang="en-GB" dirty="0"/>
             </a:br>
             <a:r>
-              <a:rPr lang="en-GB" dirty="0"/>
-              <a:t>serviceImpl.SimpleSource3Impl</a:t>
+              <a:rPr lang="en-GB" dirty="0" err="1"/>
+              <a:t>serviceImpl.SimpleSourceImpl</a:t>
             </a:r>
             <a:endParaRPr lang="en-DE" dirty="0"/>
           </a:p>
@@ -10970,7 +13967,7 @@
         </p:nvSpPr>
         <p:spPr>
           <a:xfrm>
-            <a:off x="7810977" y="4678628"/>
+            <a:off x="6646106" y="4723435"/>
             <a:ext cx="3632085" cy="646331"/>
           </a:xfrm>
           <a:prstGeom prst="rect">
@@ -11001,8 +13998,8 @@
               <a:rPr lang="en-GB" dirty="0"/>
             </a:br>
             <a:r>
-              <a:rPr lang="en-GB" dirty="0"/>
-              <a:t>serviceImpl.SimpleReceiver3Impl</a:t>
+              <a:rPr lang="en-GB" dirty="0" err="1"/>
+              <a:t>serviceImpl.SimpleReceiverImpl</a:t>
             </a:r>
             <a:endParaRPr lang="en-DE" dirty="0"/>
           </a:p>
@@ -11022,7 +14019,7 @@
         </p:nvSpPr>
         <p:spPr>
           <a:xfrm>
-            <a:off x="30352" y="4047687"/>
+            <a:off x="126589" y="4008568"/>
             <a:ext cx="2678618" cy="954107"/>
           </a:xfrm>
           <a:prstGeom prst="rect">
@@ -11092,9 +14089,9 @@
           <p:nvPr/>
         </p:nvCxnSpPr>
         <p:spPr>
-          <a:xfrm flipH="1">
-            <a:off x="3553882" y="3526446"/>
-            <a:ext cx="21170" cy="1215944"/>
+          <a:xfrm>
+            <a:off x="4514072" y="3526446"/>
+            <a:ext cx="10941" cy="1189427"/>
           </a:xfrm>
           <a:prstGeom prst="straightConnector1">
             <a:avLst/>
@@ -11137,232 +14134,8 @@
         </p:nvCxnSpPr>
         <p:spPr>
           <a:xfrm>
-            <a:off x="9627020" y="3531243"/>
-            <a:ext cx="0" cy="1147385"/>
-          </a:xfrm>
-          <a:prstGeom prst="straightConnector1">
-            <a:avLst/>
-          </a:prstGeom>
-          <a:ln>
-            <a:prstDash val="dash"/>
-            <a:tailEnd type="triangle"/>
-          </a:ln>
-        </p:spPr>
-        <p:style>
-          <a:lnRef idx="1">
-            <a:schemeClr val="accent1"/>
-          </a:lnRef>
-          <a:fillRef idx="0">
-            <a:schemeClr val="accent1"/>
-          </a:fillRef>
-          <a:effectRef idx="0">
-            <a:schemeClr val="accent1"/>
-          </a:effectRef>
-          <a:fontRef idx="minor">
-            <a:schemeClr val="tx1"/>
-          </a:fontRef>
-        </p:style>
-      </p:cxnSp>
-      <p:sp>
-        <p:nvSpPr>
-          <p:cNvPr id="13" name="TextBox 12">
-            <a:extLst>
-              <a:ext uri="{FF2B5EF4-FFF2-40B4-BE49-F238E27FC236}">
-                <a16:creationId xmlns:a16="http://schemas.microsoft.com/office/drawing/2014/main" id="{A49ECE43-5FC7-4B85-84C8-35343D03BEB0}"/>
-              </a:ext>
-            </a:extLst>
-          </p:cNvPr>
-          <p:cNvSpPr txBox="1"/>
-          <p:nvPr/>
-        </p:nvSpPr>
-        <p:spPr>
-          <a:xfrm>
-            <a:off x="5597421" y="2875225"/>
-            <a:ext cx="2114810" cy="646331"/>
-          </a:xfrm>
-          <a:prstGeom prst="rect">
-            <a:avLst/>
-          </a:prstGeom>
-          <a:noFill/>
-          <a:ln>
-            <a:solidFill>
-              <a:schemeClr val="accent1"/>
-            </a:solidFill>
-          </a:ln>
-        </p:spPr>
-        <p:txBody>
-          <a:bodyPr wrap="none" rtlCol="0">
-            <a:spAutoFit/>
-          </a:bodyPr>
-          <a:lstStyle/>
-          <a:p>
-            <a:r>
-              <a:rPr lang="en-GB" b="1" dirty="0"/>
-              <a:t>SimpleTransformer3</a:t>
-            </a:r>
-          </a:p>
-          <a:p>
-            <a:r>
-              <a:rPr lang="en-GB" dirty="0"/>
-              <a:t>Java, sync</a:t>
-            </a:r>
-            <a:endParaRPr lang="en-DE" dirty="0"/>
-          </a:p>
-        </p:txBody>
-      </p:sp>
-      <p:cxnSp>
-        <p:nvCxnSpPr>
-          <p:cNvPr id="16" name="Connector: Elbow 15">
-            <a:extLst>
-              <a:ext uri="{FF2B5EF4-FFF2-40B4-BE49-F238E27FC236}">
-                <a16:creationId xmlns:a16="http://schemas.microsoft.com/office/drawing/2014/main" id="{DA8C02F5-BE7B-4625-89D9-048FC674B9AF}"/>
-              </a:ext>
-            </a:extLst>
-          </p:cNvPr>
-          <p:cNvCxnSpPr>
-            <a:cxnSpLocks/>
-            <a:stCxn id="13" idx="3"/>
-            <a:endCxn id="5" idx="1"/>
-          </p:cNvCxnSpPr>
-          <p:nvPr/>
-        </p:nvCxnSpPr>
-        <p:spPr>
-          <a:xfrm>
-            <a:off x="7712231" y="3198391"/>
-            <a:ext cx="1033329" cy="9687"/>
-          </a:xfrm>
-          <a:prstGeom prst="bentConnector3">
-            <a:avLst>
-              <a:gd name="adj1" fmla="val 50000"/>
-            </a:avLst>
-          </a:prstGeom>
-          <a:ln>
-            <a:tailEnd type="triangle"/>
-          </a:ln>
-        </p:spPr>
-        <p:style>
-          <a:lnRef idx="1">
-            <a:schemeClr val="accent1"/>
-          </a:lnRef>
-          <a:fillRef idx="0">
-            <a:schemeClr val="accent1"/>
-          </a:fillRef>
-          <a:effectRef idx="0">
-            <a:schemeClr val="accent1"/>
-          </a:effectRef>
-          <a:fontRef idx="minor">
-            <a:schemeClr val="tx1"/>
-          </a:fontRef>
-        </p:style>
-      </p:cxnSp>
-      <p:sp>
-        <p:nvSpPr>
-          <p:cNvPr id="25" name="TextBox 24">
-            <a:extLst>
-              <a:ext uri="{FF2B5EF4-FFF2-40B4-BE49-F238E27FC236}">
-                <a16:creationId xmlns:a16="http://schemas.microsoft.com/office/drawing/2014/main" id="{A420BDCB-D520-47F0-A9CC-9802364753C2}"/>
-              </a:ext>
-            </a:extLst>
-          </p:cNvPr>
-          <p:cNvSpPr txBox="1"/>
-          <p:nvPr/>
-        </p:nvSpPr>
-        <p:spPr>
-          <a:xfrm>
-            <a:off x="7844042" y="2817651"/>
-            <a:ext cx="752898" cy="369332"/>
-          </a:xfrm>
-          <a:prstGeom prst="rect">
-            <a:avLst/>
-          </a:prstGeom>
-          <a:noFill/>
-        </p:spPr>
-        <p:txBody>
-          <a:bodyPr wrap="none" rtlCol="0">
-            <a:spAutoFit/>
-          </a:bodyPr>
-          <a:lstStyle/>
-          <a:p>
-            <a:r>
-              <a:rPr lang="en-GB" dirty="0"/>
-              <a:t>Rec13</a:t>
-            </a:r>
-            <a:endParaRPr lang="en-DE" dirty="0"/>
-          </a:p>
-        </p:txBody>
-      </p:sp>
-      <p:sp>
-        <p:nvSpPr>
-          <p:cNvPr id="26" name="TextBox 25">
-            <a:extLst>
-              <a:ext uri="{FF2B5EF4-FFF2-40B4-BE49-F238E27FC236}">
-                <a16:creationId xmlns:a16="http://schemas.microsoft.com/office/drawing/2014/main" id="{F1F32AC7-7D79-473E-A81B-2605199922E6}"/>
-              </a:ext>
-            </a:extLst>
-          </p:cNvPr>
-          <p:cNvSpPr txBox="1"/>
-          <p:nvPr/>
-        </p:nvSpPr>
-        <p:spPr>
-          <a:xfrm>
-            <a:off x="4843659" y="5582135"/>
-            <a:ext cx="3632085" cy="646331"/>
-          </a:xfrm>
-          <a:prstGeom prst="rect">
-            <a:avLst/>
-          </a:prstGeom>
-          <a:noFill/>
-          <a:ln>
-            <a:solidFill>
-              <a:schemeClr val="accent6"/>
-            </a:solidFill>
-          </a:ln>
-        </p:spPr>
-        <p:txBody>
-          <a:bodyPr wrap="none" rtlCol="0">
-            <a:spAutoFit/>
-          </a:bodyPr>
-          <a:lstStyle/>
-          <a:p>
-            <a:r>
-              <a:rPr lang="en-GB" dirty="0" err="1"/>
-              <a:t>de.iip_ecosphere.platform.test.apps</a:t>
-            </a:r>
-            <a:r>
-              <a:rPr lang="en-GB" dirty="0"/>
-              <a:t>.</a:t>
-            </a:r>
-            <a:br>
-              <a:rPr lang="en-GB" dirty="0"/>
-            </a:br>
-            <a:r>
-              <a:rPr lang="en-GB" dirty="0"/>
-              <a:t>serviceImpl.SimpleTransformer3Impl</a:t>
-            </a:r>
-            <a:endParaRPr lang="en-DE" dirty="0"/>
-          </a:p>
-        </p:txBody>
-      </p:sp>
-      <p:cxnSp>
-        <p:nvCxnSpPr>
-          <p:cNvPr id="27" name="Straight Arrow Connector 26">
-            <a:extLst>
-              <a:ext uri="{FF2B5EF4-FFF2-40B4-BE49-F238E27FC236}">
-                <a16:creationId xmlns:a16="http://schemas.microsoft.com/office/drawing/2014/main" id="{2756A6DA-8418-4D3D-8770-8379DCA9A4BB}"/>
-              </a:ext>
-            </a:extLst>
-          </p:cNvPr>
-          <p:cNvCxnSpPr>
-            <a:cxnSpLocks/>
-            <a:stCxn id="13" idx="2"/>
-            <a:endCxn id="26" idx="0"/>
-          </p:cNvCxnSpPr>
-          <p:nvPr/>
-        </p:nvCxnSpPr>
-        <p:spPr>
-          <a:xfrm>
-            <a:off x="6654826" y="3521556"/>
-            <a:ext cx="4876" cy="2060579"/>
+            <a:off x="8439365" y="3530227"/>
+            <a:ext cx="22784" cy="1193208"/>
           </a:xfrm>
           <a:prstGeom prst="straightConnector1">
             <a:avLst/>
@@ -11390,7 +14163,7 @@
     </p:spTree>
     <p:extLst>
       <p:ext uri="{BB962C8B-B14F-4D97-AF65-F5344CB8AC3E}">
-        <p14:creationId xmlns:p14="http://schemas.microsoft.com/office/powerpoint/2010/main" val="632463815"/>
+        <p14:creationId xmlns:p14="http://schemas.microsoft.com/office/powerpoint/2010/main" val="455875889"/>
       </p:ext>
     </p:extLst>
   </p:cSld>
@@ -11439,8 +14212,8 @@
           <a:lstStyle/>
           <a:p>
             <a:r>
-              <a:rPr lang="de-DE" dirty="0" err="1"/>
-              <a:t>RoutingTest</a:t>
+              <a:rPr lang="de-DE" dirty="0"/>
+              <a:t>SimpleMesh3</a:t>
             </a:r>
             <a:endParaRPr lang="en-DE" dirty="0"/>
           </a:p>
@@ -11476,11 +14249,11 @@
             <a:pPr lvl="1"/>
             <a:r>
               <a:rPr lang="de-DE" dirty="0"/>
-              <a:t>Forward and </a:t>
+              <a:t>Simple </a:t>
             </a:r>
             <a:r>
               <a:rPr lang="de-DE" dirty="0" err="1"/>
-              <a:t>backward</a:t>
+              <a:t>data</a:t>
             </a:r>
             <a:r>
               <a:rPr lang="de-DE" dirty="0"/>
@@ -11488,26 +14261,7 @@
             </a:r>
             <a:r>
               <a:rPr lang="de-DE" dirty="0" err="1"/>
-              <a:t>flows</a:t>
-            </a:r>
-            <a:endParaRPr lang="de-DE" dirty="0"/>
-          </a:p>
-          <a:p>
-            <a:pPr lvl="1"/>
-            <a:r>
-              <a:rPr lang="de-DE" dirty="0" err="1"/>
-              <a:t>Synchronou</a:t>
-            </a:r>
-            <a:r>
-              <a:rPr lang="de-DE" dirty="0"/>
-              <a:t> source</a:t>
-            </a:r>
-          </a:p>
-          <a:p>
-            <a:pPr lvl="1"/>
-            <a:r>
-              <a:rPr lang="de-DE" dirty="0" err="1"/>
-              <a:t>Handwritten</a:t>
+              <a:t>flow</a:t>
             </a:r>
             <a:r>
               <a:rPr lang="de-DE" dirty="0"/>
@@ -11515,7 +14269,7 @@
             </a:r>
             <a:r>
               <a:rPr lang="de-DE" dirty="0" err="1"/>
-              <a:t>connector</a:t>
+              <a:t>among</a:t>
             </a:r>
             <a:r>
               <a:rPr lang="de-DE" dirty="0"/>
@@ -11523,15 +14277,7 @@
             </a:r>
             <a:r>
               <a:rPr lang="de-DE" dirty="0" err="1"/>
-              <a:t>reacting</a:t>
-            </a:r>
-            <a:r>
-              <a:rPr lang="de-DE" dirty="0"/>
-              <a:t> on </a:t>
-            </a:r>
-            <a:r>
-              <a:rPr lang="de-DE" dirty="0" err="1"/>
-              <a:t>backward</a:t>
+              <a:t>three</a:t>
             </a:r>
             <a:r>
               <a:rPr lang="de-DE" dirty="0"/>
@@ -11539,23 +14285,42 @@
             </a:r>
             <a:r>
               <a:rPr lang="de-DE" dirty="0" err="1"/>
-              <a:t>flow</a:t>
-            </a:r>
-            <a:endParaRPr lang="de-DE" dirty="0"/>
+              <a:t>services</a:t>
+            </a:r>
+            <a:r>
+              <a:rPr lang="de-DE" dirty="0"/>
+              <a:t> (source, </a:t>
+            </a:r>
+            <a:r>
+              <a:rPr lang="de-DE" dirty="0" err="1"/>
+              <a:t>transformer</a:t>
+            </a:r>
+            <a:r>
+              <a:rPr lang="de-DE" dirty="0"/>
+              <a:t>, sink)</a:t>
+            </a:r>
           </a:p>
           <a:p>
             <a:pPr lvl="1"/>
             <a:r>
+              <a:rPr lang="de-DE" dirty="0" err="1"/>
+              <a:t>Mostly</a:t>
+            </a:r>
+            <a:r>
               <a:rPr lang="de-DE" dirty="0"/>
-              <a:t>Parallel </a:t>
+              <a:t> </a:t>
             </a:r>
             <a:r>
               <a:rPr lang="de-DE" dirty="0" err="1"/>
-              <a:t>asynchronous</a:t>
-            </a:r>
-            <a:r>
-              <a:rPr lang="de-DE"/>
-              <a:t> paths</a:t>
+              <a:t>synchronous</a:t>
+            </a:r>
+            <a:r>
+              <a:rPr lang="de-DE" dirty="0"/>
+              <a:t> </a:t>
+            </a:r>
+            <a:r>
+              <a:rPr lang="de-DE" dirty="0" err="1"/>
+              <a:t>communication</a:t>
             </a:r>
             <a:endParaRPr lang="de-DE" dirty="0"/>
           </a:p>
@@ -11610,7 +14375,7 @@
     </p:spTree>
     <p:extLst>
       <p:ext uri="{BB962C8B-B14F-4D97-AF65-F5344CB8AC3E}">
-        <p14:creationId xmlns:p14="http://schemas.microsoft.com/office/powerpoint/2010/main" val="49812619"/>
+        <p14:creationId xmlns:p14="http://schemas.microsoft.com/office/powerpoint/2010/main" val="3320729650"/>
       </p:ext>
     </p:extLst>
   </p:cSld>
@@ -11659,8 +14424,12 @@
           <a:lstStyle/>
           <a:p>
             <a:r>
-              <a:rPr lang="en-GB" dirty="0" err="1"/>
-              <a:t>RoutingTest</a:t>
+              <a:rPr lang="en-GB" dirty="0"/>
+              <a:t>SimpleMesh3 </a:t>
+            </a:r>
+            <a:r>
+              <a:rPr lang="en-GB" sz="3000" dirty="0"/>
+              <a:t>(simple flow with transformer, partially sync)</a:t>
             </a:r>
             <a:endParaRPr lang="en-DE" sz="3000" dirty="0"/>
           </a:p>
@@ -11680,8 +14449,8 @@
         </p:nvSpPr>
         <p:spPr>
           <a:xfrm>
-            <a:off x="228775" y="2872220"/>
-            <a:ext cx="1882951" cy="646331"/>
+            <a:off x="2777429" y="2880115"/>
+            <a:ext cx="1595245" cy="646331"/>
           </a:xfrm>
           <a:prstGeom prst="rect">
             <a:avLst/>
@@ -11700,10 +14469,9 @@
           <a:lstStyle/>
           <a:p>
             <a:r>
-              <a:rPr lang="en-GB" b="1" dirty="0" err="1"/>
-              <a:t>MyRoutingSource</a:t>
-            </a:r>
-            <a:endParaRPr lang="en-GB" b="1" dirty="0"/>
+              <a:rPr lang="en-GB" b="1" dirty="0"/>
+              <a:t>SimpleSource3</a:t>
+            </a:r>
           </a:p>
           <a:p>
             <a:r>
@@ -11728,8 +14496,8 @@
         </p:nvSpPr>
         <p:spPr>
           <a:xfrm>
-            <a:off x="10664625" y="2884912"/>
-            <a:ext cx="1325171" cy="646331"/>
+            <a:off x="8745560" y="2884912"/>
+            <a:ext cx="1762919" cy="646331"/>
           </a:xfrm>
           <a:prstGeom prst="rect">
             <a:avLst/>
@@ -11748,10 +14516,9 @@
           <a:lstStyle/>
           <a:p>
             <a:r>
-              <a:rPr lang="en-GB" b="1" dirty="0" err="1"/>
-              <a:t>RoutingSink</a:t>
-            </a:r>
-            <a:endParaRPr lang="en-GB" b="1" dirty="0"/>
+              <a:rPr lang="en-GB" b="1" dirty="0"/>
+              <a:t>SimpleReceiver3</a:t>
+            </a:r>
           </a:p>
           <a:p>
             <a:r>
@@ -11779,14 +14546,12 @@
           <p:nvPr/>
         </p:nvCxnSpPr>
         <p:spPr>
-          <a:xfrm>
-            <a:off x="2111726" y="3195386"/>
-            <a:ext cx="1852837" cy="3005"/>
+          <a:xfrm flipV="1">
+            <a:off x="4372674" y="3198391"/>
+            <a:ext cx="1224747" cy="4890"/>
           </a:xfrm>
           <a:prstGeom prst="bentConnector3">
-            <a:avLst>
-              <a:gd name="adj1" fmla="val 50000"/>
-            </a:avLst>
+            <a:avLst/>
           </a:prstGeom>
           <a:ln>
             <a:tailEnd type="triangle"/>
@@ -11821,8 +14586,8 @@
         </p:nvSpPr>
         <p:spPr>
           <a:xfrm>
-            <a:off x="2122220" y="2862918"/>
-            <a:ext cx="1716432" cy="369332"/>
+            <a:off x="4574852" y="2817651"/>
+            <a:ext cx="752898" cy="369332"/>
           </a:xfrm>
           <a:prstGeom prst="rect">
             <a:avLst/>
@@ -11836,8 +14601,8 @@
           <a:lstStyle/>
           <a:p>
             <a:r>
-              <a:rPr lang="en-GB" dirty="0" err="1"/>
-              <a:t>RoutingTestData</a:t>
+              <a:rPr lang="en-GB" dirty="0"/>
+              <a:t>Rec13</a:t>
             </a:r>
             <a:endParaRPr lang="en-DE" dirty="0"/>
           </a:p>
@@ -11857,8 +14622,8 @@
         </p:nvSpPr>
         <p:spPr>
           <a:xfrm>
-            <a:off x="30352" y="6331292"/>
-            <a:ext cx="2793906" cy="323165"/>
+            <a:off x="1737839" y="4742390"/>
+            <a:ext cx="3632085" cy="646331"/>
           </a:xfrm>
           <a:prstGeom prst="rect">
             <a:avLst/>
@@ -11877,10 +14642,21 @@
           <a:lstStyle/>
           <a:p>
             <a:r>
-              <a:rPr lang="en-GB" sz="1500" dirty="0" err="1"/>
-              <a:t>d.i.p.t.a.s.routingTest.SourceImpl</a:t>
-            </a:r>
-            <a:endParaRPr lang="en-DE" sz="1500" dirty="0"/>
+              <a:rPr lang="en-GB" dirty="0" err="1"/>
+              <a:t>de.iip_ecosphere.platform.test.apps</a:t>
+            </a:r>
+            <a:r>
+              <a:rPr lang="en-GB" dirty="0"/>
+              <a:t>.</a:t>
+            </a:r>
+            <a:br>
+              <a:rPr lang="en-GB" dirty="0"/>
+            </a:br>
+            <a:r>
+              <a:rPr lang="en-GB" dirty="0"/>
+              <a:t>serviceImpl.SimpleSource3Impl</a:t>
+            </a:r>
+            <a:endParaRPr lang="en-DE" dirty="0"/>
           </a:p>
         </p:txBody>
       </p:sp>
@@ -11898,8 +14674,8 @@
         </p:nvSpPr>
         <p:spPr>
           <a:xfrm>
-            <a:off x="9525029" y="5259837"/>
-            <a:ext cx="2583528" cy="323165"/>
+            <a:off x="7810977" y="4678628"/>
+            <a:ext cx="3632085" cy="646331"/>
           </a:xfrm>
           <a:prstGeom prst="rect">
             <a:avLst/>
@@ -11918,10 +14694,21 @@
           <a:lstStyle/>
           <a:p>
             <a:r>
-              <a:rPr lang="en-GB" sz="1500" dirty="0" err="1"/>
-              <a:t>d.i.p.t.a.s.routingTest.SinkImpl</a:t>
-            </a:r>
-            <a:endParaRPr lang="en-DE" sz="1500" dirty="0"/>
+              <a:rPr lang="en-GB" dirty="0" err="1"/>
+              <a:t>de.iip_ecosphere.platform.test.apps</a:t>
+            </a:r>
+            <a:r>
+              <a:rPr lang="en-GB" dirty="0"/>
+              <a:t>.</a:t>
+            </a:r>
+            <a:br>
+              <a:rPr lang="en-GB" dirty="0"/>
+            </a:br>
+            <a:r>
+              <a:rPr lang="en-GB" dirty="0"/>
+              <a:t>serviceImpl.SimpleReceiver3Impl</a:t>
+            </a:r>
+            <a:endParaRPr lang="en-DE" dirty="0"/>
           </a:p>
         </p:txBody>
       </p:sp>
@@ -11939,7 +14726,7 @@
         </p:nvSpPr>
         <p:spPr>
           <a:xfrm>
-            <a:off x="31848" y="5061714"/>
+            <a:off x="30352" y="4047687"/>
             <a:ext cx="2678618" cy="954107"/>
           </a:xfrm>
           <a:prstGeom prst="rect">
@@ -12003,16 +14790,15 @@
             </a:extLst>
           </p:cNvPr>
           <p:cNvCxnSpPr>
-            <a:cxnSpLocks/>
-            <a:stCxn id="59" idx="2"/>
+            <a:stCxn id="4" idx="2"/>
             <a:endCxn id="10" idx="0"/>
           </p:cNvCxnSpPr>
           <p:nvPr/>
         </p:nvCxnSpPr>
         <p:spPr>
-          <a:xfrm>
-            <a:off x="520175" y="3526353"/>
-            <a:ext cx="907130" cy="2804939"/>
+          <a:xfrm flipH="1">
+            <a:off x="3553882" y="3526446"/>
+            <a:ext cx="21170" cy="1215944"/>
           </a:xfrm>
           <a:prstGeom prst="straightConnector1">
             <a:avLst/>
@@ -12048,15 +14834,15 @@
           </p:cNvPr>
           <p:cNvCxnSpPr>
             <a:cxnSpLocks/>
-            <a:stCxn id="70" idx="2"/>
+            <a:stCxn id="5" idx="2"/>
             <a:endCxn id="11" idx="0"/>
           </p:cNvCxnSpPr>
           <p:nvPr/>
         </p:nvCxnSpPr>
         <p:spPr>
-          <a:xfrm flipH="1">
-            <a:off x="10816793" y="3526353"/>
-            <a:ext cx="862543" cy="1733484"/>
+          <a:xfrm>
+            <a:off x="9627020" y="3531243"/>
+            <a:ext cx="0" cy="1147385"/>
           </a:xfrm>
           <a:prstGeom prst="straightConnector1">
             <a:avLst/>
@@ -12095,8 +14881,8 @@
         </p:nvSpPr>
         <p:spPr>
           <a:xfrm>
-            <a:off x="3964563" y="2875225"/>
-            <a:ext cx="1851341" cy="646331"/>
+            <a:off x="5597421" y="2875225"/>
+            <a:ext cx="2114810" cy="646331"/>
           </a:xfrm>
           <a:prstGeom prst="rect">
             <a:avLst/>
@@ -12115,15 +14901,14 @@
           <a:lstStyle/>
           <a:p>
             <a:r>
-              <a:rPr lang="en-GB" b="1" dirty="0" err="1"/>
-              <a:t>RoutingProcessor</a:t>
-            </a:r>
-            <a:endParaRPr lang="en-GB" b="1" dirty="0"/>
+              <a:rPr lang="en-GB" b="1" dirty="0"/>
+              <a:t>SimpleTransformer3</a:t>
+            </a:r>
           </a:p>
           <a:p>
             <a:r>
               <a:rPr lang="en-GB" dirty="0"/>
-              <a:t>Java, async</a:t>
+              <a:t>Java, sync</a:t>
             </a:r>
             <a:endParaRPr lang="en-DE" dirty="0"/>
           </a:p>
@@ -12141,14 +14926,14 @@
           <p:cNvCxnSpPr>
             <a:cxnSpLocks/>
             <a:stCxn id="13" idx="3"/>
-            <a:endCxn id="34" idx="1"/>
+            <a:endCxn id="5" idx="1"/>
           </p:cNvCxnSpPr>
           <p:nvPr/>
         </p:nvCxnSpPr>
         <p:spPr>
-          <a:xfrm flipV="1">
-            <a:off x="5815904" y="3100999"/>
-            <a:ext cx="1670289" cy="97392"/>
+          <a:xfrm>
+            <a:off x="7712231" y="3198391"/>
+            <a:ext cx="1033329" cy="9687"/>
           </a:xfrm>
           <a:prstGeom prst="bentConnector3">
             <a:avLst>
@@ -12188,8 +14973,8 @@
         </p:nvSpPr>
         <p:spPr>
           <a:xfrm>
-            <a:off x="5825775" y="2749944"/>
-            <a:ext cx="1716432" cy="369332"/>
+            <a:off x="7844042" y="2817651"/>
+            <a:ext cx="752898" cy="369332"/>
           </a:xfrm>
           <a:prstGeom prst="rect">
             <a:avLst/>
@@ -12203,8 +14988,8 @@
           <a:lstStyle/>
           <a:p>
             <a:r>
-              <a:rPr lang="en-GB" dirty="0" err="1"/>
-              <a:t>RoutingTestData</a:t>
+              <a:rPr lang="en-GB" dirty="0"/>
+              <a:t>Rec13</a:t>
             </a:r>
             <a:endParaRPr lang="en-DE" dirty="0"/>
           </a:p>
@@ -12224,8 +15009,8 @@
         </p:nvSpPr>
         <p:spPr>
           <a:xfrm>
-            <a:off x="3878571" y="5148880"/>
-            <a:ext cx="2979598" cy="323165"/>
+            <a:off x="4843659" y="5582135"/>
+            <a:ext cx="3632085" cy="646331"/>
           </a:xfrm>
           <a:prstGeom prst="rect">
             <a:avLst/>
@@ -12244,10 +15029,21 @@
           <a:lstStyle/>
           <a:p>
             <a:r>
-              <a:rPr lang="en-GB" sz="1500" dirty="0" err="1"/>
-              <a:t>d.i.p.t.a.s.routingTest.ProcessorImpl</a:t>
-            </a:r>
-            <a:endParaRPr lang="en-DE" sz="1500" dirty="0"/>
+              <a:rPr lang="en-GB" dirty="0" err="1"/>
+              <a:t>de.iip_ecosphere.platform.test.apps</a:t>
+            </a:r>
+            <a:r>
+              <a:rPr lang="en-GB" dirty="0"/>
+              <a:t>.</a:t>
+            </a:r>
+            <a:br>
+              <a:rPr lang="en-GB" dirty="0"/>
+            </a:br>
+            <a:r>
+              <a:rPr lang="en-GB" dirty="0"/>
+              <a:t>serviceImpl.SimpleTransformer3Impl</a:t>
+            </a:r>
+            <a:endParaRPr lang="en-DE" dirty="0"/>
           </a:p>
         </p:txBody>
       </p:sp>
@@ -12262,1247 +15058,21 @@
           </p:cNvPr>
           <p:cNvCxnSpPr>
             <a:cxnSpLocks/>
-            <a:stCxn id="68" idx="2"/>
+            <a:stCxn id="13" idx="2"/>
             <a:endCxn id="26" idx="0"/>
           </p:cNvCxnSpPr>
           <p:nvPr/>
         </p:nvCxnSpPr>
         <p:spPr>
           <a:xfrm>
-            <a:off x="5327487" y="3508457"/>
-            <a:ext cx="40883" cy="1640423"/>
+            <a:off x="6654826" y="3521556"/>
+            <a:ext cx="4876" cy="2060579"/>
           </a:xfrm>
           <a:prstGeom prst="straightConnector1">
             <a:avLst/>
           </a:prstGeom>
           <a:ln>
             <a:prstDash val="dash"/>
-            <a:tailEnd type="triangle"/>
-          </a:ln>
-        </p:spPr>
-        <p:style>
-          <a:lnRef idx="1">
-            <a:schemeClr val="accent1"/>
-          </a:lnRef>
-          <a:fillRef idx="0">
-            <a:schemeClr val="accent1"/>
-          </a:fillRef>
-          <a:effectRef idx="0">
-            <a:schemeClr val="accent1"/>
-          </a:effectRef>
-          <a:fontRef idx="minor">
-            <a:schemeClr val="tx1"/>
-          </a:fontRef>
-        </p:style>
-      </p:cxnSp>
-      <p:sp>
-        <p:nvSpPr>
-          <p:cNvPr id="17" name="TextBox 16">
-            <a:extLst>
-              <a:ext uri="{FF2B5EF4-FFF2-40B4-BE49-F238E27FC236}">
-                <a16:creationId xmlns:a16="http://schemas.microsoft.com/office/drawing/2014/main" id="{E38C20A5-3E30-4FBF-987C-ED8E9588E2B6}"/>
-              </a:ext>
-            </a:extLst>
-          </p:cNvPr>
-          <p:cNvSpPr txBox="1"/>
-          <p:nvPr/>
-        </p:nvSpPr>
-        <p:spPr>
-          <a:xfrm>
-            <a:off x="235578" y="1947305"/>
-            <a:ext cx="2223814" cy="646331"/>
-          </a:xfrm>
-          <a:prstGeom prst="rect">
-            <a:avLst/>
-          </a:prstGeom>
-          <a:noFill/>
-          <a:ln>
-            <a:solidFill>
-              <a:schemeClr val="accent1"/>
-            </a:solidFill>
-          </a:ln>
-        </p:spPr>
-        <p:txBody>
-          <a:bodyPr wrap="none" rtlCol="0">
-            <a:spAutoFit/>
-          </a:bodyPr>
-          <a:lstStyle/>
-          <a:p>
-            <a:r>
-              <a:rPr lang="en-GB" b="1" dirty="0" err="1"/>
-              <a:t>MyRoutingConnector</a:t>
-            </a:r>
-            <a:endParaRPr lang="en-GB" b="1" dirty="0"/>
-          </a:p>
-          <a:p>
-            <a:r>
-              <a:rPr lang="en-GB" dirty="0"/>
-              <a:t>Connector, async</a:t>
-            </a:r>
-            <a:endParaRPr lang="en-DE" dirty="0"/>
-          </a:p>
-        </p:txBody>
-      </p:sp>
-      <p:sp>
-        <p:nvSpPr>
-          <p:cNvPr id="18" name="TextBox 17">
-            <a:extLst>
-              <a:ext uri="{FF2B5EF4-FFF2-40B4-BE49-F238E27FC236}">
-                <a16:creationId xmlns:a16="http://schemas.microsoft.com/office/drawing/2014/main" id="{E6D490E0-32D0-438E-B83E-53A2705B26D3}"/>
-              </a:ext>
-            </a:extLst>
-          </p:cNvPr>
-          <p:cNvSpPr txBox="1"/>
-          <p:nvPr/>
-        </p:nvSpPr>
-        <p:spPr>
-          <a:xfrm>
-            <a:off x="2142885" y="5530930"/>
-            <a:ext cx="3071803" cy="323165"/>
-          </a:xfrm>
-          <a:prstGeom prst="rect">
-            <a:avLst/>
-          </a:prstGeom>
-          <a:noFill/>
-          <a:ln>
-            <a:solidFill>
-              <a:schemeClr val="accent6"/>
-            </a:solidFill>
-          </a:ln>
-        </p:spPr>
-        <p:txBody>
-          <a:bodyPr wrap="none" rtlCol="0">
-            <a:spAutoFit/>
-          </a:bodyPr>
-          <a:lstStyle/>
-          <a:p>
-            <a:r>
-              <a:rPr lang="en-GB" sz="1500" dirty="0" err="1"/>
-              <a:t>d.i.p.t.a.s.routingTest.ConnectorImpl</a:t>
-            </a:r>
-            <a:endParaRPr lang="en-DE" sz="1500" dirty="0"/>
-          </a:p>
-        </p:txBody>
-      </p:sp>
-      <p:sp>
-        <p:nvSpPr>
-          <p:cNvPr id="19" name="TextBox 18">
-            <a:extLst>
-              <a:ext uri="{FF2B5EF4-FFF2-40B4-BE49-F238E27FC236}">
-                <a16:creationId xmlns:a16="http://schemas.microsoft.com/office/drawing/2014/main" id="{BEB31915-636A-4D31-B769-38FD3CF251D2}"/>
-              </a:ext>
-            </a:extLst>
-          </p:cNvPr>
-          <p:cNvSpPr txBox="1"/>
-          <p:nvPr/>
-        </p:nvSpPr>
-        <p:spPr>
-          <a:xfrm>
-            <a:off x="1823147" y="5926596"/>
-            <a:ext cx="4584909" cy="323165"/>
-          </a:xfrm>
-          <a:prstGeom prst="rect">
-            <a:avLst/>
-          </a:prstGeom>
-          <a:noFill/>
-          <a:ln>
-            <a:solidFill>
-              <a:schemeClr val="accent6"/>
-            </a:solidFill>
-          </a:ln>
-        </p:spPr>
-        <p:txBody>
-          <a:bodyPr wrap="none" rtlCol="0">
-            <a:spAutoFit/>
-          </a:bodyPr>
-          <a:lstStyle/>
-          <a:p>
-            <a:r>
-              <a:rPr lang="en-GB" sz="1500" dirty="0" err="1"/>
-              <a:t>d.i.p.t.a.s</a:t>
-            </a:r>
-            <a:r>
-              <a:rPr lang="en-GB" sz="1500" dirty="0"/>
-              <a:t>. </a:t>
-            </a:r>
-            <a:r>
-              <a:rPr lang="en-GB" sz="1500" dirty="0" err="1"/>
-              <a:t>routingTest.ConnectorCommandEventHandler</a:t>
-            </a:r>
-            <a:endParaRPr lang="en-DE" sz="1500" dirty="0"/>
-          </a:p>
-        </p:txBody>
-      </p:sp>
-      <p:cxnSp>
-        <p:nvCxnSpPr>
-          <p:cNvPr id="28" name="Connector: Elbow 27">
-            <a:extLst>
-              <a:ext uri="{FF2B5EF4-FFF2-40B4-BE49-F238E27FC236}">
-                <a16:creationId xmlns:a16="http://schemas.microsoft.com/office/drawing/2014/main" id="{B3B4F0E7-E4DA-498D-809B-58524B605800}"/>
-              </a:ext>
-            </a:extLst>
-          </p:cNvPr>
-          <p:cNvCxnSpPr>
-            <a:cxnSpLocks/>
-            <a:stCxn id="17" idx="3"/>
-            <a:endCxn id="13" idx="1"/>
-          </p:cNvCxnSpPr>
-          <p:nvPr/>
-        </p:nvCxnSpPr>
-        <p:spPr>
-          <a:xfrm>
-            <a:off x="2459392" y="2270471"/>
-            <a:ext cx="1505171" cy="927920"/>
-          </a:xfrm>
-          <a:prstGeom prst="bentConnector3">
-            <a:avLst>
-              <a:gd name="adj1" fmla="val 89054"/>
-            </a:avLst>
-          </a:prstGeom>
-          <a:ln>
-            <a:tailEnd type="triangle"/>
-          </a:ln>
-        </p:spPr>
-        <p:style>
-          <a:lnRef idx="1">
-            <a:schemeClr val="accent1"/>
-          </a:lnRef>
-          <a:fillRef idx="0">
-            <a:schemeClr val="accent1"/>
-          </a:fillRef>
-          <a:effectRef idx="0">
-            <a:schemeClr val="accent1"/>
-          </a:effectRef>
-          <a:fontRef idx="minor">
-            <a:schemeClr val="tx1"/>
-          </a:fontRef>
-        </p:style>
-      </p:cxnSp>
-      <p:sp>
-        <p:nvSpPr>
-          <p:cNvPr id="29" name="TextBox 28">
-            <a:extLst>
-              <a:ext uri="{FF2B5EF4-FFF2-40B4-BE49-F238E27FC236}">
-                <a16:creationId xmlns:a16="http://schemas.microsoft.com/office/drawing/2014/main" id="{03769A8D-D91D-4F4F-A361-6CA296BA1AFF}"/>
-              </a:ext>
-            </a:extLst>
-          </p:cNvPr>
-          <p:cNvSpPr txBox="1"/>
-          <p:nvPr/>
-        </p:nvSpPr>
-        <p:spPr>
-          <a:xfrm>
-            <a:off x="2534038" y="1931004"/>
-            <a:ext cx="1749261" cy="369332"/>
-          </a:xfrm>
-          <a:prstGeom prst="rect">
-            <a:avLst/>
-          </a:prstGeom>
-          <a:noFill/>
-        </p:spPr>
-        <p:txBody>
-          <a:bodyPr wrap="none" rtlCol="0">
-            <a:spAutoFit/>
-          </a:bodyPr>
-          <a:lstStyle/>
-          <a:p>
-            <a:r>
-              <a:rPr lang="en-GB" dirty="0" err="1"/>
-              <a:t>RoutingConnOut</a:t>
-            </a:r>
-            <a:endParaRPr lang="en-DE" dirty="0"/>
-          </a:p>
-        </p:txBody>
-      </p:sp>
-      <p:cxnSp>
-        <p:nvCxnSpPr>
-          <p:cNvPr id="32" name="Connector: Elbow 31">
-            <a:extLst>
-              <a:ext uri="{FF2B5EF4-FFF2-40B4-BE49-F238E27FC236}">
-                <a16:creationId xmlns:a16="http://schemas.microsoft.com/office/drawing/2014/main" id="{78086D3D-CA62-4BA2-8F3C-AE8441DE10BF}"/>
-              </a:ext>
-            </a:extLst>
-          </p:cNvPr>
-          <p:cNvCxnSpPr>
-            <a:cxnSpLocks/>
-            <a:stCxn id="5" idx="0"/>
-            <a:endCxn id="13" idx="0"/>
-          </p:cNvCxnSpPr>
-          <p:nvPr/>
-        </p:nvCxnSpPr>
-        <p:spPr>
-          <a:xfrm rot="16200000" flipV="1">
-            <a:off x="8103880" y="-338420"/>
-            <a:ext cx="9687" cy="6436977"/>
-          </a:xfrm>
-          <a:prstGeom prst="bentConnector3">
-            <a:avLst>
-              <a:gd name="adj1" fmla="val 2459864"/>
-            </a:avLst>
-          </a:prstGeom>
-          <a:ln>
-            <a:solidFill>
-              <a:srgbClr val="C00000"/>
-            </a:solidFill>
-            <a:tailEnd type="triangle"/>
-          </a:ln>
-        </p:spPr>
-        <p:style>
-          <a:lnRef idx="1">
-            <a:schemeClr val="accent1"/>
-          </a:lnRef>
-          <a:fillRef idx="0">
-            <a:schemeClr val="accent1"/>
-          </a:fillRef>
-          <a:effectRef idx="0">
-            <a:schemeClr val="accent1"/>
-          </a:effectRef>
-          <a:fontRef idx="minor">
-            <a:schemeClr val="tx1"/>
-          </a:fontRef>
-        </p:style>
-      </p:cxnSp>
-      <p:sp>
-        <p:nvSpPr>
-          <p:cNvPr id="35" name="TextBox 34">
-            <a:extLst>
-              <a:ext uri="{FF2B5EF4-FFF2-40B4-BE49-F238E27FC236}">
-                <a16:creationId xmlns:a16="http://schemas.microsoft.com/office/drawing/2014/main" id="{47886465-5AD2-4A85-906E-D7B742BCBB2B}"/>
-              </a:ext>
-            </a:extLst>
-          </p:cNvPr>
-          <p:cNvSpPr txBox="1"/>
-          <p:nvPr/>
-        </p:nvSpPr>
-        <p:spPr>
-          <a:xfrm>
-            <a:off x="7530113" y="2323718"/>
-            <a:ext cx="1877502" cy="369332"/>
-          </a:xfrm>
-          <a:prstGeom prst="rect">
-            <a:avLst/>
-          </a:prstGeom>
-          <a:noFill/>
-        </p:spPr>
-        <p:txBody>
-          <a:bodyPr wrap="none" rtlCol="0">
-            <a:spAutoFit/>
-          </a:bodyPr>
-          <a:lstStyle/>
-          <a:p>
-            <a:r>
-              <a:rPr lang="en-GB" dirty="0" err="1"/>
-              <a:t>RoutingCommand</a:t>
-            </a:r>
-            <a:endParaRPr lang="en-DE" dirty="0"/>
-          </a:p>
-        </p:txBody>
-      </p:sp>
-      <p:cxnSp>
-        <p:nvCxnSpPr>
-          <p:cNvPr id="36" name="Connector: Elbow 35">
-            <a:extLst>
-              <a:ext uri="{FF2B5EF4-FFF2-40B4-BE49-F238E27FC236}">
-                <a16:creationId xmlns:a16="http://schemas.microsoft.com/office/drawing/2014/main" id="{499B69AE-95B8-4F82-B3CC-0973F2EF6583}"/>
-              </a:ext>
-            </a:extLst>
-          </p:cNvPr>
-          <p:cNvCxnSpPr>
-            <a:cxnSpLocks/>
-            <a:stCxn id="5" idx="2"/>
-            <a:endCxn id="4" idx="2"/>
-          </p:cNvCxnSpPr>
-          <p:nvPr/>
-        </p:nvCxnSpPr>
-        <p:spPr>
-          <a:xfrm rot="5400000" flipH="1">
-            <a:off x="6242385" y="-1553583"/>
-            <a:ext cx="12692" cy="10156960"/>
-          </a:xfrm>
-          <a:prstGeom prst="bentConnector3">
-            <a:avLst>
-              <a:gd name="adj1" fmla="val -11227892"/>
-            </a:avLst>
-          </a:prstGeom>
-          <a:ln>
-            <a:solidFill>
-              <a:srgbClr val="C00000"/>
-            </a:solidFill>
-            <a:tailEnd type="triangle"/>
-          </a:ln>
-        </p:spPr>
-        <p:style>
-          <a:lnRef idx="1">
-            <a:schemeClr val="accent1"/>
-          </a:lnRef>
-          <a:fillRef idx="0">
-            <a:schemeClr val="accent1"/>
-          </a:fillRef>
-          <a:effectRef idx="0">
-            <a:schemeClr val="accent1"/>
-          </a:effectRef>
-          <a:fontRef idx="minor">
-            <a:schemeClr val="tx1"/>
-          </a:fontRef>
-        </p:style>
-      </p:cxnSp>
-      <p:cxnSp>
-        <p:nvCxnSpPr>
-          <p:cNvPr id="40" name="Connector: Elbow 39">
-            <a:extLst>
-              <a:ext uri="{FF2B5EF4-FFF2-40B4-BE49-F238E27FC236}">
-                <a16:creationId xmlns:a16="http://schemas.microsoft.com/office/drawing/2014/main" id="{591473FB-0624-4D2F-A23C-6253BD77379D}"/>
-              </a:ext>
-            </a:extLst>
-          </p:cNvPr>
-          <p:cNvCxnSpPr>
-            <a:cxnSpLocks/>
-            <a:stCxn id="5" idx="0"/>
-            <a:endCxn id="17" idx="0"/>
-          </p:cNvCxnSpPr>
-          <p:nvPr/>
-        </p:nvCxnSpPr>
-        <p:spPr>
-          <a:xfrm rot="16200000" flipV="1">
-            <a:off x="5868545" y="-2573754"/>
-            <a:ext cx="937607" cy="9979726"/>
-          </a:xfrm>
-          <a:prstGeom prst="bentConnector3">
-            <a:avLst>
-              <a:gd name="adj1" fmla="val 124381"/>
-            </a:avLst>
-          </a:prstGeom>
-          <a:ln>
-            <a:solidFill>
-              <a:srgbClr val="C00000"/>
-            </a:solidFill>
-            <a:tailEnd type="triangle"/>
-          </a:ln>
-        </p:spPr>
-        <p:style>
-          <a:lnRef idx="1">
-            <a:schemeClr val="accent1"/>
-          </a:lnRef>
-          <a:fillRef idx="0">
-            <a:schemeClr val="accent1"/>
-          </a:fillRef>
-          <a:effectRef idx="0">
-            <a:schemeClr val="accent1"/>
-          </a:effectRef>
-          <a:fontRef idx="minor">
-            <a:schemeClr val="tx1"/>
-          </a:fontRef>
-        </p:style>
-      </p:cxnSp>
-      <p:sp>
-        <p:nvSpPr>
-          <p:cNvPr id="43" name="TextBox 42">
-            <a:extLst>
-              <a:ext uri="{FF2B5EF4-FFF2-40B4-BE49-F238E27FC236}">
-                <a16:creationId xmlns:a16="http://schemas.microsoft.com/office/drawing/2014/main" id="{D83F538A-987F-4031-A36E-4C8C7E220DE7}"/>
-              </a:ext>
-            </a:extLst>
-          </p:cNvPr>
-          <p:cNvSpPr txBox="1"/>
-          <p:nvPr/>
-        </p:nvSpPr>
-        <p:spPr>
-          <a:xfrm>
-            <a:off x="6244066" y="1370802"/>
-            <a:ext cx="3659913" cy="369332"/>
-          </a:xfrm>
-          <a:prstGeom prst="rect">
-            <a:avLst/>
-          </a:prstGeom>
-          <a:noFill/>
-        </p:spPr>
-        <p:txBody>
-          <a:bodyPr wrap="none" rtlCol="0">
-            <a:spAutoFit/>
-          </a:bodyPr>
-          <a:lstStyle/>
-          <a:p>
-            <a:r>
-              <a:rPr lang="en-GB" dirty="0" err="1"/>
-              <a:t>RoutingCommand</a:t>
-            </a:r>
-            <a:r>
-              <a:rPr lang="en-GB" dirty="0"/>
-              <a:t> (via </a:t>
-            </a:r>
-            <a:r>
-              <a:rPr lang="en-GB" dirty="0" err="1"/>
-              <a:t>EventHandler</a:t>
-            </a:r>
-            <a:r>
-              <a:rPr lang="en-GB" dirty="0"/>
-              <a:t>)</a:t>
-            </a:r>
-            <a:endParaRPr lang="en-DE" dirty="0"/>
-          </a:p>
-        </p:txBody>
-      </p:sp>
-      <p:sp>
-        <p:nvSpPr>
-          <p:cNvPr id="44" name="TextBox 43">
-            <a:extLst>
-              <a:ext uri="{FF2B5EF4-FFF2-40B4-BE49-F238E27FC236}">
-                <a16:creationId xmlns:a16="http://schemas.microsoft.com/office/drawing/2014/main" id="{F98DEE58-342A-4B7B-ACE8-0F97818E3B12}"/>
-              </a:ext>
-            </a:extLst>
-          </p:cNvPr>
-          <p:cNvSpPr txBox="1"/>
-          <p:nvPr/>
-        </p:nvSpPr>
-        <p:spPr>
-          <a:xfrm>
-            <a:off x="2551531" y="1691622"/>
-            <a:ext cx="2464201" cy="369332"/>
-          </a:xfrm>
-          <a:prstGeom prst="rect">
-            <a:avLst/>
-          </a:prstGeom>
-          <a:noFill/>
-        </p:spPr>
-        <p:txBody>
-          <a:bodyPr wrap="none" rtlCol="0">
-            <a:spAutoFit/>
-          </a:bodyPr>
-          <a:lstStyle/>
-          <a:p>
-            <a:r>
-              <a:rPr lang="en-GB" dirty="0" err="1"/>
-              <a:t>RoutingConnIn</a:t>
-            </a:r>
-            <a:r>
-              <a:rPr lang="en-GB" dirty="0"/>
-              <a:t> (unused)</a:t>
-            </a:r>
-            <a:endParaRPr lang="en-DE" dirty="0"/>
-          </a:p>
-        </p:txBody>
-      </p:sp>
-      <p:cxnSp>
-        <p:nvCxnSpPr>
-          <p:cNvPr id="49" name="Straight Arrow Connector 48">
-            <a:extLst>
-              <a:ext uri="{FF2B5EF4-FFF2-40B4-BE49-F238E27FC236}">
-                <a16:creationId xmlns:a16="http://schemas.microsoft.com/office/drawing/2014/main" id="{CF763BC5-32D3-4A64-8045-714A36F2B619}"/>
-              </a:ext>
-            </a:extLst>
-          </p:cNvPr>
-          <p:cNvCxnSpPr>
-            <a:cxnSpLocks/>
-            <a:stCxn id="62" idx="2"/>
-            <a:endCxn id="18" idx="0"/>
-          </p:cNvCxnSpPr>
-          <p:nvPr/>
-        </p:nvCxnSpPr>
-        <p:spPr>
-          <a:xfrm>
-            <a:off x="2284199" y="2580746"/>
-            <a:ext cx="1394588" cy="2950184"/>
-          </a:xfrm>
-          <a:prstGeom prst="straightConnector1">
-            <a:avLst/>
-          </a:prstGeom>
-          <a:ln>
-            <a:prstDash val="dash"/>
-            <a:tailEnd type="triangle"/>
-          </a:ln>
-        </p:spPr>
-        <p:style>
-          <a:lnRef idx="1">
-            <a:schemeClr val="accent1"/>
-          </a:lnRef>
-          <a:fillRef idx="0">
-            <a:schemeClr val="accent1"/>
-          </a:fillRef>
-          <a:effectRef idx="0">
-            <a:schemeClr val="accent1"/>
-          </a:effectRef>
-          <a:fontRef idx="minor">
-            <a:schemeClr val="tx1"/>
-          </a:fontRef>
-        </p:style>
-      </p:cxnSp>
-      <p:cxnSp>
-        <p:nvCxnSpPr>
-          <p:cNvPr id="52" name="Straight Arrow Connector 51">
-            <a:extLst>
-              <a:ext uri="{FF2B5EF4-FFF2-40B4-BE49-F238E27FC236}">
-                <a16:creationId xmlns:a16="http://schemas.microsoft.com/office/drawing/2014/main" id="{BDB4A749-1382-452C-9CE1-F67F5D146934}"/>
-              </a:ext>
-            </a:extLst>
-          </p:cNvPr>
-          <p:cNvCxnSpPr>
-            <a:cxnSpLocks/>
-            <a:stCxn id="62" idx="2"/>
-            <a:endCxn id="19" idx="1"/>
-          </p:cNvCxnSpPr>
-          <p:nvPr/>
-        </p:nvCxnSpPr>
-        <p:spPr>
-          <a:xfrm flipH="1">
-            <a:off x="1823147" y="2580746"/>
-            <a:ext cx="461052" cy="3507433"/>
-          </a:xfrm>
-          <a:prstGeom prst="straightConnector1">
-            <a:avLst/>
-          </a:prstGeom>
-          <a:ln>
-            <a:prstDash val="dash"/>
-            <a:tailEnd type="triangle"/>
-          </a:ln>
-        </p:spPr>
-        <p:style>
-          <a:lnRef idx="1">
-            <a:schemeClr val="accent1"/>
-          </a:lnRef>
-          <a:fillRef idx="0">
-            <a:schemeClr val="accent1"/>
-          </a:fillRef>
-          <a:effectRef idx="0">
-            <a:schemeClr val="accent1"/>
-          </a:effectRef>
-          <a:fontRef idx="minor">
-            <a:schemeClr val="tx1"/>
-          </a:fontRef>
-        </p:style>
-      </p:cxnSp>
-      <p:sp>
-        <p:nvSpPr>
-          <p:cNvPr id="59" name="Rectangle 58">
-            <a:extLst>
-              <a:ext uri="{FF2B5EF4-FFF2-40B4-BE49-F238E27FC236}">
-                <a16:creationId xmlns:a16="http://schemas.microsoft.com/office/drawing/2014/main" id="{0C669589-FDAE-48F3-BABF-C4330D0ADF12}"/>
-              </a:ext>
-            </a:extLst>
-          </p:cNvPr>
-          <p:cNvSpPr/>
-          <p:nvPr/>
-        </p:nvSpPr>
-        <p:spPr>
-          <a:xfrm>
-            <a:off x="378861" y="3310421"/>
-            <a:ext cx="282627" cy="215932"/>
-          </a:xfrm>
-          <a:prstGeom prst="rect">
-            <a:avLst/>
-          </a:prstGeom>
-          <a:noFill/>
-          <a:ln>
-            <a:noFill/>
-          </a:ln>
-        </p:spPr>
-        <p:style>
-          <a:lnRef idx="2">
-            <a:schemeClr val="accent1">
-              <a:shade val="50000"/>
-            </a:schemeClr>
-          </a:lnRef>
-          <a:fillRef idx="1">
-            <a:schemeClr val="accent1"/>
-          </a:fillRef>
-          <a:effectRef idx="0">
-            <a:schemeClr val="accent1"/>
-          </a:effectRef>
-          <a:fontRef idx="minor">
-            <a:schemeClr val="lt1"/>
-          </a:fontRef>
-        </p:style>
-        <p:txBody>
-          <a:bodyPr rtlCol="0" anchor="ctr"/>
-          <a:lstStyle/>
-          <a:p>
-            <a:pPr algn="ctr"/>
-            <a:endParaRPr lang="en-DE"/>
-          </a:p>
-        </p:txBody>
-      </p:sp>
-      <p:sp>
-        <p:nvSpPr>
-          <p:cNvPr id="62" name="Rectangle 61">
-            <a:extLst>
-              <a:ext uri="{FF2B5EF4-FFF2-40B4-BE49-F238E27FC236}">
-                <a16:creationId xmlns:a16="http://schemas.microsoft.com/office/drawing/2014/main" id="{A6B12D44-527E-4CD0-8F78-D44FE967B976}"/>
-              </a:ext>
-            </a:extLst>
-          </p:cNvPr>
-          <p:cNvSpPr/>
-          <p:nvPr/>
-        </p:nvSpPr>
-        <p:spPr>
-          <a:xfrm>
-            <a:off x="2142885" y="2364814"/>
-            <a:ext cx="282627" cy="215932"/>
-          </a:xfrm>
-          <a:prstGeom prst="rect">
-            <a:avLst/>
-          </a:prstGeom>
-          <a:noFill/>
-          <a:ln>
-            <a:noFill/>
-          </a:ln>
-        </p:spPr>
-        <p:style>
-          <a:lnRef idx="2">
-            <a:schemeClr val="accent1">
-              <a:shade val="50000"/>
-            </a:schemeClr>
-          </a:lnRef>
-          <a:fillRef idx="1">
-            <a:schemeClr val="accent1"/>
-          </a:fillRef>
-          <a:effectRef idx="0">
-            <a:schemeClr val="accent1"/>
-          </a:effectRef>
-          <a:fontRef idx="minor">
-            <a:schemeClr val="lt1"/>
-          </a:fontRef>
-        </p:style>
-        <p:txBody>
-          <a:bodyPr rtlCol="0" anchor="ctr"/>
-          <a:lstStyle/>
-          <a:p>
-            <a:pPr algn="ctr"/>
-            <a:endParaRPr lang="en-DE"/>
-          </a:p>
-        </p:txBody>
-      </p:sp>
-      <p:sp>
-        <p:nvSpPr>
-          <p:cNvPr id="68" name="Rectangle 67">
-            <a:extLst>
-              <a:ext uri="{FF2B5EF4-FFF2-40B4-BE49-F238E27FC236}">
-                <a16:creationId xmlns:a16="http://schemas.microsoft.com/office/drawing/2014/main" id="{0F962CDF-D9D6-47F6-BC59-C5F9A7E3C824}"/>
-              </a:ext>
-            </a:extLst>
-          </p:cNvPr>
-          <p:cNvSpPr/>
-          <p:nvPr/>
-        </p:nvSpPr>
-        <p:spPr>
-          <a:xfrm>
-            <a:off x="5186173" y="3292525"/>
-            <a:ext cx="282627" cy="215932"/>
-          </a:xfrm>
-          <a:prstGeom prst="rect">
-            <a:avLst/>
-          </a:prstGeom>
-          <a:noFill/>
-          <a:ln>
-            <a:noFill/>
-          </a:ln>
-        </p:spPr>
-        <p:style>
-          <a:lnRef idx="2">
-            <a:schemeClr val="accent1">
-              <a:shade val="50000"/>
-            </a:schemeClr>
-          </a:lnRef>
-          <a:fillRef idx="1">
-            <a:schemeClr val="accent1"/>
-          </a:fillRef>
-          <a:effectRef idx="0">
-            <a:schemeClr val="accent1"/>
-          </a:effectRef>
-          <a:fontRef idx="minor">
-            <a:schemeClr val="lt1"/>
-          </a:fontRef>
-        </p:style>
-        <p:txBody>
-          <a:bodyPr rtlCol="0" anchor="ctr"/>
-          <a:lstStyle/>
-          <a:p>
-            <a:pPr algn="ctr"/>
-            <a:endParaRPr lang="en-DE"/>
-          </a:p>
-        </p:txBody>
-      </p:sp>
-      <p:sp>
-        <p:nvSpPr>
-          <p:cNvPr id="70" name="Rectangle 69">
-            <a:extLst>
-              <a:ext uri="{FF2B5EF4-FFF2-40B4-BE49-F238E27FC236}">
-                <a16:creationId xmlns:a16="http://schemas.microsoft.com/office/drawing/2014/main" id="{4A0A47A8-680D-4E7A-AB09-A8CA6A5FFC19}"/>
-              </a:ext>
-            </a:extLst>
-          </p:cNvPr>
-          <p:cNvSpPr/>
-          <p:nvPr/>
-        </p:nvSpPr>
-        <p:spPr>
-          <a:xfrm>
-            <a:off x="11538022" y="3310421"/>
-            <a:ext cx="282627" cy="215932"/>
-          </a:xfrm>
-          <a:prstGeom prst="rect">
-            <a:avLst/>
-          </a:prstGeom>
-          <a:noFill/>
-          <a:ln>
-            <a:noFill/>
-          </a:ln>
-        </p:spPr>
-        <p:style>
-          <a:lnRef idx="2">
-            <a:schemeClr val="accent1">
-              <a:shade val="50000"/>
-            </a:schemeClr>
-          </a:lnRef>
-          <a:fillRef idx="1">
-            <a:schemeClr val="accent1"/>
-          </a:fillRef>
-          <a:effectRef idx="0">
-            <a:schemeClr val="accent1"/>
-          </a:effectRef>
-          <a:fontRef idx="minor">
-            <a:schemeClr val="lt1"/>
-          </a:fontRef>
-        </p:style>
-        <p:txBody>
-          <a:bodyPr rtlCol="0" anchor="ctr"/>
-          <a:lstStyle/>
-          <a:p>
-            <a:pPr algn="ctr"/>
-            <a:endParaRPr lang="en-DE"/>
-          </a:p>
-        </p:txBody>
-      </p:sp>
-      <p:sp>
-        <p:nvSpPr>
-          <p:cNvPr id="34" name="TextBox 33">
-            <a:extLst>
-              <a:ext uri="{FF2B5EF4-FFF2-40B4-BE49-F238E27FC236}">
-                <a16:creationId xmlns:a16="http://schemas.microsoft.com/office/drawing/2014/main" id="{35F29DC6-EF34-4587-956B-1DB72AC0E8EB}"/>
-              </a:ext>
-            </a:extLst>
-          </p:cNvPr>
-          <p:cNvSpPr txBox="1"/>
-          <p:nvPr/>
-        </p:nvSpPr>
-        <p:spPr>
-          <a:xfrm>
-            <a:off x="7486193" y="2777833"/>
-            <a:ext cx="2091791" cy="646331"/>
-          </a:xfrm>
-          <a:prstGeom prst="rect">
-            <a:avLst/>
-          </a:prstGeom>
-          <a:noFill/>
-          <a:ln>
-            <a:solidFill>
-              <a:schemeClr val="accent1"/>
-            </a:solidFill>
-          </a:ln>
-        </p:spPr>
-        <p:txBody>
-          <a:bodyPr wrap="none" rtlCol="0">
-            <a:spAutoFit/>
-          </a:bodyPr>
-          <a:lstStyle/>
-          <a:p>
-            <a:r>
-              <a:rPr lang="en-GB" b="1" dirty="0"/>
-              <a:t>RoutingProcessorP1</a:t>
-            </a:r>
-          </a:p>
-          <a:p>
-            <a:r>
-              <a:rPr lang="en-GB" dirty="0"/>
-              <a:t>Java, async</a:t>
-            </a:r>
-            <a:endParaRPr lang="en-DE" dirty="0"/>
-          </a:p>
-        </p:txBody>
-      </p:sp>
-      <p:sp>
-        <p:nvSpPr>
-          <p:cNvPr id="37" name="TextBox 36">
-            <a:extLst>
-              <a:ext uri="{FF2B5EF4-FFF2-40B4-BE49-F238E27FC236}">
-                <a16:creationId xmlns:a16="http://schemas.microsoft.com/office/drawing/2014/main" id="{37CE963F-6B3A-45D2-8C10-50FD8A7DA7E8}"/>
-              </a:ext>
-            </a:extLst>
-          </p:cNvPr>
-          <p:cNvSpPr txBox="1"/>
-          <p:nvPr/>
-        </p:nvSpPr>
-        <p:spPr>
-          <a:xfrm>
-            <a:off x="7491567" y="3461657"/>
-            <a:ext cx="2091791" cy="646331"/>
-          </a:xfrm>
-          <a:prstGeom prst="rect">
-            <a:avLst/>
-          </a:prstGeom>
-          <a:noFill/>
-          <a:ln>
-            <a:solidFill>
-              <a:schemeClr val="accent1"/>
-            </a:solidFill>
-          </a:ln>
-        </p:spPr>
-        <p:txBody>
-          <a:bodyPr wrap="none" rtlCol="0">
-            <a:spAutoFit/>
-          </a:bodyPr>
-          <a:lstStyle/>
-          <a:p>
-            <a:r>
-              <a:rPr lang="en-GB" b="1" dirty="0"/>
-              <a:t>RoutingProcessorP2</a:t>
-            </a:r>
-          </a:p>
-          <a:p>
-            <a:r>
-              <a:rPr lang="en-GB" dirty="0"/>
-              <a:t>Java, async</a:t>
-            </a:r>
-            <a:endParaRPr lang="en-DE" dirty="0"/>
-          </a:p>
-        </p:txBody>
-      </p:sp>
-      <p:cxnSp>
-        <p:nvCxnSpPr>
-          <p:cNvPr id="39" name="Connector: Elbow 38">
-            <a:extLst>
-              <a:ext uri="{FF2B5EF4-FFF2-40B4-BE49-F238E27FC236}">
-                <a16:creationId xmlns:a16="http://schemas.microsoft.com/office/drawing/2014/main" id="{EFB9753E-E206-4E99-9511-91B4CDFED162}"/>
-              </a:ext>
-            </a:extLst>
-          </p:cNvPr>
-          <p:cNvCxnSpPr>
-            <a:cxnSpLocks/>
-            <a:stCxn id="13" idx="3"/>
-            <a:endCxn id="37" idx="1"/>
-          </p:cNvCxnSpPr>
-          <p:nvPr/>
-        </p:nvCxnSpPr>
-        <p:spPr>
-          <a:xfrm>
-            <a:off x="5815904" y="3198391"/>
-            <a:ext cx="1675663" cy="586432"/>
-          </a:xfrm>
-          <a:prstGeom prst="bentConnector3">
-            <a:avLst>
-              <a:gd name="adj1" fmla="val 50000"/>
-            </a:avLst>
-          </a:prstGeom>
-          <a:ln>
-            <a:tailEnd type="triangle"/>
-          </a:ln>
-        </p:spPr>
-        <p:style>
-          <a:lnRef idx="1">
-            <a:schemeClr val="accent1"/>
-          </a:lnRef>
-          <a:fillRef idx="0">
-            <a:schemeClr val="accent1"/>
-          </a:fillRef>
-          <a:effectRef idx="0">
-            <a:schemeClr val="accent1"/>
-          </a:effectRef>
-          <a:fontRef idx="minor">
-            <a:schemeClr val="tx1"/>
-          </a:fontRef>
-        </p:style>
-      </p:cxnSp>
-      <p:cxnSp>
-        <p:nvCxnSpPr>
-          <p:cNvPr id="45" name="Connector: Elbow 44">
-            <a:extLst>
-              <a:ext uri="{FF2B5EF4-FFF2-40B4-BE49-F238E27FC236}">
-                <a16:creationId xmlns:a16="http://schemas.microsoft.com/office/drawing/2014/main" id="{80ABF312-74FE-42D0-8569-28C2891D49EB}"/>
-              </a:ext>
-            </a:extLst>
-          </p:cNvPr>
-          <p:cNvCxnSpPr>
-            <a:cxnSpLocks/>
-            <a:stCxn id="34" idx="3"/>
-            <a:endCxn id="5" idx="1"/>
-          </p:cNvCxnSpPr>
-          <p:nvPr/>
-        </p:nvCxnSpPr>
-        <p:spPr>
-          <a:xfrm>
-            <a:off x="9577984" y="3100999"/>
-            <a:ext cx="1086641" cy="107079"/>
-          </a:xfrm>
-          <a:prstGeom prst="bentConnector3">
-            <a:avLst>
-              <a:gd name="adj1" fmla="val 50000"/>
-            </a:avLst>
-          </a:prstGeom>
-          <a:ln>
-            <a:tailEnd type="triangle"/>
-          </a:ln>
-        </p:spPr>
-        <p:style>
-          <a:lnRef idx="1">
-            <a:schemeClr val="accent1"/>
-          </a:lnRef>
-          <a:fillRef idx="0">
-            <a:schemeClr val="accent1"/>
-          </a:fillRef>
-          <a:effectRef idx="0">
-            <a:schemeClr val="accent1"/>
-          </a:effectRef>
-          <a:fontRef idx="minor">
-            <a:schemeClr val="tx1"/>
-          </a:fontRef>
-        </p:style>
-      </p:cxnSp>
-      <p:cxnSp>
-        <p:nvCxnSpPr>
-          <p:cNvPr id="47" name="Connector: Elbow 46">
-            <a:extLst>
-              <a:ext uri="{FF2B5EF4-FFF2-40B4-BE49-F238E27FC236}">
-                <a16:creationId xmlns:a16="http://schemas.microsoft.com/office/drawing/2014/main" id="{7664DA93-A20B-4848-B333-73533417224B}"/>
-              </a:ext>
-            </a:extLst>
-          </p:cNvPr>
-          <p:cNvCxnSpPr>
-            <a:cxnSpLocks/>
-            <a:stCxn id="37" idx="3"/>
-            <a:endCxn id="5" idx="1"/>
-          </p:cNvCxnSpPr>
-          <p:nvPr/>
-        </p:nvCxnSpPr>
-        <p:spPr>
-          <a:xfrm flipV="1">
-            <a:off x="9583358" y="3208078"/>
-            <a:ext cx="1081267" cy="576745"/>
-          </a:xfrm>
-          <a:prstGeom prst="bentConnector3">
-            <a:avLst>
-              <a:gd name="adj1" fmla="val 50000"/>
-            </a:avLst>
-          </a:prstGeom>
-          <a:ln>
-            <a:tailEnd type="triangle"/>
-          </a:ln>
-        </p:spPr>
-        <p:style>
-          <a:lnRef idx="1">
-            <a:schemeClr val="accent1"/>
-          </a:lnRef>
-          <a:fillRef idx="0">
-            <a:schemeClr val="accent1"/>
-          </a:fillRef>
-          <a:effectRef idx="0">
-            <a:schemeClr val="accent1"/>
-          </a:effectRef>
-          <a:fontRef idx="minor">
-            <a:schemeClr val="tx1"/>
-          </a:fontRef>
-        </p:style>
-      </p:cxnSp>
-      <p:cxnSp>
-        <p:nvCxnSpPr>
-          <p:cNvPr id="69" name="Straight Arrow Connector 68">
-            <a:extLst>
-              <a:ext uri="{FF2B5EF4-FFF2-40B4-BE49-F238E27FC236}">
-                <a16:creationId xmlns:a16="http://schemas.microsoft.com/office/drawing/2014/main" id="{96E91C27-F0B4-4F84-A3FF-4FCFADDAF55A}"/>
-              </a:ext>
-            </a:extLst>
-          </p:cNvPr>
-          <p:cNvCxnSpPr>
-            <a:cxnSpLocks/>
-            <a:stCxn id="41" idx="2"/>
-            <a:endCxn id="71" idx="0"/>
-          </p:cNvCxnSpPr>
-          <p:nvPr/>
-        </p:nvCxnSpPr>
-        <p:spPr>
-          <a:xfrm>
-            <a:off x="8539069" y="4811213"/>
-            <a:ext cx="25854" cy="1115384"/>
-          </a:xfrm>
-          <a:prstGeom prst="straightConnector1">
-            <a:avLst/>
-          </a:prstGeom>
-          <a:ln>
-            <a:prstDash val="dash"/>
-            <a:tailEnd type="triangle"/>
-          </a:ln>
-        </p:spPr>
-        <p:style>
-          <a:lnRef idx="1">
-            <a:schemeClr val="accent1"/>
-          </a:lnRef>
-          <a:fillRef idx="0">
-            <a:schemeClr val="accent1"/>
-          </a:fillRef>
-          <a:effectRef idx="0">
-            <a:schemeClr val="accent1"/>
-          </a:effectRef>
-          <a:fontRef idx="minor">
-            <a:schemeClr val="tx1"/>
-          </a:fontRef>
-        </p:style>
-      </p:cxnSp>
-      <p:sp>
-        <p:nvSpPr>
-          <p:cNvPr id="71" name="TextBox 70">
-            <a:extLst>
-              <a:ext uri="{FF2B5EF4-FFF2-40B4-BE49-F238E27FC236}">
-                <a16:creationId xmlns:a16="http://schemas.microsoft.com/office/drawing/2014/main" id="{71E2EC7F-557A-46A0-A7D0-765DDE8D2E98}"/>
-              </a:ext>
-            </a:extLst>
-          </p:cNvPr>
-          <p:cNvSpPr txBox="1"/>
-          <p:nvPr/>
-        </p:nvSpPr>
-        <p:spPr>
-          <a:xfrm>
-            <a:off x="6683991" y="5926597"/>
-            <a:ext cx="3761864" cy="323165"/>
-          </a:xfrm>
-          <a:prstGeom prst="rect">
-            <a:avLst/>
-          </a:prstGeom>
-          <a:noFill/>
-          <a:ln>
-            <a:solidFill>
-              <a:schemeClr val="accent6"/>
-            </a:solidFill>
-          </a:ln>
-        </p:spPr>
-        <p:txBody>
-          <a:bodyPr wrap="none" rtlCol="0">
-            <a:spAutoFit/>
-          </a:bodyPr>
-          <a:lstStyle/>
-          <a:p>
-            <a:r>
-              <a:rPr lang="en-GB" sz="1500" dirty="0"/>
-              <a:t>d.i.p.t.a.s.routingTest.ProcessorImplP1/P2/P3</a:t>
-            </a:r>
-            <a:endParaRPr lang="en-DE" sz="1500" dirty="0"/>
-          </a:p>
-        </p:txBody>
-      </p:sp>
-      <p:sp>
-        <p:nvSpPr>
-          <p:cNvPr id="41" name="TextBox 40">
-            <a:extLst>
-              <a:ext uri="{FF2B5EF4-FFF2-40B4-BE49-F238E27FC236}">
-                <a16:creationId xmlns:a16="http://schemas.microsoft.com/office/drawing/2014/main" id="{E3E4FA0C-E53F-4F83-A98E-FAE9FA5EBD21}"/>
-              </a:ext>
-            </a:extLst>
-          </p:cNvPr>
-          <p:cNvSpPr txBox="1"/>
-          <p:nvPr/>
-        </p:nvSpPr>
-        <p:spPr>
-          <a:xfrm>
-            <a:off x="7493173" y="4164882"/>
-            <a:ext cx="2091791" cy="646331"/>
-          </a:xfrm>
-          <a:prstGeom prst="rect">
-            <a:avLst/>
-          </a:prstGeom>
-          <a:noFill/>
-          <a:ln>
-            <a:solidFill>
-              <a:schemeClr val="accent1"/>
-            </a:solidFill>
-          </a:ln>
-        </p:spPr>
-        <p:txBody>
-          <a:bodyPr wrap="none" rtlCol="0">
-            <a:spAutoFit/>
-          </a:bodyPr>
-          <a:lstStyle/>
-          <a:p>
-            <a:r>
-              <a:rPr lang="en-GB" b="1" dirty="0"/>
-              <a:t>RoutingProcessorP2</a:t>
-            </a:r>
-          </a:p>
-          <a:p>
-            <a:r>
-              <a:rPr lang="en-GB" dirty="0"/>
-              <a:t>Java, sync</a:t>
-            </a:r>
-            <a:endParaRPr lang="en-DE" dirty="0"/>
-          </a:p>
-        </p:txBody>
-      </p:sp>
-      <p:cxnSp>
-        <p:nvCxnSpPr>
-          <p:cNvPr id="42" name="Connector: Elbow 41">
-            <a:extLst>
-              <a:ext uri="{FF2B5EF4-FFF2-40B4-BE49-F238E27FC236}">
-                <a16:creationId xmlns:a16="http://schemas.microsoft.com/office/drawing/2014/main" id="{93E15612-5635-4936-90C9-D07F9B2B7912}"/>
-              </a:ext>
-            </a:extLst>
-          </p:cNvPr>
-          <p:cNvCxnSpPr>
-            <a:cxnSpLocks/>
-            <a:stCxn id="13" idx="3"/>
-            <a:endCxn id="41" idx="1"/>
-          </p:cNvCxnSpPr>
-          <p:nvPr/>
-        </p:nvCxnSpPr>
-        <p:spPr>
-          <a:xfrm>
-            <a:off x="5815904" y="3198391"/>
-            <a:ext cx="1677269" cy="1289657"/>
-          </a:xfrm>
-          <a:prstGeom prst="bentConnector3">
-            <a:avLst>
-              <a:gd name="adj1" fmla="val 50000"/>
-            </a:avLst>
-          </a:prstGeom>
-          <a:ln>
-            <a:tailEnd type="triangle"/>
-          </a:ln>
-        </p:spPr>
-        <p:style>
-          <a:lnRef idx="1">
-            <a:schemeClr val="accent1"/>
-          </a:lnRef>
-          <a:fillRef idx="0">
-            <a:schemeClr val="accent1"/>
-          </a:fillRef>
-          <a:effectRef idx="0">
-            <a:schemeClr val="accent1"/>
-          </a:effectRef>
-          <a:fontRef idx="minor">
-            <a:schemeClr val="tx1"/>
-          </a:fontRef>
-        </p:style>
-      </p:cxnSp>
-      <p:cxnSp>
-        <p:nvCxnSpPr>
-          <p:cNvPr id="46" name="Connector: Elbow 45">
-            <a:extLst>
-              <a:ext uri="{FF2B5EF4-FFF2-40B4-BE49-F238E27FC236}">
-                <a16:creationId xmlns:a16="http://schemas.microsoft.com/office/drawing/2014/main" id="{52C70FD5-AAD5-4D66-9F7E-FD5700036799}"/>
-              </a:ext>
-            </a:extLst>
-          </p:cNvPr>
-          <p:cNvCxnSpPr>
-            <a:cxnSpLocks/>
-            <a:stCxn id="41" idx="3"/>
-            <a:endCxn id="5" idx="1"/>
-          </p:cNvCxnSpPr>
-          <p:nvPr/>
-        </p:nvCxnSpPr>
-        <p:spPr>
-          <a:xfrm flipV="1">
-            <a:off x="9584964" y="3208078"/>
-            <a:ext cx="1079661" cy="1279970"/>
-          </a:xfrm>
-          <a:prstGeom prst="bentConnector3">
-            <a:avLst>
-              <a:gd name="adj1" fmla="val 50000"/>
-            </a:avLst>
-          </a:prstGeom>
-          <a:ln>
             <a:tailEnd type="triangle"/>
           </a:ln>
         </p:spPr>
@@ -13524,7 +15094,7 @@
     </p:spTree>
     <p:extLst>
       <p:ext uri="{BB962C8B-B14F-4D97-AF65-F5344CB8AC3E}">
-        <p14:creationId xmlns:p14="http://schemas.microsoft.com/office/powerpoint/2010/main" val="8412347"/>
+        <p14:creationId xmlns:p14="http://schemas.microsoft.com/office/powerpoint/2010/main" val="632463815"/>
       </p:ext>
     </p:extLst>
   </p:cSld>
@@ -13574,7 +15144,7 @@
           <a:p>
             <a:r>
               <a:rPr lang="de-DE" dirty="0" err="1"/>
-              <a:t>KodexMesh</a:t>
+              <a:t>ContainerCreation</a:t>
             </a:r>
             <a:endParaRPr lang="en-DE" dirty="0"/>
           </a:p>
@@ -13602,42 +15172,43 @@
           <a:lstStyle/>
           <a:p>
             <a:r>
+              <a:rPr lang="de-DE" dirty="0" err="1"/>
+              <a:t>Based</a:t>
+            </a:r>
+            <a:r>
               <a:rPr lang="de-DE" dirty="0"/>
-              <a:t>Purpose: </a:t>
-            </a:r>
-          </a:p>
-          <a:p>
-            <a:pPr lvl="1"/>
+              <a:t> on </a:t>
+            </a:r>
+            <a:r>
+              <a:rPr lang="de-DE" dirty="0" err="1"/>
+              <a:t>SimpleMesh</a:t>
+            </a:r>
             <a:r>
               <a:rPr lang="de-DE" dirty="0"/>
-              <a:t>Test KODEX </a:t>
+              <a:t>, also like SimpleMesh3 but </a:t>
             </a:r>
             <a:r>
               <a:rPr lang="de-DE" dirty="0" err="1"/>
-              <a:t>integration</a:t>
+              <a:t>with</a:t>
+            </a:r>
+            <a:r>
+              <a:rPr lang="de-DE" dirty="0"/>
+              <a:t> Python </a:t>
+            </a:r>
+            <a:r>
+              <a:rPr lang="de-DE" dirty="0" err="1"/>
+              <a:t>service</a:t>
             </a:r>
             <a:endParaRPr lang="de-DE" dirty="0"/>
           </a:p>
           <a:p>
-            <a:pPr lvl="1"/>
+            <a:r>
+              <a:rPr lang="de-DE" dirty="0"/>
+              <a:t>Container </a:t>
+            </a:r>
             <a:r>
               <a:rPr lang="de-DE" dirty="0" err="1"/>
-              <a:t>Later</a:t>
-            </a:r>
-            <a:r>
-              <a:rPr lang="de-DE" dirty="0"/>
-              <a:t>: Also Python, </a:t>
-            </a:r>
-            <a:r>
-              <a:rPr lang="de-DE" dirty="0" err="1"/>
-              <a:t>synchronous</a:t>
-            </a:r>
-            <a:endParaRPr lang="de-DE" dirty="0"/>
-          </a:p>
-          <a:p>
-            <a:r>
-              <a:rPr lang="de-DE" dirty="0" err="1"/>
-              <a:t>Purely</a:t>
+              <a:t>creation</a:t>
             </a:r>
             <a:r>
               <a:rPr lang="de-DE" dirty="0"/>
@@ -13645,21 +15216,16 @@
             </a:r>
             <a:r>
               <a:rPr lang="de-DE" dirty="0" err="1"/>
-              <a:t>structural</a:t>
+              <a:t>with</a:t>
             </a:r>
             <a:r>
               <a:rPr lang="de-DE" dirty="0"/>
-              <a:t> </a:t>
+              <a:t> Python </a:t>
             </a:r>
             <a:r>
               <a:rPr lang="de-DE" dirty="0" err="1"/>
-              <a:t>test</a:t>
-            </a:r>
-            <a:endParaRPr lang="en-DE" dirty="0">
-              <a:latin typeface="Consolas" panose="020B0609020204030204" pitchFamily="49" charset="0"/>
-            </a:endParaRPr>
-          </a:p>
-          <a:p>
+              <a:t>dependencies</a:t>
+            </a:r>
             <a:endParaRPr lang="en-DE" dirty="0"/>
           </a:p>
         </p:txBody>
@@ -13667,7 +15233,7 @@
     </p:spTree>
     <p:extLst>
       <p:ext uri="{BB962C8B-B14F-4D97-AF65-F5344CB8AC3E}">
-        <p14:creationId xmlns:p14="http://schemas.microsoft.com/office/powerpoint/2010/main" val="1450845888"/>
+        <p14:creationId xmlns:p14="http://schemas.microsoft.com/office/powerpoint/2010/main" val="3857296769"/>
       </p:ext>
     </p:extLst>
   </p:cSld>

--- a/platform/configuration/configuration/src/test/easy/summary.pptx
+++ b/platform/configuration/configuration/src/test/easy/summary.pptx
@@ -278,7 +278,7 @@
           <a:p>
             <a:fld id="{D5B82AE6-E612-48AC-BCA1-8D558D7A7716}" type="datetimeFigureOut">
               <a:rPr lang="en-DE" smtClean="0"/>
-              <a:t>05/12/2022</a:t>
+              <a:t>29/12/2022</a:t>
             </a:fld>
             <a:endParaRPr lang="en-DE"/>
           </a:p>
@@ -478,7 +478,7 @@
           <a:p>
             <a:fld id="{D5B82AE6-E612-48AC-BCA1-8D558D7A7716}" type="datetimeFigureOut">
               <a:rPr lang="en-DE" smtClean="0"/>
-              <a:t>05/12/2022</a:t>
+              <a:t>29/12/2022</a:t>
             </a:fld>
             <a:endParaRPr lang="en-DE"/>
           </a:p>
@@ -688,7 +688,7 @@
           <a:p>
             <a:fld id="{D5B82AE6-E612-48AC-BCA1-8D558D7A7716}" type="datetimeFigureOut">
               <a:rPr lang="en-DE" smtClean="0"/>
-              <a:t>05/12/2022</a:t>
+              <a:t>29/12/2022</a:t>
             </a:fld>
             <a:endParaRPr lang="en-DE"/>
           </a:p>
@@ -888,7 +888,7 @@
           <a:p>
             <a:fld id="{D5B82AE6-E612-48AC-BCA1-8D558D7A7716}" type="datetimeFigureOut">
               <a:rPr lang="en-DE" smtClean="0"/>
-              <a:t>05/12/2022</a:t>
+              <a:t>29/12/2022</a:t>
             </a:fld>
             <a:endParaRPr lang="en-DE"/>
           </a:p>
@@ -1164,7 +1164,7 @@
           <a:p>
             <a:fld id="{D5B82AE6-E612-48AC-BCA1-8D558D7A7716}" type="datetimeFigureOut">
               <a:rPr lang="en-DE" smtClean="0"/>
-              <a:t>05/12/2022</a:t>
+              <a:t>29/12/2022</a:t>
             </a:fld>
             <a:endParaRPr lang="en-DE"/>
           </a:p>
@@ -1432,7 +1432,7 @@
           <a:p>
             <a:fld id="{D5B82AE6-E612-48AC-BCA1-8D558D7A7716}" type="datetimeFigureOut">
               <a:rPr lang="en-DE" smtClean="0"/>
-              <a:t>05/12/2022</a:t>
+              <a:t>29/12/2022</a:t>
             </a:fld>
             <a:endParaRPr lang="en-DE"/>
           </a:p>
@@ -1847,7 +1847,7 @@
           <a:p>
             <a:fld id="{D5B82AE6-E612-48AC-BCA1-8D558D7A7716}" type="datetimeFigureOut">
               <a:rPr lang="en-DE" smtClean="0"/>
-              <a:t>05/12/2022</a:t>
+              <a:t>29/12/2022</a:t>
             </a:fld>
             <a:endParaRPr lang="en-DE"/>
           </a:p>
@@ -1989,7 +1989,7 @@
           <a:p>
             <a:fld id="{D5B82AE6-E612-48AC-BCA1-8D558D7A7716}" type="datetimeFigureOut">
               <a:rPr lang="en-DE" smtClean="0"/>
-              <a:t>05/12/2022</a:t>
+              <a:t>29/12/2022</a:t>
             </a:fld>
             <a:endParaRPr lang="en-DE"/>
           </a:p>
@@ -2102,7 +2102,7 @@
           <a:p>
             <a:fld id="{D5B82AE6-E612-48AC-BCA1-8D558D7A7716}" type="datetimeFigureOut">
               <a:rPr lang="en-DE" smtClean="0"/>
-              <a:t>05/12/2022</a:t>
+              <a:t>29/12/2022</a:t>
             </a:fld>
             <a:endParaRPr lang="en-DE"/>
           </a:p>
@@ -2415,7 +2415,7 @@
           <a:p>
             <a:fld id="{D5B82AE6-E612-48AC-BCA1-8D558D7A7716}" type="datetimeFigureOut">
               <a:rPr lang="en-DE" smtClean="0"/>
-              <a:t>05/12/2022</a:t>
+              <a:t>29/12/2022</a:t>
             </a:fld>
             <a:endParaRPr lang="en-DE"/>
           </a:p>
@@ -2704,7 +2704,7 @@
           <a:p>
             <a:fld id="{D5B82AE6-E612-48AC-BCA1-8D558D7A7716}" type="datetimeFigureOut">
               <a:rPr lang="en-DE" smtClean="0"/>
-              <a:t>05/12/2022</a:t>
+              <a:t>29/12/2022</a:t>
             </a:fld>
             <a:endParaRPr lang="en-DE"/>
           </a:p>
@@ -2947,7 +2947,7 @@
           <a:p>
             <a:fld id="{D5B82AE6-E612-48AC-BCA1-8D558D7A7716}" type="datetimeFigureOut">
               <a:rPr lang="en-DE" smtClean="0"/>
-              <a:t>05/12/2022</a:t>
+              <a:t>29/12/2022</a:t>
             </a:fld>
             <a:endParaRPr lang="en-DE"/>
           </a:p>
@@ -11817,9 +11817,9 @@
               <a:lumOff val="80000"/>
             </a:schemeClr>
           </a:solidFill>
-          <a:ln>
+          <a:ln w="28575">
             <a:solidFill>
-              <a:schemeClr val="accent1"/>
+              <a:schemeClr val="accent6"/>
             </a:solidFill>
           </a:ln>
         </p:spPr>
@@ -11876,9 +11876,9 @@
               <a:lumOff val="80000"/>
             </a:schemeClr>
           </a:solidFill>
-          <a:ln>
+          <a:ln w="28575">
             <a:solidFill>
-              <a:schemeClr val="accent1"/>
+              <a:schemeClr val="accent6"/>
             </a:solidFill>
           </a:ln>
         </p:spPr>
@@ -11929,9 +11929,9 @@
               <a:lumOff val="80000"/>
             </a:schemeClr>
           </a:solidFill>
-          <a:ln>
+          <a:ln w="28575">
             <a:solidFill>
-              <a:schemeClr val="accent1"/>
+              <a:schemeClr val="accent6"/>
             </a:solidFill>
           </a:ln>
         </p:spPr>
@@ -12034,7 +12034,7 @@
         </p:nvSpPr>
         <p:spPr>
           <a:xfrm>
-            <a:off x="3734847" y="2253149"/>
+            <a:off x="3739737" y="2130900"/>
             <a:ext cx="2339487" cy="923330"/>
           </a:xfrm>
           <a:prstGeom prst="rect">
@@ -12144,8 +12144,8 @@
         </p:nvSpPr>
         <p:spPr>
           <a:xfrm>
-            <a:off x="222253" y="2117854"/>
-            <a:ext cx="3016147" cy="2308324"/>
+            <a:off x="222253" y="1487060"/>
+            <a:ext cx="3223255" cy="3139321"/>
           </a:xfrm>
           <a:prstGeom prst="rect">
             <a:avLst/>
@@ -12177,20 +12177,47 @@
             </a:r>
             <a:r>
               <a:rPr lang="en-GB" dirty="0"/>
-              <a:t>Shared platform config</a:t>
-            </a:r>
-          </a:p>
-          <a:p>
-            <a:r>
-              <a:rPr lang="en-GB" dirty="0"/>
-              <a:t>   Structural test (compilation, </a:t>
+              <a:t>Shared platform config (in </a:t>
             </a:r>
             <a:br>
               <a:rPr lang="en-GB" dirty="0"/>
             </a:br>
             <a:r>
               <a:rPr lang="en-GB" dirty="0"/>
-              <a:t>   file contents)</a:t>
+              <a:t>   folder </a:t>
+            </a:r>
+            <a:r>
+              <a:rPr lang="en-GB" dirty="0">
+                <a:latin typeface="Consolas" panose="020B0609020204030204" pitchFamily="49" charset="0"/>
+              </a:rPr>
+              <a:t>common</a:t>
+            </a:r>
+            <a:r>
+              <a:rPr lang="en-GB" dirty="0"/>
+              <a:t>)</a:t>
+            </a:r>
+          </a:p>
+          <a:p>
+            <a:r>
+              <a:rPr lang="en-GB" dirty="0"/>
+              <a:t>   Structural test (compilation, </a:t>
+            </a:r>
+            <a:br>
+              <a:rPr lang="en-GB" dirty="0"/>
+            </a:br>
+            <a:r>
+              <a:rPr lang="en-GB" dirty="0"/>
+              <a:t>   file contents in folder </a:t>
+            </a:r>
+            <a:r>
+              <a:rPr lang="en-GB" dirty="0">
+                <a:latin typeface="Consolas" panose="020B0609020204030204" pitchFamily="49" charset="0"/>
+              </a:rPr>
+              <a:t>single</a:t>
+            </a:r>
+            <a:r>
+              <a:rPr lang="en-GB" dirty="0"/>
+              <a:t>)</a:t>
             </a:r>
           </a:p>
           <a:p>
@@ -12217,6 +12244,19 @@
               <a:t>   (old style)</a:t>
             </a:r>
           </a:p>
+          <a:p>
+            <a:r>
+              <a:rPr lang="en-GB" dirty="0"/>
+              <a:t>   In managed model structure </a:t>
+            </a:r>
+            <a:br>
+              <a:rPr lang="en-GB" dirty="0"/>
+            </a:br>
+            <a:r>
+              <a:rPr lang="en-GB" dirty="0"/>
+              <a:t>   (own folder)</a:t>
+            </a:r>
+          </a:p>
         </p:txBody>
       </p:sp>
       <p:sp>
@@ -12233,7 +12273,7 @@
         </p:nvSpPr>
         <p:spPr>
           <a:xfrm>
-            <a:off x="257115" y="2478923"/>
+            <a:off x="257115" y="1848129"/>
             <a:ext cx="173041" cy="190793"/>
           </a:xfrm>
           <a:prstGeom prst="rect">
@@ -12338,9 +12378,9 @@
           <p:nvPr/>
         </p:nvCxnSpPr>
         <p:spPr>
-          <a:xfrm rot="5400000">
-            <a:off x="4640941" y="1989499"/>
-            <a:ext cx="527300" cy="12700"/>
+          <a:xfrm rot="16200000" flipH="1">
+            <a:off x="4704511" y="1925929"/>
+            <a:ext cx="405051" cy="4890"/>
           </a:xfrm>
           <a:prstGeom prst="bentConnector3">
             <a:avLst>
@@ -12693,7 +12733,7 @@
         </p:nvSpPr>
         <p:spPr>
           <a:xfrm>
-            <a:off x="252827" y="2723185"/>
+            <a:off x="252827" y="2405344"/>
             <a:ext cx="173041" cy="190793"/>
           </a:xfrm>
           <a:prstGeom prst="rect">
@@ -12748,7 +12788,7 @@
         </p:nvSpPr>
         <p:spPr>
           <a:xfrm>
-            <a:off x="252826" y="3310230"/>
+            <a:off x="252826" y="2948379"/>
             <a:ext cx="173041" cy="190793"/>
           </a:xfrm>
           <a:prstGeom prst="rect">
@@ -12803,7 +12843,7 @@
         </p:nvSpPr>
         <p:spPr>
           <a:xfrm>
-            <a:off x="252825" y="3848626"/>
+            <a:off x="252825" y="3486775"/>
             <a:ext cx="173041" cy="190793"/>
           </a:xfrm>
           <a:prstGeom prst="rect">
@@ -12813,6 +12853,58 @@
           <a:ln w="38100">
             <a:solidFill>
               <a:schemeClr val="accent1"/>
+            </a:solidFill>
+          </a:ln>
+        </p:spPr>
+        <p:style>
+          <a:lnRef idx="2">
+            <a:schemeClr val="accent1">
+              <a:shade val="50000"/>
+            </a:schemeClr>
+          </a:lnRef>
+          <a:fillRef idx="1">
+            <a:schemeClr val="accent1"/>
+          </a:fillRef>
+          <a:effectRef idx="0">
+            <a:schemeClr val="accent1"/>
+          </a:effectRef>
+          <a:fontRef idx="minor">
+            <a:schemeClr val="lt1"/>
+          </a:fontRef>
+        </p:style>
+        <p:txBody>
+          <a:bodyPr rtlCol="0" anchor="ctr"/>
+          <a:lstStyle/>
+          <a:p>
+            <a:pPr algn="ctr"/>
+            <a:endParaRPr lang="en-DE"/>
+          </a:p>
+        </p:txBody>
+      </p:sp>
+      <p:sp>
+        <p:nvSpPr>
+          <p:cNvPr id="28" name="Rectangle 27">
+            <a:extLst>
+              <a:ext uri="{FF2B5EF4-FFF2-40B4-BE49-F238E27FC236}">
+                <a16:creationId xmlns:a16="http://schemas.microsoft.com/office/drawing/2014/main" id="{84E3513E-BBA0-45EB-9ABE-5C2F73C43CE1}"/>
+              </a:ext>
+            </a:extLst>
+          </p:cNvPr>
+          <p:cNvSpPr/>
+          <p:nvPr/>
+        </p:nvSpPr>
+        <p:spPr>
+          <a:xfrm>
+            <a:off x="252825" y="4040192"/>
+            <a:ext cx="173041" cy="190793"/>
+          </a:xfrm>
+          <a:prstGeom prst="rect">
+            <a:avLst/>
+          </a:prstGeom>
+          <a:noFill/>
+          <a:ln w="28575" cmpd="sng">
+            <a:solidFill>
+              <a:schemeClr val="accent6"/>
             </a:solidFill>
           </a:ln>
         </p:spPr>

--- a/platform/configuration/configuration/src/test/easy/summary.pptx
+++ b/platform/configuration/configuration/src/test/easy/summary.pptx
@@ -278,7 +278,7 @@
           <a:p>
             <a:fld id="{D5B82AE6-E612-48AC-BCA1-8D558D7A7716}" type="datetimeFigureOut">
               <a:rPr lang="en-DE" smtClean="0"/>
-              <a:t>29/12/2022</a:t>
+              <a:t>04/02/2023</a:t>
             </a:fld>
             <a:endParaRPr lang="en-DE"/>
           </a:p>
@@ -478,7 +478,7 @@
           <a:p>
             <a:fld id="{D5B82AE6-E612-48AC-BCA1-8D558D7A7716}" type="datetimeFigureOut">
               <a:rPr lang="en-DE" smtClean="0"/>
-              <a:t>29/12/2022</a:t>
+              <a:t>04/02/2023</a:t>
             </a:fld>
             <a:endParaRPr lang="en-DE"/>
           </a:p>
@@ -688,7 +688,7 @@
           <a:p>
             <a:fld id="{D5B82AE6-E612-48AC-BCA1-8D558D7A7716}" type="datetimeFigureOut">
               <a:rPr lang="en-DE" smtClean="0"/>
-              <a:t>29/12/2022</a:t>
+              <a:t>04/02/2023</a:t>
             </a:fld>
             <a:endParaRPr lang="en-DE"/>
           </a:p>
@@ -888,7 +888,7 @@
           <a:p>
             <a:fld id="{D5B82AE6-E612-48AC-BCA1-8D558D7A7716}" type="datetimeFigureOut">
               <a:rPr lang="en-DE" smtClean="0"/>
-              <a:t>29/12/2022</a:t>
+              <a:t>04/02/2023</a:t>
             </a:fld>
             <a:endParaRPr lang="en-DE"/>
           </a:p>
@@ -1164,7 +1164,7 @@
           <a:p>
             <a:fld id="{D5B82AE6-E612-48AC-BCA1-8D558D7A7716}" type="datetimeFigureOut">
               <a:rPr lang="en-DE" smtClean="0"/>
-              <a:t>29/12/2022</a:t>
+              <a:t>04/02/2023</a:t>
             </a:fld>
             <a:endParaRPr lang="en-DE"/>
           </a:p>
@@ -1432,7 +1432,7 @@
           <a:p>
             <a:fld id="{D5B82AE6-E612-48AC-BCA1-8D558D7A7716}" type="datetimeFigureOut">
               <a:rPr lang="en-DE" smtClean="0"/>
-              <a:t>29/12/2022</a:t>
+              <a:t>04/02/2023</a:t>
             </a:fld>
             <a:endParaRPr lang="en-DE"/>
           </a:p>
@@ -1847,7 +1847,7 @@
           <a:p>
             <a:fld id="{D5B82AE6-E612-48AC-BCA1-8D558D7A7716}" type="datetimeFigureOut">
               <a:rPr lang="en-DE" smtClean="0"/>
-              <a:t>29/12/2022</a:t>
+              <a:t>04/02/2023</a:t>
             </a:fld>
             <a:endParaRPr lang="en-DE"/>
           </a:p>
@@ -1989,7 +1989,7 @@
           <a:p>
             <a:fld id="{D5B82AE6-E612-48AC-BCA1-8D558D7A7716}" type="datetimeFigureOut">
               <a:rPr lang="en-DE" smtClean="0"/>
-              <a:t>29/12/2022</a:t>
+              <a:t>04/02/2023</a:t>
             </a:fld>
             <a:endParaRPr lang="en-DE"/>
           </a:p>
@@ -2102,7 +2102,7 @@
           <a:p>
             <a:fld id="{D5B82AE6-E612-48AC-BCA1-8D558D7A7716}" type="datetimeFigureOut">
               <a:rPr lang="en-DE" smtClean="0"/>
-              <a:t>29/12/2022</a:t>
+              <a:t>04/02/2023</a:t>
             </a:fld>
             <a:endParaRPr lang="en-DE"/>
           </a:p>
@@ -2415,7 +2415,7 @@
           <a:p>
             <a:fld id="{D5B82AE6-E612-48AC-BCA1-8D558D7A7716}" type="datetimeFigureOut">
               <a:rPr lang="en-DE" smtClean="0"/>
-              <a:t>29/12/2022</a:t>
+              <a:t>04/02/2023</a:t>
             </a:fld>
             <a:endParaRPr lang="en-DE"/>
           </a:p>
@@ -2704,7 +2704,7 @@
           <a:p>
             <a:fld id="{D5B82AE6-E612-48AC-BCA1-8D558D7A7716}" type="datetimeFigureOut">
               <a:rPr lang="en-DE" smtClean="0"/>
-              <a:t>29/12/2022</a:t>
+              <a:t>04/02/2023</a:t>
             </a:fld>
             <a:endParaRPr lang="en-DE"/>
           </a:p>
@@ -2947,7 +2947,7 @@
           <a:p>
             <a:fld id="{D5B82AE6-E612-48AC-BCA1-8D558D7A7716}" type="datetimeFigureOut">
               <a:rPr lang="en-DE" smtClean="0"/>
-              <a:t>29/12/2022</a:t>
+              <a:t>04/02/2023</a:t>
             </a:fld>
             <a:endParaRPr lang="en-DE"/>
           </a:p>
@@ -9834,6 +9834,46 @@
             <a:endParaRPr lang="de-DE" dirty="0"/>
           </a:p>
           <a:p>
+            <a:pPr lvl="1"/>
+            <a:r>
+              <a:rPr lang="de-DE" dirty="0" err="1"/>
+              <a:t>Applies</a:t>
+            </a:r>
+            <a:r>
+              <a:rPr lang="de-DE" dirty="0"/>
+              <a:t> </a:t>
+            </a:r>
+            <a:r>
+              <a:rPr lang="de-DE" dirty="0" err="1"/>
+              <a:t>object</a:t>
+            </a:r>
+            <a:r>
+              <a:rPr lang="de-DE" dirty="0"/>
+              <a:t> </a:t>
+            </a:r>
+            <a:r>
+              <a:rPr lang="de-DE" dirty="0" err="1"/>
+              <a:t>arrays</a:t>
+            </a:r>
+            <a:r>
+              <a:rPr lang="de-DE" dirty="0"/>
+              <a:t> </a:t>
+            </a:r>
+            <a:r>
+              <a:rPr lang="de-DE" dirty="0" err="1"/>
+              <a:t>to</a:t>
+            </a:r>
+            <a:r>
+              <a:rPr lang="de-DE" dirty="0"/>
+              <a:t> </a:t>
+            </a:r>
+            <a:r>
+              <a:rPr lang="de-DE" dirty="0" err="1"/>
+              <a:t>connectors</a:t>
+            </a:r>
+            <a:endParaRPr lang="de-DE" dirty="0"/>
+          </a:p>
+          <a:p>
             <a:r>
               <a:rPr lang="de-DE" dirty="0"/>
               <a:t>Purpose: </a:t>

--- a/platform/configuration/configuration/src/test/easy/summary.pptx
+++ b/platform/configuration/configuration/src/test/easy/summary.pptx
@@ -278,7 +278,7 @@
           <a:p>
             <a:fld id="{D5B82AE6-E612-48AC-BCA1-8D558D7A7716}" type="datetimeFigureOut">
               <a:rPr lang="en-DE" smtClean="0"/>
-              <a:t>04/02/2023</a:t>
+              <a:t>05/02/2023</a:t>
             </a:fld>
             <a:endParaRPr lang="en-DE"/>
           </a:p>
@@ -478,7 +478,7 @@
           <a:p>
             <a:fld id="{D5B82AE6-E612-48AC-BCA1-8D558D7A7716}" type="datetimeFigureOut">
               <a:rPr lang="en-DE" smtClean="0"/>
-              <a:t>04/02/2023</a:t>
+              <a:t>05/02/2023</a:t>
             </a:fld>
             <a:endParaRPr lang="en-DE"/>
           </a:p>
@@ -688,7 +688,7 @@
           <a:p>
             <a:fld id="{D5B82AE6-E612-48AC-BCA1-8D558D7A7716}" type="datetimeFigureOut">
               <a:rPr lang="en-DE" smtClean="0"/>
-              <a:t>04/02/2023</a:t>
+              <a:t>05/02/2023</a:t>
             </a:fld>
             <a:endParaRPr lang="en-DE"/>
           </a:p>
@@ -888,7 +888,7 @@
           <a:p>
             <a:fld id="{D5B82AE6-E612-48AC-BCA1-8D558D7A7716}" type="datetimeFigureOut">
               <a:rPr lang="en-DE" smtClean="0"/>
-              <a:t>04/02/2023</a:t>
+              <a:t>05/02/2023</a:t>
             </a:fld>
             <a:endParaRPr lang="en-DE"/>
           </a:p>
@@ -1164,7 +1164,7 @@
           <a:p>
             <a:fld id="{D5B82AE6-E612-48AC-BCA1-8D558D7A7716}" type="datetimeFigureOut">
               <a:rPr lang="en-DE" smtClean="0"/>
-              <a:t>04/02/2023</a:t>
+              <a:t>05/02/2023</a:t>
             </a:fld>
             <a:endParaRPr lang="en-DE"/>
           </a:p>
@@ -1432,7 +1432,7 @@
           <a:p>
             <a:fld id="{D5B82AE6-E612-48AC-BCA1-8D558D7A7716}" type="datetimeFigureOut">
               <a:rPr lang="en-DE" smtClean="0"/>
-              <a:t>04/02/2023</a:t>
+              <a:t>05/02/2023</a:t>
             </a:fld>
             <a:endParaRPr lang="en-DE"/>
           </a:p>
@@ -1847,7 +1847,7 @@
           <a:p>
             <a:fld id="{D5B82AE6-E612-48AC-BCA1-8D558D7A7716}" type="datetimeFigureOut">
               <a:rPr lang="en-DE" smtClean="0"/>
-              <a:t>04/02/2023</a:t>
+              <a:t>05/02/2023</a:t>
             </a:fld>
             <a:endParaRPr lang="en-DE"/>
           </a:p>
@@ -1989,7 +1989,7 @@
           <a:p>
             <a:fld id="{D5B82AE6-E612-48AC-BCA1-8D558D7A7716}" type="datetimeFigureOut">
               <a:rPr lang="en-DE" smtClean="0"/>
-              <a:t>04/02/2023</a:t>
+              <a:t>05/02/2023</a:t>
             </a:fld>
             <a:endParaRPr lang="en-DE"/>
           </a:p>
@@ -2102,7 +2102,7 @@
           <a:p>
             <a:fld id="{D5B82AE6-E612-48AC-BCA1-8D558D7A7716}" type="datetimeFigureOut">
               <a:rPr lang="en-DE" smtClean="0"/>
-              <a:t>04/02/2023</a:t>
+              <a:t>05/02/2023</a:t>
             </a:fld>
             <a:endParaRPr lang="en-DE"/>
           </a:p>
@@ -2415,7 +2415,7 @@
           <a:p>
             <a:fld id="{D5B82AE6-E612-48AC-BCA1-8D558D7A7716}" type="datetimeFigureOut">
               <a:rPr lang="en-DE" smtClean="0"/>
-              <a:t>04/02/2023</a:t>
+              <a:t>05/02/2023</a:t>
             </a:fld>
             <a:endParaRPr lang="en-DE"/>
           </a:p>
@@ -2704,7 +2704,7 @@
           <a:p>
             <a:fld id="{D5B82AE6-E612-48AC-BCA1-8D558D7A7716}" type="datetimeFigureOut">
               <a:rPr lang="en-DE" smtClean="0"/>
-              <a:t>04/02/2023</a:t>
+              <a:t>05/02/2023</a:t>
             </a:fld>
             <a:endParaRPr lang="en-DE"/>
           </a:p>
@@ -2947,7 +2947,7 @@
           <a:p>
             <a:fld id="{D5B82AE6-E612-48AC-BCA1-8D558D7A7716}" type="datetimeFigureOut">
               <a:rPr lang="en-DE" smtClean="0"/>
-              <a:t>04/02/2023</a:t>
+              <a:t>05/02/2023</a:t>
             </a:fld>
             <a:endParaRPr lang="en-DE"/>
           </a:p>
@@ -7640,7 +7640,29 @@
             </a:r>
             <a:r>
               <a:rPr lang="de-DE" dirty="0" err="1"/>
-              <a:t>generation</a:t>
+              <a:t>generating</a:t>
+            </a:r>
+            <a:r>
+              <a:rPr lang="de-DE" dirty="0"/>
+              <a:t> a </a:t>
+            </a:r>
+            <a:r>
+              <a:rPr lang="de-DE" dirty="0" err="1"/>
+              <a:t>serializer</a:t>
+            </a:r>
+            <a:endParaRPr lang="de-DE" dirty="0"/>
+          </a:p>
+          <a:p>
+            <a:r>
+              <a:rPr lang="de-DE" dirty="0"/>
+              <a:t>Purpose: </a:t>
+            </a:r>
+          </a:p>
+          <a:p>
+            <a:pPr lvl="1"/>
+            <a:r>
+              <a:rPr lang="de-DE" dirty="0" err="1"/>
+              <a:t>Two</a:t>
             </a:r>
             <a:r>
               <a:rPr lang="de-DE" dirty="0"/>
@@ -7648,29 +7670,7 @@
             </a:r>
             <a:r>
               <a:rPr lang="de-DE" dirty="0" err="1"/>
-              <a:t>of</a:t>
-            </a:r>
-            <a:r>
-              <a:rPr lang="de-DE" dirty="0"/>
-              <a:t> a </a:t>
-            </a:r>
-            <a:r>
-              <a:rPr lang="de-DE" dirty="0" err="1"/>
-              <a:t>serializer</a:t>
-            </a:r>
-            <a:endParaRPr lang="de-DE" dirty="0"/>
-          </a:p>
-          <a:p>
-            <a:r>
-              <a:rPr lang="de-DE" dirty="0"/>
-              <a:t>Purpose: </a:t>
-            </a:r>
-          </a:p>
-          <a:p>
-            <a:pPr lvl="1"/>
-            <a:r>
-              <a:rPr lang="de-DE" dirty="0" err="1"/>
-              <a:t>Two</a:t>
+              <a:t>connectors</a:t>
             </a:r>
             <a:r>
               <a:rPr lang="de-DE" dirty="0"/>
@@ -7678,7 +7678,7 @@
             </a:r>
             <a:r>
               <a:rPr lang="de-DE" dirty="0" err="1"/>
-              <a:t>connectors</a:t>
+              <a:t>with</a:t>
             </a:r>
             <a:r>
               <a:rPr lang="de-DE" dirty="0"/>
@@ -7686,7 +7686,7 @@
             </a:r>
             <a:r>
               <a:rPr lang="de-DE" dirty="0" err="1"/>
-              <a:t>with</a:t>
+              <a:t>data</a:t>
             </a:r>
             <a:r>
               <a:rPr lang="de-DE" dirty="0"/>
@@ -7694,7 +7694,51 @@
             </a:r>
             <a:r>
               <a:rPr lang="de-DE" dirty="0" err="1"/>
-              <a:t>data</a:t>
+              <a:t>transformation</a:t>
+            </a:r>
+            <a:endParaRPr lang="de-DE" dirty="0"/>
+          </a:p>
+          <a:p>
+            <a:pPr lvl="1"/>
+            <a:r>
+              <a:rPr lang="de-DE" dirty="0"/>
+              <a:t>RTSA </a:t>
+            </a:r>
+            <a:r>
+              <a:rPr lang="de-DE" dirty="0" err="1"/>
+              <a:t>integration</a:t>
+            </a:r>
+            <a:endParaRPr lang="de-DE" dirty="0"/>
+          </a:p>
+          <a:p>
+            <a:pPr lvl="1"/>
+            <a:r>
+              <a:rPr lang="de-DE" dirty="0"/>
+              <a:t>Service </a:t>
+            </a:r>
+            <a:r>
+              <a:rPr lang="de-DE" dirty="0" err="1"/>
+              <a:t>family</a:t>
+            </a:r>
+            <a:endParaRPr lang="de-DE" dirty="0"/>
+          </a:p>
+          <a:p>
+            <a:pPr lvl="1"/>
+            <a:r>
+              <a:rPr lang="de-DE" dirty="0"/>
+              <a:t>Service </a:t>
+            </a:r>
+            <a:r>
+              <a:rPr lang="de-DE" dirty="0" err="1"/>
+              <a:t>parameters</a:t>
+            </a:r>
+            <a:endParaRPr lang="de-DE" dirty="0"/>
+          </a:p>
+          <a:p>
+            <a:pPr lvl="1"/>
+            <a:r>
+              <a:rPr lang="de-DE" dirty="0" err="1"/>
+              <a:t>Applies</a:t>
             </a:r>
             <a:r>
               <a:rPr lang="de-DE" dirty="0"/>
@@ -7702,43 +7746,31 @@
             </a:r>
             <a:r>
               <a:rPr lang="de-DE" dirty="0" err="1"/>
-              <a:t>transformation</a:t>
-            </a:r>
-            <a:endParaRPr lang="de-DE" dirty="0"/>
-          </a:p>
-          <a:p>
-            <a:pPr lvl="1"/>
+              <a:t>object</a:t>
+            </a:r>
             <a:r>
               <a:rPr lang="de-DE" dirty="0"/>
-              <a:t>RTSA </a:t>
+              <a:t> </a:t>
             </a:r>
             <a:r>
               <a:rPr lang="de-DE" dirty="0" err="1"/>
-              <a:t>integration</a:t>
-            </a:r>
-            <a:endParaRPr lang="de-DE" dirty="0"/>
-          </a:p>
-          <a:p>
-            <a:pPr lvl="1"/>
+              <a:t>arrays</a:t>
+            </a:r>
             <a:r>
               <a:rPr lang="de-DE" dirty="0"/>
-              <a:t>Service </a:t>
+              <a:t> </a:t>
             </a:r>
             <a:r>
               <a:rPr lang="de-DE" dirty="0" err="1"/>
-              <a:t>family</a:t>
-            </a:r>
-            <a:endParaRPr lang="de-DE" dirty="0"/>
-          </a:p>
-          <a:p>
-            <a:pPr lvl="1"/>
+              <a:t>to</a:t>
+            </a:r>
             <a:r>
               <a:rPr lang="de-DE" dirty="0"/>
-              <a:t>Service </a:t>
+              <a:t> </a:t>
             </a:r>
             <a:r>
               <a:rPr lang="de-DE" dirty="0" err="1"/>
-              <a:t>parameters</a:t>
+              <a:t>connectors</a:t>
             </a:r>
             <a:endParaRPr lang="de-DE" dirty="0"/>
           </a:p>
@@ -9774,7 +9806,23 @@
             </a:r>
             <a:r>
               <a:rPr lang="de-DE" dirty="0" err="1"/>
-              <a:t>generation</a:t>
+              <a:t>generating</a:t>
+            </a:r>
+            <a:r>
+              <a:rPr lang="de-DE"/>
+              <a:t> a </a:t>
+            </a:r>
+            <a:r>
+              <a:rPr lang="de-DE" dirty="0" err="1"/>
+              <a:t>serializer</a:t>
+            </a:r>
+            <a:endParaRPr lang="de-DE" dirty="0"/>
+          </a:p>
+          <a:p>
+            <a:pPr lvl="1"/>
+            <a:r>
+              <a:rPr lang="de-DE" dirty="0" err="1"/>
+              <a:t>Derived</a:t>
             </a:r>
             <a:r>
               <a:rPr lang="de-DE" dirty="0"/>
@@ -9782,23 +9830,22 @@
             </a:r>
             <a:r>
               <a:rPr lang="de-DE" dirty="0" err="1"/>
-              <a:t>of</a:t>
+              <a:t>from</a:t>
             </a:r>
             <a:r>
               <a:rPr lang="de-DE" dirty="0"/>
-              <a:t> a </a:t>
+              <a:t> SerializerConfig1</a:t>
+            </a:r>
+          </a:p>
+          <a:p>
+            <a:pPr lvl="1"/>
+            <a:r>
+              <a:rPr lang="de-DE" dirty="0"/>
+              <a:t>Old-style not-</a:t>
             </a:r>
             <a:r>
               <a:rPr lang="de-DE" dirty="0" err="1"/>
-              <a:t>serializer</a:t>
-            </a:r>
-            <a:endParaRPr lang="de-DE" dirty="0"/>
-          </a:p>
-          <a:p>
-            <a:pPr lvl="1"/>
-            <a:r>
-              <a:rPr lang="de-DE" dirty="0" err="1"/>
-              <a:t>Derived</a:t>
+              <a:t>shared</a:t>
             </a:r>
             <a:r>
               <a:rPr lang="de-DE" dirty="0"/>
@@ -9806,70 +9853,7 @@
             </a:r>
             <a:r>
               <a:rPr lang="de-DE" dirty="0" err="1"/>
-              <a:t>from</a:t>
-            </a:r>
-            <a:r>
-              <a:rPr lang="de-DE" dirty="0"/>
-              <a:t> SerializerConfig1</a:t>
-            </a:r>
-          </a:p>
-          <a:p>
-            <a:pPr lvl="1"/>
-            <a:r>
-              <a:rPr lang="de-DE" dirty="0"/>
-              <a:t>Old-style not-</a:t>
-            </a:r>
-            <a:r>
-              <a:rPr lang="de-DE" dirty="0" err="1"/>
-              <a:t>separated</a:t>
-            </a:r>
-            <a:r>
-              <a:rPr lang="de-DE" dirty="0"/>
-              <a:t> </a:t>
-            </a:r>
-            <a:r>
-              <a:rPr lang="de-DE" dirty="0" err="1"/>
               <a:t>interfaces</a:t>
-            </a:r>
-            <a:endParaRPr lang="de-DE" dirty="0"/>
-          </a:p>
-          <a:p>
-            <a:pPr lvl="1"/>
-            <a:r>
-              <a:rPr lang="de-DE" dirty="0" err="1"/>
-              <a:t>Applies</a:t>
-            </a:r>
-            <a:r>
-              <a:rPr lang="de-DE" dirty="0"/>
-              <a:t> </a:t>
-            </a:r>
-            <a:r>
-              <a:rPr lang="de-DE" dirty="0" err="1"/>
-              <a:t>object</a:t>
-            </a:r>
-            <a:r>
-              <a:rPr lang="de-DE" dirty="0"/>
-              <a:t> </a:t>
-            </a:r>
-            <a:r>
-              <a:rPr lang="de-DE" dirty="0" err="1"/>
-              <a:t>arrays</a:t>
-            </a:r>
-            <a:r>
-              <a:rPr lang="de-DE" dirty="0"/>
-              <a:t> </a:t>
-            </a:r>
-            <a:r>
-              <a:rPr lang="de-DE" dirty="0" err="1"/>
-              <a:t>to</a:t>
-            </a:r>
-            <a:r>
-              <a:rPr lang="de-DE" dirty="0"/>
-              <a:t> </a:t>
-            </a:r>
-            <a:r>
-              <a:rPr lang="de-DE" dirty="0" err="1"/>
-              <a:t>connectors</a:t>
             </a:r>
             <a:endParaRPr lang="de-DE" dirty="0"/>
           </a:p>

--- a/platform/configuration/configuration/src/test/easy/summary.pptx
+++ b/platform/configuration/configuration/src/test/easy/summary.pptx
@@ -278,7 +278,7 @@
           <a:p>
             <a:fld id="{D5B82AE6-E612-48AC-BCA1-8D558D7A7716}" type="datetimeFigureOut">
               <a:rPr lang="en-DE" smtClean="0"/>
-              <a:t>05/02/2023</a:t>
+              <a:t>30/11/2023</a:t>
             </a:fld>
             <a:endParaRPr lang="en-DE"/>
           </a:p>
@@ -478,7 +478,7 @@
           <a:p>
             <a:fld id="{D5B82AE6-E612-48AC-BCA1-8D558D7A7716}" type="datetimeFigureOut">
               <a:rPr lang="en-DE" smtClean="0"/>
-              <a:t>05/02/2023</a:t>
+              <a:t>30/11/2023</a:t>
             </a:fld>
             <a:endParaRPr lang="en-DE"/>
           </a:p>
@@ -688,7 +688,7 @@
           <a:p>
             <a:fld id="{D5B82AE6-E612-48AC-BCA1-8D558D7A7716}" type="datetimeFigureOut">
               <a:rPr lang="en-DE" smtClean="0"/>
-              <a:t>05/02/2023</a:t>
+              <a:t>30/11/2023</a:t>
             </a:fld>
             <a:endParaRPr lang="en-DE"/>
           </a:p>
@@ -888,7 +888,7 @@
           <a:p>
             <a:fld id="{D5B82AE6-E612-48AC-BCA1-8D558D7A7716}" type="datetimeFigureOut">
               <a:rPr lang="en-DE" smtClean="0"/>
-              <a:t>05/02/2023</a:t>
+              <a:t>30/11/2023</a:t>
             </a:fld>
             <a:endParaRPr lang="en-DE"/>
           </a:p>
@@ -1164,7 +1164,7 @@
           <a:p>
             <a:fld id="{D5B82AE6-E612-48AC-BCA1-8D558D7A7716}" type="datetimeFigureOut">
               <a:rPr lang="en-DE" smtClean="0"/>
-              <a:t>05/02/2023</a:t>
+              <a:t>30/11/2023</a:t>
             </a:fld>
             <a:endParaRPr lang="en-DE"/>
           </a:p>
@@ -1432,7 +1432,7 @@
           <a:p>
             <a:fld id="{D5B82AE6-E612-48AC-BCA1-8D558D7A7716}" type="datetimeFigureOut">
               <a:rPr lang="en-DE" smtClean="0"/>
-              <a:t>05/02/2023</a:t>
+              <a:t>30/11/2023</a:t>
             </a:fld>
             <a:endParaRPr lang="en-DE"/>
           </a:p>
@@ -1847,7 +1847,7 @@
           <a:p>
             <a:fld id="{D5B82AE6-E612-48AC-BCA1-8D558D7A7716}" type="datetimeFigureOut">
               <a:rPr lang="en-DE" smtClean="0"/>
-              <a:t>05/02/2023</a:t>
+              <a:t>30/11/2023</a:t>
             </a:fld>
             <a:endParaRPr lang="en-DE"/>
           </a:p>
@@ -1989,7 +1989,7 @@
           <a:p>
             <a:fld id="{D5B82AE6-E612-48AC-BCA1-8D558D7A7716}" type="datetimeFigureOut">
               <a:rPr lang="en-DE" smtClean="0"/>
-              <a:t>05/02/2023</a:t>
+              <a:t>30/11/2023</a:t>
             </a:fld>
             <a:endParaRPr lang="en-DE"/>
           </a:p>
@@ -2102,7 +2102,7 @@
           <a:p>
             <a:fld id="{D5B82AE6-E612-48AC-BCA1-8D558D7A7716}" type="datetimeFigureOut">
               <a:rPr lang="en-DE" smtClean="0"/>
-              <a:t>05/02/2023</a:t>
+              <a:t>30/11/2023</a:t>
             </a:fld>
             <a:endParaRPr lang="en-DE"/>
           </a:p>
@@ -2415,7 +2415,7 @@
           <a:p>
             <a:fld id="{D5B82AE6-E612-48AC-BCA1-8D558D7A7716}" type="datetimeFigureOut">
               <a:rPr lang="en-DE" smtClean="0"/>
-              <a:t>05/02/2023</a:t>
+              <a:t>30/11/2023</a:t>
             </a:fld>
             <a:endParaRPr lang="en-DE"/>
           </a:p>
@@ -2704,7 +2704,7 @@
           <a:p>
             <a:fld id="{D5B82AE6-E612-48AC-BCA1-8D558D7A7716}" type="datetimeFigureOut">
               <a:rPr lang="en-DE" smtClean="0"/>
-              <a:t>05/02/2023</a:t>
+              <a:t>30/11/2023</a:t>
             </a:fld>
             <a:endParaRPr lang="en-DE"/>
           </a:p>
@@ -2947,7 +2947,7 @@
           <a:p>
             <a:fld id="{D5B82AE6-E612-48AC-BCA1-8D558D7A7716}" type="datetimeFigureOut">
               <a:rPr lang="en-DE" smtClean="0"/>
-              <a:t>05/02/2023</a:t>
+              <a:t>30/11/2023</a:t>
             </a:fld>
             <a:endParaRPr lang="en-DE"/>
           </a:p>
@@ -13668,6 +13668,360 @@
           </a:fontRef>
         </p:style>
       </p:cxnSp>
+      <p:cxnSp>
+        <p:nvCxnSpPr>
+          <p:cNvPr id="13" name="Connector: Elbow 12">
+            <a:extLst>
+              <a:ext uri="{FF2B5EF4-FFF2-40B4-BE49-F238E27FC236}">
+                <a16:creationId xmlns:a16="http://schemas.microsoft.com/office/drawing/2014/main" id="{3D86C15D-C565-4A39-A426-B2A8320B47B3}"/>
+              </a:ext>
+            </a:extLst>
+          </p:cNvPr>
+          <p:cNvCxnSpPr>
+            <a:cxnSpLocks/>
+            <a:stCxn id="17" idx="1"/>
+            <a:endCxn id="19" idx="3"/>
+          </p:cNvCxnSpPr>
+          <p:nvPr/>
+        </p:nvCxnSpPr>
+        <p:spPr>
+          <a:xfrm rot="10800000" flipV="1">
+            <a:off x="5261739" y="3439073"/>
+            <a:ext cx="2377461" cy="3177"/>
+          </a:xfrm>
+          <a:prstGeom prst="bentConnector3">
+            <a:avLst/>
+          </a:prstGeom>
+          <a:ln>
+            <a:prstDash val="dash"/>
+            <a:tailEnd type="triangle"/>
+          </a:ln>
+        </p:spPr>
+        <p:style>
+          <a:lnRef idx="1">
+            <a:schemeClr val="accent1"/>
+          </a:lnRef>
+          <a:fillRef idx="0">
+            <a:schemeClr val="accent1"/>
+          </a:fillRef>
+          <a:effectRef idx="0">
+            <a:schemeClr val="accent1"/>
+          </a:effectRef>
+          <a:fontRef idx="minor">
+            <a:schemeClr val="tx1"/>
+          </a:fontRef>
+        </p:style>
+      </p:cxnSp>
+      <p:sp>
+        <p:nvSpPr>
+          <p:cNvPr id="16" name="TextBox 15">
+            <a:extLst>
+              <a:ext uri="{FF2B5EF4-FFF2-40B4-BE49-F238E27FC236}">
+                <a16:creationId xmlns:a16="http://schemas.microsoft.com/office/drawing/2014/main" id="{974DAF39-CF89-4E61-A2AD-0E5AF94D4B12}"/>
+              </a:ext>
+            </a:extLst>
+          </p:cNvPr>
+          <p:cNvSpPr txBox="1"/>
+          <p:nvPr/>
+        </p:nvSpPr>
+        <p:spPr>
+          <a:xfrm>
+            <a:off x="6013480" y="3441700"/>
+            <a:ext cx="1074140" cy="369332"/>
+          </a:xfrm>
+          <a:prstGeom prst="rect">
+            <a:avLst/>
+          </a:prstGeom>
+          <a:noFill/>
+        </p:spPr>
+        <p:txBody>
+          <a:bodyPr wrap="none" rtlCol="0">
+            <a:spAutoFit/>
+          </a:bodyPr>
+          <a:lstStyle/>
+          <a:p>
+            <a:r>
+              <a:rPr lang="en-GB" i="1" dirty="0"/>
+              <a:t>Feedback</a:t>
+            </a:r>
+            <a:endParaRPr lang="en-DE" i="1" dirty="0"/>
+          </a:p>
+        </p:txBody>
+      </p:sp>
+      <p:sp>
+        <p:nvSpPr>
+          <p:cNvPr id="17" name="Rectangle 16">
+            <a:extLst>
+              <a:ext uri="{FF2B5EF4-FFF2-40B4-BE49-F238E27FC236}">
+                <a16:creationId xmlns:a16="http://schemas.microsoft.com/office/drawing/2014/main" id="{0D39F825-A963-4CE1-9518-4ACDD3756FB5}"/>
+              </a:ext>
+            </a:extLst>
+          </p:cNvPr>
+          <p:cNvSpPr/>
+          <p:nvPr/>
+        </p:nvSpPr>
+        <p:spPr>
+          <a:xfrm>
+            <a:off x="7639199" y="3351701"/>
+            <a:ext cx="183304" cy="174746"/>
+          </a:xfrm>
+          <a:prstGeom prst="rect">
+            <a:avLst/>
+          </a:prstGeom>
+          <a:noFill/>
+          <a:ln>
+            <a:noFill/>
+          </a:ln>
+        </p:spPr>
+        <p:style>
+          <a:lnRef idx="2">
+            <a:schemeClr val="accent1">
+              <a:shade val="50000"/>
+            </a:schemeClr>
+          </a:lnRef>
+          <a:fillRef idx="1">
+            <a:schemeClr val="accent1"/>
+          </a:fillRef>
+          <a:effectRef idx="0">
+            <a:schemeClr val="accent1"/>
+          </a:effectRef>
+          <a:fontRef idx="minor">
+            <a:schemeClr val="lt1"/>
+          </a:fontRef>
+        </p:style>
+        <p:txBody>
+          <a:bodyPr rtlCol="0" anchor="ctr"/>
+          <a:lstStyle/>
+          <a:p>
+            <a:pPr algn="ctr"/>
+            <a:endParaRPr lang="en-DE"/>
+          </a:p>
+        </p:txBody>
+      </p:sp>
+      <p:sp>
+        <p:nvSpPr>
+          <p:cNvPr id="19" name="Rectangle 18">
+            <a:extLst>
+              <a:ext uri="{FF2B5EF4-FFF2-40B4-BE49-F238E27FC236}">
+                <a16:creationId xmlns:a16="http://schemas.microsoft.com/office/drawing/2014/main" id="{82571673-7BBE-46DF-B389-8F7D987D0A29}"/>
+              </a:ext>
+            </a:extLst>
+          </p:cNvPr>
+          <p:cNvSpPr/>
+          <p:nvPr/>
+        </p:nvSpPr>
+        <p:spPr>
+          <a:xfrm>
+            <a:off x="5078434" y="3354878"/>
+            <a:ext cx="183304" cy="174746"/>
+          </a:xfrm>
+          <a:prstGeom prst="rect">
+            <a:avLst/>
+          </a:prstGeom>
+          <a:noFill/>
+          <a:ln>
+            <a:noFill/>
+          </a:ln>
+        </p:spPr>
+        <p:style>
+          <a:lnRef idx="2">
+            <a:schemeClr val="accent1">
+              <a:shade val="50000"/>
+            </a:schemeClr>
+          </a:lnRef>
+          <a:fillRef idx="1">
+            <a:schemeClr val="accent1"/>
+          </a:fillRef>
+          <a:effectRef idx="0">
+            <a:schemeClr val="accent1"/>
+          </a:effectRef>
+          <a:fontRef idx="minor">
+            <a:schemeClr val="lt1"/>
+          </a:fontRef>
+        </p:style>
+        <p:txBody>
+          <a:bodyPr rtlCol="0" anchor="ctr"/>
+          <a:lstStyle/>
+          <a:p>
+            <a:pPr algn="ctr"/>
+            <a:endParaRPr lang="en-DE"/>
+          </a:p>
+        </p:txBody>
+      </p:sp>
+      <p:sp>
+        <p:nvSpPr>
+          <p:cNvPr id="21" name="TextBox 20">
+            <a:extLst>
+              <a:ext uri="{FF2B5EF4-FFF2-40B4-BE49-F238E27FC236}">
+                <a16:creationId xmlns:a16="http://schemas.microsoft.com/office/drawing/2014/main" id="{1521D499-3BB7-4C11-985A-9D0D91D348F2}"/>
+              </a:ext>
+            </a:extLst>
+          </p:cNvPr>
+          <p:cNvSpPr txBox="1"/>
+          <p:nvPr/>
+        </p:nvSpPr>
+        <p:spPr>
+          <a:xfrm>
+            <a:off x="3219734" y="5916643"/>
+            <a:ext cx="7735772" cy="646331"/>
+          </a:xfrm>
+          <a:prstGeom prst="rect">
+            <a:avLst/>
+          </a:prstGeom>
+          <a:noFill/>
+        </p:spPr>
+        <p:txBody>
+          <a:bodyPr wrap="none" rtlCol="0">
+            <a:spAutoFit/>
+          </a:bodyPr>
+          <a:lstStyle/>
+          <a:p>
+            <a:r>
+              <a:rPr lang="de-DE" i="1" dirty="0"/>
+              <a:t>Feedback </a:t>
+            </a:r>
+            <a:r>
+              <a:rPr lang="de-DE" i="1" dirty="0" err="1"/>
+              <a:t>is</a:t>
+            </a:r>
+            <a:r>
+              <a:rPr lang="de-DE" i="1" dirty="0"/>
+              <a:t> an </a:t>
+            </a:r>
+            <a:r>
+              <a:rPr lang="de-DE" i="1" dirty="0" err="1"/>
+              <a:t>example</a:t>
+            </a:r>
+            <a:r>
+              <a:rPr lang="de-DE" i="1" dirty="0"/>
+              <a:t> </a:t>
+            </a:r>
+            <a:r>
+              <a:rPr lang="de-DE" i="1" dirty="0" err="1"/>
+              <a:t>for</a:t>
+            </a:r>
+            <a:r>
+              <a:rPr lang="de-DE" i="1" dirty="0"/>
+              <a:t> a simple (</a:t>
+            </a:r>
+            <a:r>
+              <a:rPr lang="de-DE" i="1" dirty="0" err="1"/>
+              <a:t>pub-sub</a:t>
+            </a:r>
+            <a:r>
+              <a:rPr lang="de-DE" i="1" dirty="0"/>
+              <a:t>, </a:t>
+            </a:r>
+            <a:r>
+              <a:rPr lang="de-DE" i="1" dirty="0" err="1"/>
+              <a:t>asynchronous</a:t>
+            </a:r>
+            <a:r>
+              <a:rPr lang="de-DE" i="1" dirty="0"/>
+              <a:t>) </a:t>
+            </a:r>
+            <a:r>
+              <a:rPr lang="de-DE" i="1" dirty="0" err="1"/>
+              <a:t>backward</a:t>
+            </a:r>
+            <a:r>
+              <a:rPr lang="de-DE" i="1" dirty="0"/>
+              <a:t> </a:t>
+            </a:r>
+            <a:r>
+              <a:rPr lang="de-DE" i="1" dirty="0" err="1"/>
+              <a:t>channel</a:t>
+            </a:r>
+            <a:r>
+              <a:rPr lang="de-DE" i="1" dirty="0"/>
+              <a:t>.</a:t>
+            </a:r>
+          </a:p>
+          <a:p>
+            <a:r>
+              <a:rPr lang="de-DE" i="1" dirty="0" err="1"/>
+              <a:t>Although</a:t>
+            </a:r>
+            <a:r>
+              <a:rPr lang="de-DE" i="1" dirty="0"/>
+              <a:t> not </a:t>
+            </a:r>
+            <a:r>
+              <a:rPr lang="de-DE" i="1" dirty="0" err="1"/>
+              <a:t>implemented</a:t>
+            </a:r>
+            <a:r>
+              <a:rPr lang="de-DE" i="1" dirty="0"/>
+              <a:t> </a:t>
+            </a:r>
+            <a:r>
+              <a:rPr lang="de-DE" i="1" dirty="0" err="1"/>
+              <a:t>used</a:t>
+            </a:r>
+            <a:r>
+              <a:rPr lang="de-DE" i="1" dirty="0"/>
+              <a:t>/</a:t>
+            </a:r>
+            <a:r>
+              <a:rPr lang="de-DE" i="1" dirty="0" err="1"/>
+              <a:t>here</a:t>
+            </a:r>
+            <a:r>
+              <a:rPr lang="de-DE" i="1" dirty="0"/>
+              <a:t>, </a:t>
+            </a:r>
+            <a:r>
+              <a:rPr lang="de-DE" i="1" dirty="0" err="1"/>
+              <a:t>it</a:t>
+            </a:r>
+            <a:r>
+              <a:rPr lang="de-DE" i="1" dirty="0"/>
+              <a:t> </a:t>
+            </a:r>
+            <a:r>
+              <a:rPr lang="de-DE" i="1" dirty="0" err="1"/>
+              <a:t>is</a:t>
+            </a:r>
+            <a:r>
+              <a:rPr lang="de-DE" i="1" dirty="0"/>
+              <a:t> </a:t>
+            </a:r>
+            <a:r>
+              <a:rPr lang="de-DE" i="1" dirty="0" err="1"/>
+              <a:t>used</a:t>
+            </a:r>
+            <a:r>
+              <a:rPr lang="de-DE" i="1" dirty="0"/>
+              <a:t> in </a:t>
+            </a:r>
+            <a:r>
+              <a:rPr lang="de-DE" i="1" dirty="0" err="1"/>
+              <a:t>testing</a:t>
+            </a:r>
+            <a:r>
+              <a:rPr lang="de-DE" i="1" dirty="0"/>
+              <a:t> </a:t>
+            </a:r>
+            <a:r>
+              <a:rPr lang="de-DE" i="1" dirty="0" err="1"/>
+              <a:t>the</a:t>
+            </a:r>
+            <a:r>
+              <a:rPr lang="de-DE" i="1" dirty="0"/>
+              <a:t> </a:t>
+            </a:r>
+            <a:r>
+              <a:rPr lang="de-DE" i="1" dirty="0" err="1"/>
+              <a:t>management</a:t>
+            </a:r>
+            <a:r>
+              <a:rPr lang="de-DE" i="1" dirty="0"/>
+              <a:t> UI.</a:t>
+            </a:r>
+            <a:endParaRPr lang="en-DE" i="1" dirty="0"/>
+          </a:p>
+        </p:txBody>
+      </p:sp>
     </p:spTree>
     <p:extLst>
       <p:ext uri="{BB962C8B-B14F-4D97-AF65-F5344CB8AC3E}">

--- a/platform/configuration/configuration/src/test/easy/summary.pptx
+++ b/platform/configuration/configuration/src/test/easy/summary.pptx
@@ -278,7 +278,7 @@
           <a:p>
             <a:fld id="{D5B82AE6-E612-48AC-BCA1-8D558D7A7716}" type="datetimeFigureOut">
               <a:rPr lang="en-DE" smtClean="0"/>
-              <a:t>30/11/2023</a:t>
+              <a:t>07/12/2023</a:t>
             </a:fld>
             <a:endParaRPr lang="en-DE"/>
           </a:p>
@@ -478,7 +478,7 @@
           <a:p>
             <a:fld id="{D5B82AE6-E612-48AC-BCA1-8D558D7A7716}" type="datetimeFigureOut">
               <a:rPr lang="en-DE" smtClean="0"/>
-              <a:t>30/11/2023</a:t>
+              <a:t>07/12/2023</a:t>
             </a:fld>
             <a:endParaRPr lang="en-DE"/>
           </a:p>
@@ -688,7 +688,7 @@
           <a:p>
             <a:fld id="{D5B82AE6-E612-48AC-BCA1-8D558D7A7716}" type="datetimeFigureOut">
               <a:rPr lang="en-DE" smtClean="0"/>
-              <a:t>30/11/2023</a:t>
+              <a:t>07/12/2023</a:t>
             </a:fld>
             <a:endParaRPr lang="en-DE"/>
           </a:p>
@@ -888,7 +888,7 @@
           <a:p>
             <a:fld id="{D5B82AE6-E612-48AC-BCA1-8D558D7A7716}" type="datetimeFigureOut">
               <a:rPr lang="en-DE" smtClean="0"/>
-              <a:t>30/11/2023</a:t>
+              <a:t>07/12/2023</a:t>
             </a:fld>
             <a:endParaRPr lang="en-DE"/>
           </a:p>
@@ -1164,7 +1164,7 @@
           <a:p>
             <a:fld id="{D5B82AE6-E612-48AC-BCA1-8D558D7A7716}" type="datetimeFigureOut">
               <a:rPr lang="en-DE" smtClean="0"/>
-              <a:t>30/11/2023</a:t>
+              <a:t>07/12/2023</a:t>
             </a:fld>
             <a:endParaRPr lang="en-DE"/>
           </a:p>
@@ -1432,7 +1432,7 @@
           <a:p>
             <a:fld id="{D5B82AE6-E612-48AC-BCA1-8D558D7A7716}" type="datetimeFigureOut">
               <a:rPr lang="en-DE" smtClean="0"/>
-              <a:t>30/11/2023</a:t>
+              <a:t>07/12/2023</a:t>
             </a:fld>
             <a:endParaRPr lang="en-DE"/>
           </a:p>
@@ -1847,7 +1847,7 @@
           <a:p>
             <a:fld id="{D5B82AE6-E612-48AC-BCA1-8D558D7A7716}" type="datetimeFigureOut">
               <a:rPr lang="en-DE" smtClean="0"/>
-              <a:t>30/11/2023</a:t>
+              <a:t>07/12/2023</a:t>
             </a:fld>
             <a:endParaRPr lang="en-DE"/>
           </a:p>
@@ -1989,7 +1989,7 @@
           <a:p>
             <a:fld id="{D5B82AE6-E612-48AC-BCA1-8D558D7A7716}" type="datetimeFigureOut">
               <a:rPr lang="en-DE" smtClean="0"/>
-              <a:t>30/11/2023</a:t>
+              <a:t>07/12/2023</a:t>
             </a:fld>
             <a:endParaRPr lang="en-DE"/>
           </a:p>
@@ -2102,7 +2102,7 @@
           <a:p>
             <a:fld id="{D5B82AE6-E612-48AC-BCA1-8D558D7A7716}" type="datetimeFigureOut">
               <a:rPr lang="en-DE" smtClean="0"/>
-              <a:t>30/11/2023</a:t>
+              <a:t>07/12/2023</a:t>
             </a:fld>
             <a:endParaRPr lang="en-DE"/>
           </a:p>
@@ -2415,7 +2415,7 @@
           <a:p>
             <a:fld id="{D5B82AE6-E612-48AC-BCA1-8D558D7A7716}" type="datetimeFigureOut">
               <a:rPr lang="en-DE" smtClean="0"/>
-              <a:t>30/11/2023</a:t>
+              <a:t>07/12/2023</a:t>
             </a:fld>
             <a:endParaRPr lang="en-DE"/>
           </a:p>
@@ -2704,7 +2704,7 @@
           <a:p>
             <a:fld id="{D5B82AE6-E612-48AC-BCA1-8D558D7A7716}" type="datetimeFigureOut">
               <a:rPr lang="en-DE" smtClean="0"/>
-              <a:t>30/11/2023</a:t>
+              <a:t>07/12/2023</a:t>
             </a:fld>
             <a:endParaRPr lang="en-DE"/>
           </a:p>
@@ -2947,7 +2947,7 @@
           <a:p>
             <a:fld id="{D5B82AE6-E612-48AC-BCA1-8D558D7A7716}" type="datetimeFigureOut">
               <a:rPr lang="en-DE" smtClean="0"/>
-              <a:t>30/11/2023</a:t>
+              <a:t>07/12/2023</a:t>
             </a:fld>
             <a:endParaRPr lang="en-DE"/>
           </a:p>
@@ -13591,15 +13591,16 @@
             </a:extLst>
           </p:cNvPr>
           <p:cNvCxnSpPr>
-            <a:stCxn id="4" idx="2"/>
+            <a:cxnSpLocks/>
+            <a:stCxn id="18" idx="2"/>
             <a:endCxn id="10" idx="0"/>
           </p:cNvCxnSpPr>
           <p:nvPr/>
         </p:nvCxnSpPr>
         <p:spPr>
           <a:xfrm>
-            <a:off x="4514072" y="3526446"/>
-            <a:ext cx="10941" cy="1189427"/>
+            <a:off x="4514071" y="4265110"/>
+            <a:ext cx="10942" cy="450763"/>
           </a:xfrm>
           <a:prstGeom prst="straightConnector1">
             <a:avLst/>
@@ -13862,8 +13863,8 @@
         </p:nvSpPr>
         <p:spPr>
           <a:xfrm>
-            <a:off x="3219734" y="5916643"/>
-            <a:ext cx="7735772" cy="646331"/>
+            <a:off x="3019006" y="5763019"/>
+            <a:ext cx="8137228" cy="923330"/>
           </a:xfrm>
           <a:prstGeom prst="rect">
             <a:avLst/>
@@ -13984,15 +13985,74 @@
             </a:r>
             <a:r>
               <a:rPr lang="de-DE" i="1" dirty="0"/>
+              <a:t> (</a:t>
+            </a:r>
+            <a:r>
+              <a:rPr lang="de-DE" i="1" dirty="0" err="1"/>
+              <a:t>akin</a:t>
+            </a:r>
+            <a:r>
+              <a:rPr lang="de-DE" i="1" dirty="0"/>
               <a:t> </a:t>
             </a:r>
+            <a:r>
+              <a:rPr lang="de-DE" i="1" dirty="0" err="1"/>
+              <a:t>to</a:t>
+            </a:r>
+            <a:r>
+              <a:rPr lang="de-DE" i="1" dirty="0"/>
+              <a:t> </a:t>
+            </a:r>
+            <a:r>
+              <a:rPr lang="de-DE" i="1" dirty="0" err="1"/>
+              <a:t>the</a:t>
+            </a:r>
+            <a:r>
+              <a:rPr lang="de-DE" i="1" dirty="0"/>
+              <a:t> </a:t>
+            </a:r>
+            <a:r>
+              <a:rPr lang="de-DE" i="1" dirty="0" err="1"/>
+              <a:t>parameters</a:t>
+            </a:r>
+            <a:r>
+              <a:rPr lang="de-DE" i="1" dirty="0"/>
+              <a:t> </a:t>
+            </a:r>
+            <a:r>
+              <a:rPr lang="de-DE" i="1" dirty="0" err="1"/>
+              <a:t>of</a:t>
+            </a:r>
+            <a:r>
+              <a:rPr lang="de-DE" i="1" dirty="0"/>
+              <a:t> </a:t>
+            </a:r>
+            <a:r>
+              <a:rPr lang="de-DE" i="1" dirty="0" err="1"/>
+              <a:t>somple</a:t>
+            </a:r>
+            <a:r>
+              <a:rPr lang="de-DE" i="1" dirty="0"/>
+              <a:t> source) </a:t>
+            </a:r>
+            <a:br>
+              <a:rPr lang="de-DE" i="1" dirty="0"/>
+            </a:br>
             <a:r>
               <a:rPr lang="de-DE" i="1" dirty="0" err="1"/>
               <a:t>used</a:t>
             </a:r>
             <a:r>
               <a:rPr lang="de-DE" i="1" dirty="0"/>
-              <a:t> in </a:t>
+              <a:t> </a:t>
+            </a:r>
+            <a:r>
+              <a:rPr lang="de-DE" i="1" dirty="0" err="1"/>
+              <a:t>for</a:t>
+            </a:r>
+            <a:r>
+              <a:rPr lang="de-DE" i="1" dirty="0"/>
+              <a:t> </a:t>
             </a:r>
             <a:r>
               <a:rPr lang="de-DE" i="1" dirty="0" err="1"/>
@@ -14019,6 +14079,69 @@
               <a:t> UI.</a:t>
             </a:r>
             <a:endParaRPr lang="en-DE" i="1" dirty="0"/>
+          </a:p>
+        </p:txBody>
+      </p:sp>
+      <p:sp>
+        <p:nvSpPr>
+          <p:cNvPr id="18" name="TextBox 17">
+            <a:extLst>
+              <a:ext uri="{FF2B5EF4-FFF2-40B4-BE49-F238E27FC236}">
+                <a16:creationId xmlns:a16="http://schemas.microsoft.com/office/drawing/2014/main" id="{0BA6ECED-9DAC-4336-BB7B-017F0E3D6CEA}"/>
+              </a:ext>
+            </a:extLst>
+          </p:cNvPr>
+          <p:cNvSpPr txBox="1"/>
+          <p:nvPr/>
+        </p:nvSpPr>
+        <p:spPr>
+          <a:xfrm>
+            <a:off x="3774958" y="3526446"/>
+            <a:ext cx="1478225" cy="738664"/>
+          </a:xfrm>
+          <a:prstGeom prst="rect">
+            <a:avLst/>
+          </a:prstGeom>
+          <a:solidFill>
+            <a:schemeClr val="bg1"/>
+          </a:solidFill>
+          <a:ln>
+            <a:solidFill>
+              <a:schemeClr val="accent1"/>
+            </a:solidFill>
+          </a:ln>
+        </p:spPr>
+        <p:txBody>
+          <a:bodyPr wrap="square" rtlCol="0">
+            <a:spAutoFit/>
+          </a:bodyPr>
+          <a:lstStyle/>
+          <a:p>
+            <a:r>
+              <a:rPr lang="en-GB" sz="1400" b="1" dirty="0"/>
+              <a:t>Parameter:</a:t>
+            </a:r>
+          </a:p>
+          <a:p>
+            <a:r>
+              <a:rPr lang="en-GB" sz="1400" dirty="0" err="1"/>
+              <a:t>camIP</a:t>
+            </a:r>
+            <a:r>
+              <a:rPr lang="en-GB" sz="1400" dirty="0"/>
+              <a:t>: String</a:t>
+            </a:r>
+          </a:p>
+          <a:p>
+            <a:r>
+              <a:rPr lang="en-GB" sz="1400" dirty="0" err="1"/>
+              <a:t>camPort</a:t>
+            </a:r>
+            <a:r>
+              <a:rPr lang="en-GB" sz="1400" dirty="0"/>
+              <a:t>: Integer</a:t>
+            </a:r>
+            <a:endParaRPr lang="en-DE" sz="1400" dirty="0"/>
           </a:p>
         </p:txBody>
       </p:sp>
